--- a/工作分享.pptx
+++ b/工作分享.pptx
@@ -5,7 +5,7 @@
     <p:sldMasterId id="2147483648" r:id="rId1"/>
   </p:sldMasterIdLst>
   <p:notesMasterIdLst>
-    <p:notesMasterId r:id="rId31"/>
+    <p:notesMasterId r:id="rId32"/>
   </p:notesMasterIdLst>
   <p:sldIdLst>
     <p:sldId id="256" r:id="rId2"/>
@@ -37,6 +37,7 @@
     <p:sldId id="285" r:id="rId28"/>
     <p:sldId id="286" r:id="rId29"/>
     <p:sldId id="290" r:id="rId30"/>
+    <p:sldId id="291" r:id="rId31"/>
   </p:sldIdLst>
   <p:sldSz cx="12192000" cy="6858000"/>
   <p:notesSz cx="6858000" cy="9144000"/>
@@ -2886,780 +2887,6 @@
           <a:bodyPr/>
           <a:lstStyle/>
           <a:p>
-            <a:r>
-              <a:rPr lang="zh-CN" altLang="en-US" sz="1200" b="0" i="0" kern="1200" dirty="0" smtClean="0">
-                <a:solidFill>
-                  <a:schemeClr val="tx1"/>
-                </a:solidFill>
-                <a:effectLst/>
-                <a:latin typeface="+mn-lt"/>
-                <a:ea typeface="+mn-ea"/>
-                <a:cs typeface="+mn-cs"/>
-              </a:rPr>
-              <a:t>由</a:t>
-            </a:r>
-            <a:r>
-              <a:rPr lang="en-US" altLang="zh-CN" sz="1200" b="0" i="0" kern="1200" dirty="0" err="1" smtClean="0">
-                <a:solidFill>
-                  <a:schemeClr val="tx1"/>
-                </a:solidFill>
-                <a:effectLst/>
-                <a:latin typeface="+mn-lt"/>
-                <a:ea typeface="+mn-ea"/>
-                <a:cs typeface="+mn-cs"/>
-              </a:rPr>
-              <a:t>synchronous_commit</a:t>
-            </a:r>
-            <a:r>
-              <a:rPr lang="zh-CN" altLang="en-US" sz="1200" b="0" i="0" kern="1200" dirty="0" smtClean="0">
-                <a:solidFill>
-                  <a:schemeClr val="tx1"/>
-                </a:solidFill>
-                <a:effectLst/>
-                <a:latin typeface="+mn-lt"/>
-                <a:ea typeface="+mn-ea"/>
-                <a:cs typeface="+mn-cs"/>
-              </a:rPr>
-              <a:t>参数决定，</a:t>
-            </a:r>
-          </a:p>
-          <a:p>
-            <a:r>
-              <a:rPr lang="zh-CN" altLang="en-US" sz="1200" b="0" i="0" kern="1200" dirty="0" smtClean="0">
-                <a:solidFill>
-                  <a:schemeClr val="tx1"/>
-                </a:solidFill>
-                <a:effectLst/>
-                <a:latin typeface="+mn-lt"/>
-                <a:ea typeface="+mn-ea"/>
-                <a:cs typeface="+mn-cs"/>
-              </a:rPr>
-              <a:t>当</a:t>
-            </a:r>
-            <a:r>
-              <a:rPr lang="en-US" altLang="zh-CN" sz="1200" b="0" i="0" kern="1200" dirty="0" smtClean="0">
-                <a:solidFill>
-                  <a:schemeClr val="tx1"/>
-                </a:solidFill>
-                <a:effectLst/>
-                <a:latin typeface="+mn-lt"/>
-                <a:ea typeface="+mn-ea"/>
-                <a:cs typeface="+mn-cs"/>
-              </a:rPr>
-              <a:t>off</a:t>
-            </a:r>
-            <a:r>
-              <a:rPr lang="zh-CN" altLang="en-US" sz="1200" b="0" i="0" kern="1200" dirty="0" smtClean="0">
-                <a:solidFill>
-                  <a:schemeClr val="tx1"/>
-                </a:solidFill>
-                <a:effectLst/>
-                <a:latin typeface="+mn-lt"/>
-                <a:ea typeface="+mn-ea"/>
-                <a:cs typeface="+mn-cs"/>
-              </a:rPr>
-              <a:t>时，此时就是</a:t>
-            </a:r>
-            <a:r>
-              <a:rPr lang="en-US" altLang="zh-CN" sz="1200" b="0" i="0" kern="1200" dirty="0" err="1" smtClean="0">
-                <a:solidFill>
-                  <a:schemeClr val="tx1"/>
-                </a:solidFill>
-                <a:effectLst/>
-                <a:latin typeface="+mn-lt"/>
-                <a:ea typeface="+mn-ea"/>
-                <a:cs typeface="+mn-cs"/>
-              </a:rPr>
-              <a:t>Async</a:t>
-            </a:r>
-            <a:r>
-              <a:rPr lang="en-US" altLang="zh-CN" sz="1200" b="0" i="0" kern="1200" dirty="0" smtClean="0">
-                <a:solidFill>
-                  <a:schemeClr val="tx1"/>
-                </a:solidFill>
-                <a:effectLst/>
-                <a:latin typeface="+mn-lt"/>
-                <a:ea typeface="+mn-ea"/>
-                <a:cs typeface="+mn-cs"/>
-              </a:rPr>
-              <a:t> Commit</a:t>
-            </a:r>
-            <a:r>
-              <a:rPr lang="zh-CN" altLang="en-US" sz="1200" b="0" i="0" kern="1200" dirty="0" smtClean="0">
-                <a:solidFill>
-                  <a:schemeClr val="tx1"/>
-                </a:solidFill>
-                <a:effectLst/>
-                <a:latin typeface="+mn-lt"/>
-                <a:ea typeface="+mn-ea"/>
-                <a:cs typeface="+mn-cs"/>
-              </a:rPr>
-              <a:t>，返回</a:t>
-            </a:r>
-            <a:r>
-              <a:rPr lang="en-US" altLang="zh-CN" sz="1200" b="0" i="0" kern="1200" dirty="0" smtClean="0">
-                <a:solidFill>
-                  <a:schemeClr val="tx1"/>
-                </a:solidFill>
-                <a:effectLst/>
-                <a:latin typeface="+mn-lt"/>
-                <a:ea typeface="+mn-ea"/>
-                <a:cs typeface="+mn-cs"/>
-              </a:rPr>
-              <a:t>commit</a:t>
-            </a:r>
-            <a:r>
-              <a:rPr lang="zh-CN" altLang="en-US" sz="1200" b="0" i="0" kern="1200" dirty="0" smtClean="0">
-                <a:solidFill>
-                  <a:schemeClr val="tx1"/>
-                </a:solidFill>
-                <a:effectLst/>
-                <a:latin typeface="+mn-lt"/>
-                <a:ea typeface="+mn-ea"/>
-                <a:cs typeface="+mn-cs"/>
-              </a:rPr>
-              <a:t>成功后，最多等待</a:t>
-            </a:r>
-            <a:r>
-              <a:rPr lang="en-US" altLang="zh-CN" sz="1200" b="0" i="0" kern="1200" dirty="0" smtClean="0">
-                <a:solidFill>
-                  <a:schemeClr val="tx1"/>
-                </a:solidFill>
-                <a:effectLst/>
-                <a:latin typeface="+mn-lt"/>
-                <a:ea typeface="+mn-ea"/>
-                <a:cs typeface="+mn-cs"/>
-              </a:rPr>
-              <a:t>3*</a:t>
-            </a:r>
-            <a:r>
-              <a:rPr lang="en-US" altLang="zh-CN" sz="1200" b="0" i="0" u="none" strike="noStrike" kern="1200" dirty="0" smtClean="0">
-                <a:solidFill>
-                  <a:schemeClr val="tx1"/>
-                </a:solidFill>
-                <a:effectLst/>
-                <a:latin typeface="+mn-lt"/>
-                <a:ea typeface="+mn-ea"/>
-                <a:cs typeface="+mn-cs"/>
-                <a:hlinkClick r:id="rId3"/>
-              </a:rPr>
-              <a:t>wal_writer_delay</a:t>
-            </a:r>
-            <a:r>
-              <a:rPr lang="zh-CN" altLang="en-US" sz="1200" b="0" i="0" kern="1200" dirty="0" smtClean="0">
-                <a:solidFill>
-                  <a:schemeClr val="tx1"/>
-                </a:solidFill>
-                <a:effectLst/>
-                <a:latin typeface="+mn-lt"/>
-                <a:ea typeface="+mn-ea"/>
-                <a:cs typeface="+mn-cs"/>
-              </a:rPr>
-              <a:t>的时间，强制刷盘；</a:t>
-            </a:r>
-          </a:p>
-          <a:p>
-            <a:r>
-              <a:rPr lang="zh-CN" altLang="en-US" sz="1200" b="0" i="0" kern="1200" dirty="0" smtClean="0">
-                <a:solidFill>
-                  <a:schemeClr val="tx1"/>
-                </a:solidFill>
-                <a:effectLst/>
-                <a:latin typeface="+mn-lt"/>
-                <a:ea typeface="+mn-ea"/>
-                <a:cs typeface="+mn-cs"/>
-              </a:rPr>
-              <a:t>如果</a:t>
-            </a:r>
-            <a:r>
-              <a:rPr lang="en-US" altLang="zh-CN" sz="1200" b="0" i="0" u="none" strike="noStrike" kern="1200" dirty="0" smtClean="0">
-                <a:solidFill>
-                  <a:schemeClr val="tx1"/>
-                </a:solidFill>
-                <a:effectLst/>
-                <a:latin typeface="+mn-lt"/>
-                <a:ea typeface="+mn-ea"/>
-                <a:cs typeface="+mn-cs"/>
-                <a:hlinkClick r:id="rId4"/>
-              </a:rPr>
-              <a:t>synchronous_standby_names</a:t>
-            </a:r>
-            <a:r>
-              <a:rPr lang="zh-CN" altLang="en-US" sz="1200" b="0" i="0" kern="1200" dirty="0" smtClean="0">
-                <a:solidFill>
-                  <a:schemeClr val="tx1"/>
-                </a:solidFill>
-                <a:effectLst/>
-                <a:latin typeface="+mn-lt"/>
-                <a:ea typeface="+mn-ea"/>
-                <a:cs typeface="+mn-cs"/>
-              </a:rPr>
-              <a:t>不是空的话，</a:t>
-            </a:r>
-          </a:p>
-          <a:p>
-            <a:pPr lvl="1"/>
-            <a:r>
-              <a:rPr lang="zh-CN" altLang="en-US" sz="1200" b="0" i="0" kern="1200" dirty="0" smtClean="0">
-                <a:solidFill>
-                  <a:schemeClr val="tx1"/>
-                </a:solidFill>
-                <a:effectLst/>
-                <a:latin typeface="+mn-lt"/>
-                <a:ea typeface="+mn-ea"/>
-                <a:cs typeface="+mn-cs"/>
-              </a:rPr>
-              <a:t>默认是</a:t>
-            </a:r>
-            <a:r>
-              <a:rPr lang="en-US" altLang="zh-CN" sz="1200" b="0" i="0" kern="1200" dirty="0" smtClean="0">
-                <a:solidFill>
-                  <a:schemeClr val="tx1"/>
-                </a:solidFill>
-                <a:effectLst/>
-                <a:latin typeface="+mn-lt"/>
-                <a:ea typeface="+mn-ea"/>
-                <a:cs typeface="+mn-cs"/>
-              </a:rPr>
-              <a:t>on</a:t>
-            </a:r>
-            <a:r>
-              <a:rPr lang="zh-CN" altLang="en-US" sz="1200" b="0" i="0" kern="1200" dirty="0" smtClean="0">
-                <a:solidFill>
-                  <a:schemeClr val="tx1"/>
-                </a:solidFill>
-                <a:effectLst/>
-                <a:latin typeface="+mn-lt"/>
-                <a:ea typeface="+mn-ea"/>
-                <a:cs typeface="+mn-cs"/>
-              </a:rPr>
-              <a:t>，那么</a:t>
-            </a:r>
-            <a:r>
-              <a:rPr lang="en-US" altLang="zh-CN" sz="1200" b="0" i="0" kern="1200" dirty="0" smtClean="0">
-                <a:solidFill>
-                  <a:schemeClr val="tx1"/>
-                </a:solidFill>
-                <a:effectLst/>
-                <a:latin typeface="+mn-lt"/>
-                <a:ea typeface="+mn-ea"/>
-                <a:cs typeface="+mn-cs"/>
-              </a:rPr>
-              <a:t>master</a:t>
-            </a:r>
-            <a:r>
-              <a:rPr lang="zh-CN" altLang="en-US" sz="1200" b="0" i="0" kern="1200" dirty="0" smtClean="0">
-                <a:solidFill>
-                  <a:schemeClr val="tx1"/>
-                </a:solidFill>
-                <a:effectLst/>
-                <a:latin typeface="+mn-lt"/>
-                <a:ea typeface="+mn-ea"/>
-                <a:cs typeface="+mn-cs"/>
-              </a:rPr>
-              <a:t>会等待</a:t>
-            </a:r>
-            <a:r>
-              <a:rPr lang="en-US" altLang="zh-CN" sz="1200" b="0" i="0" kern="1200" dirty="0" smtClean="0">
-                <a:solidFill>
-                  <a:schemeClr val="tx1"/>
-                </a:solidFill>
-                <a:effectLst/>
-                <a:latin typeface="+mn-lt"/>
-                <a:ea typeface="+mn-ea"/>
-                <a:cs typeface="+mn-cs"/>
-              </a:rPr>
-              <a:t>sync standby</a:t>
-            </a:r>
-            <a:r>
-              <a:rPr lang="zh-CN" altLang="en-US" sz="1200" b="0" i="0" kern="1200" dirty="0" smtClean="0">
-                <a:solidFill>
-                  <a:schemeClr val="tx1"/>
-                </a:solidFill>
-                <a:effectLst/>
-                <a:latin typeface="+mn-lt"/>
-                <a:ea typeface="+mn-ea"/>
-                <a:cs typeface="+mn-cs"/>
-              </a:rPr>
-              <a:t>的确认</a:t>
-            </a:r>
-            <a:r>
-              <a:rPr lang="zh-CN" altLang="en-US" sz="1200" b="1" i="0" kern="1200" dirty="0" smtClean="0">
-                <a:solidFill>
-                  <a:schemeClr val="tx1"/>
-                </a:solidFill>
-                <a:effectLst/>
-                <a:latin typeface="+mn-lt"/>
-                <a:ea typeface="+mn-ea"/>
-                <a:cs typeface="+mn-cs"/>
-              </a:rPr>
-              <a:t>收到</a:t>
-            </a:r>
-            <a:r>
-              <a:rPr lang="en-US" altLang="zh-CN" sz="1200" b="0" i="0" kern="1200" dirty="0" smtClean="0">
-                <a:solidFill>
-                  <a:schemeClr val="tx1"/>
-                </a:solidFill>
-                <a:effectLst/>
-                <a:latin typeface="+mn-lt"/>
-                <a:ea typeface="+mn-ea"/>
-                <a:cs typeface="+mn-cs"/>
-              </a:rPr>
-              <a:t>commit record</a:t>
-            </a:r>
-            <a:r>
-              <a:rPr lang="zh-CN" altLang="en-US" sz="1200" b="0" i="0" kern="1200" dirty="0" smtClean="0">
-                <a:solidFill>
-                  <a:schemeClr val="tx1"/>
-                </a:solidFill>
-                <a:effectLst/>
-                <a:latin typeface="+mn-lt"/>
-                <a:ea typeface="+mn-ea"/>
-                <a:cs typeface="+mn-cs"/>
-              </a:rPr>
-              <a:t>后，返回成功，此时数据不会丢失；</a:t>
-            </a:r>
-          </a:p>
-          <a:p>
-            <a:pPr lvl="1"/>
-            <a:r>
-              <a:rPr lang="zh-CN" altLang="en-US" sz="1200" b="0" i="0" kern="1200" dirty="0" smtClean="0">
-                <a:solidFill>
-                  <a:schemeClr val="tx1"/>
-                </a:solidFill>
-                <a:effectLst/>
-                <a:latin typeface="+mn-lt"/>
-                <a:ea typeface="+mn-ea"/>
-                <a:cs typeface="+mn-cs"/>
-              </a:rPr>
-              <a:t>另外还有 </a:t>
-            </a:r>
-            <a:r>
-              <a:rPr lang="en-US" altLang="zh-CN" sz="1200" b="0" i="0" kern="1200" dirty="0" err="1" smtClean="0">
-                <a:solidFill>
-                  <a:schemeClr val="tx1"/>
-                </a:solidFill>
-                <a:effectLst/>
-                <a:latin typeface="+mn-lt"/>
-                <a:ea typeface="+mn-ea"/>
-                <a:cs typeface="+mn-cs"/>
-              </a:rPr>
-              <a:t>remote_apply</a:t>
-            </a:r>
-            <a:r>
-              <a:rPr lang="zh-CN" altLang="en-US" sz="1200" b="0" i="0" kern="1200" dirty="0" smtClean="0">
-                <a:solidFill>
-                  <a:schemeClr val="tx1"/>
-                </a:solidFill>
-                <a:effectLst/>
-                <a:latin typeface="+mn-lt"/>
-                <a:ea typeface="+mn-ea"/>
-                <a:cs typeface="+mn-cs"/>
-              </a:rPr>
-              <a:t>，确认</a:t>
-            </a:r>
-            <a:r>
-              <a:rPr lang="en-US" altLang="zh-CN" sz="1200" b="0" i="0" kern="1200" dirty="0" smtClean="0">
-                <a:solidFill>
-                  <a:schemeClr val="tx1"/>
-                </a:solidFill>
-                <a:effectLst/>
-                <a:latin typeface="+mn-lt"/>
-                <a:ea typeface="+mn-ea"/>
-                <a:cs typeface="+mn-cs"/>
-              </a:rPr>
-              <a:t>sync standby</a:t>
-            </a:r>
-            <a:r>
-              <a:rPr lang="zh-CN" altLang="en-US" sz="1200" b="0" i="0" kern="1200" dirty="0" smtClean="0">
-                <a:solidFill>
-                  <a:schemeClr val="tx1"/>
-                </a:solidFill>
-                <a:effectLst/>
-                <a:latin typeface="+mn-lt"/>
-                <a:ea typeface="+mn-ea"/>
-                <a:cs typeface="+mn-cs"/>
-              </a:rPr>
-              <a:t>也完成了这个事务，此时修改在备库也是可见的。</a:t>
-            </a:r>
-          </a:p>
-          <a:p>
-            <a:pPr lvl="1"/>
-            <a:r>
-              <a:rPr lang="zh-CN" altLang="en-US" sz="1200" b="0" i="0" kern="1200" dirty="0" smtClean="0">
-                <a:solidFill>
-                  <a:schemeClr val="tx1"/>
-                </a:solidFill>
-                <a:effectLst/>
-                <a:latin typeface="+mn-lt"/>
-                <a:ea typeface="+mn-ea"/>
-                <a:cs typeface="+mn-cs"/>
-              </a:rPr>
-              <a:t>同理 </a:t>
-            </a:r>
-            <a:r>
-              <a:rPr lang="en-US" altLang="zh-CN" sz="1200" b="0" i="0" kern="1200" dirty="0" err="1" smtClean="0">
-                <a:solidFill>
-                  <a:schemeClr val="tx1"/>
-                </a:solidFill>
-                <a:effectLst/>
-                <a:latin typeface="+mn-lt"/>
-                <a:ea typeface="+mn-ea"/>
-                <a:cs typeface="+mn-cs"/>
-              </a:rPr>
-              <a:t>remote_write</a:t>
-            </a:r>
-            <a:r>
-              <a:rPr lang="en-US" altLang="zh-CN" sz="1200" b="0" i="0" kern="1200" dirty="0" smtClean="0">
-                <a:solidFill>
-                  <a:schemeClr val="tx1"/>
-                </a:solidFill>
-                <a:effectLst/>
-                <a:latin typeface="+mn-lt"/>
-                <a:ea typeface="+mn-ea"/>
-                <a:cs typeface="+mn-cs"/>
-              </a:rPr>
-              <a:t>, </a:t>
-            </a:r>
-            <a:r>
-              <a:rPr lang="zh-CN" altLang="en-US" sz="1200" b="0" i="0" kern="1200" dirty="0" smtClean="0">
-                <a:solidFill>
-                  <a:schemeClr val="tx1"/>
-                </a:solidFill>
-                <a:effectLst/>
-                <a:latin typeface="+mn-lt"/>
-                <a:ea typeface="+mn-ea"/>
-                <a:cs typeface="+mn-cs"/>
-              </a:rPr>
-              <a:t>就是确保备库上也刷盘了。</a:t>
-            </a:r>
-          </a:p>
-          <a:p>
-            <a:pPr lvl="1"/>
-            <a:r>
-              <a:rPr lang="zh-CN" altLang="en-US" sz="1200" b="0" i="0" kern="1200" dirty="0" smtClean="0">
-                <a:solidFill>
-                  <a:schemeClr val="tx1"/>
-                </a:solidFill>
-                <a:effectLst/>
-                <a:latin typeface="+mn-lt"/>
-                <a:ea typeface="+mn-ea"/>
-                <a:cs typeface="+mn-cs"/>
-              </a:rPr>
-              <a:t>而</a:t>
-            </a:r>
-            <a:r>
-              <a:rPr lang="en-US" altLang="zh-CN" sz="1200" b="0" i="0" kern="1200" dirty="0" smtClean="0">
-                <a:solidFill>
-                  <a:schemeClr val="tx1"/>
-                </a:solidFill>
-                <a:effectLst/>
-                <a:latin typeface="+mn-lt"/>
-                <a:ea typeface="+mn-ea"/>
-                <a:cs typeface="+mn-cs"/>
-              </a:rPr>
-              <a:t>local</a:t>
-            </a:r>
-            <a:r>
-              <a:rPr lang="zh-CN" altLang="en-US" sz="1200" b="0" i="0" kern="1200" dirty="0" smtClean="0">
-                <a:solidFill>
-                  <a:schemeClr val="tx1"/>
-                </a:solidFill>
-                <a:effectLst/>
-                <a:latin typeface="+mn-lt"/>
-                <a:ea typeface="+mn-ea"/>
-                <a:cs typeface="+mn-cs"/>
-              </a:rPr>
-              <a:t>就只确保本地刷盘即可，不管</a:t>
-            </a:r>
-            <a:r>
-              <a:rPr lang="en-US" altLang="zh-CN" sz="1200" b="0" i="0" kern="1200" dirty="0" smtClean="0">
-                <a:solidFill>
-                  <a:schemeClr val="tx1"/>
-                </a:solidFill>
-                <a:effectLst/>
-                <a:latin typeface="+mn-lt"/>
-                <a:ea typeface="+mn-ea"/>
-                <a:cs typeface="+mn-cs"/>
-              </a:rPr>
-              <a:t>replication</a:t>
-            </a:r>
-            <a:r>
-              <a:rPr lang="zh-CN" altLang="en-US" sz="1200" b="0" i="0" kern="1200" dirty="0" smtClean="0">
-                <a:solidFill>
-                  <a:schemeClr val="tx1"/>
-                </a:solidFill>
-                <a:effectLst/>
-                <a:latin typeface="+mn-lt"/>
-                <a:ea typeface="+mn-ea"/>
-                <a:cs typeface="+mn-cs"/>
-              </a:rPr>
-              <a:t>。</a:t>
-            </a:r>
-          </a:p>
-          <a:p>
-            <a:r>
-              <a:rPr lang="zh-CN" altLang="en-US" sz="1200" b="0" i="0" kern="1200" dirty="0" smtClean="0">
-                <a:solidFill>
-                  <a:schemeClr val="tx1"/>
-                </a:solidFill>
-                <a:effectLst/>
-                <a:latin typeface="+mn-lt"/>
-                <a:ea typeface="+mn-ea"/>
-                <a:cs typeface="+mn-cs"/>
-              </a:rPr>
-              <a:t>如果</a:t>
-            </a:r>
-            <a:r>
-              <a:rPr lang="en-US" altLang="zh-CN" sz="1200" b="0" i="0" kern="1200" dirty="0" err="1" smtClean="0">
-                <a:solidFill>
-                  <a:schemeClr val="tx1"/>
-                </a:solidFill>
-                <a:effectLst/>
-                <a:latin typeface="+mn-lt"/>
-                <a:ea typeface="+mn-ea"/>
-                <a:cs typeface="+mn-cs"/>
-              </a:rPr>
-              <a:t>synchronous_standby_names</a:t>
-            </a:r>
-            <a:r>
-              <a:rPr lang="zh-CN" altLang="en-US" sz="1200" b="0" i="0" kern="1200" dirty="0" smtClean="0">
-                <a:solidFill>
-                  <a:schemeClr val="tx1"/>
-                </a:solidFill>
-                <a:effectLst/>
-                <a:latin typeface="+mn-lt"/>
-                <a:ea typeface="+mn-ea"/>
-                <a:cs typeface="+mn-cs"/>
-              </a:rPr>
-              <a:t>是空的话</a:t>
-            </a:r>
-          </a:p>
-          <a:p>
-            <a:r>
-              <a:rPr lang="zh-CN" altLang="en-US" sz="1200" b="0" i="0" kern="1200" dirty="0" smtClean="0">
-                <a:solidFill>
-                  <a:schemeClr val="tx1"/>
-                </a:solidFill>
-                <a:effectLst/>
-                <a:latin typeface="+mn-lt"/>
-                <a:ea typeface="+mn-ea"/>
-                <a:cs typeface="+mn-cs"/>
-              </a:rPr>
-              <a:t>就只管</a:t>
-            </a:r>
-            <a:r>
-              <a:rPr lang="en-US" altLang="zh-CN" sz="1200" b="0" i="0" kern="1200" dirty="0" smtClean="0">
-                <a:solidFill>
-                  <a:schemeClr val="tx1"/>
-                </a:solidFill>
-                <a:effectLst/>
-                <a:latin typeface="+mn-lt"/>
-                <a:ea typeface="+mn-ea"/>
-                <a:cs typeface="+mn-cs"/>
-              </a:rPr>
-              <a:t>local</a:t>
-            </a:r>
-            <a:r>
-              <a:rPr lang="zh-CN" altLang="en-US" sz="1200" b="0" i="0" kern="1200" dirty="0" smtClean="0">
-                <a:solidFill>
-                  <a:schemeClr val="tx1"/>
-                </a:solidFill>
-                <a:effectLst/>
-                <a:latin typeface="+mn-lt"/>
-                <a:ea typeface="+mn-ea"/>
-                <a:cs typeface="+mn-cs"/>
-              </a:rPr>
-              <a:t>了。</a:t>
-            </a:r>
-          </a:p>
-          <a:p>
-            <a:r>
-              <a:rPr lang="zh-CN" altLang="en-US" dirty="0" smtClean="0">
-                <a:effectLst/>
-              </a:rPr>
-              <a:t>关闭</a:t>
-            </a:r>
-            <a:r>
-              <a:rPr lang="en-US" altLang="zh-CN" dirty="0" err="1" smtClean="0">
-                <a:effectLst/>
-              </a:rPr>
-              <a:t>synchronous_commit</a:t>
-            </a:r>
-            <a:r>
-              <a:rPr lang="zh-CN" altLang="en-US" dirty="0" smtClean="0">
-                <a:effectLst/>
-              </a:rPr>
-              <a:t>，不会导致数据不一致性，顶多会丢掉几个</a:t>
-            </a:r>
-            <a:r>
-              <a:rPr lang="en-US" altLang="zh-CN" dirty="0" smtClean="0">
-                <a:effectLst/>
-              </a:rPr>
-              <a:t>commit</a:t>
-            </a:r>
-            <a:r>
-              <a:rPr lang="zh-CN" altLang="en-US" dirty="0" smtClean="0">
-                <a:effectLst/>
-              </a:rPr>
-              <a:t>的事务，但是数据库中的数据是一致的。而关闭</a:t>
-            </a:r>
-            <a:r>
-              <a:rPr lang="en-US" altLang="zh-CN" dirty="0" err="1" smtClean="0">
-                <a:effectLst/>
-              </a:rPr>
-              <a:t>fsync</a:t>
-            </a:r>
-            <a:r>
-              <a:rPr lang="zh-CN" altLang="en-US" dirty="0" smtClean="0">
-                <a:effectLst/>
-              </a:rPr>
-              <a:t>，数据的落盘就没有保证了，如果你关了</a:t>
-            </a:r>
-            <a:r>
-              <a:rPr lang="en-US" altLang="zh-CN" dirty="0" err="1" smtClean="0">
-                <a:effectLst/>
-              </a:rPr>
-              <a:t>fsync</a:t>
-            </a:r>
-            <a:r>
-              <a:rPr lang="zh-CN" altLang="en-US" dirty="0" smtClean="0">
-                <a:effectLst/>
-              </a:rPr>
-              <a:t>，那么连</a:t>
-            </a:r>
-            <a:r>
-              <a:rPr lang="en-US" altLang="zh-CN" dirty="0" err="1" smtClean="0">
-                <a:effectLst/>
-              </a:rPr>
-              <a:t>full_page_write</a:t>
-            </a:r>
-            <a:r>
-              <a:rPr lang="zh-CN" altLang="en-US" dirty="0" smtClean="0">
-                <a:effectLst/>
-              </a:rPr>
-              <a:t>也一起关了得了。</a:t>
-            </a:r>
-          </a:p>
-          <a:p>
-            <a:r>
-              <a:rPr lang="zh-CN" altLang="en-US" dirty="0" smtClean="0">
-                <a:effectLst/>
-              </a:rPr>
-              <a:t>所以想提高性能，可以考虑关闭</a:t>
-            </a:r>
-            <a:r>
-              <a:rPr lang="en-US" altLang="zh-CN" dirty="0" err="1" smtClean="0">
-                <a:effectLst/>
-              </a:rPr>
-              <a:t>synchronous_commit</a:t>
-            </a:r>
-            <a:r>
-              <a:rPr lang="zh-CN" altLang="en-US" dirty="0" smtClean="0">
-                <a:effectLst/>
-              </a:rPr>
-              <a:t>（最好还是别关）。</a:t>
-            </a:r>
-          </a:p>
-          <a:p>
-            <a:r>
-              <a:rPr lang="zh-CN" altLang="en-US" dirty="0" smtClean="0">
-                <a:effectLst/>
-              </a:rPr>
-              <a:t>值得注意的是，</a:t>
-            </a:r>
-            <a:r>
-              <a:rPr lang="en-US" altLang="zh-CN" dirty="0" err="1" smtClean="0">
-                <a:effectLst/>
-              </a:rPr>
-              <a:t>synchronous_commit</a:t>
-            </a:r>
-            <a:r>
-              <a:rPr lang="zh-CN" altLang="en-US" dirty="0" smtClean="0">
-                <a:effectLst/>
-              </a:rPr>
-              <a:t>可以在任何地方设置，甚至可以同一个应用控制不同事务的提交级别。</a:t>
-            </a:r>
-            <a:endParaRPr lang="en-US" altLang="zh-CN" dirty="0" smtClean="0">
-              <a:effectLst/>
-            </a:endParaRPr>
-          </a:p>
-          <a:p>
-            <a:endParaRPr lang="en-US" altLang="zh-CN" dirty="0" smtClean="0">
-              <a:effectLst/>
-            </a:endParaRPr>
-          </a:p>
-          <a:p>
-            <a:r>
-              <a:rPr kumimoji="1" lang="zh-CN" altLang="en-US" dirty="0" smtClean="0"/>
-              <a:t>区分</a:t>
-            </a:r>
-            <a:r>
-              <a:rPr kumimoji="1" lang="en-US" altLang="zh-CN" dirty="0" smtClean="0"/>
-              <a:t>:</a:t>
-            </a:r>
-          </a:p>
-          <a:p>
-            <a:pPr lvl="1"/>
-            <a:r>
-              <a:rPr lang="en-US" altLang="zh-CN" dirty="0" err="1" smtClean="0"/>
-              <a:t>full_page_write</a:t>
-            </a:r>
-            <a:r>
-              <a:rPr lang="zh-CN" altLang="en-US" dirty="0" smtClean="0"/>
-              <a:t>：</a:t>
-            </a:r>
-            <a:r>
-              <a:rPr lang="en-US" altLang="zh-CN" dirty="0" smtClean="0"/>
-              <a:t>checkpoint</a:t>
-            </a:r>
-            <a:r>
-              <a:rPr lang="zh-CN" altLang="en-US" dirty="0" smtClean="0"/>
-              <a:t>后，第一次修改，整页写入</a:t>
-            </a:r>
-            <a:r>
-              <a:rPr lang="en-US" altLang="zh-CN" dirty="0" smtClean="0"/>
-              <a:t>WAL</a:t>
-            </a:r>
-          </a:p>
-          <a:p>
-            <a:pPr lvl="1"/>
-            <a:r>
-              <a:rPr kumimoji="1" lang="en-US" altLang="zh-CN" dirty="0" err="1" smtClean="0"/>
-              <a:t>Fsync</a:t>
-            </a:r>
-            <a:r>
-              <a:rPr kumimoji="1" lang="zh-CN" altLang="en-US" dirty="0" smtClean="0"/>
-              <a:t>：</a:t>
-            </a:r>
-            <a:r>
-              <a:rPr kumimoji="1" lang="en-US" altLang="zh-CN" dirty="0" smtClean="0"/>
-              <a:t>try</a:t>
-            </a:r>
-            <a:r>
-              <a:rPr kumimoji="1" lang="zh-CN" altLang="en-US" dirty="0" smtClean="0"/>
-              <a:t> </a:t>
-            </a:r>
-            <a:r>
-              <a:rPr kumimoji="1" lang="en-US" altLang="zh-CN" dirty="0" smtClean="0"/>
-              <a:t>to</a:t>
-            </a:r>
-            <a:r>
-              <a:rPr kumimoji="1" lang="zh-CN" altLang="en-US" dirty="0" smtClean="0"/>
-              <a:t> </a:t>
-            </a:r>
-            <a:r>
-              <a:rPr lang="en-US" altLang="zh-CN" dirty="0" smtClean="0"/>
-              <a:t>physically written to disk</a:t>
-            </a:r>
-            <a:endParaRPr kumimoji="1" lang="en-US" altLang="zh-CN" dirty="0" smtClean="0"/>
-          </a:p>
-          <a:p>
-            <a:endParaRPr lang="zh-CN" altLang="en-US" dirty="0" smtClean="0">
-              <a:effectLst/>
-            </a:endParaRPr>
-          </a:p>
-          <a:p>
             <a:endParaRPr kumimoji="1" lang="zh-CN" altLang="en-US" dirty="0"/>
           </a:p>
         </p:txBody>
@@ -3679,9 +2906,9 @@
           <a:bodyPr/>
           <a:lstStyle/>
           <a:p>
-            <a:fld id="{6A47B6B7-4533-6B49-91A5-E5E12BC8D3FB}" type="slidenum">
+            <a:fld id="{28869C31-E77D-D241-AE7E-8C6BD67A4C1D}" type="slidenum">
               <a:rPr kumimoji="1" lang="zh-CN" altLang="en-US" smtClean="0"/>
-              <a:t>26</a:t>
+              <a:t>24</a:t>
             </a:fld>
             <a:endParaRPr kumimoji="1" lang="zh-CN" altLang="en-US"/>
           </a:p>
@@ -3690,7 +2917,7 @@
     </p:spTree>
     <p:extLst>
       <p:ext uri="{BB962C8B-B14F-4D97-AF65-F5344CB8AC3E}">
-        <p14:creationId xmlns:p14="http://schemas.microsoft.com/office/powerpoint/2010/main" val="1949821701"/>
+        <p14:creationId xmlns:p14="http://schemas.microsoft.com/office/powerpoint/2010/main" val="1365703192"/>
       </p:ext>
     </p:extLst>
   </p:cSld>
@@ -3744,49 +2971,755 @@
           <a:bodyPr/>
           <a:lstStyle/>
           <a:p>
-            <a:pPr marL="0" marR="0" lvl="1" indent="0" algn="l" defTabSz="914400" rtl="0" eaLnBrk="1" fontAlgn="auto" latinLnBrk="0" hangingPunct="1">
-              <a:lnSpc>
-                <a:spcPct val="100000"/>
-              </a:lnSpc>
-              <a:spcBef>
-                <a:spcPts val="0"/>
-              </a:spcBef>
-              <a:spcAft>
-                <a:spcPts val="0"/>
-              </a:spcAft>
-              <a:buClrTx/>
-              <a:buSzTx/>
-              <a:buFontTx/>
-              <a:buNone/>
-              <a:tabLst/>
-              <a:defRPr/>
-            </a:pPr>
-            <a:r>
-              <a:rPr kumimoji="1" lang="en-US" altLang="zh-CN" dirty="0" smtClean="0"/>
-              <a:t>RMID</a:t>
-            </a:r>
-          </a:p>
-          <a:p>
-            <a:pPr marL="0" marR="0" lvl="1" indent="0" algn="l" defTabSz="914400" rtl="0" eaLnBrk="1" fontAlgn="auto" latinLnBrk="0" hangingPunct="1">
-              <a:lnSpc>
-                <a:spcPct val="100000"/>
-              </a:lnSpc>
-              <a:spcBef>
-                <a:spcPts val="0"/>
-              </a:spcBef>
-              <a:spcAft>
-                <a:spcPts val="0"/>
-              </a:spcAft>
-              <a:buClrTx/>
-              <a:buSzTx/>
-              <a:buFontTx/>
-              <a:buNone/>
-              <a:tabLst/>
-              <a:defRPr/>
-            </a:pPr>
-            <a:r>
-              <a:rPr kumimoji="1" lang="en-US" altLang="zh-CN" dirty="0" smtClean="0"/>
-              <a:t>full-page</a:t>
+            <a:r>
+              <a:rPr lang="zh-CN" altLang="en-US" sz="1200" b="0" i="0" kern="1200" dirty="0" smtClean="0">
+                <a:solidFill>
+                  <a:schemeClr val="tx1"/>
+                </a:solidFill>
+                <a:effectLst/>
+                <a:latin typeface="+mn-lt"/>
+                <a:ea typeface="+mn-ea"/>
+                <a:cs typeface="+mn-cs"/>
+              </a:rPr>
+              <a:t>由</a:t>
+            </a:r>
+            <a:r>
+              <a:rPr lang="en-US" altLang="zh-CN" sz="1200" b="0" i="0" kern="1200" dirty="0" err="1" smtClean="0">
+                <a:solidFill>
+                  <a:schemeClr val="tx1"/>
+                </a:solidFill>
+                <a:effectLst/>
+                <a:latin typeface="+mn-lt"/>
+                <a:ea typeface="+mn-ea"/>
+                <a:cs typeface="+mn-cs"/>
+              </a:rPr>
+              <a:t>synchronous_commit</a:t>
+            </a:r>
+            <a:r>
+              <a:rPr lang="zh-CN" altLang="en-US" sz="1200" b="0" i="0" kern="1200" dirty="0" smtClean="0">
+                <a:solidFill>
+                  <a:schemeClr val="tx1"/>
+                </a:solidFill>
+                <a:effectLst/>
+                <a:latin typeface="+mn-lt"/>
+                <a:ea typeface="+mn-ea"/>
+                <a:cs typeface="+mn-cs"/>
+              </a:rPr>
+              <a:t>参数决定，</a:t>
+            </a:r>
+          </a:p>
+          <a:p>
+            <a:r>
+              <a:rPr lang="zh-CN" altLang="en-US" sz="1200" b="0" i="0" kern="1200" dirty="0" smtClean="0">
+                <a:solidFill>
+                  <a:schemeClr val="tx1"/>
+                </a:solidFill>
+                <a:effectLst/>
+                <a:latin typeface="+mn-lt"/>
+                <a:ea typeface="+mn-ea"/>
+                <a:cs typeface="+mn-cs"/>
+              </a:rPr>
+              <a:t>当</a:t>
+            </a:r>
+            <a:r>
+              <a:rPr lang="en-US" altLang="zh-CN" sz="1200" b="0" i="0" kern="1200" dirty="0" smtClean="0">
+                <a:solidFill>
+                  <a:schemeClr val="tx1"/>
+                </a:solidFill>
+                <a:effectLst/>
+                <a:latin typeface="+mn-lt"/>
+                <a:ea typeface="+mn-ea"/>
+                <a:cs typeface="+mn-cs"/>
+              </a:rPr>
+              <a:t>off</a:t>
+            </a:r>
+            <a:r>
+              <a:rPr lang="zh-CN" altLang="en-US" sz="1200" b="0" i="0" kern="1200" dirty="0" smtClean="0">
+                <a:solidFill>
+                  <a:schemeClr val="tx1"/>
+                </a:solidFill>
+                <a:effectLst/>
+                <a:latin typeface="+mn-lt"/>
+                <a:ea typeface="+mn-ea"/>
+                <a:cs typeface="+mn-cs"/>
+              </a:rPr>
+              <a:t>时，此时就是</a:t>
+            </a:r>
+            <a:r>
+              <a:rPr lang="en-US" altLang="zh-CN" sz="1200" b="0" i="0" kern="1200" dirty="0" err="1" smtClean="0">
+                <a:solidFill>
+                  <a:schemeClr val="tx1"/>
+                </a:solidFill>
+                <a:effectLst/>
+                <a:latin typeface="+mn-lt"/>
+                <a:ea typeface="+mn-ea"/>
+                <a:cs typeface="+mn-cs"/>
+              </a:rPr>
+              <a:t>Async</a:t>
+            </a:r>
+            <a:r>
+              <a:rPr lang="en-US" altLang="zh-CN" sz="1200" b="0" i="0" kern="1200" dirty="0" smtClean="0">
+                <a:solidFill>
+                  <a:schemeClr val="tx1"/>
+                </a:solidFill>
+                <a:effectLst/>
+                <a:latin typeface="+mn-lt"/>
+                <a:ea typeface="+mn-ea"/>
+                <a:cs typeface="+mn-cs"/>
+              </a:rPr>
+              <a:t> Commit</a:t>
+            </a:r>
+            <a:r>
+              <a:rPr lang="zh-CN" altLang="en-US" sz="1200" b="0" i="0" kern="1200" dirty="0" smtClean="0">
+                <a:solidFill>
+                  <a:schemeClr val="tx1"/>
+                </a:solidFill>
+                <a:effectLst/>
+                <a:latin typeface="+mn-lt"/>
+                <a:ea typeface="+mn-ea"/>
+                <a:cs typeface="+mn-cs"/>
+              </a:rPr>
+              <a:t>，返回</a:t>
+            </a:r>
+            <a:r>
+              <a:rPr lang="en-US" altLang="zh-CN" sz="1200" b="0" i="0" kern="1200" dirty="0" smtClean="0">
+                <a:solidFill>
+                  <a:schemeClr val="tx1"/>
+                </a:solidFill>
+                <a:effectLst/>
+                <a:latin typeface="+mn-lt"/>
+                <a:ea typeface="+mn-ea"/>
+                <a:cs typeface="+mn-cs"/>
+              </a:rPr>
+              <a:t>commit</a:t>
+            </a:r>
+            <a:r>
+              <a:rPr lang="zh-CN" altLang="en-US" sz="1200" b="0" i="0" kern="1200" dirty="0" smtClean="0">
+                <a:solidFill>
+                  <a:schemeClr val="tx1"/>
+                </a:solidFill>
+                <a:effectLst/>
+                <a:latin typeface="+mn-lt"/>
+                <a:ea typeface="+mn-ea"/>
+                <a:cs typeface="+mn-cs"/>
+              </a:rPr>
+              <a:t>成功后，最多等待</a:t>
+            </a:r>
+            <a:r>
+              <a:rPr lang="en-US" altLang="zh-CN" sz="1200" b="0" i="0" kern="1200" dirty="0" smtClean="0">
+                <a:solidFill>
+                  <a:schemeClr val="tx1"/>
+                </a:solidFill>
+                <a:effectLst/>
+                <a:latin typeface="+mn-lt"/>
+                <a:ea typeface="+mn-ea"/>
+                <a:cs typeface="+mn-cs"/>
+              </a:rPr>
+              <a:t>3*</a:t>
+            </a:r>
+            <a:r>
+              <a:rPr lang="en-US" altLang="zh-CN" sz="1200" b="0" i="0" u="none" strike="noStrike" kern="1200" dirty="0" smtClean="0">
+                <a:solidFill>
+                  <a:schemeClr val="tx1"/>
+                </a:solidFill>
+                <a:effectLst/>
+                <a:latin typeface="+mn-lt"/>
+                <a:ea typeface="+mn-ea"/>
+                <a:cs typeface="+mn-cs"/>
+                <a:hlinkClick r:id="rId3"/>
+              </a:rPr>
+              <a:t>wal_writer_delay</a:t>
+            </a:r>
+            <a:r>
+              <a:rPr lang="zh-CN" altLang="en-US" sz="1200" b="0" i="0" kern="1200" dirty="0" smtClean="0">
+                <a:solidFill>
+                  <a:schemeClr val="tx1"/>
+                </a:solidFill>
+                <a:effectLst/>
+                <a:latin typeface="+mn-lt"/>
+                <a:ea typeface="+mn-ea"/>
+                <a:cs typeface="+mn-cs"/>
+              </a:rPr>
+              <a:t>的时间，强制刷盘；</a:t>
+            </a:r>
+          </a:p>
+          <a:p>
+            <a:r>
+              <a:rPr lang="zh-CN" altLang="en-US" sz="1200" b="0" i="0" kern="1200" dirty="0" smtClean="0">
+                <a:solidFill>
+                  <a:schemeClr val="tx1"/>
+                </a:solidFill>
+                <a:effectLst/>
+                <a:latin typeface="+mn-lt"/>
+                <a:ea typeface="+mn-ea"/>
+                <a:cs typeface="+mn-cs"/>
+              </a:rPr>
+              <a:t>如果</a:t>
+            </a:r>
+            <a:r>
+              <a:rPr lang="en-US" altLang="zh-CN" sz="1200" b="0" i="0" u="none" strike="noStrike" kern="1200" dirty="0" smtClean="0">
+                <a:solidFill>
+                  <a:schemeClr val="tx1"/>
+                </a:solidFill>
+                <a:effectLst/>
+                <a:latin typeface="+mn-lt"/>
+                <a:ea typeface="+mn-ea"/>
+                <a:cs typeface="+mn-cs"/>
+                <a:hlinkClick r:id="rId4"/>
+              </a:rPr>
+              <a:t>synchronous_standby_names</a:t>
+            </a:r>
+            <a:r>
+              <a:rPr lang="zh-CN" altLang="en-US" sz="1200" b="0" i="0" kern="1200" dirty="0" smtClean="0">
+                <a:solidFill>
+                  <a:schemeClr val="tx1"/>
+                </a:solidFill>
+                <a:effectLst/>
+                <a:latin typeface="+mn-lt"/>
+                <a:ea typeface="+mn-ea"/>
+                <a:cs typeface="+mn-cs"/>
+              </a:rPr>
+              <a:t>不是空的话，</a:t>
+            </a:r>
+          </a:p>
+          <a:p>
+            <a:pPr lvl="1"/>
+            <a:r>
+              <a:rPr lang="zh-CN" altLang="en-US" sz="1200" b="0" i="0" kern="1200" dirty="0" smtClean="0">
+                <a:solidFill>
+                  <a:schemeClr val="tx1"/>
+                </a:solidFill>
+                <a:effectLst/>
+                <a:latin typeface="+mn-lt"/>
+                <a:ea typeface="+mn-ea"/>
+                <a:cs typeface="+mn-cs"/>
+              </a:rPr>
+              <a:t>默认是</a:t>
+            </a:r>
+            <a:r>
+              <a:rPr lang="en-US" altLang="zh-CN" sz="1200" b="0" i="0" kern="1200" dirty="0" smtClean="0">
+                <a:solidFill>
+                  <a:schemeClr val="tx1"/>
+                </a:solidFill>
+                <a:effectLst/>
+                <a:latin typeface="+mn-lt"/>
+                <a:ea typeface="+mn-ea"/>
+                <a:cs typeface="+mn-cs"/>
+              </a:rPr>
+              <a:t>on</a:t>
+            </a:r>
+            <a:r>
+              <a:rPr lang="zh-CN" altLang="en-US" sz="1200" b="0" i="0" kern="1200" dirty="0" smtClean="0">
+                <a:solidFill>
+                  <a:schemeClr val="tx1"/>
+                </a:solidFill>
+                <a:effectLst/>
+                <a:latin typeface="+mn-lt"/>
+                <a:ea typeface="+mn-ea"/>
+                <a:cs typeface="+mn-cs"/>
+              </a:rPr>
+              <a:t>，那么</a:t>
+            </a:r>
+            <a:r>
+              <a:rPr lang="en-US" altLang="zh-CN" sz="1200" b="0" i="0" kern="1200" dirty="0" smtClean="0">
+                <a:solidFill>
+                  <a:schemeClr val="tx1"/>
+                </a:solidFill>
+                <a:effectLst/>
+                <a:latin typeface="+mn-lt"/>
+                <a:ea typeface="+mn-ea"/>
+                <a:cs typeface="+mn-cs"/>
+              </a:rPr>
+              <a:t>master</a:t>
+            </a:r>
+            <a:r>
+              <a:rPr lang="zh-CN" altLang="en-US" sz="1200" b="0" i="0" kern="1200" dirty="0" smtClean="0">
+                <a:solidFill>
+                  <a:schemeClr val="tx1"/>
+                </a:solidFill>
+                <a:effectLst/>
+                <a:latin typeface="+mn-lt"/>
+                <a:ea typeface="+mn-ea"/>
+                <a:cs typeface="+mn-cs"/>
+              </a:rPr>
+              <a:t>会等待</a:t>
+            </a:r>
+            <a:r>
+              <a:rPr lang="en-US" altLang="zh-CN" sz="1200" b="0" i="0" kern="1200" dirty="0" smtClean="0">
+                <a:solidFill>
+                  <a:schemeClr val="tx1"/>
+                </a:solidFill>
+                <a:effectLst/>
+                <a:latin typeface="+mn-lt"/>
+                <a:ea typeface="+mn-ea"/>
+                <a:cs typeface="+mn-cs"/>
+              </a:rPr>
+              <a:t>sync standby</a:t>
+            </a:r>
+            <a:r>
+              <a:rPr lang="zh-CN" altLang="en-US" sz="1200" b="0" i="0" kern="1200" dirty="0" smtClean="0">
+                <a:solidFill>
+                  <a:schemeClr val="tx1"/>
+                </a:solidFill>
+                <a:effectLst/>
+                <a:latin typeface="+mn-lt"/>
+                <a:ea typeface="+mn-ea"/>
+                <a:cs typeface="+mn-cs"/>
+              </a:rPr>
+              <a:t>的确认</a:t>
+            </a:r>
+            <a:r>
+              <a:rPr lang="zh-CN" altLang="en-US" sz="1200" b="1" i="0" kern="1200" dirty="0" smtClean="0">
+                <a:solidFill>
+                  <a:schemeClr val="tx1"/>
+                </a:solidFill>
+                <a:effectLst/>
+                <a:latin typeface="+mn-lt"/>
+                <a:ea typeface="+mn-ea"/>
+                <a:cs typeface="+mn-cs"/>
+              </a:rPr>
+              <a:t>收到</a:t>
+            </a:r>
+            <a:r>
+              <a:rPr lang="en-US" altLang="zh-CN" sz="1200" b="0" i="0" kern="1200" dirty="0" smtClean="0">
+                <a:solidFill>
+                  <a:schemeClr val="tx1"/>
+                </a:solidFill>
+                <a:effectLst/>
+                <a:latin typeface="+mn-lt"/>
+                <a:ea typeface="+mn-ea"/>
+                <a:cs typeface="+mn-cs"/>
+              </a:rPr>
+              <a:t>commit record</a:t>
+            </a:r>
+            <a:r>
+              <a:rPr lang="zh-CN" altLang="en-US" sz="1200" b="0" i="0" kern="1200" dirty="0" smtClean="0">
+                <a:solidFill>
+                  <a:schemeClr val="tx1"/>
+                </a:solidFill>
+                <a:effectLst/>
+                <a:latin typeface="+mn-lt"/>
+                <a:ea typeface="+mn-ea"/>
+                <a:cs typeface="+mn-cs"/>
+              </a:rPr>
+              <a:t>后，返回成功，此时数据不会丢失；</a:t>
+            </a:r>
+          </a:p>
+          <a:p>
+            <a:pPr lvl="1"/>
+            <a:r>
+              <a:rPr lang="zh-CN" altLang="en-US" sz="1200" b="0" i="0" kern="1200" dirty="0" smtClean="0">
+                <a:solidFill>
+                  <a:schemeClr val="tx1"/>
+                </a:solidFill>
+                <a:effectLst/>
+                <a:latin typeface="+mn-lt"/>
+                <a:ea typeface="+mn-ea"/>
+                <a:cs typeface="+mn-cs"/>
+              </a:rPr>
+              <a:t>另外还有 </a:t>
+            </a:r>
+            <a:r>
+              <a:rPr lang="en-US" altLang="zh-CN" sz="1200" b="0" i="0" kern="1200" dirty="0" err="1" smtClean="0">
+                <a:solidFill>
+                  <a:schemeClr val="tx1"/>
+                </a:solidFill>
+                <a:effectLst/>
+                <a:latin typeface="+mn-lt"/>
+                <a:ea typeface="+mn-ea"/>
+                <a:cs typeface="+mn-cs"/>
+              </a:rPr>
+              <a:t>remote_apply</a:t>
+            </a:r>
+            <a:r>
+              <a:rPr lang="zh-CN" altLang="en-US" sz="1200" b="0" i="0" kern="1200" dirty="0" smtClean="0">
+                <a:solidFill>
+                  <a:schemeClr val="tx1"/>
+                </a:solidFill>
+                <a:effectLst/>
+                <a:latin typeface="+mn-lt"/>
+                <a:ea typeface="+mn-ea"/>
+                <a:cs typeface="+mn-cs"/>
+              </a:rPr>
+              <a:t>，确认</a:t>
+            </a:r>
+            <a:r>
+              <a:rPr lang="en-US" altLang="zh-CN" sz="1200" b="0" i="0" kern="1200" dirty="0" smtClean="0">
+                <a:solidFill>
+                  <a:schemeClr val="tx1"/>
+                </a:solidFill>
+                <a:effectLst/>
+                <a:latin typeface="+mn-lt"/>
+                <a:ea typeface="+mn-ea"/>
+                <a:cs typeface="+mn-cs"/>
+              </a:rPr>
+              <a:t>sync standby</a:t>
+            </a:r>
+            <a:r>
+              <a:rPr lang="zh-CN" altLang="en-US" sz="1200" b="0" i="0" kern="1200" dirty="0" smtClean="0">
+                <a:solidFill>
+                  <a:schemeClr val="tx1"/>
+                </a:solidFill>
+                <a:effectLst/>
+                <a:latin typeface="+mn-lt"/>
+                <a:ea typeface="+mn-ea"/>
+                <a:cs typeface="+mn-cs"/>
+              </a:rPr>
+              <a:t>也完成了这个事务，此时修改在备库也是可见的。</a:t>
+            </a:r>
+          </a:p>
+          <a:p>
+            <a:pPr lvl="1"/>
+            <a:r>
+              <a:rPr lang="zh-CN" altLang="en-US" sz="1200" b="0" i="0" kern="1200" dirty="0" smtClean="0">
+                <a:solidFill>
+                  <a:schemeClr val="tx1"/>
+                </a:solidFill>
+                <a:effectLst/>
+                <a:latin typeface="+mn-lt"/>
+                <a:ea typeface="+mn-ea"/>
+                <a:cs typeface="+mn-cs"/>
+              </a:rPr>
+              <a:t>同理 </a:t>
+            </a:r>
+            <a:r>
+              <a:rPr lang="en-US" altLang="zh-CN" sz="1200" b="0" i="0" kern="1200" dirty="0" err="1" smtClean="0">
+                <a:solidFill>
+                  <a:schemeClr val="tx1"/>
+                </a:solidFill>
+                <a:effectLst/>
+                <a:latin typeface="+mn-lt"/>
+                <a:ea typeface="+mn-ea"/>
+                <a:cs typeface="+mn-cs"/>
+              </a:rPr>
+              <a:t>remote_write</a:t>
+            </a:r>
+            <a:r>
+              <a:rPr lang="en-US" altLang="zh-CN" sz="1200" b="0" i="0" kern="1200" dirty="0" smtClean="0">
+                <a:solidFill>
+                  <a:schemeClr val="tx1"/>
+                </a:solidFill>
+                <a:effectLst/>
+                <a:latin typeface="+mn-lt"/>
+                <a:ea typeface="+mn-ea"/>
+                <a:cs typeface="+mn-cs"/>
+              </a:rPr>
+              <a:t>, </a:t>
+            </a:r>
+            <a:r>
+              <a:rPr lang="zh-CN" altLang="en-US" sz="1200" b="0" i="0" kern="1200" dirty="0" smtClean="0">
+                <a:solidFill>
+                  <a:schemeClr val="tx1"/>
+                </a:solidFill>
+                <a:effectLst/>
+                <a:latin typeface="+mn-lt"/>
+                <a:ea typeface="+mn-ea"/>
+                <a:cs typeface="+mn-cs"/>
+              </a:rPr>
+              <a:t>就是确保备库上也刷盘了。</a:t>
+            </a:r>
+          </a:p>
+          <a:p>
+            <a:pPr lvl="1"/>
+            <a:r>
+              <a:rPr lang="zh-CN" altLang="en-US" sz="1200" b="0" i="0" kern="1200" dirty="0" smtClean="0">
+                <a:solidFill>
+                  <a:schemeClr val="tx1"/>
+                </a:solidFill>
+                <a:effectLst/>
+                <a:latin typeface="+mn-lt"/>
+                <a:ea typeface="+mn-ea"/>
+                <a:cs typeface="+mn-cs"/>
+              </a:rPr>
+              <a:t>而</a:t>
+            </a:r>
+            <a:r>
+              <a:rPr lang="en-US" altLang="zh-CN" sz="1200" b="0" i="0" kern="1200" dirty="0" smtClean="0">
+                <a:solidFill>
+                  <a:schemeClr val="tx1"/>
+                </a:solidFill>
+                <a:effectLst/>
+                <a:latin typeface="+mn-lt"/>
+                <a:ea typeface="+mn-ea"/>
+                <a:cs typeface="+mn-cs"/>
+              </a:rPr>
+              <a:t>local</a:t>
+            </a:r>
+            <a:r>
+              <a:rPr lang="zh-CN" altLang="en-US" sz="1200" b="0" i="0" kern="1200" dirty="0" smtClean="0">
+                <a:solidFill>
+                  <a:schemeClr val="tx1"/>
+                </a:solidFill>
+                <a:effectLst/>
+                <a:latin typeface="+mn-lt"/>
+                <a:ea typeface="+mn-ea"/>
+                <a:cs typeface="+mn-cs"/>
+              </a:rPr>
+              <a:t>就只确保本地刷盘即可，不管</a:t>
+            </a:r>
+            <a:r>
+              <a:rPr lang="en-US" altLang="zh-CN" sz="1200" b="0" i="0" kern="1200" dirty="0" smtClean="0">
+                <a:solidFill>
+                  <a:schemeClr val="tx1"/>
+                </a:solidFill>
+                <a:effectLst/>
+                <a:latin typeface="+mn-lt"/>
+                <a:ea typeface="+mn-ea"/>
+                <a:cs typeface="+mn-cs"/>
+              </a:rPr>
+              <a:t>replication</a:t>
+            </a:r>
+            <a:r>
+              <a:rPr lang="zh-CN" altLang="en-US" sz="1200" b="0" i="0" kern="1200" dirty="0" smtClean="0">
+                <a:solidFill>
+                  <a:schemeClr val="tx1"/>
+                </a:solidFill>
+                <a:effectLst/>
+                <a:latin typeface="+mn-lt"/>
+                <a:ea typeface="+mn-ea"/>
+                <a:cs typeface="+mn-cs"/>
+              </a:rPr>
+              <a:t>。</a:t>
+            </a:r>
+          </a:p>
+          <a:p>
+            <a:r>
+              <a:rPr lang="zh-CN" altLang="en-US" sz="1200" b="0" i="0" kern="1200" dirty="0" smtClean="0">
+                <a:solidFill>
+                  <a:schemeClr val="tx1"/>
+                </a:solidFill>
+                <a:effectLst/>
+                <a:latin typeface="+mn-lt"/>
+                <a:ea typeface="+mn-ea"/>
+                <a:cs typeface="+mn-cs"/>
+              </a:rPr>
+              <a:t>如果</a:t>
+            </a:r>
+            <a:r>
+              <a:rPr lang="en-US" altLang="zh-CN" sz="1200" b="0" i="0" kern="1200" dirty="0" err="1" smtClean="0">
+                <a:solidFill>
+                  <a:schemeClr val="tx1"/>
+                </a:solidFill>
+                <a:effectLst/>
+                <a:latin typeface="+mn-lt"/>
+                <a:ea typeface="+mn-ea"/>
+                <a:cs typeface="+mn-cs"/>
+              </a:rPr>
+              <a:t>synchronous_standby_names</a:t>
+            </a:r>
+            <a:r>
+              <a:rPr lang="zh-CN" altLang="en-US" sz="1200" b="0" i="0" kern="1200" dirty="0" smtClean="0">
+                <a:solidFill>
+                  <a:schemeClr val="tx1"/>
+                </a:solidFill>
+                <a:effectLst/>
+                <a:latin typeface="+mn-lt"/>
+                <a:ea typeface="+mn-ea"/>
+                <a:cs typeface="+mn-cs"/>
+              </a:rPr>
+              <a:t>是空的话</a:t>
+            </a:r>
+          </a:p>
+          <a:p>
+            <a:r>
+              <a:rPr lang="zh-CN" altLang="en-US" sz="1200" b="0" i="0" kern="1200" dirty="0" smtClean="0">
+                <a:solidFill>
+                  <a:schemeClr val="tx1"/>
+                </a:solidFill>
+                <a:effectLst/>
+                <a:latin typeface="+mn-lt"/>
+                <a:ea typeface="+mn-ea"/>
+                <a:cs typeface="+mn-cs"/>
+              </a:rPr>
+              <a:t>就只管</a:t>
+            </a:r>
+            <a:r>
+              <a:rPr lang="en-US" altLang="zh-CN" sz="1200" b="0" i="0" kern="1200" dirty="0" smtClean="0">
+                <a:solidFill>
+                  <a:schemeClr val="tx1"/>
+                </a:solidFill>
+                <a:effectLst/>
+                <a:latin typeface="+mn-lt"/>
+                <a:ea typeface="+mn-ea"/>
+                <a:cs typeface="+mn-cs"/>
+              </a:rPr>
+              <a:t>local</a:t>
+            </a:r>
+            <a:r>
+              <a:rPr lang="zh-CN" altLang="en-US" sz="1200" b="0" i="0" kern="1200" dirty="0" smtClean="0">
+                <a:solidFill>
+                  <a:schemeClr val="tx1"/>
+                </a:solidFill>
+                <a:effectLst/>
+                <a:latin typeface="+mn-lt"/>
+                <a:ea typeface="+mn-ea"/>
+                <a:cs typeface="+mn-cs"/>
+              </a:rPr>
+              <a:t>了。</a:t>
+            </a:r>
+          </a:p>
+          <a:p>
+            <a:r>
+              <a:rPr lang="zh-CN" altLang="en-US" dirty="0" smtClean="0">
+                <a:effectLst/>
+              </a:rPr>
+              <a:t>关闭</a:t>
+            </a:r>
+            <a:r>
+              <a:rPr lang="en-US" altLang="zh-CN" dirty="0" err="1" smtClean="0">
+                <a:effectLst/>
+              </a:rPr>
+              <a:t>synchronous_commit</a:t>
+            </a:r>
+            <a:r>
+              <a:rPr lang="zh-CN" altLang="en-US" dirty="0" smtClean="0">
+                <a:effectLst/>
+              </a:rPr>
+              <a:t>，不会导致数据不一致性，顶多会丢掉几个</a:t>
+            </a:r>
+            <a:r>
+              <a:rPr lang="en-US" altLang="zh-CN" dirty="0" smtClean="0">
+                <a:effectLst/>
+              </a:rPr>
+              <a:t>commit</a:t>
+            </a:r>
+            <a:r>
+              <a:rPr lang="zh-CN" altLang="en-US" dirty="0" smtClean="0">
+                <a:effectLst/>
+              </a:rPr>
+              <a:t>的事务，但是数据库中的数据是一致的。而关闭</a:t>
+            </a:r>
+            <a:r>
+              <a:rPr lang="en-US" altLang="zh-CN" dirty="0" err="1" smtClean="0">
+                <a:effectLst/>
+              </a:rPr>
+              <a:t>fsync</a:t>
+            </a:r>
+            <a:r>
+              <a:rPr lang="zh-CN" altLang="en-US" dirty="0" smtClean="0">
+                <a:effectLst/>
+              </a:rPr>
+              <a:t>，数据的落盘就没有保证了，如果你关了</a:t>
+            </a:r>
+            <a:r>
+              <a:rPr lang="en-US" altLang="zh-CN" dirty="0" err="1" smtClean="0">
+                <a:effectLst/>
+              </a:rPr>
+              <a:t>fsync</a:t>
+            </a:r>
+            <a:r>
+              <a:rPr lang="zh-CN" altLang="en-US" dirty="0" smtClean="0">
+                <a:effectLst/>
+              </a:rPr>
+              <a:t>，那么连</a:t>
+            </a:r>
+            <a:r>
+              <a:rPr lang="en-US" altLang="zh-CN" dirty="0" err="1" smtClean="0">
+                <a:effectLst/>
+              </a:rPr>
+              <a:t>full_page_write</a:t>
+            </a:r>
+            <a:r>
+              <a:rPr lang="zh-CN" altLang="en-US" dirty="0" smtClean="0">
+                <a:effectLst/>
+              </a:rPr>
+              <a:t>也一起关了得了。</a:t>
+            </a:r>
+          </a:p>
+          <a:p>
+            <a:r>
+              <a:rPr lang="zh-CN" altLang="en-US" dirty="0" smtClean="0">
+                <a:effectLst/>
+              </a:rPr>
+              <a:t>所以想提高性能，可以考虑关闭</a:t>
+            </a:r>
+            <a:r>
+              <a:rPr lang="en-US" altLang="zh-CN" dirty="0" err="1" smtClean="0">
+                <a:effectLst/>
+              </a:rPr>
+              <a:t>synchronous_commit</a:t>
+            </a:r>
+            <a:r>
+              <a:rPr lang="zh-CN" altLang="en-US" dirty="0" smtClean="0">
+                <a:effectLst/>
+              </a:rPr>
+              <a:t>（最好还是别关）。</a:t>
+            </a:r>
+          </a:p>
+          <a:p>
+            <a:r>
+              <a:rPr lang="zh-CN" altLang="en-US" dirty="0" smtClean="0">
+                <a:effectLst/>
+              </a:rPr>
+              <a:t>值得注意的是，</a:t>
+            </a:r>
+            <a:r>
+              <a:rPr lang="en-US" altLang="zh-CN" dirty="0" err="1" smtClean="0">
+                <a:effectLst/>
+              </a:rPr>
+              <a:t>synchronous_commit</a:t>
+            </a:r>
+            <a:r>
+              <a:rPr lang="zh-CN" altLang="en-US" dirty="0" smtClean="0">
+                <a:effectLst/>
+              </a:rPr>
+              <a:t>可以在任何地方设置，甚至可以同一个应用控制不同事务的提交级别。</a:t>
+            </a:r>
+            <a:endParaRPr lang="en-US" altLang="zh-CN" dirty="0" smtClean="0">
+              <a:effectLst/>
+            </a:endParaRPr>
+          </a:p>
+          <a:p>
+            <a:endParaRPr lang="en-US" altLang="zh-CN" dirty="0" smtClean="0">
+              <a:effectLst/>
+            </a:endParaRPr>
+          </a:p>
+          <a:p>
+            <a:r>
+              <a:rPr kumimoji="1" lang="zh-CN" altLang="en-US" dirty="0" smtClean="0"/>
+              <a:t>区分</a:t>
+            </a:r>
+            <a:r>
+              <a:rPr kumimoji="1" lang="en-US" altLang="zh-CN" dirty="0" smtClean="0"/>
+              <a:t>:</a:t>
+            </a:r>
+          </a:p>
+          <a:p>
+            <a:pPr lvl="1"/>
+            <a:r>
+              <a:rPr lang="en-US" altLang="zh-CN" dirty="0" err="1" smtClean="0"/>
+              <a:t>full_page_write</a:t>
+            </a:r>
+            <a:r>
+              <a:rPr lang="zh-CN" altLang="en-US" dirty="0" smtClean="0"/>
+              <a:t>：</a:t>
+            </a:r>
+            <a:r>
+              <a:rPr lang="en-US" altLang="zh-CN" dirty="0" smtClean="0"/>
+              <a:t>checkpoint</a:t>
+            </a:r>
+            <a:r>
+              <a:rPr lang="zh-CN" altLang="en-US" dirty="0" smtClean="0"/>
+              <a:t>后，第一次修改，整页写入</a:t>
+            </a:r>
+            <a:r>
+              <a:rPr lang="en-US" altLang="zh-CN" dirty="0" smtClean="0"/>
+              <a:t>WAL</a:t>
+            </a:r>
+          </a:p>
+          <a:p>
+            <a:pPr lvl="1"/>
+            <a:r>
+              <a:rPr kumimoji="1" lang="en-US" altLang="zh-CN" dirty="0" err="1" smtClean="0"/>
+              <a:t>Fsync</a:t>
+            </a:r>
+            <a:r>
+              <a:rPr kumimoji="1" lang="zh-CN" altLang="en-US" dirty="0" smtClean="0"/>
+              <a:t>：</a:t>
+            </a:r>
+            <a:r>
+              <a:rPr kumimoji="1" lang="en-US" altLang="zh-CN" dirty="0" smtClean="0"/>
+              <a:t>try</a:t>
             </a:r>
             <a:r>
               <a:rPr kumimoji="1" lang="zh-CN" altLang="en-US" dirty="0" smtClean="0"/>
@@ -3794,8 +3727,25 @@
             </a:r>
             <a:r>
               <a:rPr kumimoji="1" lang="en-US" altLang="zh-CN" dirty="0" smtClean="0"/>
-              <a:t>image</a:t>
-            </a:r>
+              <a:t>to</a:t>
+            </a:r>
+            <a:r>
+              <a:rPr kumimoji="1" lang="zh-CN" altLang="en-US" dirty="0" smtClean="0"/>
+              <a:t> </a:t>
+            </a:r>
+            <a:r>
+              <a:rPr lang="en-US" altLang="zh-CN" dirty="0" smtClean="0"/>
+              <a:t>physically written to disk</a:t>
+            </a:r>
+            <a:endParaRPr kumimoji="1" lang="en-US" altLang="zh-CN" dirty="0" smtClean="0"/>
+          </a:p>
+          <a:p>
+            <a:endParaRPr lang="zh-CN" altLang="en-US" dirty="0" smtClean="0">
+              <a:effectLst/>
+            </a:endParaRPr>
+          </a:p>
+          <a:p>
+            <a:endParaRPr kumimoji="1" lang="zh-CN" altLang="en-US" dirty="0"/>
           </a:p>
         </p:txBody>
       </p:sp>
@@ -3816,7 +3766,7 @@
           <a:p>
             <a:fld id="{6A47B6B7-4533-6B49-91A5-E5E12BC8D3FB}" type="slidenum">
               <a:rPr kumimoji="1" lang="zh-CN" altLang="en-US" smtClean="0"/>
-              <a:t>27</a:t>
+              <a:t>26</a:t>
             </a:fld>
             <a:endParaRPr kumimoji="1" lang="zh-CN" altLang="en-US"/>
           </a:p>
@@ -3825,7 +3775,7 @@
     </p:spTree>
     <p:extLst>
       <p:ext uri="{BB962C8B-B14F-4D97-AF65-F5344CB8AC3E}">
-        <p14:creationId xmlns:p14="http://schemas.microsoft.com/office/powerpoint/2010/main" val="1098501192"/>
+        <p14:creationId xmlns:p14="http://schemas.microsoft.com/office/powerpoint/2010/main" val="1949821701"/>
       </p:ext>
     </p:extLst>
   </p:cSld>
@@ -3956,6 +3906,141 @@
 </file>
 
 <file path=ppt/notesSlides/notesSlide20.xml><?xml version="1.0" encoding="utf-8"?>
+<p:notes xmlns:a="http://schemas.openxmlformats.org/drawingml/2006/main" xmlns:r="http://schemas.openxmlformats.org/officeDocument/2006/relationships" xmlns:p="http://schemas.openxmlformats.org/presentationml/2006/main">
+  <p:cSld>
+    <p:spTree>
+      <p:nvGrpSpPr>
+        <p:cNvPr id="1" name=""/>
+        <p:cNvGrpSpPr/>
+        <p:nvPr/>
+      </p:nvGrpSpPr>
+      <p:grpSpPr>
+        <a:xfrm>
+          <a:off x="0" y="0"/>
+          <a:ext cx="0" cy="0"/>
+          <a:chOff x="0" y="0"/>
+          <a:chExt cx="0" cy="0"/>
+        </a:xfrm>
+      </p:grpSpPr>
+      <p:sp>
+        <p:nvSpPr>
+          <p:cNvPr id="2" name="幻灯片图像占位符 1"/>
+          <p:cNvSpPr>
+            <a:spLocks noGrp="1" noRot="1" noChangeAspect="1"/>
+          </p:cNvSpPr>
+          <p:nvPr>
+            <p:ph type="sldImg"/>
+          </p:nvPr>
+        </p:nvSpPr>
+        <p:spPr/>
+      </p:sp>
+      <p:sp>
+        <p:nvSpPr>
+          <p:cNvPr id="3" name="备注占位符 2"/>
+          <p:cNvSpPr>
+            <a:spLocks noGrp="1"/>
+          </p:cNvSpPr>
+          <p:nvPr>
+            <p:ph type="body" idx="1"/>
+          </p:nvPr>
+        </p:nvSpPr>
+        <p:spPr/>
+        <p:txBody>
+          <a:bodyPr/>
+          <a:lstStyle/>
+          <a:p>
+            <a:pPr marL="0" marR="0" lvl="1" indent="0" algn="l" defTabSz="914400" rtl="0" eaLnBrk="1" fontAlgn="auto" latinLnBrk="0" hangingPunct="1">
+              <a:lnSpc>
+                <a:spcPct val="100000"/>
+              </a:lnSpc>
+              <a:spcBef>
+                <a:spcPts val="0"/>
+              </a:spcBef>
+              <a:spcAft>
+                <a:spcPts val="0"/>
+              </a:spcAft>
+              <a:buClrTx/>
+              <a:buSzTx/>
+              <a:buFontTx/>
+              <a:buNone/>
+              <a:tabLst/>
+              <a:defRPr/>
+            </a:pPr>
+            <a:r>
+              <a:rPr kumimoji="1" lang="en-US" altLang="zh-CN" dirty="0" smtClean="0"/>
+              <a:t>RMID</a:t>
+            </a:r>
+          </a:p>
+          <a:p>
+            <a:pPr marL="0" marR="0" lvl="1" indent="0" algn="l" defTabSz="914400" rtl="0" eaLnBrk="1" fontAlgn="auto" latinLnBrk="0" hangingPunct="1">
+              <a:lnSpc>
+                <a:spcPct val="100000"/>
+              </a:lnSpc>
+              <a:spcBef>
+                <a:spcPts val="0"/>
+              </a:spcBef>
+              <a:spcAft>
+                <a:spcPts val="0"/>
+              </a:spcAft>
+              <a:buClrTx/>
+              <a:buSzTx/>
+              <a:buFontTx/>
+              <a:buNone/>
+              <a:tabLst/>
+              <a:defRPr/>
+            </a:pPr>
+            <a:r>
+              <a:rPr kumimoji="1" lang="en-US" altLang="zh-CN" dirty="0" smtClean="0"/>
+              <a:t>full-page</a:t>
+            </a:r>
+            <a:r>
+              <a:rPr kumimoji="1" lang="zh-CN" altLang="en-US" dirty="0" smtClean="0"/>
+              <a:t> </a:t>
+            </a:r>
+            <a:r>
+              <a:rPr kumimoji="1" lang="en-US" altLang="zh-CN" dirty="0" smtClean="0"/>
+              <a:t>image</a:t>
+            </a:r>
+          </a:p>
+        </p:txBody>
+      </p:sp>
+      <p:sp>
+        <p:nvSpPr>
+          <p:cNvPr id="4" name="幻灯片编号占位符 3"/>
+          <p:cNvSpPr>
+            <a:spLocks noGrp="1"/>
+          </p:cNvSpPr>
+          <p:nvPr>
+            <p:ph type="sldNum" sz="quarter" idx="10"/>
+          </p:nvPr>
+        </p:nvSpPr>
+        <p:spPr/>
+        <p:txBody>
+          <a:bodyPr/>
+          <a:lstStyle/>
+          <a:p>
+            <a:fld id="{6A47B6B7-4533-6B49-91A5-E5E12BC8D3FB}" type="slidenum">
+              <a:rPr kumimoji="1" lang="zh-CN" altLang="en-US" smtClean="0"/>
+              <a:t>27</a:t>
+            </a:fld>
+            <a:endParaRPr kumimoji="1" lang="zh-CN" altLang="en-US"/>
+          </a:p>
+        </p:txBody>
+      </p:sp>
+    </p:spTree>
+    <p:extLst>
+      <p:ext uri="{BB962C8B-B14F-4D97-AF65-F5344CB8AC3E}">
+        <p14:creationId xmlns:p14="http://schemas.microsoft.com/office/powerpoint/2010/main" val="1098501192"/>
+      </p:ext>
+    </p:extLst>
+  </p:cSld>
+  <p:clrMapOvr>
+    <a:masterClrMapping/>
+  </p:clrMapOvr>
+</p:notes>
+</file>
+
+<file path=ppt/notesSlides/notesSlide21.xml><?xml version="1.0" encoding="utf-8"?>
 <p:notes xmlns:a="http://schemas.openxmlformats.org/drawingml/2006/main" xmlns:r="http://schemas.openxmlformats.org/officeDocument/2006/relationships" xmlns:p="http://schemas.openxmlformats.org/presentationml/2006/main">
   <p:cSld>
     <p:spTree>
@@ -8755,15 +8840,7 @@
             </a:r>
             <a:r>
               <a:rPr kumimoji="1" lang="zh-CN" altLang="en-US" dirty="0" smtClean="0"/>
-              <a:t>的存储</a:t>
-            </a:r>
-            <a:r>
-              <a:rPr kumimoji="1" lang="zh-CN" altLang="en-US" dirty="0" smtClean="0"/>
-              <a:t>模块</a:t>
-            </a:r>
-            <a:r>
-              <a:rPr kumimoji="1" lang="zh-CN" altLang="en-US" dirty="0" smtClean="0"/>
-              <a:t>探讨</a:t>
+              <a:t>的存储模块探讨</a:t>
             </a:r>
             <a:endParaRPr kumimoji="1" lang="en-US" altLang="zh-CN" dirty="0" smtClean="0"/>
           </a:p>
@@ -9029,16 +9106,208 @@
         </p:nvSpPr>
         <p:spPr/>
         <p:txBody>
-          <a:bodyPr/>
+          <a:bodyPr>
+            <a:normAutofit fontScale="70000" lnSpcReduction="20000"/>
+          </a:bodyPr>
           <a:lstStyle/>
           <a:p>
             <a:r>
-              <a:rPr lang="en-US" altLang="zh-CN" dirty="0">
+              <a:rPr kumimoji="1" lang="zh-CN" altLang="en-US" dirty="0" smtClean="0"/>
+              <a:t>一级聚簇索引（</a:t>
+            </a:r>
+            <a:r>
+              <a:rPr lang="en-US" altLang="zh-CN" dirty="0" err="1"/>
+              <a:t>B+Tree</a:t>
+            </a:r>
+            <a:r>
+              <a:rPr kumimoji="1" lang="zh-CN" altLang="en-US" dirty="0"/>
+              <a:t>）： </a:t>
+            </a:r>
+            <a:endParaRPr kumimoji="1" lang="en-US" altLang="zh-CN" dirty="0" smtClean="0"/>
+          </a:p>
+          <a:p>
+            <a:pPr lvl="1"/>
+            <a:r>
+              <a:rPr kumimoji="1" lang="zh-CN" altLang="en-US" dirty="0" smtClean="0"/>
+              <a:t>索引</a:t>
+            </a:r>
+            <a:r>
+              <a:rPr kumimoji="1" lang="zh-CN" altLang="en-US" dirty="0"/>
+              <a:t>组织</a:t>
+            </a:r>
+            <a:r>
+              <a:rPr kumimoji="1" lang="zh-CN" altLang="en-US" dirty="0" smtClean="0"/>
+              <a:t>表，按照以下三种类型进行组织的</a:t>
+            </a:r>
+            <a:r>
+              <a:rPr kumimoji="1" lang="zh-CN" altLang="en-US" dirty="0" smtClean="0"/>
+              <a:t>聚簇索引：</a:t>
+            </a:r>
+            <a:endParaRPr kumimoji="1" lang="en-US" altLang="zh-CN" dirty="0" smtClean="0"/>
+          </a:p>
+          <a:p>
+            <a:pPr lvl="2"/>
+            <a:r>
+              <a:rPr kumimoji="1" lang="zh-CN" altLang="en-US" dirty="0"/>
+              <a:t>主键</a:t>
+            </a:r>
+            <a:r>
+              <a:rPr kumimoji="1" lang="zh-CN" altLang="en-US" dirty="0" smtClean="0"/>
+              <a:t>列</a:t>
+            </a:r>
+            <a:endParaRPr kumimoji="1" lang="en-US" altLang="zh-CN" dirty="0" smtClean="0"/>
+          </a:p>
+          <a:p>
+            <a:pPr lvl="2"/>
+            <a:r>
+              <a:rPr kumimoji="1" lang="zh-CN" altLang="en-US" dirty="0" smtClean="0"/>
+              <a:t>第一</a:t>
+            </a:r>
+            <a:r>
+              <a:rPr kumimoji="1" lang="zh-CN" altLang="en-US" dirty="0"/>
+              <a:t>个非空</a:t>
+            </a:r>
+            <a:r>
+              <a:rPr kumimoji="1" lang="en-US" altLang="zh-CN" dirty="0"/>
+              <a:t>Unique</a:t>
+            </a:r>
+            <a:r>
+              <a:rPr kumimoji="1" lang="zh-CN" altLang="en-US" dirty="0" smtClean="0"/>
+              <a:t>列</a:t>
+            </a:r>
+            <a:endParaRPr kumimoji="1" lang="en-US" altLang="zh-CN" dirty="0" smtClean="0"/>
+          </a:p>
+          <a:p>
+            <a:pPr lvl="2"/>
+            <a:r>
+              <a:rPr kumimoji="1" lang="zh-CN" altLang="en-US" dirty="0" smtClean="0"/>
+              <a:t>包含</a:t>
+            </a:r>
+            <a:r>
+              <a:rPr kumimoji="1" lang="en-US" altLang="zh-CN" dirty="0" err="1" smtClean="0"/>
+              <a:t>rowid</a:t>
+            </a:r>
+            <a:r>
+              <a:rPr kumimoji="1" lang="zh-CN" altLang="en-US" dirty="0" smtClean="0"/>
+              <a:t>的隐藏聚簇索引：</a:t>
+            </a:r>
+            <a:r>
+              <a:rPr lang="en-US" altLang="zh-CN" b="1" dirty="0"/>
+              <a:t> GEN_CLUST_INDEX</a:t>
+            </a:r>
+            <a:endParaRPr kumimoji="1" lang="en-US" altLang="zh-CN" dirty="0"/>
+          </a:p>
+          <a:p>
+            <a:r>
+              <a:rPr kumimoji="1" lang="zh-CN" altLang="en-US" dirty="0" smtClean="0"/>
+              <a:t>二级索引（</a:t>
+            </a:r>
+            <a:r>
+              <a:rPr lang="en-US" altLang="zh-CN" dirty="0" err="1"/>
+              <a:t>B+Tree</a:t>
+            </a:r>
+            <a:r>
+              <a:rPr kumimoji="1" lang="zh-CN" altLang="en-US" dirty="0" smtClean="0"/>
+              <a:t>）：</a:t>
+            </a:r>
+            <a:endParaRPr kumimoji="1" lang="en-US" altLang="zh-CN" dirty="0" smtClean="0"/>
+          </a:p>
+          <a:p>
+            <a:pPr lvl="1"/>
+            <a:r>
+              <a:rPr kumimoji="1" lang="en-US" altLang="zh-CN" dirty="0" smtClean="0"/>
+              <a:t>key</a:t>
+            </a:r>
+            <a:r>
+              <a:rPr kumimoji="1" lang="zh-CN" altLang="en-US" dirty="0" smtClean="0"/>
+              <a:t>为聚簇索引的聚簇列，</a:t>
+            </a:r>
+            <a:r>
+              <a:rPr kumimoji="1" lang="en-US" altLang="zh-CN" dirty="0" err="1" smtClean="0"/>
+              <a:t>val</a:t>
+            </a:r>
+            <a:r>
+              <a:rPr kumimoji="1" lang="zh-CN" altLang="en-US" dirty="0" smtClean="0"/>
+              <a:t>为二级索引的</a:t>
+            </a:r>
+            <a:r>
+              <a:rPr kumimoji="1" lang="en-US" altLang="zh-CN" dirty="0" smtClean="0"/>
+              <a:t>value</a:t>
+            </a:r>
+            <a:r>
+              <a:rPr kumimoji="1" lang="zh-CN" altLang="en-US" dirty="0" smtClean="0"/>
+              <a:t>。</a:t>
+            </a:r>
+            <a:endParaRPr kumimoji="1" lang="en-US" altLang="zh-CN" dirty="0" smtClean="0"/>
+          </a:p>
+          <a:p>
+            <a:r>
+              <a:rPr kumimoji="1" lang="en-US" altLang="zh-CN" dirty="0" err="1" smtClean="0"/>
+              <a:t>FullText</a:t>
+            </a:r>
+            <a:r>
+              <a:rPr kumimoji="1" lang="zh-CN" altLang="en-US" dirty="0" smtClean="0"/>
+              <a:t>索引（倒排索引）：</a:t>
+            </a:r>
+            <a:endParaRPr kumimoji="1" lang="en-US" altLang="zh-CN" dirty="0" smtClean="0"/>
+          </a:p>
+          <a:p>
+            <a:endParaRPr kumimoji="1" lang="en-US" altLang="zh-CN" dirty="0"/>
+          </a:p>
+          <a:p>
+            <a:endParaRPr kumimoji="1" lang="en-US" altLang="zh-CN" dirty="0" smtClean="0"/>
+          </a:p>
+          <a:p>
+            <a:endParaRPr kumimoji="1" lang="en-US" altLang="zh-CN" dirty="0"/>
+          </a:p>
+          <a:p>
+            <a:endParaRPr kumimoji="1" lang="en-US" altLang="zh-CN" dirty="0" smtClean="0"/>
+          </a:p>
+          <a:p>
+            <a:endParaRPr kumimoji="1" lang="en-US" altLang="zh-CN" dirty="0"/>
+          </a:p>
+          <a:p>
+            <a:r>
+              <a:rPr lang="de-DE" altLang="zh-CN" b="1" dirty="0">
+                <a:solidFill>
+                  <a:schemeClr val="bg2">
+                    <a:lumMod val="90000"/>
+                  </a:schemeClr>
+                </a:solidFill>
+              </a:rPr>
+              <a:t>14.6.2 Indexes</a:t>
+            </a:r>
+            <a:r>
+              <a:rPr lang="zh-CN" altLang="en-US" b="1" dirty="0">
+                <a:solidFill>
+                  <a:schemeClr val="bg2">
+                    <a:lumMod val="90000"/>
+                  </a:schemeClr>
+                </a:solidFill>
+              </a:rPr>
+              <a:t>：</a:t>
+            </a:r>
+            <a:r>
+              <a:rPr lang="en-US" altLang="zh-CN" i="1" dirty="0">
+                <a:solidFill>
+                  <a:schemeClr val="bg2">
+                    <a:lumMod val="90000"/>
+                  </a:schemeClr>
+                </a:solidFill>
                 <a:hlinkClick r:id="rId2"/>
               </a:rPr>
               <a:t>https://dev.mysql.com/doc/refman/5.7/en/innodb-index-types.html</a:t>
             </a:r>
-            <a:endParaRPr kumimoji="1" lang="zh-CN" altLang="en-US" dirty="0"/>
+            <a:endParaRPr lang="en-US" altLang="zh-CN" i="1" dirty="0">
+              <a:solidFill>
+                <a:schemeClr val="bg2">
+                  <a:lumMod val="90000"/>
+                </a:schemeClr>
+              </a:solidFill>
+            </a:endParaRPr>
+          </a:p>
+          <a:p>
+            <a:endParaRPr kumimoji="1" lang="en-US" altLang="zh-CN" dirty="0" smtClean="0"/>
           </a:p>
         </p:txBody>
       </p:sp>
@@ -9673,14 +9942,162 @@
         </p:nvSpPr>
         <p:spPr/>
         <p:txBody>
-          <a:bodyPr/>
+          <a:bodyPr>
+            <a:normAutofit lnSpcReduction="10000"/>
+          </a:bodyPr>
           <a:lstStyle/>
           <a:p>
+            <a:r>
+              <a:rPr lang="en-US" altLang="zh-CN" dirty="0" smtClean="0">
+                <a:hlinkClick r:id="rId2"/>
+              </a:rPr>
+              <a:t>https</a:t>
+            </a:r>
             <a:r>
               <a:rPr lang="en-US" altLang="zh-CN" dirty="0">
                 <a:hlinkClick r:id="rId2"/>
               </a:rPr>
-              <a:t>https://dev.mysql.com/doc/refman/5.7/en/innodb-in-memory-structures.html</a:t>
+              <a:t>://</a:t>
+            </a:r>
+            <a:r>
+              <a:rPr lang="en-US" altLang="zh-CN" dirty="0" smtClean="0">
+                <a:hlinkClick r:id="rId2"/>
+              </a:rPr>
+              <a:t>dev.mysql.com/doc/refman/5.7/en/innodb-in-memory-structures.html</a:t>
+            </a:r>
+            <a:endParaRPr lang="en-US" altLang="zh-CN" dirty="0" smtClean="0"/>
+          </a:p>
+          <a:p>
+            <a:r>
+              <a:rPr kumimoji="1" lang="en-US" altLang="zh-CN" dirty="0" err="1" smtClean="0"/>
+              <a:t>Bufferpool</a:t>
+            </a:r>
+            <a:endParaRPr kumimoji="1" lang="en-US" altLang="zh-CN" dirty="0" smtClean="0"/>
+          </a:p>
+          <a:p>
+            <a:pPr lvl="1"/>
+            <a:r>
+              <a:rPr kumimoji="1" lang="zh-CN" altLang="en-US" dirty="0" smtClean="0"/>
+              <a:t>以</a:t>
+            </a:r>
+            <a:r>
+              <a:rPr kumimoji="1" lang="en-US" altLang="zh-CN" dirty="0" smtClean="0"/>
+              <a:t>page</a:t>
+            </a:r>
+            <a:r>
+              <a:rPr kumimoji="1" lang="zh-CN" altLang="en-US" dirty="0" smtClean="0"/>
+              <a:t>为单元，组织为一个</a:t>
+            </a:r>
+            <a:r>
+              <a:rPr kumimoji="1" lang="en-US" altLang="zh-CN" dirty="0" smtClean="0"/>
+              <a:t>list</a:t>
+            </a:r>
+            <a:r>
+              <a:rPr kumimoji="1" lang="zh-CN" altLang="en-US" dirty="0" smtClean="0"/>
+              <a:t>进行管理；按照</a:t>
+            </a:r>
+            <a:r>
+              <a:rPr kumimoji="1" lang="en-US" altLang="zh-CN" dirty="0" smtClean="0"/>
+              <a:t>LRU</a:t>
+            </a:r>
+            <a:r>
+              <a:rPr kumimoji="1" lang="zh-CN" altLang="en-US" dirty="0" smtClean="0"/>
+              <a:t>算法进行页面淘汰。</a:t>
+            </a:r>
+            <a:endParaRPr kumimoji="1" lang="en-US" altLang="zh-CN" dirty="0" smtClean="0"/>
+          </a:p>
+          <a:p>
+            <a:r>
+              <a:rPr kumimoji="1" lang="en-US" altLang="zh-CN" dirty="0" err="1" smtClean="0"/>
+              <a:t>ChangeBuffer</a:t>
+            </a:r>
+            <a:r>
+              <a:rPr kumimoji="1" lang="en-US" altLang="zh-CN" dirty="0" smtClean="0"/>
+              <a:t>:</a:t>
+            </a:r>
+          </a:p>
+          <a:p>
+            <a:pPr lvl="1"/>
+            <a:r>
+              <a:rPr kumimoji="1" lang="zh-CN" altLang="en-US" dirty="0" smtClean="0"/>
+              <a:t>二级索引的</a:t>
+            </a:r>
+            <a:r>
+              <a:rPr kumimoji="1" lang="en-US" altLang="zh-CN" dirty="0" smtClean="0"/>
+              <a:t>page</a:t>
+            </a:r>
+            <a:r>
+              <a:rPr kumimoji="1" lang="zh-CN" altLang="en-US" dirty="0" smtClean="0"/>
+              <a:t>不在</a:t>
+            </a:r>
+            <a:r>
+              <a:rPr kumimoji="1" lang="en-US" altLang="zh-CN" dirty="0" err="1" smtClean="0"/>
+              <a:t>bufferpool</a:t>
+            </a:r>
+            <a:r>
+              <a:rPr kumimoji="1" lang="zh-CN" altLang="en-US" dirty="0" smtClean="0"/>
+              <a:t>中时，暂时将二级索引的变更进行缓存</a:t>
+            </a:r>
+            <a:endParaRPr kumimoji="1" lang="en-US" altLang="zh-CN" dirty="0" smtClean="0"/>
+          </a:p>
+          <a:p>
+            <a:r>
+              <a:rPr kumimoji="1" lang="en-US" altLang="zh-CN" dirty="0" err="1" smtClean="0"/>
+              <a:t>AdaptiveHashIndex</a:t>
+            </a:r>
+            <a:r>
+              <a:rPr kumimoji="1" lang="en-US" altLang="zh-CN" dirty="0" smtClean="0"/>
+              <a:t>:</a:t>
+            </a:r>
+          </a:p>
+          <a:p>
+            <a:pPr lvl="1"/>
+            <a:r>
+              <a:rPr kumimoji="1" lang="zh-CN" altLang="en-US" dirty="0" smtClean="0"/>
+              <a:t>基于字符串前缀的</a:t>
+            </a:r>
+            <a:r>
+              <a:rPr kumimoji="1" lang="en-US" altLang="zh-CN" dirty="0" err="1" smtClean="0"/>
+              <a:t>HashIndex</a:t>
+            </a:r>
+            <a:r>
+              <a:rPr kumimoji="1" lang="zh-CN" altLang="en-US" dirty="0" smtClean="0"/>
+              <a:t>（</a:t>
+            </a:r>
+            <a:r>
+              <a:rPr kumimoji="1" lang="en-US" altLang="zh-CN" dirty="0" smtClean="0"/>
+              <a:t>5.7</a:t>
+            </a:r>
+            <a:r>
+              <a:rPr kumimoji="1" lang="zh-CN" altLang="en-US" dirty="0" smtClean="0"/>
+              <a:t>中是分块的）</a:t>
+            </a:r>
+            <a:endParaRPr kumimoji="1" lang="en-US" altLang="zh-CN" dirty="0" smtClean="0"/>
+          </a:p>
+          <a:p>
+            <a:r>
+              <a:rPr kumimoji="1" lang="en-US" altLang="zh-CN" dirty="0" err="1" smtClean="0"/>
+              <a:t>LogBuffer</a:t>
+            </a:r>
+            <a:endParaRPr kumimoji="1" lang="en-US" altLang="zh-CN" dirty="0" smtClean="0"/>
+          </a:p>
+          <a:p>
+            <a:pPr lvl="1"/>
+            <a:r>
+              <a:rPr kumimoji="1" lang="en-US" altLang="zh-CN" dirty="0" smtClean="0"/>
+              <a:t>Redo</a:t>
+            </a:r>
+            <a:r>
+              <a:rPr kumimoji="1" lang="zh-CN" altLang="en-US" dirty="0" smtClean="0"/>
+              <a:t>日志的缓存，默认</a:t>
+            </a:r>
+            <a:r>
+              <a:rPr kumimoji="1" lang="en-US" altLang="zh-CN" dirty="0" smtClean="0"/>
+              <a:t>16mb</a:t>
+            </a:r>
+            <a:r>
+              <a:rPr kumimoji="1" lang="zh-CN" altLang="en-US" dirty="0" smtClean="0"/>
+              <a:t>；</a:t>
             </a:r>
             <a:endParaRPr kumimoji="1" lang="zh-CN" altLang="en-US" dirty="0"/>
           </a:p>
@@ -10457,6 +10874,13 @@
   <p:clrMapOvr>
     <a:masterClrMapping/>
   </p:clrMapOvr>
+  <p:timing>
+    <p:tnLst>
+      <p:par>
+        <p:cTn id="1" dur="indefinite" restart="never" nodeType="tmRoot"/>
+      </p:par>
+    </p:tnLst>
+  </p:timing>
 </p:sld>
 </file>
 
@@ -12628,16 +13052,94 @@
         </p:nvSpPr>
         <p:spPr/>
         <p:txBody>
-          <a:bodyPr/>
+          <a:bodyPr>
+            <a:normAutofit fontScale="92500" lnSpcReduction="10000"/>
+          </a:bodyPr>
           <a:lstStyle/>
           <a:p>
             <a:r>
+              <a:rPr lang="en-US" altLang="zh-CN" dirty="0" smtClean="0">
+                <a:hlinkClick r:id="rId3"/>
+              </a:rPr>
+              <a:t>https</a:t>
+            </a:r>
+            <a:r>
               <a:rPr lang="en-US" altLang="zh-CN" dirty="0">
-                <a:hlinkClick r:id="rId2"/>
-              </a:rPr>
-              <a:t>https://dev.mysql.com/doc/refman/5.7/en/innodb-locking-transaction-model.html</a:t>
-            </a:r>
-            <a:endParaRPr kumimoji="1" lang="zh-CN" altLang="en-US" dirty="0"/>
+                <a:hlinkClick r:id="rId3"/>
+              </a:rPr>
+              <a:t>://</a:t>
+            </a:r>
+            <a:r>
+              <a:rPr lang="en-US" altLang="zh-CN" dirty="0" smtClean="0">
+                <a:hlinkClick r:id="rId3"/>
+              </a:rPr>
+              <a:t>dev.mysql.com/doc/refman/5.7/en/innodb-locking-transaction-model.html</a:t>
+            </a:r>
+            <a:endParaRPr lang="en-US" altLang="zh-CN" dirty="0" smtClean="0"/>
+          </a:p>
+          <a:p>
+            <a:r>
+              <a:rPr kumimoji="1" lang="zh-CN" altLang="en-US" dirty="0" smtClean="0"/>
+              <a:t>共享排他锁</a:t>
+            </a:r>
+            <a:endParaRPr kumimoji="1" lang="en-US" altLang="zh-CN" dirty="0" smtClean="0"/>
+          </a:p>
+          <a:p>
+            <a:r>
+              <a:rPr kumimoji="1" lang="zh-CN" altLang="en-US" dirty="0" smtClean="0"/>
+              <a:t>意向锁</a:t>
+            </a:r>
+            <a:endParaRPr kumimoji="1" lang="en-US" altLang="zh-CN" dirty="0" smtClean="0"/>
+          </a:p>
+          <a:p>
+            <a:r>
+              <a:rPr kumimoji="1" lang="zh-CN" altLang="en-US" dirty="0" smtClean="0"/>
+              <a:t>记录锁</a:t>
+            </a:r>
+            <a:endParaRPr kumimoji="1" lang="en-US" altLang="zh-CN" dirty="0" smtClean="0"/>
+          </a:p>
+          <a:p>
+            <a:r>
+              <a:rPr kumimoji="1" lang="zh-CN" altLang="en-US" dirty="0" smtClean="0"/>
+              <a:t>间隙锁</a:t>
+            </a:r>
+            <a:endParaRPr kumimoji="1" lang="en-US" altLang="zh-CN" dirty="0" smtClean="0"/>
+          </a:p>
+          <a:p>
+            <a:r>
+              <a:rPr kumimoji="1" lang="en-US" altLang="zh-CN" dirty="0" smtClean="0"/>
+              <a:t>Next-Key</a:t>
+            </a:r>
+            <a:r>
+              <a:rPr kumimoji="1" lang="zh-CN" altLang="en-US" dirty="0" smtClean="0"/>
+              <a:t>锁</a:t>
+            </a:r>
+            <a:endParaRPr kumimoji="1" lang="en-US" altLang="zh-CN" dirty="0" smtClean="0"/>
+          </a:p>
+          <a:p>
+            <a:r>
+              <a:rPr kumimoji="1" lang="zh-CN" altLang="en-US" dirty="0" smtClean="0"/>
+              <a:t>插入意向锁</a:t>
+            </a:r>
+            <a:endParaRPr kumimoji="1" lang="en-US" altLang="zh-CN" dirty="0" smtClean="0"/>
+          </a:p>
+          <a:p>
+            <a:r>
+              <a:rPr kumimoji="1" lang="zh-CN" altLang="en-US" dirty="0" smtClean="0"/>
+              <a:t>自增锁</a:t>
+            </a:r>
+            <a:endParaRPr kumimoji="1" lang="en-US" altLang="zh-CN" dirty="0" smtClean="0"/>
+          </a:p>
+          <a:p>
+            <a:r>
+              <a:rPr kumimoji="1" lang="zh-CN" altLang="en-US" dirty="0" smtClean="0"/>
+              <a:t>空间索引的谓词锁</a:t>
+            </a:r>
+            <a:endParaRPr kumimoji="1" lang="en-US" altLang="zh-CN" dirty="0"/>
+          </a:p>
+          <a:p>
+            <a:pPr lvl="1"/>
+            <a:endParaRPr kumimoji="1" lang="en-US" altLang="zh-CN" dirty="0" smtClean="0"/>
           </a:p>
         </p:txBody>
       </p:sp>
@@ -13699,16 +14201,51 @@
         </p:nvSpPr>
         <p:spPr/>
         <p:txBody>
-          <a:bodyPr/>
+          <a:bodyPr>
+            <a:normAutofit/>
+          </a:bodyPr>
           <a:lstStyle/>
           <a:p>
             <a:r>
               <a:rPr kumimoji="1" lang="en-US" altLang="zh-CN" dirty="0" smtClean="0"/>
               <a:t>Redo</a:t>
             </a:r>
-            <a:r>
-              <a:rPr kumimoji="1" lang="zh-CN" altLang="en-US" dirty="0" smtClean="0"/>
-              <a:t>、</a:t>
+          </a:p>
+          <a:p>
+            <a:pPr lvl="1"/>
+            <a:r>
+              <a:rPr kumimoji="1" lang="zh-CN" altLang="en-US" dirty="0" smtClean="0"/>
+              <a:t>保证幂等性的</a:t>
+            </a:r>
+            <a:r>
+              <a:rPr kumimoji="1" lang="en-US" altLang="zh-CN" dirty="0" smtClean="0"/>
+              <a:t>physiological</a:t>
+            </a:r>
+            <a:r>
+              <a:rPr kumimoji="1" lang="zh-CN" altLang="en-US" dirty="0" smtClean="0"/>
+              <a:t>的日志类型</a:t>
+            </a:r>
+            <a:endParaRPr kumimoji="1" lang="en-US" altLang="zh-CN" dirty="0"/>
+          </a:p>
+          <a:p>
+            <a:r>
+              <a:rPr kumimoji="1" lang="en-US" altLang="zh-CN" dirty="0" smtClean="0"/>
+              <a:t>Undo</a:t>
+            </a:r>
+          </a:p>
+          <a:p>
+            <a:pPr lvl="1"/>
+            <a:r>
+              <a:rPr kumimoji="1" lang="zh-CN" altLang="en-US" dirty="0" smtClean="0"/>
+              <a:t>按照段的形式进行组织，存放行的旧版本。</a:t>
+            </a:r>
+            <a:endParaRPr kumimoji="1" lang="en-US" altLang="zh-CN" dirty="0" smtClean="0"/>
+          </a:p>
+          <a:p>
+            <a:pPr lvl="1"/>
+            <a:r>
+              <a:rPr kumimoji="1" lang="zh-CN" altLang="en-US" dirty="0" smtClean="0"/>
+              <a:t>不同对象的</a:t>
             </a:r>
             <a:r>
               <a:rPr kumimoji="1" lang="en-US" altLang="zh-CN" dirty="0" smtClean="0"/>
@@ -13716,15 +14253,123 @@
             </a:r>
             <a:r>
               <a:rPr kumimoji="1" lang="zh-CN" altLang="en-US" dirty="0" smtClean="0"/>
-              <a:t>管理：</a:t>
-            </a:r>
-            <a:r>
-              <a:rPr lang="en-US" altLang="zh-CN" dirty="0">
-                <a:hlinkClick r:id="rId2"/>
-              </a:rPr>
-              <a:t>https://dev.mysql.com/doc/refman/5.7/en/innodb-redo-log.html</a:t>
-            </a:r>
-            <a:endParaRPr kumimoji="1" lang="zh-CN" altLang="en-US" dirty="0"/>
+              <a:t>放着不同的表空间中。</a:t>
+            </a:r>
+            <a:endParaRPr kumimoji="1" lang="en-US" altLang="zh-CN" dirty="0"/>
+          </a:p>
+          <a:p>
+            <a:r>
+              <a:rPr kumimoji="1" lang="en-US" altLang="zh-CN" dirty="0" err="1" smtClean="0"/>
+              <a:t>CrashRecovery</a:t>
+            </a:r>
+            <a:r>
+              <a:rPr kumimoji="1" lang="zh-CN" altLang="en-US" dirty="0"/>
+              <a:t>，</a:t>
+            </a:r>
+            <a:r>
+              <a:rPr lang="zh-CN" altLang="en-US" dirty="0" smtClean="0"/>
+              <a:t>在</a:t>
+            </a:r>
+            <a:r>
+              <a:rPr lang="en-US" altLang="zh-CN" dirty="0" err="1"/>
+              <a:t>InnoDB</a:t>
+            </a:r>
+            <a:r>
+              <a:rPr lang="zh-CN" altLang="en-US" dirty="0"/>
+              <a:t>中，分为</a:t>
+            </a:r>
+            <a:r>
+              <a:rPr lang="en-US" altLang="zh-CN" dirty="0"/>
+              <a:t>4</a:t>
+            </a:r>
+            <a:r>
+              <a:rPr lang="zh-CN" altLang="en-US" dirty="0"/>
+              <a:t>步：</a:t>
+            </a:r>
+          </a:p>
+          <a:p>
+            <a:pPr lvl="1"/>
+            <a:r>
+              <a:rPr lang="en-US" altLang="zh-CN" dirty="0" err="1"/>
+              <a:t>dwbuffer</a:t>
+            </a:r>
+            <a:r>
+              <a:rPr lang="zh-CN" altLang="en-US" dirty="0"/>
+              <a:t>：首先恢复 </a:t>
+            </a:r>
+            <a:r>
+              <a:rPr lang="en-US" altLang="zh-CN" dirty="0" err="1"/>
+              <a:t>Doublewrite</a:t>
+            </a:r>
+            <a:r>
+              <a:rPr lang="en-US" altLang="zh-CN" dirty="0"/>
+              <a:t> Buffer</a:t>
+            </a:r>
+            <a:r>
+              <a:rPr lang="zh-CN" altLang="en-US" dirty="0"/>
+              <a:t>中的数据</a:t>
+            </a:r>
+          </a:p>
+          <a:p>
+            <a:pPr lvl="1"/>
+            <a:r>
+              <a:rPr lang="en-US" altLang="zh-CN" dirty="0"/>
+              <a:t>Scan</a:t>
+            </a:r>
+            <a:r>
+              <a:rPr lang="zh-CN" altLang="en-US" dirty="0"/>
+              <a:t>：从磁盘中读取</a:t>
+            </a:r>
+            <a:r>
+              <a:rPr lang="en-US" altLang="zh-CN" dirty="0"/>
+              <a:t>redo</a:t>
+            </a:r>
+            <a:r>
+              <a:rPr lang="zh-CN" altLang="en-US" dirty="0"/>
+              <a:t>日志记录，将其插入按照</a:t>
+            </a:r>
+            <a:r>
+              <a:rPr lang="en-US" altLang="zh-CN" dirty="0"/>
+              <a:t>LSN</a:t>
+            </a:r>
+            <a:r>
+              <a:rPr lang="zh-CN" altLang="en-US" dirty="0"/>
+              <a:t>排序的红黑树中。</a:t>
+            </a:r>
+          </a:p>
+          <a:p>
+            <a:pPr lvl="1"/>
+            <a:r>
+              <a:rPr lang="en-US" altLang="zh-CN" dirty="0"/>
+              <a:t>Redo</a:t>
+            </a:r>
+            <a:r>
+              <a:rPr lang="zh-CN" altLang="en-US" dirty="0"/>
+              <a:t>：将脏页插入到</a:t>
+            </a:r>
+            <a:r>
+              <a:rPr lang="en-US" altLang="zh-CN" dirty="0" err="1"/>
+              <a:t>flush_list</a:t>
+            </a:r>
+            <a:r>
+              <a:rPr lang="zh-CN" altLang="en-US" dirty="0"/>
+              <a:t>中。</a:t>
+            </a:r>
+          </a:p>
+          <a:p>
+            <a:pPr lvl="1"/>
+            <a:r>
+              <a:rPr lang="en-US" altLang="zh-CN" dirty="0"/>
+              <a:t>Undo</a:t>
+            </a:r>
+            <a:r>
+              <a:rPr lang="zh-CN" altLang="en-US" dirty="0"/>
+              <a:t>：将未完成的事务，进行回滚。</a:t>
+            </a:r>
+          </a:p>
+          <a:p>
+            <a:pPr lvl="1"/>
+            <a:endParaRPr kumimoji="1" lang="en-US" altLang="zh-CN" dirty="0" smtClean="0"/>
           </a:p>
         </p:txBody>
       </p:sp>
@@ -13889,10 +14534,161 @@
           </a:p>
         </p:txBody>
       </p:sp>
+      <p:pic>
+        <p:nvPicPr>
+          <p:cNvPr id="4" name="图片 3"/>
+          <p:cNvPicPr>
+            <a:picLocks noChangeAspect="1"/>
+          </p:cNvPicPr>
+          <p:nvPr/>
+        </p:nvPicPr>
+        <p:blipFill>
+          <a:blip r:embed="rId5"/>
+          <a:stretch>
+            <a:fillRect/>
+          </a:stretch>
+        </p:blipFill>
+        <p:spPr>
+          <a:xfrm>
+            <a:off x="6475733" y="808691"/>
+            <a:ext cx="3302000" cy="5092700"/>
+          </a:xfrm>
+          <a:prstGeom prst="rect">
+            <a:avLst/>
+          </a:prstGeom>
+        </p:spPr>
+      </p:pic>
+      <p:pic>
+        <p:nvPicPr>
+          <p:cNvPr id="5" name="图片 4"/>
+          <p:cNvPicPr>
+            <a:picLocks noChangeAspect="1"/>
+          </p:cNvPicPr>
+          <p:nvPr/>
+        </p:nvPicPr>
+        <p:blipFill>
+          <a:blip r:embed="rId6"/>
+          <a:stretch>
+            <a:fillRect/>
+          </a:stretch>
+        </p:blipFill>
+        <p:spPr>
+          <a:xfrm>
+            <a:off x="3580133" y="694391"/>
+            <a:ext cx="2895600" cy="5321300"/>
+          </a:xfrm>
+          <a:prstGeom prst="rect">
+            <a:avLst/>
+          </a:prstGeom>
+        </p:spPr>
+      </p:pic>
+      <p:pic>
+        <p:nvPicPr>
+          <p:cNvPr id="6" name="图片 5"/>
+          <p:cNvPicPr>
+            <a:picLocks noChangeAspect="1"/>
+          </p:cNvPicPr>
+          <p:nvPr/>
+        </p:nvPicPr>
+        <p:blipFill>
+          <a:blip r:embed="rId7"/>
+          <a:stretch>
+            <a:fillRect/>
+          </a:stretch>
+        </p:blipFill>
+        <p:spPr>
+          <a:xfrm>
+            <a:off x="999338" y="0"/>
+            <a:ext cx="2580795" cy="6858000"/>
+          </a:xfrm>
+          <a:prstGeom prst="rect">
+            <a:avLst/>
+          </a:prstGeom>
+        </p:spPr>
+      </p:pic>
     </p:spTree>
     <p:extLst>
       <p:ext uri="{BB962C8B-B14F-4D97-AF65-F5344CB8AC3E}">
         <p14:creationId xmlns:p14="http://schemas.microsoft.com/office/powerpoint/2010/main" val="1392287468"/>
+      </p:ext>
+    </p:extLst>
+  </p:cSld>
+  <p:clrMapOvr>
+    <a:masterClrMapping/>
+  </p:clrMapOvr>
+  <p:timing>
+    <p:tnLst>
+      <p:par>
+        <p:cTn id="1" dur="indefinite" restart="never" nodeType="tmRoot"/>
+      </p:par>
+    </p:tnLst>
+  </p:timing>
+</p:sld>
+</file>
+
+<file path=ppt/slides/slide30.xml><?xml version="1.0" encoding="utf-8"?>
+<p:sld xmlns:a="http://schemas.openxmlformats.org/drawingml/2006/main" xmlns:r="http://schemas.openxmlformats.org/officeDocument/2006/relationships" xmlns:p="http://schemas.openxmlformats.org/presentationml/2006/main">
+  <p:cSld>
+    <p:spTree>
+      <p:nvGrpSpPr>
+        <p:cNvPr id="1" name=""/>
+        <p:cNvGrpSpPr/>
+        <p:nvPr/>
+      </p:nvGrpSpPr>
+      <p:grpSpPr>
+        <a:xfrm>
+          <a:off x="0" y="0"/>
+          <a:ext cx="0" cy="0"/>
+          <a:chOff x="0" y="0"/>
+          <a:chExt cx="0" cy="0"/>
+        </a:xfrm>
+      </p:grpSpPr>
+      <p:sp>
+        <p:nvSpPr>
+          <p:cNvPr id="2" name="标题 1"/>
+          <p:cNvSpPr>
+            <a:spLocks noGrp="1"/>
+          </p:cNvSpPr>
+          <p:nvPr>
+            <p:ph type="title"/>
+          </p:nvPr>
+        </p:nvSpPr>
+        <p:spPr/>
+        <p:txBody>
+          <a:bodyPr/>
+          <a:lstStyle/>
+          <a:p>
+            <a:r>
+              <a:rPr kumimoji="1" lang="zh-CN" altLang="en-US" dirty="0" smtClean="0"/>
+              <a:t>谢谢</a:t>
+            </a:r>
+            <a:endParaRPr kumimoji="1" lang="zh-CN" altLang="en-US" dirty="0"/>
+          </a:p>
+        </p:txBody>
+      </p:sp>
+      <p:sp>
+        <p:nvSpPr>
+          <p:cNvPr id="3" name="内容占位符 2"/>
+          <p:cNvSpPr>
+            <a:spLocks noGrp="1"/>
+          </p:cNvSpPr>
+          <p:nvPr>
+            <p:ph idx="1"/>
+          </p:nvPr>
+        </p:nvSpPr>
+        <p:spPr/>
+        <p:txBody>
+          <a:bodyPr/>
+          <a:lstStyle/>
+          <a:p>
+            <a:endParaRPr kumimoji="1" lang="zh-CN" altLang="en-US"/>
+          </a:p>
+        </p:txBody>
+      </p:sp>
+    </p:spTree>
+    <p:extLst>
+      <p:ext uri="{BB962C8B-B14F-4D97-AF65-F5344CB8AC3E}">
+        <p14:creationId xmlns:p14="http://schemas.microsoft.com/office/powerpoint/2010/main" val="1461171913"/>
       </p:ext>
     </p:extLst>
   </p:cSld>
@@ -13989,6 +14785,13 @@
   <p:clrMapOvr>
     <a:masterClrMapping/>
   </p:clrMapOvr>
+  <p:timing>
+    <p:tnLst>
+      <p:par>
+        <p:cTn id="1" dur="indefinite" restart="never" nodeType="tmRoot"/>
+      </p:par>
+    </p:tnLst>
+  </p:timing>
 </p:sld>
 </file>
 

--- a/工作分享.pptx
+++ b/工作分享.pptx
@@ -14419,10 +14419,10 @@
           <a:lstStyle/>
           <a:p>
             <a:r>
-              <a:rPr kumimoji="1" lang="zh-CN" altLang="en-US" dirty="0" smtClean="0"/>
+              <a:rPr kumimoji="1" lang="zh-CN" altLang="en-US" b="1" dirty="0" smtClean="0"/>
               <a:t>近期工作</a:t>
             </a:r>
-            <a:endParaRPr kumimoji="1" lang="zh-CN" altLang="en-US" dirty="0"/>
+            <a:endParaRPr kumimoji="1" lang="zh-CN" altLang="en-US" b="1" dirty="0"/>
           </a:p>
         </p:txBody>
       </p:sp>
@@ -14441,95 +14441,6 @@
           <a:bodyPr/>
           <a:lstStyle/>
           <a:p>
-            <a:r>
-              <a:rPr kumimoji="1" lang="en-US" altLang="zh-CN" dirty="0" smtClean="0"/>
-              <a:t>PostgreSQL</a:t>
-            </a:r>
-            <a:r>
-              <a:rPr kumimoji="1" lang="zh-CN" altLang="en-US" dirty="0" smtClean="0"/>
-              <a:t>概述：</a:t>
-            </a:r>
-            <a:r>
-              <a:rPr lang="en-US" altLang="zh-CN" dirty="0">
-                <a:hlinkClick r:id="rId2"/>
-              </a:rPr>
-              <a:t> http://</a:t>
-            </a:r>
-            <a:r>
-              <a:rPr lang="en-US" altLang="zh-CN" dirty="0" smtClean="0">
-                <a:hlinkClick r:id="rId2"/>
-              </a:rPr>
-              <a:t>wiki.op.ksyun.com/pages/viewpage.action?pageId=100899848</a:t>
-            </a:r>
-            <a:endParaRPr lang="en-US" altLang="zh-CN" dirty="0" smtClean="0"/>
-          </a:p>
-          <a:p>
-            <a:r>
-              <a:rPr kumimoji="1" lang="zh-CN" altLang="en-US" dirty="0" smtClean="0"/>
-              <a:t>初步了解</a:t>
-            </a:r>
-            <a:r>
-              <a:rPr kumimoji="1" lang="en-US" altLang="zh-CN" dirty="0" err="1" smtClean="0"/>
-              <a:t>InnoDB</a:t>
-            </a:r>
-            <a:r>
-              <a:rPr kumimoji="1" lang="zh-CN" altLang="en-US" dirty="0" smtClean="0"/>
-              <a:t>：</a:t>
-            </a:r>
-            <a:r>
-              <a:rPr lang="en-US" altLang="zh-CN" dirty="0" smtClean="0">
-                <a:hlinkClick r:id="rId3"/>
-              </a:rPr>
-              <a:t>http</a:t>
-            </a:r>
-            <a:r>
-              <a:rPr lang="en-US" altLang="zh-CN" dirty="0">
-                <a:hlinkClick r:id="rId3"/>
-              </a:rPr>
-              <a:t>://</a:t>
-            </a:r>
-            <a:r>
-              <a:rPr lang="en-US" altLang="zh-CN" dirty="0" smtClean="0">
-                <a:hlinkClick r:id="rId3"/>
-              </a:rPr>
-              <a:t>wiki.op.ksyun.com/pages/viewpage.action?pageId=100905079</a:t>
-            </a:r>
-            <a:endParaRPr lang="en-US" altLang="zh-CN" dirty="0" smtClean="0"/>
-          </a:p>
-          <a:p>
-            <a:r>
-              <a:rPr kumimoji="1" lang="en-US" altLang="zh-CN" dirty="0" smtClean="0"/>
-              <a:t>Aurora</a:t>
-            </a:r>
-            <a:r>
-              <a:rPr kumimoji="1" lang="zh-CN" altLang="en-US" dirty="0" smtClean="0"/>
-              <a:t>论文总结：</a:t>
-            </a:r>
-            <a:r>
-              <a:rPr lang="en-US" altLang="zh-CN" dirty="0" smtClean="0">
-                <a:hlinkClick r:id="rId4"/>
-              </a:rPr>
-              <a:t>http</a:t>
-            </a:r>
-            <a:r>
-              <a:rPr lang="en-US" altLang="zh-CN" dirty="0">
-                <a:hlinkClick r:id="rId4"/>
-              </a:rPr>
-              <a:t>://</a:t>
-            </a:r>
-            <a:r>
-              <a:rPr lang="en-US" altLang="zh-CN" dirty="0" smtClean="0">
-                <a:hlinkClick r:id="rId4"/>
-              </a:rPr>
-              <a:t>wiki.op.ksyun.com/pages/viewpage.action?pageId=100906861</a:t>
-            </a:r>
-            <a:endParaRPr lang="en-US" altLang="zh-CN" dirty="0" smtClean="0"/>
-          </a:p>
-          <a:p>
-            <a:r>
-              <a:rPr kumimoji="1" lang="zh-CN" altLang="en-US" dirty="0" smtClean="0"/>
-              <a:t>其他</a:t>
-            </a:r>
             <a:endParaRPr kumimoji="1" lang="en-US" altLang="zh-CN" dirty="0" smtClean="0"/>
           </a:p>
         </p:txBody>
@@ -14543,14 +14454,14 @@
           <p:nvPr/>
         </p:nvPicPr>
         <p:blipFill>
-          <a:blip r:embed="rId5"/>
+          <a:blip r:embed="rId2"/>
           <a:stretch>
             <a:fillRect/>
           </a:stretch>
         </p:blipFill>
         <p:spPr>
           <a:xfrm>
-            <a:off x="6475733" y="808691"/>
+            <a:off x="8051799" y="1454944"/>
             <a:ext cx="3302000" cy="5092700"/>
           </a:xfrm>
           <a:prstGeom prst="rect">
@@ -14567,14 +14478,14 @@
           <p:nvPr/>
         </p:nvPicPr>
         <p:blipFill>
-          <a:blip r:embed="rId6"/>
+          <a:blip r:embed="rId3"/>
           <a:stretch>
             <a:fillRect/>
           </a:stretch>
         </p:blipFill>
         <p:spPr>
           <a:xfrm>
-            <a:off x="3580133" y="694391"/>
+            <a:off x="838199" y="1340644"/>
             <a:ext cx="2895600" cy="5321300"/>
           </a:xfrm>
           <a:prstGeom prst="rect">
@@ -14591,14 +14502,14 @@
           <p:nvPr/>
         </p:nvPicPr>
         <p:blipFill>
-          <a:blip r:embed="rId7"/>
+          <a:blip r:embed="rId4"/>
           <a:stretch>
             <a:fillRect/>
           </a:stretch>
         </p:blipFill>
         <p:spPr>
           <a:xfrm>
-            <a:off x="999338" y="0"/>
+            <a:off x="4805602" y="45112"/>
             <a:ext cx="2580795" cy="6858000"/>
           </a:xfrm>
           <a:prstGeom prst="rect">
@@ -14681,7 +14592,7 @@
           <a:bodyPr/>
           <a:lstStyle/>
           <a:p>
-            <a:endParaRPr kumimoji="1" lang="zh-CN" altLang="en-US"/>
+            <a:endParaRPr kumimoji="1" lang="zh-CN" altLang="en-US" dirty="0"/>
           </a:p>
         </p:txBody>
       </p:sp>
@@ -15050,8 +14961,12 @@
           <a:lstStyle/>
           <a:p>
             <a:r>
+              <a:rPr lang="en-US" altLang="zh-CN" dirty="0" smtClean="0"/>
+              <a:t>PostgreSQL</a:t>
+            </a:r>
+            <a:r>
               <a:rPr lang="zh-CN" altLang="en-US" dirty="0" smtClean="0"/>
-              <a:t>一、</a:t>
+              <a:t>的</a:t>
             </a:r>
             <a:r>
               <a:rPr lang="en-US" altLang="zh-CN" dirty="0" smtClean="0"/>

--- a/工作分享.pptx
+++ b/工作分享.pptx
@@ -11,8 +11,8 @@
     <p:sldId id="256" r:id="rId2"/>
     <p:sldId id="260" r:id="rId3"/>
     <p:sldId id="258" r:id="rId4"/>
-    <p:sldId id="287" r:id="rId5"/>
-    <p:sldId id="267" r:id="rId6"/>
+    <p:sldId id="297" r:id="rId5"/>
+    <p:sldId id="287" r:id="rId6"/>
     <p:sldId id="268" r:id="rId7"/>
     <p:sldId id="269" r:id="rId8"/>
     <p:sldId id="271" r:id="rId9"/>
@@ -225,7 +225,7 @@
           <a:p>
             <a:fld id="{F0AAA7A4-7746-7E44-A430-6287DC082298}" type="datetimeFigureOut">
               <a:rPr kumimoji="1" lang="zh-CN" altLang="en-US" smtClean="0"/>
-              <a:t>2019/5/20</a:t>
+              <a:t>2019/5/22</a:t>
             </a:fld>
             <a:endParaRPr kumimoji="1" lang="zh-CN" altLang="en-US"/>
           </a:p>
@@ -643,11 +643,65 @@
           <a:p>
             <a:r>
               <a:rPr kumimoji="1" lang="zh-CN" altLang="en-US" dirty="0" smtClean="0"/>
-              <a:t>分为三层：</a:t>
-            </a:r>
-            <a:r>
-              <a:rPr kumimoji="1" lang="en-US" altLang="zh-CN" dirty="0" smtClean="0"/>
-              <a:t>buffer</a:t>
+              <a:t>我们都知道在数据库中有一个概念叫做</a:t>
+            </a:r>
+            <a:r>
+              <a:rPr kumimoji="1" lang="en-US" altLang="zh-CN" dirty="0" smtClean="0"/>
+              <a:t>checkpoint</a:t>
+            </a:r>
+            <a:r>
+              <a:rPr kumimoji="1" lang="zh-CN" altLang="en-US" dirty="0" smtClean="0"/>
+              <a:t>；</a:t>
+            </a:r>
+            <a:r>
+              <a:rPr kumimoji="1" lang="en-US" altLang="zh-CN" dirty="0" smtClean="0"/>
+              <a:t>CHECKPOINT</a:t>
+            </a:r>
+            <a:r>
+              <a:rPr kumimoji="1" lang="zh-CN" altLang="en-US" dirty="0" smtClean="0"/>
+              <a:t>的存在是保证事务在这一事件点磁盘数据是一致的，此时会将所有的脏页进行刷盘；</a:t>
+            </a:r>
+            <a:endParaRPr kumimoji="1" lang="en-US" altLang="zh-CN" dirty="0" smtClean="0"/>
+          </a:p>
+          <a:p>
+            <a:r>
+              <a:rPr kumimoji="1" lang="zh-CN" altLang="en-US" dirty="0" smtClean="0"/>
+              <a:t>刷盘有两步，</a:t>
+            </a:r>
+            <a:r>
+              <a:rPr kumimoji="1" lang="en-US" altLang="zh-CN" dirty="0" smtClean="0"/>
+              <a:t>write</a:t>
+            </a:r>
+            <a:r>
+              <a:rPr kumimoji="1" lang="zh-CN" altLang="en-US" dirty="0" smtClean="0"/>
+              <a:t>和</a:t>
+            </a:r>
+            <a:r>
+              <a:rPr kumimoji="1" lang="en-US" altLang="zh-CN" dirty="0" err="1" smtClean="0"/>
+              <a:t>fsync</a:t>
+            </a:r>
+            <a:r>
+              <a:rPr kumimoji="1" lang="zh-CN" altLang="en-US" dirty="0" smtClean="0"/>
+              <a:t>；</a:t>
+            </a:r>
+            <a:endParaRPr kumimoji="1" lang="en-US" altLang="zh-CN" dirty="0" smtClean="0"/>
+          </a:p>
+          <a:p>
+            <a:r>
+              <a:rPr kumimoji="1" lang="zh-CN" altLang="en-US" dirty="0" smtClean="0"/>
+              <a:t>在</a:t>
+            </a:r>
+            <a:r>
+              <a:rPr kumimoji="1" lang="en-US" altLang="zh-CN" dirty="0" smtClean="0"/>
+              <a:t>PG</a:t>
+            </a:r>
+            <a:r>
+              <a:rPr kumimoji="1" lang="zh-CN" altLang="en-US" dirty="0" smtClean="0"/>
+              <a:t>中和刷盘相关的有两个进程：</a:t>
+            </a:r>
+            <a:r>
+              <a:rPr kumimoji="1" lang="en-US" altLang="zh-CN" dirty="0" smtClean="0"/>
+              <a:t>background</a:t>
             </a:r>
             <a:r>
               <a:rPr kumimoji="1" lang="zh-CN" altLang="en-US" dirty="0" smtClean="0"/>
@@ -655,91 +709,182 @@
             </a:r>
             <a:r>
               <a:rPr kumimoji="1" lang="en-US" altLang="zh-CN" dirty="0" smtClean="0"/>
-              <a:t>Table;</a:t>
-            </a:r>
-            <a:r>
-              <a:rPr kumimoji="1" lang="zh-CN" altLang="en-US" dirty="0" smtClean="0"/>
-              <a:t> </a:t>
-            </a:r>
-            <a:r>
-              <a:rPr kumimoji="1" lang="en-US" altLang="zh-CN" dirty="0" smtClean="0"/>
-              <a:t>buffer</a:t>
-            </a:r>
-            <a:r>
-              <a:rPr kumimoji="1" lang="zh-CN" altLang="en-US" dirty="0" smtClean="0"/>
-              <a:t> 描述符；</a:t>
-            </a:r>
-            <a:r>
-              <a:rPr kumimoji="1" lang="en-US" altLang="zh-CN" dirty="0" smtClean="0"/>
-              <a:t>buffer</a:t>
-            </a:r>
-            <a:r>
-              <a:rPr kumimoji="1" lang="zh-CN" altLang="en-US" dirty="0" smtClean="0"/>
-              <a:t>池；第一层是一个</a:t>
-            </a:r>
-            <a:r>
-              <a:rPr kumimoji="1" lang="en-US" altLang="zh-CN" dirty="0" smtClean="0"/>
-              <a:t>Hash</a:t>
-            </a:r>
-            <a:r>
-              <a:rPr kumimoji="1" lang="zh-CN" altLang="en-US" dirty="0" smtClean="0"/>
-              <a:t>表，基于链数组的方式处理冲突；第二层是一个</a:t>
-            </a:r>
-            <a:r>
-              <a:rPr kumimoji="1" lang="en-US" altLang="zh-CN" dirty="0" smtClean="0"/>
-              <a:t>buffer</a:t>
-            </a:r>
-            <a:r>
-              <a:rPr kumimoji="1" lang="zh-CN" altLang="en-US" dirty="0" smtClean="0"/>
-              <a:t>块描述符的数组，各个描述符中维护了一个</a:t>
+              <a:t>writer</a:t>
+            </a:r>
+            <a:r>
+              <a:rPr kumimoji="1" lang="zh-CN" altLang="en-US" dirty="0" smtClean="0"/>
+              <a:t>和</a:t>
             </a:r>
             <a:r>
               <a:rPr kumimoji="1" lang="en-US" altLang="zh-CN" dirty="0" err="1" smtClean="0"/>
-              <a:t>freelist</a:t>
-            </a:r>
-            <a:r>
-              <a:rPr kumimoji="1" lang="zh-CN" altLang="en-US" dirty="0" smtClean="0"/>
-              <a:t>的链表，方便快速找到第一个可用空间，另外</a:t>
-            </a:r>
-            <a:r>
-              <a:rPr kumimoji="1" lang="en-US" altLang="zh-CN" dirty="0" smtClean="0"/>
-              <a:t>buffer</a:t>
-            </a:r>
-            <a:r>
-              <a:rPr kumimoji="1" lang="zh-CN" altLang="en-US" dirty="0" smtClean="0"/>
-              <a:t>描述符中维护了</a:t>
-            </a:r>
-            <a:r>
-              <a:rPr kumimoji="1" lang="en-US" altLang="zh-CN" dirty="0" smtClean="0"/>
-              <a:t>buffer</a:t>
-            </a:r>
-            <a:r>
-              <a:rPr kumimoji="1" lang="zh-CN" altLang="en-US" dirty="0" smtClean="0"/>
-              <a:t> </a:t>
-            </a:r>
-            <a:r>
-              <a:rPr kumimoji="1" lang="en-US" altLang="zh-CN" dirty="0" smtClean="0"/>
-              <a:t>pool</a:t>
-            </a:r>
-            <a:r>
-              <a:rPr kumimoji="1" lang="zh-CN" altLang="en-US" dirty="0" smtClean="0"/>
-              <a:t>中数据块的标志位，比如是否是脏页，是否正在使用，使用了多少次等；最后就是</a:t>
-            </a:r>
-            <a:r>
-              <a:rPr kumimoji="1" lang="en-US" altLang="zh-CN" dirty="0" smtClean="0"/>
-              <a:t>buffer</a:t>
-            </a:r>
-            <a:r>
-              <a:rPr kumimoji="1" lang="zh-CN" altLang="en-US" dirty="0" smtClean="0"/>
-              <a:t> </a:t>
-            </a:r>
-            <a:r>
-              <a:rPr kumimoji="1" lang="en-US" altLang="zh-CN" dirty="0" smtClean="0"/>
-              <a:t>pool</a:t>
-            </a:r>
-            <a:r>
-              <a:rPr kumimoji="1" lang="zh-CN" altLang="en-US" dirty="0" smtClean="0"/>
-              <a:t>，其中就是缓存的数据。</a:t>
+              <a:t>checkpointer</a:t>
+            </a:r>
+            <a:r>
+              <a:rPr kumimoji="1" lang="zh-CN" altLang="en-US" dirty="0" smtClean="0"/>
+              <a:t>；</a:t>
+            </a:r>
+            <a:r>
+              <a:rPr kumimoji="1" lang="en-US" altLang="zh-CN" dirty="0" err="1" smtClean="0"/>
+              <a:t>bgw</a:t>
+            </a:r>
+            <a:r>
+              <a:rPr kumimoji="1" lang="zh-CN" altLang="en-US" dirty="0" smtClean="0"/>
+              <a:t>间隔一段时间扫描</a:t>
+            </a:r>
+            <a:r>
+              <a:rPr kumimoji="1" lang="en-US" altLang="zh-CN" dirty="0" err="1" smtClean="0"/>
+              <a:t>shared_buffer</a:t>
+            </a:r>
+            <a:r>
+              <a:rPr kumimoji="1" lang="zh-CN" altLang="en-US" dirty="0" smtClean="0"/>
+              <a:t>，对脏页调用一批</a:t>
+            </a:r>
+            <a:r>
+              <a:rPr kumimoji="1" lang="en-US" altLang="zh-CN" dirty="0" smtClean="0"/>
+              <a:t>write</a:t>
+            </a:r>
+            <a:r>
+              <a:rPr kumimoji="1" lang="zh-CN" altLang="en-US" dirty="0" smtClean="0"/>
+              <a:t>；</a:t>
+            </a:r>
+            <a:endParaRPr kumimoji="1" lang="en-US" altLang="zh-CN" dirty="0" smtClean="0"/>
+          </a:p>
+          <a:p>
+            <a:r>
+              <a:rPr kumimoji="1" lang="zh-CN" altLang="en-US" dirty="0" smtClean="0"/>
+              <a:t>而到了开始执行</a:t>
+            </a:r>
+            <a:r>
+              <a:rPr kumimoji="1" lang="en-US" altLang="zh-CN" dirty="0" smtClean="0"/>
+              <a:t>checkpoint</a:t>
+            </a:r>
+            <a:r>
+              <a:rPr kumimoji="1" lang="zh-CN" altLang="en-US" dirty="0" smtClean="0"/>
+              <a:t>时，为了减少</a:t>
+            </a:r>
+            <a:r>
+              <a:rPr kumimoji="1" lang="en-US" altLang="zh-CN" dirty="0" smtClean="0"/>
+              <a:t>CHECKPOINT</a:t>
+            </a:r>
+            <a:r>
+              <a:rPr kumimoji="1" lang="zh-CN" altLang="en-US" dirty="0" smtClean="0"/>
+              <a:t>对系统的影响，</a:t>
+            </a:r>
+            <a:r>
+              <a:rPr kumimoji="1" lang="en-US" altLang="zh-CN" dirty="0" smtClean="0"/>
+              <a:t>PG</a:t>
+            </a:r>
+            <a:r>
+              <a:rPr kumimoji="1" lang="zh-CN" altLang="en-US" dirty="0" smtClean="0"/>
+              <a:t>中的</a:t>
+            </a:r>
+            <a:r>
+              <a:rPr kumimoji="1" lang="en-US" altLang="zh-CN" dirty="0" smtClean="0"/>
+              <a:t>CHECKPOINT</a:t>
+            </a:r>
+            <a:r>
+              <a:rPr kumimoji="1" lang="zh-CN" altLang="en-US" dirty="0" smtClean="0"/>
+              <a:t>是一种渐进的</a:t>
+            </a:r>
+            <a:r>
+              <a:rPr kumimoji="1" lang="en-US" altLang="zh-CN" dirty="0" smtClean="0"/>
+              <a:t>CHECKPOINT</a:t>
+            </a:r>
+            <a:r>
+              <a:rPr kumimoji="1" lang="zh-CN" altLang="en-US" dirty="0" smtClean="0"/>
+              <a:t>；</a:t>
+            </a:r>
+            <a:endParaRPr kumimoji="1" lang="en-US" altLang="zh-CN" dirty="0" smtClean="0"/>
+          </a:p>
+          <a:p>
+            <a:r>
+              <a:rPr kumimoji="1" lang="zh-CN" altLang="en-US" dirty="0" smtClean="0"/>
+              <a:t>由</a:t>
+            </a:r>
+            <a:r>
+              <a:rPr lang="en-US" altLang="zh-CN" dirty="0" err="1" smtClean="0"/>
+              <a:t>checkpoint_completion_target</a:t>
+            </a:r>
+            <a:r>
+              <a:rPr lang="zh-CN" altLang="en-US" dirty="0" smtClean="0"/>
+              <a:t>参数，决定</a:t>
+            </a:r>
+            <a:r>
+              <a:rPr lang="en-US" altLang="zh-CN" dirty="0" smtClean="0"/>
+              <a:t>CHECKPOINT</a:t>
+            </a:r>
+            <a:r>
+              <a:rPr lang="zh-CN" altLang="en-US" dirty="0" smtClean="0"/>
+              <a:t>进行到什么时候，进行最后的</a:t>
+            </a:r>
+            <a:r>
+              <a:rPr lang="en-US" altLang="zh-CN" dirty="0" smtClean="0"/>
+              <a:t>sync</a:t>
+            </a:r>
+            <a:r>
+              <a:rPr lang="zh-CN" altLang="en-US" dirty="0" smtClean="0"/>
+              <a:t>；</a:t>
+            </a:r>
+            <a:endParaRPr lang="en-US" altLang="zh-CN" dirty="0" smtClean="0"/>
+          </a:p>
+          <a:p>
+            <a:r>
+              <a:rPr lang="en-US" altLang="zh-CN" sz="1200" b="0" i="0" kern="1200" dirty="0" err="1" smtClean="0">
+                <a:solidFill>
+                  <a:schemeClr val="tx1"/>
+                </a:solidFill>
+                <a:effectLst/>
+                <a:latin typeface="+mn-lt"/>
+                <a:ea typeface="+mn-ea"/>
+                <a:cs typeface="+mn-cs"/>
+              </a:rPr>
+              <a:t>checkpoint_timeout</a:t>
+            </a:r>
+            <a:r>
+              <a:rPr lang="zh-CN" altLang="en-US" sz="1200" b="0" i="0" kern="1200" dirty="0" smtClean="0">
+                <a:solidFill>
+                  <a:schemeClr val="tx1"/>
+                </a:solidFill>
+                <a:effectLst/>
+                <a:latin typeface="+mn-lt"/>
+                <a:ea typeface="+mn-ea"/>
+                <a:cs typeface="+mn-cs"/>
+              </a:rPr>
+              <a:t>，</a:t>
+            </a:r>
+            <a:r>
+              <a:rPr lang="en-US" altLang="zh-CN" sz="1200" b="0" i="0" kern="1200" dirty="0" smtClean="0">
+                <a:solidFill>
+                  <a:schemeClr val="tx1"/>
+                </a:solidFill>
+                <a:effectLst/>
+                <a:latin typeface="+mn-lt"/>
+                <a:ea typeface="+mn-ea"/>
+                <a:cs typeface="+mn-cs"/>
+              </a:rPr>
+              <a:t>max/</a:t>
+            </a:r>
+            <a:r>
+              <a:rPr lang="en-US" altLang="zh-CN" sz="1200" b="0" i="0" kern="1200" dirty="0" err="1" smtClean="0">
+                <a:solidFill>
+                  <a:schemeClr val="tx1"/>
+                </a:solidFill>
+                <a:effectLst/>
+                <a:latin typeface="+mn-lt"/>
+                <a:ea typeface="+mn-ea"/>
+                <a:cs typeface="+mn-cs"/>
+              </a:rPr>
+              <a:t>min_wal_size</a:t>
+            </a:r>
+            <a:endParaRPr lang="en-US" altLang="zh-CN" dirty="0" smtClean="0"/>
+          </a:p>
+          <a:p>
+            <a:endParaRPr kumimoji="1" lang="en-US" altLang="zh-CN" dirty="0" smtClean="0"/>
+          </a:p>
+          <a:p>
+            <a:r>
+              <a:rPr kumimoji="1" lang="zh-CN" altLang="en-US" dirty="0" smtClean="0"/>
+              <a:t>另外</a:t>
             </a:r>
             <a:endParaRPr kumimoji="1" lang="zh-CN" altLang="en-US" dirty="0"/>
           </a:p>
@@ -762,7 +907,7 @@
           <a:p>
             <a:fld id="{6A47B6B7-4533-6B49-91A5-E5E12BC8D3FB}" type="slidenum">
               <a:rPr kumimoji="1" lang="zh-CN" altLang="en-US" smtClean="0"/>
-              <a:t>12</a:t>
+              <a:t>14</a:t>
             </a:fld>
             <a:endParaRPr kumimoji="1" lang="zh-CN" altLang="en-US"/>
           </a:p>
@@ -771,7 +916,7 @@
     </p:spTree>
     <p:extLst>
       <p:ext uri="{BB962C8B-B14F-4D97-AF65-F5344CB8AC3E}">
-        <p14:creationId xmlns:p14="http://schemas.microsoft.com/office/powerpoint/2010/main" val="779217501"/>
+        <p14:creationId xmlns:p14="http://schemas.microsoft.com/office/powerpoint/2010/main" val="904687096"/>
       </p:ext>
     </p:extLst>
   </p:cSld>
@@ -825,251 +970,6 @@
           <a:bodyPr/>
           <a:lstStyle/>
           <a:p>
-            <a:r>
-              <a:rPr kumimoji="1" lang="zh-CN" altLang="en-US" dirty="0" smtClean="0"/>
-              <a:t>我们都知道在数据库中有一个概念叫做</a:t>
-            </a:r>
-            <a:r>
-              <a:rPr kumimoji="1" lang="en-US" altLang="zh-CN" dirty="0" smtClean="0"/>
-              <a:t>checkpoint</a:t>
-            </a:r>
-            <a:r>
-              <a:rPr kumimoji="1" lang="zh-CN" altLang="en-US" dirty="0" smtClean="0"/>
-              <a:t>；</a:t>
-            </a:r>
-            <a:r>
-              <a:rPr kumimoji="1" lang="en-US" altLang="zh-CN" dirty="0" smtClean="0"/>
-              <a:t>CHECKPOINT</a:t>
-            </a:r>
-            <a:r>
-              <a:rPr kumimoji="1" lang="zh-CN" altLang="en-US" dirty="0" smtClean="0"/>
-              <a:t>的存在是保证事务在这一事件点磁盘数据是一致的，此时会将所有的脏页进行刷盘；</a:t>
-            </a:r>
-            <a:endParaRPr kumimoji="1" lang="en-US" altLang="zh-CN" dirty="0" smtClean="0"/>
-          </a:p>
-          <a:p>
-            <a:r>
-              <a:rPr kumimoji="1" lang="zh-CN" altLang="en-US" dirty="0" smtClean="0"/>
-              <a:t>刷盘有两步，</a:t>
-            </a:r>
-            <a:r>
-              <a:rPr kumimoji="1" lang="en-US" altLang="zh-CN" dirty="0" smtClean="0"/>
-              <a:t>write</a:t>
-            </a:r>
-            <a:r>
-              <a:rPr kumimoji="1" lang="zh-CN" altLang="en-US" dirty="0" smtClean="0"/>
-              <a:t>和</a:t>
-            </a:r>
-            <a:r>
-              <a:rPr kumimoji="1" lang="en-US" altLang="zh-CN" dirty="0" err="1" smtClean="0"/>
-              <a:t>fsync</a:t>
-            </a:r>
-            <a:r>
-              <a:rPr kumimoji="1" lang="zh-CN" altLang="en-US" dirty="0" smtClean="0"/>
-              <a:t>；</a:t>
-            </a:r>
-            <a:endParaRPr kumimoji="1" lang="en-US" altLang="zh-CN" dirty="0" smtClean="0"/>
-          </a:p>
-          <a:p>
-            <a:r>
-              <a:rPr kumimoji="1" lang="zh-CN" altLang="en-US" dirty="0" smtClean="0"/>
-              <a:t>在</a:t>
-            </a:r>
-            <a:r>
-              <a:rPr kumimoji="1" lang="en-US" altLang="zh-CN" dirty="0" smtClean="0"/>
-              <a:t>PG</a:t>
-            </a:r>
-            <a:r>
-              <a:rPr kumimoji="1" lang="zh-CN" altLang="en-US" dirty="0" smtClean="0"/>
-              <a:t>中和刷盘相关的有两个进程：</a:t>
-            </a:r>
-            <a:r>
-              <a:rPr kumimoji="1" lang="en-US" altLang="zh-CN" dirty="0" smtClean="0"/>
-              <a:t>background</a:t>
-            </a:r>
-            <a:r>
-              <a:rPr kumimoji="1" lang="zh-CN" altLang="en-US" dirty="0" smtClean="0"/>
-              <a:t> </a:t>
-            </a:r>
-            <a:r>
-              <a:rPr kumimoji="1" lang="en-US" altLang="zh-CN" dirty="0" smtClean="0"/>
-              <a:t>writer</a:t>
-            </a:r>
-            <a:r>
-              <a:rPr kumimoji="1" lang="zh-CN" altLang="en-US" dirty="0" smtClean="0"/>
-              <a:t>和</a:t>
-            </a:r>
-            <a:r>
-              <a:rPr kumimoji="1" lang="en-US" altLang="zh-CN" dirty="0" err="1" smtClean="0"/>
-              <a:t>checkpointer</a:t>
-            </a:r>
-            <a:r>
-              <a:rPr kumimoji="1" lang="zh-CN" altLang="en-US" dirty="0" smtClean="0"/>
-              <a:t>；</a:t>
-            </a:r>
-            <a:r>
-              <a:rPr kumimoji="1" lang="en-US" altLang="zh-CN" dirty="0" err="1" smtClean="0"/>
-              <a:t>bgw</a:t>
-            </a:r>
-            <a:r>
-              <a:rPr kumimoji="1" lang="zh-CN" altLang="en-US" dirty="0" smtClean="0"/>
-              <a:t>间隔一段时间扫描</a:t>
-            </a:r>
-            <a:r>
-              <a:rPr kumimoji="1" lang="en-US" altLang="zh-CN" dirty="0" err="1" smtClean="0"/>
-              <a:t>shared_buffer</a:t>
-            </a:r>
-            <a:r>
-              <a:rPr kumimoji="1" lang="zh-CN" altLang="en-US" dirty="0" smtClean="0"/>
-              <a:t>，对脏页调用一批</a:t>
-            </a:r>
-            <a:r>
-              <a:rPr kumimoji="1" lang="en-US" altLang="zh-CN" dirty="0" smtClean="0"/>
-              <a:t>write</a:t>
-            </a:r>
-            <a:r>
-              <a:rPr kumimoji="1" lang="zh-CN" altLang="en-US" dirty="0" smtClean="0"/>
-              <a:t>；</a:t>
-            </a:r>
-            <a:endParaRPr kumimoji="1" lang="en-US" altLang="zh-CN" dirty="0" smtClean="0"/>
-          </a:p>
-          <a:p>
-            <a:r>
-              <a:rPr kumimoji="1" lang="zh-CN" altLang="en-US" dirty="0" smtClean="0"/>
-              <a:t>而到了开始执行</a:t>
-            </a:r>
-            <a:r>
-              <a:rPr kumimoji="1" lang="en-US" altLang="zh-CN" dirty="0" smtClean="0"/>
-              <a:t>checkpoint</a:t>
-            </a:r>
-            <a:r>
-              <a:rPr kumimoji="1" lang="zh-CN" altLang="en-US" dirty="0" smtClean="0"/>
-              <a:t>时，为了减少</a:t>
-            </a:r>
-            <a:r>
-              <a:rPr kumimoji="1" lang="en-US" altLang="zh-CN" dirty="0" smtClean="0"/>
-              <a:t>CHECKPOINT</a:t>
-            </a:r>
-            <a:r>
-              <a:rPr kumimoji="1" lang="zh-CN" altLang="en-US" dirty="0" smtClean="0"/>
-              <a:t>对系统的影响，</a:t>
-            </a:r>
-            <a:r>
-              <a:rPr kumimoji="1" lang="en-US" altLang="zh-CN" dirty="0" smtClean="0"/>
-              <a:t>PG</a:t>
-            </a:r>
-            <a:r>
-              <a:rPr kumimoji="1" lang="zh-CN" altLang="en-US" dirty="0" smtClean="0"/>
-              <a:t>中的</a:t>
-            </a:r>
-            <a:r>
-              <a:rPr kumimoji="1" lang="en-US" altLang="zh-CN" dirty="0" smtClean="0"/>
-              <a:t>CHECKPOINT</a:t>
-            </a:r>
-            <a:r>
-              <a:rPr kumimoji="1" lang="zh-CN" altLang="en-US" dirty="0" smtClean="0"/>
-              <a:t>是一种渐进的</a:t>
-            </a:r>
-            <a:r>
-              <a:rPr kumimoji="1" lang="en-US" altLang="zh-CN" dirty="0" smtClean="0"/>
-              <a:t>CHECKPOINT</a:t>
-            </a:r>
-            <a:r>
-              <a:rPr kumimoji="1" lang="zh-CN" altLang="en-US" dirty="0" smtClean="0"/>
-              <a:t>；</a:t>
-            </a:r>
-            <a:endParaRPr kumimoji="1" lang="en-US" altLang="zh-CN" dirty="0" smtClean="0"/>
-          </a:p>
-          <a:p>
-            <a:r>
-              <a:rPr kumimoji="1" lang="zh-CN" altLang="en-US" dirty="0" smtClean="0"/>
-              <a:t>由</a:t>
-            </a:r>
-            <a:r>
-              <a:rPr lang="en-US" altLang="zh-CN" dirty="0" err="1" smtClean="0"/>
-              <a:t>checkpoint_completion_target</a:t>
-            </a:r>
-            <a:r>
-              <a:rPr lang="zh-CN" altLang="en-US" dirty="0" smtClean="0"/>
-              <a:t>参数，决定</a:t>
-            </a:r>
-            <a:r>
-              <a:rPr lang="en-US" altLang="zh-CN" dirty="0" smtClean="0"/>
-              <a:t>CHECKPOINT</a:t>
-            </a:r>
-            <a:r>
-              <a:rPr lang="zh-CN" altLang="en-US" dirty="0" smtClean="0"/>
-              <a:t>进行到什么时候，进行最后的</a:t>
-            </a:r>
-            <a:r>
-              <a:rPr lang="en-US" altLang="zh-CN" dirty="0" smtClean="0"/>
-              <a:t>sync</a:t>
-            </a:r>
-            <a:r>
-              <a:rPr lang="zh-CN" altLang="en-US" dirty="0" smtClean="0"/>
-              <a:t>；</a:t>
-            </a:r>
-            <a:endParaRPr lang="en-US" altLang="zh-CN" dirty="0" smtClean="0"/>
-          </a:p>
-          <a:p>
-            <a:r>
-              <a:rPr lang="en-US" altLang="zh-CN" sz="1200" b="0" i="0" kern="1200" dirty="0" err="1" smtClean="0">
-                <a:solidFill>
-                  <a:schemeClr val="tx1"/>
-                </a:solidFill>
-                <a:effectLst/>
-                <a:latin typeface="+mn-lt"/>
-                <a:ea typeface="+mn-ea"/>
-                <a:cs typeface="+mn-cs"/>
-              </a:rPr>
-              <a:t>checkpoint_timeout</a:t>
-            </a:r>
-            <a:r>
-              <a:rPr lang="zh-CN" altLang="en-US" sz="1200" b="0" i="0" kern="1200" dirty="0" smtClean="0">
-                <a:solidFill>
-                  <a:schemeClr val="tx1"/>
-                </a:solidFill>
-                <a:effectLst/>
-                <a:latin typeface="+mn-lt"/>
-                <a:ea typeface="+mn-ea"/>
-                <a:cs typeface="+mn-cs"/>
-              </a:rPr>
-              <a:t>，</a:t>
-            </a:r>
-            <a:r>
-              <a:rPr lang="en-US" altLang="zh-CN" sz="1200" b="0" i="0" kern="1200" dirty="0" smtClean="0">
-                <a:solidFill>
-                  <a:schemeClr val="tx1"/>
-                </a:solidFill>
-                <a:effectLst/>
-                <a:latin typeface="+mn-lt"/>
-                <a:ea typeface="+mn-ea"/>
-                <a:cs typeface="+mn-cs"/>
-              </a:rPr>
-              <a:t>max/</a:t>
-            </a:r>
-            <a:r>
-              <a:rPr lang="en-US" altLang="zh-CN" sz="1200" b="0" i="0" kern="1200" dirty="0" err="1" smtClean="0">
-                <a:solidFill>
-                  <a:schemeClr val="tx1"/>
-                </a:solidFill>
-                <a:effectLst/>
-                <a:latin typeface="+mn-lt"/>
-                <a:ea typeface="+mn-ea"/>
-                <a:cs typeface="+mn-cs"/>
-              </a:rPr>
-              <a:t>min_wal_size</a:t>
-            </a:r>
-            <a:endParaRPr lang="en-US" altLang="zh-CN" dirty="0" smtClean="0"/>
-          </a:p>
-          <a:p>
-            <a:endParaRPr kumimoji="1" lang="en-US" altLang="zh-CN" dirty="0" smtClean="0"/>
-          </a:p>
-          <a:p>
-            <a:r>
-              <a:rPr kumimoji="1" lang="zh-CN" altLang="en-US" dirty="0" smtClean="0"/>
-              <a:t>另外</a:t>
-            </a:r>
             <a:endParaRPr kumimoji="1" lang="zh-CN" altLang="en-US" dirty="0"/>
           </a:p>
         </p:txBody>
@@ -1089,9 +989,9 @@
           <a:bodyPr/>
           <a:lstStyle/>
           <a:p>
-            <a:fld id="{6A47B6B7-4533-6B49-91A5-E5E12BC8D3FB}" type="slidenum">
+            <a:fld id="{28869C31-E77D-D241-AE7E-8C6BD67A4C1D}" type="slidenum">
               <a:rPr kumimoji="1" lang="zh-CN" altLang="en-US" smtClean="0"/>
-              <a:t>14</a:t>
+              <a:t>16</a:t>
             </a:fld>
             <a:endParaRPr kumimoji="1" lang="zh-CN" altLang="en-US"/>
           </a:p>
@@ -1100,7 +1000,7 @@
     </p:spTree>
     <p:extLst>
       <p:ext uri="{BB962C8B-B14F-4D97-AF65-F5344CB8AC3E}">
-        <p14:creationId xmlns:p14="http://schemas.microsoft.com/office/powerpoint/2010/main" val="904687096"/>
+        <p14:creationId xmlns:p14="http://schemas.microsoft.com/office/powerpoint/2010/main" val="1365703192"/>
       </p:ext>
     </p:extLst>
   </p:cSld>
@@ -1154,6 +1054,28 @@
           <a:bodyPr/>
           <a:lstStyle/>
           <a:p>
+            <a:r>
+              <a:rPr kumimoji="1" lang="en-US" altLang="zh-CN" dirty="0" smtClean="0"/>
+              <a:t>Waiting processes busy-loop until they </a:t>
+            </a:r>
+            <a:r>
+              <a:rPr kumimoji="1" lang="en-US" altLang="zh-CN" dirty="0" err="1" smtClean="0"/>
+              <a:t>canget</a:t>
+            </a:r>
+            <a:r>
+              <a:rPr kumimoji="1" lang="en-US" altLang="zh-CN" dirty="0" smtClean="0"/>
+              <a:t> the lock.</a:t>
+            </a:r>
+          </a:p>
+          <a:p>
+            <a:r>
+              <a:rPr kumimoji="1" lang="en-US" altLang="zh-CN" dirty="0" smtClean="0"/>
+              <a:t>Spinlocks are primarily used as infrastructure for </a:t>
+            </a:r>
+            <a:r>
+              <a:rPr kumimoji="1" lang="en-US" altLang="zh-CN" dirty="0" err="1" smtClean="0"/>
+              <a:t>lightweightlocks</a:t>
+            </a:r>
             <a:endParaRPr kumimoji="1" lang="zh-CN" altLang="en-US" dirty="0"/>
           </a:p>
         </p:txBody>
@@ -1173,9 +1095,9 @@
           <a:bodyPr/>
           <a:lstStyle/>
           <a:p>
-            <a:fld id="{28869C31-E77D-D241-AE7E-8C6BD67A4C1D}" type="slidenum">
+            <a:fld id="{6A47B6B7-4533-6B49-91A5-E5E12BC8D3FB}" type="slidenum">
               <a:rPr kumimoji="1" lang="zh-CN" altLang="en-US" smtClean="0"/>
-              <a:t>16</a:t>
+              <a:t>17</a:t>
             </a:fld>
             <a:endParaRPr kumimoji="1" lang="zh-CN" altLang="en-US"/>
           </a:p>
@@ -1184,7 +1106,7 @@
     </p:spTree>
     <p:extLst>
       <p:ext uri="{BB962C8B-B14F-4D97-AF65-F5344CB8AC3E}">
-        <p14:creationId xmlns:p14="http://schemas.microsoft.com/office/powerpoint/2010/main" val="1365703192"/>
+        <p14:creationId xmlns:p14="http://schemas.microsoft.com/office/powerpoint/2010/main" val="484296145"/>
       </p:ext>
     </p:extLst>
   </p:cSld>
@@ -1239,27 +1161,76 @@
           <a:lstStyle/>
           <a:p>
             <a:r>
-              <a:rPr kumimoji="1" lang="en-US" altLang="zh-CN" dirty="0" smtClean="0"/>
-              <a:t>Waiting processes busy-loop until they </a:t>
-            </a:r>
-            <a:r>
-              <a:rPr kumimoji="1" lang="en-US" altLang="zh-CN" dirty="0" err="1" smtClean="0"/>
-              <a:t>canget</a:t>
-            </a:r>
-            <a:r>
-              <a:rPr kumimoji="1" lang="en-US" altLang="zh-CN" dirty="0" smtClean="0"/>
-              <a:t> the lock.</a:t>
-            </a:r>
-          </a:p>
-          <a:p>
-            <a:r>
-              <a:rPr kumimoji="1" lang="en-US" altLang="zh-CN" dirty="0" smtClean="0"/>
-              <a:t>Spinlocks are primarily used as infrastructure for </a:t>
-            </a:r>
-            <a:r>
-              <a:rPr kumimoji="1" lang="en-US" altLang="zh-CN" dirty="0" err="1" smtClean="0"/>
-              <a:t>lightweightlocks</a:t>
-            </a:r>
+              <a:rPr lang="zh-CN" altLang="en-US" dirty="0" smtClean="0"/>
+              <a:t>系统并发太高，</a:t>
+            </a:r>
+            <a:r>
+              <a:rPr lang="en-US" altLang="zh-CN" dirty="0" err="1" smtClean="0"/>
+              <a:t>Lwlock</a:t>
+            </a:r>
+            <a:r>
+              <a:rPr lang="zh-CN" altLang="en-US" dirty="0" smtClean="0"/>
+              <a:t>竞争可能会拖慢系统吞吐；</a:t>
+            </a:r>
+            <a:endParaRPr lang="en-US" altLang="zh-CN" dirty="0" smtClean="0"/>
+          </a:p>
+          <a:p>
+            <a:pPr lvl="1"/>
+            <a:r>
+              <a:rPr lang="zh-CN" altLang="en-US" dirty="0" smtClean="0"/>
+              <a:t>这时在前面加一个连接池，限制一下链接数，可能</a:t>
+            </a:r>
+            <a:r>
+              <a:rPr lang="en-US" altLang="zh-CN" dirty="0" err="1" smtClean="0"/>
+              <a:t>lwlock</a:t>
+            </a:r>
+            <a:r>
+              <a:rPr lang="zh-CN" altLang="en-US" dirty="0" smtClean="0"/>
+              <a:t>锁竞争少了，</a:t>
+            </a:r>
+            <a:r>
+              <a:rPr lang="en-US" altLang="zh-CN" dirty="0" smtClean="0"/>
+              <a:t>50</a:t>
+            </a:r>
+            <a:r>
+              <a:rPr lang="zh-CN" altLang="en-US" dirty="0" smtClean="0"/>
+              <a:t>个链接的效率，比</a:t>
+            </a:r>
+            <a:r>
+              <a:rPr lang="en-US" altLang="zh-CN" dirty="0" smtClean="0"/>
+              <a:t>100</a:t>
+            </a:r>
+            <a:r>
+              <a:rPr lang="zh-CN" altLang="en-US" dirty="0" smtClean="0"/>
+              <a:t>个链接更快了。</a:t>
+            </a:r>
+            <a:endParaRPr lang="en-US" altLang="zh-CN" dirty="0" smtClean="0"/>
+          </a:p>
+          <a:p>
+            <a:pPr lvl="1"/>
+            <a:r>
+              <a:rPr lang="zh-CN" altLang="en-US" dirty="0" smtClean="0"/>
+              <a:t>比如</a:t>
+            </a:r>
+            <a:r>
+              <a:rPr lang="en-US" altLang="zh-CN" dirty="0" err="1" smtClean="0"/>
+              <a:t>wal_buffers</a:t>
+            </a:r>
+            <a:r>
+              <a:rPr lang="zh-CN" altLang="en-US" dirty="0" smtClean="0"/>
+              <a:t>太小导致</a:t>
+            </a:r>
+            <a:r>
+              <a:rPr lang="en-US" altLang="zh-CN" dirty="0" err="1" smtClean="0"/>
+              <a:t>WALWriteLock</a:t>
+            </a:r>
+            <a:r>
+              <a:rPr lang="zh-CN" altLang="en-US" dirty="0" smtClean="0"/>
+              <a:t>的竞争，从而系统吞吐下降</a:t>
+            </a:r>
+            <a:endParaRPr kumimoji="1" lang="en-US" altLang="zh-CN" dirty="0" smtClean="0"/>
+          </a:p>
+          <a:p>
             <a:endParaRPr kumimoji="1" lang="zh-CN" altLang="en-US" dirty="0"/>
           </a:p>
         </p:txBody>
@@ -1281,7 +1252,7 @@
           <a:p>
             <a:fld id="{6A47B6B7-4533-6B49-91A5-E5E12BC8D3FB}" type="slidenum">
               <a:rPr kumimoji="1" lang="zh-CN" altLang="en-US" smtClean="0"/>
-              <a:t>17</a:t>
+              <a:t>18</a:t>
             </a:fld>
             <a:endParaRPr kumimoji="1" lang="zh-CN" altLang="en-US"/>
           </a:p>
@@ -1290,7 +1261,7 @@
     </p:spTree>
     <p:extLst>
       <p:ext uri="{BB962C8B-B14F-4D97-AF65-F5344CB8AC3E}">
-        <p14:creationId xmlns:p14="http://schemas.microsoft.com/office/powerpoint/2010/main" val="484296145"/>
+        <p14:creationId xmlns:p14="http://schemas.microsoft.com/office/powerpoint/2010/main" val="764167755"/>
       </p:ext>
     </p:extLst>
   </p:cSld>
@@ -1345,76 +1316,9 @@
           <a:lstStyle/>
           <a:p>
             <a:r>
-              <a:rPr lang="zh-CN" altLang="en-US" dirty="0" smtClean="0"/>
-              <a:t>系统并发太高，</a:t>
-            </a:r>
-            <a:r>
-              <a:rPr lang="en-US" altLang="zh-CN" dirty="0" err="1" smtClean="0"/>
-              <a:t>Lwlock</a:t>
-            </a:r>
-            <a:r>
-              <a:rPr lang="zh-CN" altLang="en-US" dirty="0" smtClean="0"/>
-              <a:t>竞争可能会拖慢系统吞吐；</a:t>
-            </a:r>
-            <a:endParaRPr lang="en-US" altLang="zh-CN" dirty="0" smtClean="0"/>
-          </a:p>
-          <a:p>
-            <a:pPr lvl="1"/>
-            <a:r>
-              <a:rPr lang="zh-CN" altLang="en-US" dirty="0" smtClean="0"/>
-              <a:t>这时在前面加一个连接池，限制一下链接数，可能</a:t>
-            </a:r>
-            <a:r>
-              <a:rPr lang="en-US" altLang="zh-CN" dirty="0" err="1" smtClean="0"/>
-              <a:t>lwlock</a:t>
-            </a:r>
-            <a:r>
-              <a:rPr lang="zh-CN" altLang="en-US" dirty="0" smtClean="0"/>
-              <a:t>锁竞争少了，</a:t>
-            </a:r>
-            <a:r>
-              <a:rPr lang="en-US" altLang="zh-CN" dirty="0" smtClean="0"/>
-              <a:t>50</a:t>
-            </a:r>
-            <a:r>
-              <a:rPr lang="zh-CN" altLang="en-US" dirty="0" smtClean="0"/>
-              <a:t>个链接的效率，比</a:t>
-            </a:r>
-            <a:r>
-              <a:rPr lang="en-US" altLang="zh-CN" dirty="0" smtClean="0"/>
-              <a:t>100</a:t>
-            </a:r>
-            <a:r>
-              <a:rPr lang="zh-CN" altLang="en-US" dirty="0" smtClean="0"/>
-              <a:t>个链接更快了。</a:t>
-            </a:r>
-            <a:endParaRPr lang="en-US" altLang="zh-CN" dirty="0" smtClean="0"/>
-          </a:p>
-          <a:p>
-            <a:pPr lvl="1"/>
-            <a:r>
-              <a:rPr lang="zh-CN" altLang="en-US" dirty="0" smtClean="0"/>
-              <a:t>比如</a:t>
-            </a:r>
-            <a:r>
-              <a:rPr lang="en-US" altLang="zh-CN" dirty="0" err="1" smtClean="0"/>
-              <a:t>wal_buffers</a:t>
-            </a:r>
-            <a:r>
-              <a:rPr lang="zh-CN" altLang="en-US" dirty="0" smtClean="0"/>
-              <a:t>太小导致</a:t>
-            </a:r>
-            <a:r>
-              <a:rPr lang="en-US" altLang="zh-CN" dirty="0" err="1" smtClean="0"/>
-              <a:t>WALWriteLock</a:t>
-            </a:r>
-            <a:r>
-              <a:rPr lang="zh-CN" altLang="en-US" dirty="0" smtClean="0"/>
-              <a:t>的竞争，从而系统吞吐下降</a:t>
-            </a:r>
-            <a:endParaRPr kumimoji="1" lang="en-US" altLang="zh-CN" dirty="0" smtClean="0"/>
-          </a:p>
-          <a:p>
+              <a:rPr kumimoji="1" lang="zh-CN" altLang="en-US" dirty="0" smtClean="0"/>
+              <a:t>线上锁表故障</a:t>
+            </a:r>
             <a:endParaRPr kumimoji="1" lang="zh-CN" altLang="en-US" dirty="0"/>
           </a:p>
         </p:txBody>
@@ -1436,7 +1340,7 @@
           <a:p>
             <a:fld id="{6A47B6B7-4533-6B49-91A5-E5E12BC8D3FB}" type="slidenum">
               <a:rPr kumimoji="1" lang="zh-CN" altLang="en-US" smtClean="0"/>
-              <a:t>18</a:t>
+              <a:t>19</a:t>
             </a:fld>
             <a:endParaRPr kumimoji="1" lang="zh-CN" altLang="en-US"/>
           </a:p>
@@ -1445,7 +1349,7 @@
     </p:spTree>
     <p:extLst>
       <p:ext uri="{BB962C8B-B14F-4D97-AF65-F5344CB8AC3E}">
-        <p14:creationId xmlns:p14="http://schemas.microsoft.com/office/powerpoint/2010/main" val="764167755"/>
+        <p14:creationId xmlns:p14="http://schemas.microsoft.com/office/powerpoint/2010/main" val="1370038568"/>
       </p:ext>
     </p:extLst>
   </p:cSld>
@@ -1501,8 +1405,399 @@
           <a:p>
             <a:r>
               <a:rPr kumimoji="1" lang="zh-CN" altLang="en-US" dirty="0" smtClean="0"/>
-              <a:t>线上锁表故障</a:t>
-            </a:r>
+              <a:t>前面都是力度和粒度区分的；这种基于锁的方式，读写冲突大的时候，系统效率不高；在</a:t>
+            </a:r>
+            <a:r>
+              <a:rPr kumimoji="1" lang="en-US" altLang="zh-CN" dirty="0" smtClean="0"/>
+              <a:t>PostgreSQL</a:t>
+            </a:r>
+            <a:r>
+              <a:rPr kumimoji="1" lang="zh-CN" altLang="en-US" dirty="0" smtClean="0"/>
+              <a:t>中，提供了基于多版本的快照隔离的方式实现并发控制；</a:t>
+            </a:r>
+            <a:endParaRPr kumimoji="1" lang="en-US" altLang="zh-CN" dirty="0" smtClean="0"/>
+          </a:p>
+          <a:p>
+            <a:pPr marL="0" marR="0" lvl="1" indent="0" algn="l" defTabSz="914400" rtl="0" eaLnBrk="1" fontAlgn="auto" latinLnBrk="0" hangingPunct="1">
+              <a:lnSpc>
+                <a:spcPct val="100000"/>
+              </a:lnSpc>
+              <a:spcBef>
+                <a:spcPts val="0"/>
+              </a:spcBef>
+              <a:spcAft>
+                <a:spcPts val="0"/>
+              </a:spcAft>
+              <a:buClrTx/>
+              <a:buSzTx/>
+              <a:buFontTx/>
+              <a:buNone/>
+              <a:tabLst/>
+              <a:defRPr/>
+            </a:pPr>
+            <a:r>
+              <a:rPr kumimoji="1" lang="zh-CN" altLang="en-US" dirty="0" smtClean="0"/>
+              <a:t>在</a:t>
+            </a:r>
+            <a:r>
+              <a:rPr kumimoji="1" lang="en-US" altLang="zh-CN" dirty="0" smtClean="0"/>
+              <a:t>RC</a:t>
+            </a:r>
+            <a:r>
+              <a:rPr kumimoji="1" lang="zh-CN" altLang="en-US" dirty="0" smtClean="0"/>
+              <a:t>和</a:t>
+            </a:r>
+            <a:r>
+              <a:rPr kumimoji="1" lang="en-US" altLang="zh-CN" dirty="0" smtClean="0"/>
+              <a:t>Rr</a:t>
+            </a:r>
+            <a:r>
+              <a:rPr kumimoji="1" lang="zh-CN" altLang="en-US" dirty="0" smtClean="0"/>
+              <a:t>级别比起基于锁的方式都有很高的效率，但是在</a:t>
+            </a:r>
+            <a:r>
+              <a:rPr kumimoji="1" lang="en-US" altLang="zh-CN" dirty="0" smtClean="0"/>
+              <a:t>9.1</a:t>
+            </a:r>
+            <a:r>
+              <a:rPr kumimoji="1" lang="zh-CN" altLang="en-US" dirty="0" smtClean="0"/>
+              <a:t>之前没有提供真正的</a:t>
+            </a:r>
+            <a:r>
+              <a:rPr kumimoji="1" lang="en-US" altLang="zh-CN" dirty="0" smtClean="0"/>
+              <a:t>serialize</a:t>
+            </a:r>
+            <a:r>
+              <a:rPr kumimoji="1" lang="zh-CN" altLang="en-US" dirty="0" smtClean="0"/>
+              <a:t>级别；最高的只是快照隔离，而快照隔离会有类似</a:t>
+            </a:r>
+            <a:r>
+              <a:rPr kumimoji="1" lang="en-US" altLang="zh-CN" dirty="0" smtClean="0"/>
+              <a:t>write</a:t>
+            </a:r>
+            <a:r>
+              <a:rPr kumimoji="1" lang="zh-CN" altLang="en-US" dirty="0" smtClean="0"/>
+              <a:t> </a:t>
+            </a:r>
+            <a:r>
+              <a:rPr kumimoji="1" lang="en-US" altLang="zh-CN" dirty="0" smtClean="0"/>
+              <a:t>skew</a:t>
+            </a:r>
+            <a:r>
+              <a:rPr kumimoji="1" lang="zh-CN" altLang="en-US" dirty="0" smtClean="0"/>
+              <a:t>的序列号异常；</a:t>
+            </a:r>
+            <a:endParaRPr kumimoji="1" lang="en-US" altLang="zh-CN" dirty="0" smtClean="0"/>
+          </a:p>
+          <a:p>
+            <a:pPr marL="0" marR="0" lvl="1" indent="0" algn="l" defTabSz="914400" rtl="0" eaLnBrk="1" fontAlgn="auto" latinLnBrk="0" hangingPunct="1">
+              <a:lnSpc>
+                <a:spcPct val="100000"/>
+              </a:lnSpc>
+              <a:spcBef>
+                <a:spcPts val="0"/>
+              </a:spcBef>
+              <a:spcAft>
+                <a:spcPts val="0"/>
+              </a:spcAft>
+              <a:buClrTx/>
+              <a:buSzTx/>
+              <a:buFontTx/>
+              <a:buNone/>
+              <a:tabLst/>
+              <a:defRPr/>
+            </a:pPr>
+            <a:endParaRPr kumimoji="1" lang="en-US" altLang="zh-CN" dirty="0" smtClean="0"/>
+          </a:p>
+          <a:p>
+            <a:pPr lvl="1"/>
+            <a:r>
+              <a:rPr kumimoji="1" lang="en-US" altLang="zh-CN" dirty="0" smtClean="0"/>
+              <a:t>A!=B</a:t>
+            </a:r>
+          </a:p>
+          <a:p>
+            <a:pPr lvl="1"/>
+            <a:r>
+              <a:rPr kumimoji="1" lang="zh-CN" altLang="en-US" dirty="0" smtClean="0"/>
+              <a:t>串行化正确，结果是</a:t>
+            </a:r>
+            <a:r>
+              <a:rPr kumimoji="1" lang="en-US" altLang="zh-CN" dirty="0" smtClean="0"/>
+              <a:t>A=B;</a:t>
+            </a:r>
+          </a:p>
+          <a:p>
+            <a:pPr lvl="1"/>
+            <a:r>
+              <a:rPr kumimoji="1" lang="zh-CN" altLang="en-US" dirty="0" smtClean="0"/>
+              <a:t>否则，还是</a:t>
+            </a:r>
+            <a:r>
+              <a:rPr kumimoji="1" lang="en-US" altLang="zh-CN" dirty="0" smtClean="0"/>
+              <a:t>A!=B;</a:t>
+            </a:r>
+          </a:p>
+          <a:p>
+            <a:pPr marL="0" marR="0" lvl="1" indent="0" algn="l" defTabSz="914400" rtl="0" eaLnBrk="1" fontAlgn="auto" latinLnBrk="0" hangingPunct="1">
+              <a:lnSpc>
+                <a:spcPct val="100000"/>
+              </a:lnSpc>
+              <a:spcBef>
+                <a:spcPts val="0"/>
+              </a:spcBef>
+              <a:spcAft>
+                <a:spcPts val="0"/>
+              </a:spcAft>
+              <a:buClrTx/>
+              <a:buSzTx/>
+              <a:buFontTx/>
+              <a:buNone/>
+              <a:tabLst/>
+              <a:defRPr/>
+            </a:pPr>
+            <a:endParaRPr kumimoji="1" lang="en-US" altLang="zh-CN" dirty="0" smtClean="0"/>
+          </a:p>
+          <a:p>
+            <a:pPr lvl="1"/>
+            <a:r>
+              <a:rPr kumimoji="1" lang="zh-CN" altLang="en-US" dirty="0" smtClean="0"/>
+              <a:t>严格两阶段锁协议，一开始加所有的锁，在</a:t>
+            </a:r>
+            <a:r>
+              <a:rPr kumimoji="1" lang="en-US" altLang="zh-CN" dirty="0" smtClean="0"/>
+              <a:t>commit</a:t>
+            </a:r>
+            <a:r>
+              <a:rPr kumimoji="1" lang="zh-CN" altLang="en-US" dirty="0" smtClean="0"/>
+              <a:t>的时候才释放；</a:t>
+            </a:r>
+            <a:endParaRPr kumimoji="1" lang="en-US" altLang="zh-CN" dirty="0" smtClean="0"/>
+          </a:p>
+          <a:p>
+            <a:pPr lvl="1"/>
+            <a:r>
+              <a:rPr kumimoji="1" lang="zh-CN" altLang="en-US" dirty="0" smtClean="0"/>
+              <a:t>这样事务</a:t>
+            </a:r>
+            <a:r>
+              <a:rPr kumimoji="1" lang="en-US" altLang="zh-CN" dirty="0" smtClean="0"/>
+              <a:t>1</a:t>
+            </a:r>
+            <a:r>
+              <a:rPr kumimoji="1" lang="zh-CN" altLang="en-US" dirty="0" smtClean="0"/>
+              <a:t>开始的时候对需要的资源请求</a:t>
+            </a:r>
+            <a:r>
+              <a:rPr lang="en-US" altLang="zh-CN" dirty="0" smtClean="0"/>
+              <a:t>predicate locks</a:t>
+            </a:r>
+            <a:r>
+              <a:rPr lang="zh-CN" altLang="en-US" dirty="0" smtClean="0"/>
+              <a:t>，</a:t>
+            </a:r>
+            <a:r>
+              <a:rPr kumimoji="1" lang="zh-CN" altLang="en-US" dirty="0" smtClean="0"/>
+              <a:t>事务</a:t>
+            </a:r>
+            <a:r>
+              <a:rPr kumimoji="1" lang="en-US" altLang="zh-CN" dirty="0" smtClean="0"/>
+              <a:t>2</a:t>
+            </a:r>
+            <a:r>
+              <a:rPr kumimoji="1" lang="zh-CN" altLang="en-US" dirty="0" smtClean="0"/>
+              <a:t>一开始</a:t>
+            </a:r>
+            <a:r>
+              <a:rPr kumimoji="1" lang="en-US" altLang="zh-CN" dirty="0" smtClean="0"/>
+              <a:t>Read</a:t>
+            </a:r>
+            <a:r>
+              <a:rPr kumimoji="1" lang="zh-CN" altLang="en-US" dirty="0" smtClean="0"/>
+              <a:t> </a:t>
+            </a:r>
+            <a:r>
+              <a:rPr kumimoji="1" lang="en-US" altLang="zh-CN" dirty="0" smtClean="0"/>
+              <a:t>B</a:t>
+            </a:r>
+            <a:r>
+              <a:rPr kumimoji="1" lang="zh-CN" altLang="en-US" dirty="0" smtClean="0"/>
+              <a:t>的时候，就得等待；</a:t>
+            </a:r>
+            <a:endParaRPr kumimoji="1" lang="en-US" altLang="zh-CN" dirty="0" smtClean="0"/>
+          </a:p>
+          <a:p>
+            <a:pPr marL="0" marR="0" lvl="1" indent="0" algn="l" defTabSz="914400" rtl="0" eaLnBrk="1" fontAlgn="auto" latinLnBrk="0" hangingPunct="1">
+              <a:lnSpc>
+                <a:spcPct val="100000"/>
+              </a:lnSpc>
+              <a:spcBef>
+                <a:spcPts val="0"/>
+              </a:spcBef>
+              <a:spcAft>
+                <a:spcPts val="0"/>
+              </a:spcAft>
+              <a:buClrTx/>
+              <a:buSzTx/>
+              <a:buFontTx/>
+              <a:buNone/>
+              <a:tabLst/>
+              <a:defRPr/>
+            </a:pPr>
+            <a:endParaRPr kumimoji="1" lang="en-US" altLang="zh-CN" dirty="0" smtClean="0"/>
+          </a:p>
+          <a:p>
+            <a:pPr marL="0" marR="0" lvl="1" indent="0" algn="l" defTabSz="914400" rtl="0" eaLnBrk="1" fontAlgn="auto" latinLnBrk="0" hangingPunct="1">
+              <a:lnSpc>
+                <a:spcPct val="100000"/>
+              </a:lnSpc>
+              <a:spcBef>
+                <a:spcPts val="0"/>
+              </a:spcBef>
+              <a:spcAft>
+                <a:spcPts val="0"/>
+              </a:spcAft>
+              <a:buClrTx/>
+              <a:buSzTx/>
+              <a:buFontTx/>
+              <a:buNone/>
+              <a:tabLst/>
+              <a:defRPr/>
+            </a:pPr>
+            <a:endParaRPr kumimoji="1" lang="en-US" altLang="zh-CN" dirty="0" smtClean="0"/>
+          </a:p>
+          <a:p>
+            <a:pPr marL="0" marR="0" lvl="1" indent="0" algn="l" defTabSz="914400" rtl="0" eaLnBrk="1" fontAlgn="auto" latinLnBrk="0" hangingPunct="1">
+              <a:lnSpc>
+                <a:spcPct val="100000"/>
+              </a:lnSpc>
+              <a:spcBef>
+                <a:spcPts val="0"/>
+              </a:spcBef>
+              <a:spcAft>
+                <a:spcPts val="0"/>
+              </a:spcAft>
+              <a:buClrTx/>
+              <a:buSzTx/>
+              <a:buFontTx/>
+              <a:buNone/>
+              <a:tabLst/>
+              <a:defRPr/>
+            </a:pPr>
+            <a:r>
+              <a:rPr kumimoji="1" lang="zh-CN" altLang="en-US" dirty="0" smtClean="0"/>
+              <a:t>传统基于</a:t>
+            </a:r>
+            <a:r>
+              <a:rPr kumimoji="1" lang="en-US" altLang="zh-CN" dirty="0" smtClean="0"/>
+              <a:t>2pl</a:t>
+            </a:r>
+            <a:r>
+              <a:rPr kumimoji="1" lang="zh-CN" altLang="en-US" dirty="0" smtClean="0"/>
+              <a:t>实现的串行化是基于</a:t>
+            </a:r>
+            <a:r>
+              <a:rPr kumimoji="1" lang="en-US" altLang="zh-CN" dirty="0" smtClean="0"/>
+              <a:t>2pl</a:t>
+            </a:r>
+            <a:r>
+              <a:rPr kumimoji="1" lang="zh-CN" altLang="en-US" dirty="0" smtClean="0"/>
+              <a:t>中的意向锁，进行检测的；在</a:t>
+            </a:r>
+            <a:r>
+              <a:rPr kumimoji="1" lang="en-US" altLang="zh-CN" dirty="0" smtClean="0"/>
+              <a:t>PostgreSQL</a:t>
+            </a:r>
+            <a:r>
+              <a:rPr kumimoji="1" lang="zh-CN" altLang="en-US" dirty="0" smtClean="0"/>
+              <a:t>中，没有使用</a:t>
+            </a:r>
+            <a:r>
+              <a:rPr kumimoji="1" lang="en-US" altLang="zh-CN" dirty="0" smtClean="0"/>
+              <a:t>2PL</a:t>
+            </a:r>
+            <a:r>
+              <a:rPr kumimoji="1" lang="zh-CN" altLang="en-US" dirty="0" smtClean="0"/>
+              <a:t>，而是基于多版本的方式，构建一个进行扩展</a:t>
+            </a:r>
+            <a:endParaRPr kumimoji="1" lang="en-US" altLang="zh-CN" dirty="0" smtClean="0"/>
+          </a:p>
+          <a:p>
+            <a:pPr marL="0" marR="0" lvl="1" indent="0" algn="l" defTabSz="914400" rtl="0" eaLnBrk="1" fontAlgn="auto" latinLnBrk="0" hangingPunct="1">
+              <a:lnSpc>
+                <a:spcPct val="100000"/>
+              </a:lnSpc>
+              <a:spcBef>
+                <a:spcPts val="0"/>
+              </a:spcBef>
+              <a:spcAft>
+                <a:spcPts val="0"/>
+              </a:spcAft>
+              <a:buClrTx/>
+              <a:buSzTx/>
+              <a:buFontTx/>
+              <a:buNone/>
+              <a:tabLst/>
+              <a:defRPr/>
+            </a:pPr>
+            <a:endParaRPr kumimoji="1" lang="zh-CN" altLang="en-US" dirty="0" smtClean="0"/>
+          </a:p>
+          <a:p>
+            <a:pPr marL="0" marR="0" lvl="1" indent="0" algn="l" defTabSz="914400" rtl="0" eaLnBrk="1" fontAlgn="auto" latinLnBrk="0" hangingPunct="1">
+              <a:lnSpc>
+                <a:spcPct val="100000"/>
+              </a:lnSpc>
+              <a:spcBef>
+                <a:spcPts val="0"/>
+              </a:spcBef>
+              <a:spcAft>
+                <a:spcPts val="0"/>
+              </a:spcAft>
+              <a:buClrTx/>
+              <a:buSzTx/>
+              <a:buFontTx/>
+              <a:buNone/>
+              <a:tabLst/>
+              <a:defRPr/>
+            </a:pPr>
+            <a:endParaRPr kumimoji="1" lang="en-US" altLang="zh-CN" dirty="0" smtClean="0"/>
+          </a:p>
+          <a:p>
+            <a:endParaRPr kumimoji="1" lang="en-US" altLang="zh-CN" dirty="0" smtClean="0"/>
+          </a:p>
+          <a:p>
+            <a:pPr marL="0" marR="0" indent="0" algn="l" defTabSz="914400" rtl="0" eaLnBrk="1" fontAlgn="auto" latinLnBrk="0" hangingPunct="1">
+              <a:lnSpc>
+                <a:spcPct val="100000"/>
+              </a:lnSpc>
+              <a:spcBef>
+                <a:spcPts val="0"/>
+              </a:spcBef>
+              <a:spcAft>
+                <a:spcPts val="0"/>
+              </a:spcAft>
+              <a:buClrTx/>
+              <a:buSzTx/>
+              <a:buFontTx/>
+              <a:buNone/>
+              <a:tabLst/>
+              <a:defRPr/>
+            </a:pPr>
+            <a:r>
+              <a:rPr lang="en-US" altLang="zh-CN" sz="1200" kern="1200" dirty="0" smtClean="0">
+                <a:solidFill>
+                  <a:schemeClr val="tx1"/>
+                </a:solidFill>
+                <a:effectLst/>
+                <a:latin typeface="+mn-lt"/>
+                <a:ea typeface="+mn-ea"/>
+                <a:cs typeface="+mn-cs"/>
+              </a:rPr>
+              <a:t>such as MySQL. As a result, they were able to take advantage of existing predicate locking mechanisms to detect conflicting transactions for SSI. Lacking this infrastructure, we were required to build a new lock manager. Our lock manager is specifically optimized for tracking SSI read dependencies, making it simpler in some respects than a classic lock manager but also introducing some unusual challenges. </a:t>
+            </a:r>
+            <a:endParaRPr lang="en-US" altLang="zh-CN" dirty="0" smtClean="0"/>
+          </a:p>
+          <a:p>
             <a:endParaRPr kumimoji="1" lang="zh-CN" altLang="en-US" dirty="0"/>
           </a:p>
         </p:txBody>
@@ -1524,7 +1819,7 @@
           <a:p>
             <a:fld id="{6A47B6B7-4533-6B49-91A5-E5E12BC8D3FB}" type="slidenum">
               <a:rPr kumimoji="1" lang="zh-CN" altLang="en-US" smtClean="0"/>
-              <a:t>19</a:t>
+              <a:t>20</a:t>
             </a:fld>
             <a:endParaRPr kumimoji="1" lang="zh-CN" altLang="en-US"/>
           </a:p>
@@ -1533,7 +1828,7 @@
     </p:spTree>
     <p:extLst>
       <p:ext uri="{BB962C8B-B14F-4D97-AF65-F5344CB8AC3E}">
-        <p14:creationId xmlns:p14="http://schemas.microsoft.com/office/powerpoint/2010/main" val="1370038568"/>
+        <p14:creationId xmlns:p14="http://schemas.microsoft.com/office/powerpoint/2010/main" val="148674781"/>
       </p:ext>
     </p:extLst>
   </p:cSld>
@@ -1587,21 +1882,6 @@
           <a:bodyPr/>
           <a:lstStyle/>
           <a:p>
-            <a:r>
-              <a:rPr kumimoji="1" lang="zh-CN" altLang="en-US" dirty="0" smtClean="0"/>
-              <a:t>前面都是力度和粒度区分的；这种基于锁的方式，读写冲突大的时候，系统效率不高；在</a:t>
-            </a:r>
-            <a:r>
-              <a:rPr kumimoji="1" lang="en-US" altLang="zh-CN" dirty="0" smtClean="0"/>
-              <a:t>PostgreSQL</a:t>
-            </a:r>
-            <a:r>
-              <a:rPr kumimoji="1" lang="zh-CN" altLang="en-US" dirty="0" smtClean="0"/>
-              <a:t>中，提供了基于多版本的快照隔离的方式实现并发控制；</a:t>
-            </a:r>
-            <a:endParaRPr kumimoji="1" lang="en-US" altLang="zh-CN" dirty="0" smtClean="0"/>
-          </a:p>
-          <a:p>
             <a:pPr marL="0" marR="0" lvl="1" indent="0" algn="l" defTabSz="914400" rtl="0" eaLnBrk="1" fontAlgn="auto" latinLnBrk="0" hangingPunct="1">
               <a:lnSpc>
                 <a:spcPct val="100000"/>
@@ -1621,354 +1901,40 @@
             </a:pPr>
             <a:r>
               <a:rPr kumimoji="1" lang="zh-CN" altLang="en-US" dirty="0" smtClean="0"/>
-              <a:t>在</a:t>
-            </a:r>
-            <a:r>
-              <a:rPr kumimoji="1" lang="en-US" altLang="zh-CN" dirty="0" smtClean="0"/>
-              <a:t>RC</a:t>
-            </a:r>
-            <a:r>
-              <a:rPr kumimoji="1" lang="zh-CN" altLang="en-US" dirty="0" smtClean="0"/>
-              <a:t>和</a:t>
-            </a:r>
-            <a:r>
-              <a:rPr kumimoji="1" lang="en-US" altLang="zh-CN" dirty="0" smtClean="0"/>
-              <a:t>Rr</a:t>
-            </a:r>
-            <a:r>
-              <a:rPr kumimoji="1" lang="zh-CN" altLang="en-US" dirty="0" smtClean="0"/>
-              <a:t>级别比起基于锁的方式都有很高的效率，但是在</a:t>
-            </a:r>
-            <a:r>
-              <a:rPr kumimoji="1" lang="en-US" altLang="zh-CN" dirty="0" smtClean="0"/>
-              <a:t>9.1</a:t>
-            </a:r>
-            <a:r>
-              <a:rPr kumimoji="1" lang="zh-CN" altLang="en-US" dirty="0" smtClean="0"/>
-              <a:t>之前没有提供真正的</a:t>
-            </a:r>
-            <a:r>
-              <a:rPr kumimoji="1" lang="en-US" altLang="zh-CN" dirty="0" smtClean="0"/>
-              <a:t>serialize</a:t>
-            </a:r>
-            <a:r>
-              <a:rPr kumimoji="1" lang="zh-CN" altLang="en-US" dirty="0" smtClean="0"/>
-              <a:t>级别；最高的只是快照隔离，而快照隔离会有类似</a:t>
-            </a:r>
-            <a:r>
-              <a:rPr kumimoji="1" lang="en-US" altLang="zh-CN" dirty="0" smtClean="0"/>
-              <a:t>write</a:t>
-            </a:r>
-            <a:r>
-              <a:rPr kumimoji="1" lang="zh-CN" altLang="en-US" dirty="0" smtClean="0"/>
-              <a:t> </a:t>
-            </a:r>
-            <a:r>
-              <a:rPr kumimoji="1" lang="en-US" altLang="zh-CN" dirty="0" smtClean="0"/>
-              <a:t>skew</a:t>
-            </a:r>
-            <a:r>
-              <a:rPr kumimoji="1" lang="zh-CN" altLang="en-US" dirty="0" smtClean="0"/>
-              <a:t>的序列号异常；</a:t>
+              <a:t>当</a:t>
+            </a:r>
+            <a:r>
+              <a:rPr kumimoji="1" lang="en-US" altLang="zh-CN" dirty="0" smtClean="0"/>
+              <a:t>T3</a:t>
+            </a:r>
+            <a:r>
+              <a:rPr kumimoji="1" lang="zh-CN" altLang="en-US" dirty="0" smtClean="0"/>
+              <a:t>是</a:t>
+            </a:r>
+            <a:r>
+              <a:rPr kumimoji="1" lang="en-US" altLang="zh-CN" dirty="0" smtClean="0"/>
+              <a:t>T1</a:t>
+            </a:r>
+            <a:r>
+              <a:rPr kumimoji="1" lang="zh-CN" altLang="en-US" dirty="0" smtClean="0"/>
+              <a:t>，就是前面的两个事务的简单情况。</a:t>
             </a:r>
             <a:endParaRPr kumimoji="1" lang="en-US" altLang="zh-CN" dirty="0" smtClean="0"/>
           </a:p>
           <a:p>
-            <a:pPr marL="0" marR="0" lvl="1" indent="0" algn="l" defTabSz="914400" rtl="0" eaLnBrk="1" fontAlgn="auto" latinLnBrk="0" hangingPunct="1">
-              <a:lnSpc>
-                <a:spcPct val="100000"/>
-              </a:lnSpc>
-              <a:spcBef>
-                <a:spcPts val="0"/>
-              </a:spcBef>
-              <a:spcAft>
-                <a:spcPts val="0"/>
-              </a:spcAft>
-              <a:buClrTx/>
-              <a:buSzTx/>
-              <a:buFontTx/>
-              <a:buNone/>
-              <a:tabLst/>
-              <a:defRPr/>
-            </a:pPr>
-            <a:endParaRPr kumimoji="1" lang="en-US" altLang="zh-CN" dirty="0" smtClean="0"/>
-          </a:p>
-          <a:p>
-            <a:pPr lvl="1"/>
-            <a:r>
-              <a:rPr kumimoji="1" lang="en-US" altLang="zh-CN" dirty="0" smtClean="0"/>
-              <a:t>A!=B</a:t>
-            </a:r>
-          </a:p>
-          <a:p>
-            <a:pPr lvl="1"/>
-            <a:r>
-              <a:rPr kumimoji="1" lang="zh-CN" altLang="en-US" dirty="0" smtClean="0"/>
-              <a:t>串行化正确，结果是</a:t>
-            </a:r>
-            <a:r>
-              <a:rPr kumimoji="1" lang="en-US" altLang="zh-CN" dirty="0" smtClean="0"/>
-              <a:t>A=B;</a:t>
-            </a:r>
-          </a:p>
-          <a:p>
-            <a:pPr lvl="1"/>
-            <a:r>
-              <a:rPr kumimoji="1" lang="zh-CN" altLang="en-US" dirty="0" smtClean="0"/>
-              <a:t>否则，还是</a:t>
-            </a:r>
-            <a:r>
-              <a:rPr kumimoji="1" lang="en-US" altLang="zh-CN" dirty="0" smtClean="0"/>
-              <a:t>A!=B;</a:t>
-            </a:r>
-          </a:p>
-          <a:p>
-            <a:pPr marL="0" marR="0" lvl="1" indent="0" algn="l" defTabSz="914400" rtl="0" eaLnBrk="1" fontAlgn="auto" latinLnBrk="0" hangingPunct="1">
-              <a:lnSpc>
-                <a:spcPct val="100000"/>
-              </a:lnSpc>
-              <a:spcBef>
-                <a:spcPts val="0"/>
-              </a:spcBef>
-              <a:spcAft>
-                <a:spcPts val="0"/>
-              </a:spcAft>
-              <a:buClrTx/>
-              <a:buSzTx/>
-              <a:buFontTx/>
-              <a:buNone/>
-              <a:tabLst/>
-              <a:defRPr/>
-            </a:pPr>
-            <a:endParaRPr kumimoji="1" lang="en-US" altLang="zh-CN" dirty="0" smtClean="0"/>
-          </a:p>
-          <a:p>
-            <a:pPr lvl="1"/>
-            <a:r>
-              <a:rPr kumimoji="1" lang="zh-CN" altLang="en-US" dirty="0" smtClean="0"/>
-              <a:t>严格两阶段锁协议，一开始加所有的锁，在</a:t>
-            </a:r>
-            <a:r>
-              <a:rPr kumimoji="1" lang="en-US" altLang="zh-CN" dirty="0" smtClean="0"/>
-              <a:t>commit</a:t>
-            </a:r>
-            <a:r>
-              <a:rPr kumimoji="1" lang="zh-CN" altLang="en-US" dirty="0" smtClean="0"/>
-              <a:t>的时候才释放；</a:t>
-            </a:r>
-            <a:endParaRPr kumimoji="1" lang="en-US" altLang="zh-CN" dirty="0" smtClean="0"/>
-          </a:p>
-          <a:p>
-            <a:pPr lvl="1"/>
-            <a:r>
-              <a:rPr kumimoji="1" lang="zh-CN" altLang="en-US" dirty="0" smtClean="0"/>
-              <a:t>这样事务</a:t>
-            </a:r>
-            <a:r>
-              <a:rPr kumimoji="1" lang="en-US" altLang="zh-CN" dirty="0" smtClean="0"/>
-              <a:t>1</a:t>
-            </a:r>
-            <a:r>
-              <a:rPr kumimoji="1" lang="zh-CN" altLang="en-US" dirty="0" smtClean="0"/>
-              <a:t>开始的时候对需要的资源请求</a:t>
-            </a:r>
-            <a:r>
-              <a:rPr lang="en-US" altLang="zh-CN" dirty="0" smtClean="0"/>
-              <a:t>predicate locks</a:t>
-            </a:r>
-            <a:r>
-              <a:rPr lang="zh-CN" altLang="en-US" dirty="0" smtClean="0"/>
-              <a:t>，</a:t>
-            </a:r>
-            <a:r>
-              <a:rPr kumimoji="1" lang="zh-CN" altLang="en-US" dirty="0" smtClean="0"/>
-              <a:t>事务</a:t>
-            </a:r>
-            <a:r>
-              <a:rPr kumimoji="1" lang="en-US" altLang="zh-CN" dirty="0" smtClean="0"/>
-              <a:t>2</a:t>
-            </a:r>
-            <a:r>
-              <a:rPr kumimoji="1" lang="zh-CN" altLang="en-US" dirty="0" smtClean="0"/>
-              <a:t>一开始</a:t>
-            </a:r>
-            <a:r>
-              <a:rPr kumimoji="1" lang="en-US" altLang="zh-CN" dirty="0" smtClean="0"/>
-              <a:t>Read</a:t>
-            </a:r>
-            <a:r>
-              <a:rPr kumimoji="1" lang="zh-CN" altLang="en-US" dirty="0" smtClean="0"/>
-              <a:t> </a:t>
-            </a:r>
-            <a:r>
-              <a:rPr kumimoji="1" lang="en-US" altLang="zh-CN" dirty="0" smtClean="0"/>
-              <a:t>B</a:t>
-            </a:r>
-            <a:r>
-              <a:rPr kumimoji="1" lang="zh-CN" altLang="en-US" dirty="0" smtClean="0"/>
-              <a:t>的时候，就得等待；</a:t>
-            </a:r>
-            <a:endParaRPr kumimoji="1" lang="en-US" altLang="zh-CN" dirty="0" smtClean="0"/>
-          </a:p>
-          <a:p>
-            <a:pPr marL="0" marR="0" lvl="1" indent="0" algn="l" defTabSz="914400" rtl="0" eaLnBrk="1" fontAlgn="auto" latinLnBrk="0" hangingPunct="1">
-              <a:lnSpc>
-                <a:spcPct val="100000"/>
-              </a:lnSpc>
-              <a:spcBef>
-                <a:spcPts val="0"/>
-              </a:spcBef>
-              <a:spcAft>
-                <a:spcPts val="0"/>
-              </a:spcAft>
-              <a:buClrTx/>
-              <a:buSzTx/>
-              <a:buFontTx/>
-              <a:buNone/>
-              <a:tabLst/>
-              <a:defRPr/>
-            </a:pPr>
-            <a:endParaRPr kumimoji="1" lang="en-US" altLang="zh-CN" dirty="0" smtClean="0"/>
-          </a:p>
-          <a:p>
-            <a:pPr marL="0" marR="0" lvl="1" indent="0" algn="l" defTabSz="914400" rtl="0" eaLnBrk="1" fontAlgn="auto" latinLnBrk="0" hangingPunct="1">
-              <a:lnSpc>
-                <a:spcPct val="100000"/>
-              </a:lnSpc>
-              <a:spcBef>
-                <a:spcPts val="0"/>
-              </a:spcBef>
-              <a:spcAft>
-                <a:spcPts val="0"/>
-              </a:spcAft>
-              <a:buClrTx/>
-              <a:buSzTx/>
-              <a:buFontTx/>
-              <a:buNone/>
-              <a:tabLst/>
-              <a:defRPr/>
-            </a:pPr>
-            <a:endParaRPr kumimoji="1" lang="en-US" altLang="zh-CN" dirty="0" smtClean="0"/>
-          </a:p>
-          <a:p>
-            <a:pPr marL="0" marR="0" lvl="1" indent="0" algn="l" defTabSz="914400" rtl="0" eaLnBrk="1" fontAlgn="auto" latinLnBrk="0" hangingPunct="1">
-              <a:lnSpc>
-                <a:spcPct val="100000"/>
-              </a:lnSpc>
-              <a:spcBef>
-                <a:spcPts val="0"/>
-              </a:spcBef>
-              <a:spcAft>
-                <a:spcPts val="0"/>
-              </a:spcAft>
-              <a:buClrTx/>
-              <a:buSzTx/>
-              <a:buFontTx/>
-              <a:buNone/>
-              <a:tabLst/>
-              <a:defRPr/>
-            </a:pPr>
-            <a:r>
-              <a:rPr kumimoji="1" lang="zh-CN" altLang="en-US" dirty="0" smtClean="0"/>
-              <a:t>传统基于</a:t>
-            </a:r>
-            <a:r>
-              <a:rPr kumimoji="1" lang="en-US" altLang="zh-CN" dirty="0" smtClean="0"/>
-              <a:t>2pl</a:t>
-            </a:r>
-            <a:r>
-              <a:rPr kumimoji="1" lang="zh-CN" altLang="en-US" dirty="0" smtClean="0"/>
-              <a:t>实现的串行化是基于</a:t>
-            </a:r>
-            <a:r>
-              <a:rPr kumimoji="1" lang="en-US" altLang="zh-CN" dirty="0" smtClean="0"/>
-              <a:t>2pl</a:t>
-            </a:r>
-            <a:r>
-              <a:rPr kumimoji="1" lang="zh-CN" altLang="en-US" dirty="0" smtClean="0"/>
-              <a:t>中的意向锁，进行检测的；在</a:t>
-            </a:r>
-            <a:r>
-              <a:rPr kumimoji="1" lang="en-US" altLang="zh-CN" dirty="0" smtClean="0"/>
-              <a:t>PostgreSQL</a:t>
-            </a:r>
-            <a:r>
-              <a:rPr kumimoji="1" lang="zh-CN" altLang="en-US" dirty="0" smtClean="0"/>
-              <a:t>中，没有使用</a:t>
-            </a:r>
-            <a:r>
-              <a:rPr kumimoji="1" lang="en-US" altLang="zh-CN" dirty="0" smtClean="0"/>
-              <a:t>2PL</a:t>
-            </a:r>
-            <a:r>
-              <a:rPr kumimoji="1" lang="zh-CN" altLang="en-US" dirty="0" smtClean="0"/>
-              <a:t>，而是基于多版本的方式，构建一个进行扩展</a:t>
-            </a:r>
-            <a:endParaRPr kumimoji="1" lang="en-US" altLang="zh-CN" dirty="0" smtClean="0"/>
-          </a:p>
-          <a:p>
-            <a:pPr marL="0" marR="0" lvl="1" indent="0" algn="l" defTabSz="914400" rtl="0" eaLnBrk="1" fontAlgn="auto" latinLnBrk="0" hangingPunct="1">
-              <a:lnSpc>
-                <a:spcPct val="100000"/>
-              </a:lnSpc>
-              <a:spcBef>
-                <a:spcPts val="0"/>
-              </a:spcBef>
-              <a:spcAft>
-                <a:spcPts val="0"/>
-              </a:spcAft>
-              <a:buClrTx/>
-              <a:buSzTx/>
-              <a:buFontTx/>
-              <a:buNone/>
-              <a:tabLst/>
-              <a:defRPr/>
-            </a:pPr>
-            <a:endParaRPr kumimoji="1" lang="zh-CN" altLang="en-US" dirty="0" smtClean="0"/>
-          </a:p>
-          <a:p>
-            <a:pPr marL="0" marR="0" lvl="1" indent="0" algn="l" defTabSz="914400" rtl="0" eaLnBrk="1" fontAlgn="auto" latinLnBrk="0" hangingPunct="1">
-              <a:lnSpc>
-                <a:spcPct val="100000"/>
-              </a:lnSpc>
-              <a:spcBef>
-                <a:spcPts val="0"/>
-              </a:spcBef>
-              <a:spcAft>
-                <a:spcPts val="0"/>
-              </a:spcAft>
-              <a:buClrTx/>
-              <a:buSzTx/>
-              <a:buFontTx/>
-              <a:buNone/>
-              <a:tabLst/>
-              <a:defRPr/>
-            </a:pPr>
-            <a:endParaRPr kumimoji="1" lang="en-US" altLang="zh-CN" dirty="0" smtClean="0"/>
-          </a:p>
-          <a:p>
-            <a:endParaRPr kumimoji="1" lang="en-US" altLang="zh-CN" dirty="0" smtClean="0"/>
-          </a:p>
-          <a:p>
-            <a:pPr marL="0" marR="0" indent="0" algn="l" defTabSz="914400" rtl="0" eaLnBrk="1" fontAlgn="auto" latinLnBrk="0" hangingPunct="1">
-              <a:lnSpc>
-                <a:spcPct val="100000"/>
-              </a:lnSpc>
-              <a:spcBef>
-                <a:spcPts val="0"/>
-              </a:spcBef>
-              <a:spcAft>
-                <a:spcPts val="0"/>
-              </a:spcAft>
-              <a:buClrTx/>
-              <a:buSzTx/>
-              <a:buFontTx/>
-              <a:buNone/>
-              <a:tabLst/>
-              <a:defRPr/>
-            </a:pPr>
-            <a:r>
-              <a:rPr lang="en-US" altLang="zh-CN" sz="1200" kern="1200" dirty="0" smtClean="0">
+            <a:endParaRPr lang="en-US" altLang="zh-CN" sz="1200" b="0" i="0" kern="1200" dirty="0" smtClean="0">
+              <a:solidFill>
+                <a:schemeClr val="tx1"/>
+              </a:solidFill>
+              <a:effectLst/>
+              <a:latin typeface="+mn-lt"/>
+              <a:ea typeface="+mn-ea"/>
+              <a:cs typeface="+mn-cs"/>
+            </a:endParaRPr>
+          </a:p>
+          <a:p>
+            <a:r>
+              <a:rPr lang="en-US" altLang="zh-CN" sz="1200" b="0" i="0" kern="1200" dirty="0" smtClean="0">
                 <a:solidFill>
                   <a:schemeClr val="tx1"/>
                 </a:solidFill>
@@ -1977,12 +1943,200 @@
                 <a:ea typeface="+mn-ea"/>
                 <a:cs typeface="+mn-cs"/>
               </a:rPr>
-              <a:t>such as MySQL. As a result, they were able to take advantage of existing predicate locking mechanisms to detect conflicting transactions for SSI. Lacking this infrastructure, we were required to build a new lock manager. Our lock manager is specifically optimized for tracking SSI read dependencies, making it simpler in some respects than a classic lock manager but also introducing some unusual challenges. </a:t>
-            </a:r>
-            <a:endParaRPr lang="en-US" altLang="zh-CN" dirty="0" smtClean="0"/>
-          </a:p>
-          <a:p>
-            <a:endParaRPr kumimoji="1" lang="zh-CN" altLang="en-US" dirty="0"/>
+              <a:t>PostgreSQL</a:t>
+            </a:r>
+            <a:r>
+              <a:rPr lang="zh-CN" altLang="en-US" sz="1200" b="0" i="0" kern="1200" dirty="0" smtClean="0">
+                <a:solidFill>
+                  <a:schemeClr val="tx1"/>
+                </a:solidFill>
+                <a:effectLst/>
+                <a:latin typeface="+mn-lt"/>
+                <a:ea typeface="+mn-ea"/>
+                <a:cs typeface="+mn-cs"/>
+              </a:rPr>
+              <a:t>实现总结：</a:t>
+            </a:r>
+            <a:endParaRPr lang="en-US" altLang="zh-CN" sz="1200" b="0" i="0" kern="1200" dirty="0" smtClean="0">
+              <a:solidFill>
+                <a:schemeClr val="tx1"/>
+              </a:solidFill>
+              <a:effectLst/>
+              <a:latin typeface="+mn-lt"/>
+              <a:ea typeface="+mn-ea"/>
+              <a:cs typeface="+mn-cs"/>
+            </a:endParaRPr>
+          </a:p>
+          <a:p>
+            <a:r>
+              <a:rPr lang="zh-CN" altLang="en-US" sz="1200" b="0" i="0" kern="1200" dirty="0" smtClean="0">
+                <a:solidFill>
+                  <a:schemeClr val="tx1"/>
+                </a:solidFill>
+                <a:effectLst/>
+                <a:latin typeface="+mn-lt"/>
+                <a:ea typeface="+mn-ea"/>
+                <a:cs typeface="+mn-cs"/>
+              </a:rPr>
+              <a:t>记录所有访问的资源：</a:t>
+            </a:r>
+            <a:r>
+              <a:rPr lang="en-US" altLang="zh-CN" sz="1200" b="0" i="0" kern="1200" dirty="0" smtClean="0">
+                <a:solidFill>
+                  <a:schemeClr val="tx1"/>
+                </a:solidFill>
+                <a:effectLst/>
+                <a:latin typeface="+mn-lt"/>
+                <a:ea typeface="+mn-ea"/>
+                <a:cs typeface="+mn-cs"/>
+              </a:rPr>
+              <a:t>Record all objects (tuples, pages, relations) accessed by transactions as SIREAD locks.</a:t>
+            </a:r>
+          </a:p>
+          <a:p>
+            <a:r>
+              <a:rPr lang="zh-CN" altLang="en-US" sz="1200" b="0" i="0" kern="1200" dirty="0" smtClean="0">
+                <a:solidFill>
+                  <a:schemeClr val="tx1"/>
+                </a:solidFill>
+                <a:effectLst/>
+                <a:latin typeface="+mn-lt"/>
+                <a:ea typeface="+mn-ea"/>
+                <a:cs typeface="+mn-cs"/>
+              </a:rPr>
+              <a:t>当对资源进行写操作时：检测</a:t>
+            </a:r>
+            <a:r>
+              <a:rPr lang="en-US" altLang="zh-CN" sz="1200" b="0" i="0" kern="1200" dirty="0" err="1" smtClean="0">
+                <a:solidFill>
+                  <a:schemeClr val="tx1"/>
+                </a:solidFill>
+                <a:effectLst/>
+                <a:latin typeface="+mn-lt"/>
+                <a:ea typeface="+mn-ea"/>
+                <a:cs typeface="+mn-cs"/>
+              </a:rPr>
+              <a:t>rw</a:t>
+            </a:r>
+            <a:r>
+              <a:rPr lang="en-US" altLang="zh-CN" sz="1200" b="0" i="0" kern="1200" dirty="0" smtClean="0">
+                <a:solidFill>
+                  <a:schemeClr val="tx1"/>
+                </a:solidFill>
+                <a:effectLst/>
+                <a:latin typeface="+mn-lt"/>
+                <a:ea typeface="+mn-ea"/>
+                <a:cs typeface="+mn-cs"/>
+              </a:rPr>
+              <a:t>-conflicts:</a:t>
+            </a:r>
+            <a:r>
+              <a:rPr lang="zh-CN" altLang="en-US" sz="1200" b="0" i="0" kern="1200" baseline="0" dirty="0" smtClean="0">
+                <a:solidFill>
+                  <a:schemeClr val="tx1"/>
+                </a:solidFill>
+                <a:effectLst/>
+                <a:latin typeface="+mn-lt"/>
+                <a:ea typeface="+mn-ea"/>
+                <a:cs typeface="+mn-cs"/>
+              </a:rPr>
+              <a:t> </a:t>
+            </a:r>
+            <a:r>
+              <a:rPr lang="en-US" altLang="zh-CN" sz="1200" b="0" i="0" kern="1200" dirty="0" smtClean="0">
+                <a:solidFill>
+                  <a:schemeClr val="tx1"/>
+                </a:solidFill>
+                <a:effectLst/>
+                <a:latin typeface="+mn-lt"/>
+                <a:ea typeface="+mn-ea"/>
+                <a:cs typeface="+mn-cs"/>
+              </a:rPr>
+              <a:t>Detect </a:t>
+            </a:r>
+            <a:r>
+              <a:rPr lang="en-US" altLang="zh-CN" sz="1200" b="0" i="0" kern="1200" dirty="0" err="1" smtClean="0">
+                <a:solidFill>
+                  <a:schemeClr val="tx1"/>
+                </a:solidFill>
+                <a:effectLst/>
+                <a:latin typeface="+mn-lt"/>
+                <a:ea typeface="+mn-ea"/>
+                <a:cs typeface="+mn-cs"/>
+              </a:rPr>
+              <a:t>rw</a:t>
+            </a:r>
+            <a:r>
+              <a:rPr lang="en-US" altLang="zh-CN" sz="1200" b="0" i="0" kern="1200" dirty="0" smtClean="0">
+                <a:solidFill>
+                  <a:schemeClr val="tx1"/>
+                </a:solidFill>
+                <a:effectLst/>
+                <a:latin typeface="+mn-lt"/>
+                <a:ea typeface="+mn-ea"/>
+                <a:cs typeface="+mn-cs"/>
+              </a:rPr>
+              <a:t>-conflicts using SIREAD locks whenever any heap or index tuple is written.</a:t>
+            </a:r>
+          </a:p>
+          <a:p>
+            <a:r>
+              <a:rPr lang="zh-CN" altLang="en-US" sz="1200" b="0" i="0" kern="1200" dirty="0" smtClean="0">
+                <a:solidFill>
+                  <a:schemeClr val="tx1"/>
+                </a:solidFill>
+                <a:effectLst/>
+                <a:latin typeface="+mn-lt"/>
+                <a:ea typeface="+mn-ea"/>
+                <a:cs typeface="+mn-cs"/>
+              </a:rPr>
+              <a:t>终止可能产生依赖的事务：</a:t>
+            </a:r>
+            <a:r>
+              <a:rPr lang="en-US" altLang="zh-CN" sz="1200" b="0" i="0" kern="1200" dirty="0" smtClean="0">
+                <a:solidFill>
+                  <a:schemeClr val="tx1"/>
+                </a:solidFill>
+                <a:effectLst/>
+                <a:latin typeface="+mn-lt"/>
+                <a:ea typeface="+mn-ea"/>
+                <a:cs typeface="+mn-cs"/>
+              </a:rPr>
+              <a:t>Abort the transaction if a serialization anomaly is detected by checking detected </a:t>
+            </a:r>
+            <a:r>
+              <a:rPr lang="en-US" altLang="zh-CN" sz="1200" b="0" i="0" kern="1200" dirty="0" err="1" smtClean="0">
+                <a:solidFill>
+                  <a:schemeClr val="tx1"/>
+                </a:solidFill>
+                <a:effectLst/>
+                <a:latin typeface="+mn-lt"/>
+                <a:ea typeface="+mn-ea"/>
+                <a:cs typeface="+mn-cs"/>
+              </a:rPr>
+              <a:t>rw</a:t>
+            </a:r>
+            <a:r>
+              <a:rPr lang="en-US" altLang="zh-CN" sz="1200" b="0" i="0" kern="1200" dirty="0" smtClean="0">
+                <a:solidFill>
+                  <a:schemeClr val="tx1"/>
+                </a:solidFill>
+                <a:effectLst/>
+                <a:latin typeface="+mn-lt"/>
+                <a:ea typeface="+mn-ea"/>
+                <a:cs typeface="+mn-cs"/>
+              </a:rPr>
+              <a:t>-conflicts.</a:t>
+            </a:r>
+            <a:endParaRPr lang="en-US" altLang="zh-CN" sz="1200" b="0" i="0" kern="1200" dirty="0">
+              <a:solidFill>
+                <a:schemeClr val="tx1"/>
+              </a:solidFill>
+              <a:effectLst/>
+              <a:latin typeface="+mn-lt"/>
+              <a:ea typeface="+mn-ea"/>
+              <a:cs typeface="+mn-cs"/>
+            </a:endParaRPr>
           </a:p>
         </p:txBody>
       </p:sp>
@@ -2003,7 +2157,7 @@
           <a:p>
             <a:fld id="{6A47B6B7-4533-6B49-91A5-E5E12BC8D3FB}" type="slidenum">
               <a:rPr kumimoji="1" lang="zh-CN" altLang="en-US" smtClean="0"/>
-              <a:t>20</a:t>
+              <a:t>21</a:t>
             </a:fld>
             <a:endParaRPr kumimoji="1" lang="zh-CN" altLang="en-US"/>
           </a:p>
@@ -2012,7 +2166,7 @@
     </p:spTree>
     <p:extLst>
       <p:ext uri="{BB962C8B-B14F-4D97-AF65-F5344CB8AC3E}">
-        <p14:creationId xmlns:p14="http://schemas.microsoft.com/office/powerpoint/2010/main" val="148674781"/>
+        <p14:creationId xmlns:p14="http://schemas.microsoft.com/office/powerpoint/2010/main" val="1974267469"/>
       </p:ext>
     </p:extLst>
   </p:cSld>
@@ -2066,7 +2220,42 @@
           <a:bodyPr/>
           <a:lstStyle/>
           <a:p>
-            <a:pPr marL="0" marR="0" lvl="1" indent="0" algn="l" defTabSz="914400" rtl="0" eaLnBrk="1" fontAlgn="auto" latinLnBrk="0" hangingPunct="1">
+            <a:r>
+              <a:rPr lang="zh-CN" altLang="en-US" dirty="0" smtClean="0"/>
+              <a:t>考虑到</a:t>
+            </a:r>
+            <a:r>
+              <a:rPr lang="en-US" altLang="zh-CN" b="1" dirty="0" smtClean="0"/>
+              <a:t>S2PL</a:t>
+            </a:r>
+            <a:r>
+              <a:rPr lang="zh-CN" altLang="en-US" b="1" dirty="0" smtClean="0"/>
+              <a:t>的性能不佳</a:t>
+            </a:r>
+            <a:r>
+              <a:rPr lang="zh-CN" altLang="en-US" dirty="0" smtClean="0"/>
+              <a:t>，</a:t>
+            </a:r>
+            <a:r>
+              <a:rPr lang="en-US" altLang="zh-CN" dirty="0" smtClean="0"/>
+              <a:t>PostgreSQL</a:t>
+            </a:r>
+            <a:r>
+              <a:rPr lang="zh-CN" altLang="en-US" dirty="0" smtClean="0"/>
+              <a:t>没有采用</a:t>
+            </a:r>
+            <a:r>
+              <a:rPr lang="en-US" altLang="zh-CN" dirty="0" smtClean="0"/>
+              <a:t>S2PL</a:t>
+            </a:r>
+            <a:r>
+              <a:rPr lang="zh-CN" altLang="en-US" dirty="0" smtClean="0"/>
+              <a:t>的方式实现串行化</a:t>
+            </a:r>
+            <a:endParaRPr lang="en-US" altLang="zh-CN" dirty="0" smtClean="0"/>
+          </a:p>
+          <a:p>
+            <a:pPr marL="0" marR="0" indent="0" algn="l" defTabSz="914400" rtl="0" eaLnBrk="1" fontAlgn="auto" latinLnBrk="0" hangingPunct="1">
               <a:lnSpc>
                 <a:spcPct val="100000"/>
               </a:lnSpc>
@@ -2084,243 +2273,18 @@
               <a:defRPr/>
             </a:pPr>
             <a:r>
-              <a:rPr kumimoji="1" lang="zh-CN" altLang="en-US" dirty="0" smtClean="0"/>
-              <a:t>当</a:t>
-            </a:r>
-            <a:r>
-              <a:rPr kumimoji="1" lang="en-US" altLang="zh-CN" dirty="0" smtClean="0"/>
-              <a:t>T3</a:t>
-            </a:r>
-            <a:r>
-              <a:rPr kumimoji="1" lang="zh-CN" altLang="en-US" dirty="0" smtClean="0"/>
-              <a:t>是</a:t>
-            </a:r>
-            <a:r>
-              <a:rPr kumimoji="1" lang="en-US" altLang="zh-CN" dirty="0" smtClean="0"/>
-              <a:t>T1</a:t>
-            </a:r>
-            <a:r>
-              <a:rPr kumimoji="1" lang="zh-CN" altLang="en-US" dirty="0" smtClean="0"/>
-              <a:t>，就是前面的两个事务的简单情况。</a:t>
-            </a:r>
-            <a:endParaRPr kumimoji="1" lang="en-US" altLang="zh-CN" dirty="0" smtClean="0"/>
-          </a:p>
-          <a:p>
-            <a:endParaRPr lang="en-US" altLang="zh-CN" sz="1200" b="0" i="0" kern="1200" dirty="0" smtClean="0">
-              <a:solidFill>
-                <a:schemeClr val="tx1"/>
-              </a:solidFill>
-              <a:effectLst/>
-              <a:latin typeface="+mn-lt"/>
-              <a:ea typeface="+mn-ea"/>
-              <a:cs typeface="+mn-cs"/>
-            </a:endParaRPr>
-          </a:p>
-          <a:p>
-            <a:r>
-              <a:rPr lang="en-US" altLang="zh-CN" sz="1200" b="0" i="0" kern="1200" dirty="0" smtClean="0">
-                <a:solidFill>
-                  <a:schemeClr val="tx1"/>
-                </a:solidFill>
-                <a:effectLst/>
-                <a:latin typeface="+mn-lt"/>
-                <a:ea typeface="+mn-ea"/>
-                <a:cs typeface="+mn-cs"/>
-              </a:rPr>
+              <a:rPr lang="zh-CN" altLang="en-US" dirty="0" smtClean="0"/>
+              <a:t>并且考虑检查存在环太过复杂，</a:t>
+            </a:r>
+            <a:r>
+              <a:rPr lang="en-US" altLang="zh-CN" dirty="0" smtClean="0"/>
               <a:t>PostgreSQL</a:t>
             </a:r>
             <a:r>
-              <a:rPr lang="zh-CN" altLang="en-US" sz="1200" b="0" i="0" kern="1200" dirty="0" smtClean="0">
-                <a:solidFill>
-                  <a:schemeClr val="tx1"/>
-                </a:solidFill>
-                <a:effectLst/>
-                <a:latin typeface="+mn-lt"/>
-                <a:ea typeface="+mn-ea"/>
-                <a:cs typeface="+mn-cs"/>
-              </a:rPr>
-              <a:t>实现总结：</a:t>
-            </a:r>
-            <a:endParaRPr lang="en-US" altLang="zh-CN" sz="1200" b="0" i="0" kern="1200" dirty="0" smtClean="0">
-              <a:solidFill>
-                <a:schemeClr val="tx1"/>
-              </a:solidFill>
-              <a:effectLst/>
-              <a:latin typeface="+mn-lt"/>
-              <a:ea typeface="+mn-ea"/>
-              <a:cs typeface="+mn-cs"/>
-            </a:endParaRPr>
-          </a:p>
-          <a:p>
-            <a:r>
-              <a:rPr lang="zh-CN" altLang="en-US" sz="1200" b="0" i="0" kern="1200" dirty="0" smtClean="0">
-                <a:solidFill>
-                  <a:schemeClr val="tx1"/>
-                </a:solidFill>
-                <a:effectLst/>
-                <a:latin typeface="+mn-lt"/>
-                <a:ea typeface="+mn-ea"/>
-                <a:cs typeface="+mn-cs"/>
-              </a:rPr>
-              <a:t>记录所有访问的资源：</a:t>
-            </a:r>
-            <a:r>
-              <a:rPr lang="en-US" altLang="zh-CN" sz="1200" b="0" i="0" kern="1200" dirty="0" smtClean="0">
-                <a:solidFill>
-                  <a:schemeClr val="tx1"/>
-                </a:solidFill>
-                <a:effectLst/>
-                <a:latin typeface="+mn-lt"/>
-                <a:ea typeface="+mn-ea"/>
-                <a:cs typeface="+mn-cs"/>
-              </a:rPr>
-              <a:t>Record all objects (tuples, pages, relations) accessed by transactions as SIREAD locks.</a:t>
-            </a:r>
-          </a:p>
-          <a:p>
-            <a:r>
-              <a:rPr lang="zh-CN" altLang="en-US" sz="1200" b="0" i="0" kern="1200" dirty="0" smtClean="0">
-                <a:solidFill>
-                  <a:schemeClr val="tx1"/>
-                </a:solidFill>
-                <a:effectLst/>
-                <a:latin typeface="+mn-lt"/>
-                <a:ea typeface="+mn-ea"/>
-                <a:cs typeface="+mn-cs"/>
-              </a:rPr>
-              <a:t>当对资源进行写操作时：检测</a:t>
-            </a:r>
-            <a:r>
-              <a:rPr lang="en-US" altLang="zh-CN" sz="1200" b="0" i="0" kern="1200" dirty="0" err="1" smtClean="0">
-                <a:solidFill>
-                  <a:schemeClr val="tx1"/>
-                </a:solidFill>
-                <a:effectLst/>
-                <a:latin typeface="+mn-lt"/>
-                <a:ea typeface="+mn-ea"/>
-                <a:cs typeface="+mn-cs"/>
-              </a:rPr>
-              <a:t>rw</a:t>
-            </a:r>
-            <a:r>
-              <a:rPr lang="en-US" altLang="zh-CN" sz="1200" b="0" i="0" kern="1200" dirty="0" smtClean="0">
-                <a:solidFill>
-                  <a:schemeClr val="tx1"/>
-                </a:solidFill>
-                <a:effectLst/>
-                <a:latin typeface="+mn-lt"/>
-                <a:ea typeface="+mn-ea"/>
-                <a:cs typeface="+mn-cs"/>
-              </a:rPr>
-              <a:t>-conflicts:</a:t>
-            </a:r>
-            <a:r>
-              <a:rPr lang="zh-CN" altLang="en-US" sz="1200" b="0" i="0" kern="1200" baseline="0" dirty="0" smtClean="0">
-                <a:solidFill>
-                  <a:schemeClr val="tx1"/>
-                </a:solidFill>
-                <a:effectLst/>
-                <a:latin typeface="+mn-lt"/>
-                <a:ea typeface="+mn-ea"/>
-                <a:cs typeface="+mn-cs"/>
-              </a:rPr>
-              <a:t> </a:t>
-            </a:r>
-            <a:r>
-              <a:rPr lang="en-US" altLang="zh-CN" sz="1200" b="0" i="0" kern="1200" dirty="0" smtClean="0">
-                <a:solidFill>
-                  <a:schemeClr val="tx1"/>
-                </a:solidFill>
-                <a:effectLst/>
-                <a:latin typeface="+mn-lt"/>
-                <a:ea typeface="+mn-ea"/>
-                <a:cs typeface="+mn-cs"/>
-              </a:rPr>
-              <a:t>Detect </a:t>
-            </a:r>
-            <a:r>
-              <a:rPr lang="en-US" altLang="zh-CN" sz="1200" b="0" i="0" kern="1200" dirty="0" err="1" smtClean="0">
-                <a:solidFill>
-                  <a:schemeClr val="tx1"/>
-                </a:solidFill>
-                <a:effectLst/>
-                <a:latin typeface="+mn-lt"/>
-                <a:ea typeface="+mn-ea"/>
-                <a:cs typeface="+mn-cs"/>
-              </a:rPr>
-              <a:t>rw</a:t>
-            </a:r>
-            <a:r>
-              <a:rPr lang="en-US" altLang="zh-CN" sz="1200" b="0" i="0" kern="1200" dirty="0" smtClean="0">
-                <a:solidFill>
-                  <a:schemeClr val="tx1"/>
-                </a:solidFill>
-                <a:effectLst/>
-                <a:latin typeface="+mn-lt"/>
-                <a:ea typeface="+mn-ea"/>
-                <a:cs typeface="+mn-cs"/>
-              </a:rPr>
-              <a:t>-conflicts using SIREAD locks whenever any heap or index tuple is written.</a:t>
-            </a:r>
-          </a:p>
-          <a:p>
-            <a:r>
-              <a:rPr lang="zh-CN" altLang="en-US" sz="1200" b="0" i="0" kern="1200" dirty="0" smtClean="0">
-                <a:solidFill>
-                  <a:schemeClr val="tx1"/>
-                </a:solidFill>
-                <a:effectLst/>
-                <a:latin typeface="+mn-lt"/>
-                <a:ea typeface="+mn-ea"/>
-                <a:cs typeface="+mn-cs"/>
-              </a:rPr>
-              <a:t>终止可能产生依赖的事务：</a:t>
-            </a:r>
-            <a:r>
-              <a:rPr lang="en-US" altLang="zh-CN" sz="1200" b="0" i="0" kern="1200" dirty="0" smtClean="0">
-                <a:solidFill>
-                  <a:schemeClr val="tx1"/>
-                </a:solidFill>
-                <a:effectLst/>
-                <a:latin typeface="+mn-lt"/>
-                <a:ea typeface="+mn-ea"/>
-                <a:cs typeface="+mn-cs"/>
-              </a:rPr>
-              <a:t>Abort the transaction if a serialization anomaly is detected by checking detected </a:t>
-            </a:r>
-            <a:r>
-              <a:rPr lang="en-US" altLang="zh-CN" sz="1200" b="0" i="0" kern="1200" dirty="0" err="1" smtClean="0">
-                <a:solidFill>
-                  <a:schemeClr val="tx1"/>
-                </a:solidFill>
-                <a:effectLst/>
-                <a:latin typeface="+mn-lt"/>
-                <a:ea typeface="+mn-ea"/>
-                <a:cs typeface="+mn-cs"/>
-              </a:rPr>
-              <a:t>rw</a:t>
-            </a:r>
-            <a:r>
-              <a:rPr lang="en-US" altLang="zh-CN" sz="1200" b="0" i="0" kern="1200" dirty="0" smtClean="0">
-                <a:solidFill>
-                  <a:schemeClr val="tx1"/>
-                </a:solidFill>
-                <a:effectLst/>
-                <a:latin typeface="+mn-lt"/>
-                <a:ea typeface="+mn-ea"/>
-                <a:cs typeface="+mn-cs"/>
-              </a:rPr>
-              <a:t>-conflicts.</a:t>
-            </a:r>
-            <a:endParaRPr lang="en-US" altLang="zh-CN" sz="1200" b="0" i="0" kern="1200" dirty="0">
-              <a:solidFill>
-                <a:schemeClr val="tx1"/>
-              </a:solidFill>
-              <a:effectLst/>
-              <a:latin typeface="+mn-lt"/>
-              <a:ea typeface="+mn-ea"/>
-              <a:cs typeface="+mn-cs"/>
-            </a:endParaRPr>
+              <a:rPr lang="zh-CN" altLang="en-US" dirty="0" smtClean="0"/>
+              <a:t>中只检查其中一个条件</a:t>
+            </a:r>
+            <a:endParaRPr lang="en-US" altLang="zh-CN" dirty="0" smtClean="0"/>
           </a:p>
         </p:txBody>
       </p:sp>
@@ -2341,7 +2305,7 @@
           <a:p>
             <a:fld id="{6A47B6B7-4533-6B49-91A5-E5E12BC8D3FB}" type="slidenum">
               <a:rPr kumimoji="1" lang="zh-CN" altLang="en-US" smtClean="0"/>
-              <a:t>21</a:t>
+              <a:t>22</a:t>
             </a:fld>
             <a:endParaRPr kumimoji="1" lang="zh-CN" altLang="en-US"/>
           </a:p>
@@ -2350,7 +2314,7 @@
     </p:spTree>
     <p:extLst>
       <p:ext uri="{BB962C8B-B14F-4D97-AF65-F5344CB8AC3E}">
-        <p14:creationId xmlns:p14="http://schemas.microsoft.com/office/powerpoint/2010/main" val="1974267469"/>
+        <p14:creationId xmlns:p14="http://schemas.microsoft.com/office/powerpoint/2010/main" val="1301929862"/>
       </p:ext>
     </p:extLst>
   </p:cSld>
@@ -2405,70 +2369,780 @@
           <a:lstStyle/>
           <a:p>
             <a:r>
+              <a:rPr lang="zh-CN" altLang="en-US" sz="1200" b="0" i="0" kern="1200" dirty="0" smtClean="0">
+                <a:solidFill>
+                  <a:schemeClr val="tx1"/>
+                </a:solidFill>
+                <a:effectLst/>
+                <a:latin typeface="+mn-lt"/>
+                <a:ea typeface="+mn-ea"/>
+                <a:cs typeface="+mn-cs"/>
+              </a:rPr>
+              <a:t>由</a:t>
+            </a:r>
+            <a:r>
+              <a:rPr lang="en-US" altLang="zh-CN" sz="1200" b="0" i="0" kern="1200" dirty="0" err="1" smtClean="0">
+                <a:solidFill>
+                  <a:schemeClr val="tx1"/>
+                </a:solidFill>
+                <a:effectLst/>
+                <a:latin typeface="+mn-lt"/>
+                <a:ea typeface="+mn-ea"/>
+                <a:cs typeface="+mn-cs"/>
+              </a:rPr>
+              <a:t>synchronous_commit</a:t>
+            </a:r>
+            <a:r>
+              <a:rPr lang="zh-CN" altLang="en-US" sz="1200" b="0" i="0" kern="1200" dirty="0" smtClean="0">
+                <a:solidFill>
+                  <a:schemeClr val="tx1"/>
+                </a:solidFill>
+                <a:effectLst/>
+                <a:latin typeface="+mn-lt"/>
+                <a:ea typeface="+mn-ea"/>
+                <a:cs typeface="+mn-cs"/>
+              </a:rPr>
+              <a:t>参数决定，</a:t>
+            </a:r>
+          </a:p>
+          <a:p>
+            <a:r>
+              <a:rPr lang="zh-CN" altLang="en-US" sz="1200" b="0" i="0" kern="1200" dirty="0" smtClean="0">
+                <a:solidFill>
+                  <a:schemeClr val="tx1"/>
+                </a:solidFill>
+                <a:effectLst/>
+                <a:latin typeface="+mn-lt"/>
+                <a:ea typeface="+mn-ea"/>
+                <a:cs typeface="+mn-cs"/>
+              </a:rPr>
+              <a:t>当</a:t>
+            </a:r>
+            <a:r>
+              <a:rPr lang="en-US" altLang="zh-CN" sz="1200" b="0" i="0" kern="1200" dirty="0" smtClean="0">
+                <a:solidFill>
+                  <a:schemeClr val="tx1"/>
+                </a:solidFill>
+                <a:effectLst/>
+                <a:latin typeface="+mn-lt"/>
+                <a:ea typeface="+mn-ea"/>
+                <a:cs typeface="+mn-cs"/>
+              </a:rPr>
+              <a:t>off</a:t>
+            </a:r>
+            <a:r>
+              <a:rPr lang="zh-CN" altLang="en-US" sz="1200" b="0" i="0" kern="1200" dirty="0" smtClean="0">
+                <a:solidFill>
+                  <a:schemeClr val="tx1"/>
+                </a:solidFill>
+                <a:effectLst/>
+                <a:latin typeface="+mn-lt"/>
+                <a:ea typeface="+mn-ea"/>
+                <a:cs typeface="+mn-cs"/>
+              </a:rPr>
+              <a:t>时，此时就是</a:t>
+            </a:r>
+            <a:r>
+              <a:rPr lang="en-US" altLang="zh-CN" sz="1200" b="0" i="0" kern="1200" dirty="0" err="1" smtClean="0">
+                <a:solidFill>
+                  <a:schemeClr val="tx1"/>
+                </a:solidFill>
+                <a:effectLst/>
+                <a:latin typeface="+mn-lt"/>
+                <a:ea typeface="+mn-ea"/>
+                <a:cs typeface="+mn-cs"/>
+              </a:rPr>
+              <a:t>Async</a:t>
+            </a:r>
+            <a:r>
+              <a:rPr lang="en-US" altLang="zh-CN" sz="1200" b="0" i="0" kern="1200" dirty="0" smtClean="0">
+                <a:solidFill>
+                  <a:schemeClr val="tx1"/>
+                </a:solidFill>
+                <a:effectLst/>
+                <a:latin typeface="+mn-lt"/>
+                <a:ea typeface="+mn-ea"/>
+                <a:cs typeface="+mn-cs"/>
+              </a:rPr>
+              <a:t> Commit</a:t>
+            </a:r>
+            <a:r>
+              <a:rPr lang="zh-CN" altLang="en-US" sz="1200" b="0" i="0" kern="1200" dirty="0" smtClean="0">
+                <a:solidFill>
+                  <a:schemeClr val="tx1"/>
+                </a:solidFill>
+                <a:effectLst/>
+                <a:latin typeface="+mn-lt"/>
+                <a:ea typeface="+mn-ea"/>
+                <a:cs typeface="+mn-cs"/>
+              </a:rPr>
+              <a:t>，返回</a:t>
+            </a:r>
+            <a:r>
+              <a:rPr lang="en-US" altLang="zh-CN" sz="1200" b="0" i="0" kern="1200" dirty="0" smtClean="0">
+                <a:solidFill>
+                  <a:schemeClr val="tx1"/>
+                </a:solidFill>
+                <a:effectLst/>
+                <a:latin typeface="+mn-lt"/>
+                <a:ea typeface="+mn-ea"/>
+                <a:cs typeface="+mn-cs"/>
+              </a:rPr>
+              <a:t>commit</a:t>
+            </a:r>
+            <a:r>
+              <a:rPr lang="zh-CN" altLang="en-US" sz="1200" b="0" i="0" kern="1200" dirty="0" smtClean="0">
+                <a:solidFill>
+                  <a:schemeClr val="tx1"/>
+                </a:solidFill>
+                <a:effectLst/>
+                <a:latin typeface="+mn-lt"/>
+                <a:ea typeface="+mn-ea"/>
+                <a:cs typeface="+mn-cs"/>
+              </a:rPr>
+              <a:t>成功后，最多等待</a:t>
+            </a:r>
+            <a:r>
+              <a:rPr lang="en-US" altLang="zh-CN" sz="1200" b="0" i="0" kern="1200" dirty="0" smtClean="0">
+                <a:solidFill>
+                  <a:schemeClr val="tx1"/>
+                </a:solidFill>
+                <a:effectLst/>
+                <a:latin typeface="+mn-lt"/>
+                <a:ea typeface="+mn-ea"/>
+                <a:cs typeface="+mn-cs"/>
+              </a:rPr>
+              <a:t>3*</a:t>
+            </a:r>
+            <a:r>
+              <a:rPr lang="en-US" altLang="zh-CN" sz="1200" b="0" i="0" u="none" strike="noStrike" kern="1200" dirty="0" smtClean="0">
+                <a:solidFill>
+                  <a:schemeClr val="tx1"/>
+                </a:solidFill>
+                <a:effectLst/>
+                <a:latin typeface="+mn-lt"/>
+                <a:ea typeface="+mn-ea"/>
+                <a:cs typeface="+mn-cs"/>
+                <a:hlinkClick r:id="rId3"/>
+              </a:rPr>
+              <a:t>wal_writer_delay</a:t>
+            </a:r>
+            <a:r>
+              <a:rPr lang="zh-CN" altLang="en-US" sz="1200" b="0" i="0" kern="1200" dirty="0" smtClean="0">
+                <a:solidFill>
+                  <a:schemeClr val="tx1"/>
+                </a:solidFill>
+                <a:effectLst/>
+                <a:latin typeface="+mn-lt"/>
+                <a:ea typeface="+mn-ea"/>
+                <a:cs typeface="+mn-cs"/>
+              </a:rPr>
+              <a:t>的时间，强制刷盘；</a:t>
+            </a:r>
+          </a:p>
+          <a:p>
+            <a:r>
+              <a:rPr lang="zh-CN" altLang="en-US" sz="1200" b="0" i="0" kern="1200" dirty="0" smtClean="0">
+                <a:solidFill>
+                  <a:schemeClr val="tx1"/>
+                </a:solidFill>
+                <a:effectLst/>
+                <a:latin typeface="+mn-lt"/>
+                <a:ea typeface="+mn-ea"/>
+                <a:cs typeface="+mn-cs"/>
+              </a:rPr>
+              <a:t>如果</a:t>
+            </a:r>
+            <a:r>
+              <a:rPr lang="en-US" altLang="zh-CN" sz="1200" b="0" i="0" u="none" strike="noStrike" kern="1200" dirty="0" smtClean="0">
+                <a:solidFill>
+                  <a:schemeClr val="tx1"/>
+                </a:solidFill>
+                <a:effectLst/>
+                <a:latin typeface="+mn-lt"/>
+                <a:ea typeface="+mn-ea"/>
+                <a:cs typeface="+mn-cs"/>
+                <a:hlinkClick r:id="rId4"/>
+              </a:rPr>
+              <a:t>synchronous_standby_names</a:t>
+            </a:r>
+            <a:r>
+              <a:rPr lang="zh-CN" altLang="en-US" sz="1200" b="0" i="0" kern="1200" dirty="0" smtClean="0">
+                <a:solidFill>
+                  <a:schemeClr val="tx1"/>
+                </a:solidFill>
+                <a:effectLst/>
+                <a:latin typeface="+mn-lt"/>
+                <a:ea typeface="+mn-ea"/>
+                <a:cs typeface="+mn-cs"/>
+              </a:rPr>
+              <a:t>不是空的话，</a:t>
+            </a:r>
+          </a:p>
+          <a:p>
+            <a:pPr lvl="1"/>
+            <a:r>
+              <a:rPr lang="zh-CN" altLang="en-US" sz="1200" b="0" i="0" kern="1200" dirty="0" smtClean="0">
+                <a:solidFill>
+                  <a:schemeClr val="tx1"/>
+                </a:solidFill>
+                <a:effectLst/>
+                <a:latin typeface="+mn-lt"/>
+                <a:ea typeface="+mn-ea"/>
+                <a:cs typeface="+mn-cs"/>
+              </a:rPr>
+              <a:t>默认是</a:t>
+            </a:r>
+            <a:r>
+              <a:rPr lang="en-US" altLang="zh-CN" sz="1200" b="0" i="0" kern="1200" dirty="0" smtClean="0">
+                <a:solidFill>
+                  <a:schemeClr val="tx1"/>
+                </a:solidFill>
+                <a:effectLst/>
+                <a:latin typeface="+mn-lt"/>
+                <a:ea typeface="+mn-ea"/>
+                <a:cs typeface="+mn-cs"/>
+              </a:rPr>
+              <a:t>on</a:t>
+            </a:r>
+            <a:r>
+              <a:rPr lang="zh-CN" altLang="en-US" sz="1200" b="0" i="0" kern="1200" dirty="0" smtClean="0">
+                <a:solidFill>
+                  <a:schemeClr val="tx1"/>
+                </a:solidFill>
+                <a:effectLst/>
+                <a:latin typeface="+mn-lt"/>
+                <a:ea typeface="+mn-ea"/>
+                <a:cs typeface="+mn-cs"/>
+              </a:rPr>
+              <a:t>，那么</a:t>
+            </a:r>
+            <a:r>
+              <a:rPr lang="en-US" altLang="zh-CN" sz="1200" b="0" i="0" kern="1200" dirty="0" smtClean="0">
+                <a:solidFill>
+                  <a:schemeClr val="tx1"/>
+                </a:solidFill>
+                <a:effectLst/>
+                <a:latin typeface="+mn-lt"/>
+                <a:ea typeface="+mn-ea"/>
+                <a:cs typeface="+mn-cs"/>
+              </a:rPr>
+              <a:t>master</a:t>
+            </a:r>
+            <a:r>
+              <a:rPr lang="zh-CN" altLang="en-US" sz="1200" b="0" i="0" kern="1200" dirty="0" smtClean="0">
+                <a:solidFill>
+                  <a:schemeClr val="tx1"/>
+                </a:solidFill>
+                <a:effectLst/>
+                <a:latin typeface="+mn-lt"/>
+                <a:ea typeface="+mn-ea"/>
+                <a:cs typeface="+mn-cs"/>
+              </a:rPr>
+              <a:t>会等待</a:t>
+            </a:r>
+            <a:r>
+              <a:rPr lang="en-US" altLang="zh-CN" sz="1200" b="0" i="0" kern="1200" dirty="0" smtClean="0">
+                <a:solidFill>
+                  <a:schemeClr val="tx1"/>
+                </a:solidFill>
+                <a:effectLst/>
+                <a:latin typeface="+mn-lt"/>
+                <a:ea typeface="+mn-ea"/>
+                <a:cs typeface="+mn-cs"/>
+              </a:rPr>
+              <a:t>sync standby</a:t>
+            </a:r>
+            <a:r>
+              <a:rPr lang="zh-CN" altLang="en-US" sz="1200" b="0" i="0" kern="1200" dirty="0" smtClean="0">
+                <a:solidFill>
+                  <a:schemeClr val="tx1"/>
+                </a:solidFill>
+                <a:effectLst/>
+                <a:latin typeface="+mn-lt"/>
+                <a:ea typeface="+mn-ea"/>
+                <a:cs typeface="+mn-cs"/>
+              </a:rPr>
+              <a:t>的确认</a:t>
+            </a:r>
+            <a:r>
+              <a:rPr lang="zh-CN" altLang="en-US" sz="1200" b="1" i="0" kern="1200" dirty="0" smtClean="0">
+                <a:solidFill>
+                  <a:schemeClr val="tx1"/>
+                </a:solidFill>
+                <a:effectLst/>
+                <a:latin typeface="+mn-lt"/>
+                <a:ea typeface="+mn-ea"/>
+                <a:cs typeface="+mn-cs"/>
+              </a:rPr>
+              <a:t>收到</a:t>
+            </a:r>
+            <a:r>
+              <a:rPr lang="en-US" altLang="zh-CN" sz="1200" b="0" i="0" kern="1200" dirty="0" smtClean="0">
+                <a:solidFill>
+                  <a:schemeClr val="tx1"/>
+                </a:solidFill>
+                <a:effectLst/>
+                <a:latin typeface="+mn-lt"/>
+                <a:ea typeface="+mn-ea"/>
+                <a:cs typeface="+mn-cs"/>
+              </a:rPr>
+              <a:t>commit record</a:t>
+            </a:r>
+            <a:r>
+              <a:rPr lang="zh-CN" altLang="en-US" sz="1200" b="0" i="0" kern="1200" dirty="0" smtClean="0">
+                <a:solidFill>
+                  <a:schemeClr val="tx1"/>
+                </a:solidFill>
+                <a:effectLst/>
+                <a:latin typeface="+mn-lt"/>
+                <a:ea typeface="+mn-ea"/>
+                <a:cs typeface="+mn-cs"/>
+              </a:rPr>
+              <a:t>后，返回成功，此时数据不会丢失；</a:t>
+            </a:r>
+          </a:p>
+          <a:p>
+            <a:pPr lvl="1"/>
+            <a:r>
+              <a:rPr lang="zh-CN" altLang="en-US" sz="1200" b="0" i="0" kern="1200" dirty="0" smtClean="0">
+                <a:solidFill>
+                  <a:schemeClr val="tx1"/>
+                </a:solidFill>
+                <a:effectLst/>
+                <a:latin typeface="+mn-lt"/>
+                <a:ea typeface="+mn-ea"/>
+                <a:cs typeface="+mn-cs"/>
+              </a:rPr>
+              <a:t>另外还有 </a:t>
+            </a:r>
+            <a:r>
+              <a:rPr lang="en-US" altLang="zh-CN" sz="1200" b="0" i="0" kern="1200" dirty="0" err="1" smtClean="0">
+                <a:solidFill>
+                  <a:schemeClr val="tx1"/>
+                </a:solidFill>
+                <a:effectLst/>
+                <a:latin typeface="+mn-lt"/>
+                <a:ea typeface="+mn-ea"/>
+                <a:cs typeface="+mn-cs"/>
+              </a:rPr>
+              <a:t>remote_apply</a:t>
+            </a:r>
+            <a:r>
+              <a:rPr lang="zh-CN" altLang="en-US" sz="1200" b="0" i="0" kern="1200" dirty="0" smtClean="0">
+                <a:solidFill>
+                  <a:schemeClr val="tx1"/>
+                </a:solidFill>
+                <a:effectLst/>
+                <a:latin typeface="+mn-lt"/>
+                <a:ea typeface="+mn-ea"/>
+                <a:cs typeface="+mn-cs"/>
+              </a:rPr>
+              <a:t>，确认</a:t>
+            </a:r>
+            <a:r>
+              <a:rPr lang="en-US" altLang="zh-CN" sz="1200" b="0" i="0" kern="1200" dirty="0" smtClean="0">
+                <a:solidFill>
+                  <a:schemeClr val="tx1"/>
+                </a:solidFill>
+                <a:effectLst/>
+                <a:latin typeface="+mn-lt"/>
+                <a:ea typeface="+mn-ea"/>
+                <a:cs typeface="+mn-cs"/>
+              </a:rPr>
+              <a:t>sync standby</a:t>
+            </a:r>
+            <a:r>
+              <a:rPr lang="zh-CN" altLang="en-US" sz="1200" b="0" i="0" kern="1200" dirty="0" smtClean="0">
+                <a:solidFill>
+                  <a:schemeClr val="tx1"/>
+                </a:solidFill>
+                <a:effectLst/>
+                <a:latin typeface="+mn-lt"/>
+                <a:ea typeface="+mn-ea"/>
+                <a:cs typeface="+mn-cs"/>
+              </a:rPr>
+              <a:t>也完成了这个事务，此时修改在备库也是可见的。</a:t>
+            </a:r>
+          </a:p>
+          <a:p>
+            <a:pPr lvl="1"/>
+            <a:r>
+              <a:rPr lang="zh-CN" altLang="en-US" sz="1200" b="0" i="0" kern="1200" dirty="0" smtClean="0">
+                <a:solidFill>
+                  <a:schemeClr val="tx1"/>
+                </a:solidFill>
+                <a:effectLst/>
+                <a:latin typeface="+mn-lt"/>
+                <a:ea typeface="+mn-ea"/>
+                <a:cs typeface="+mn-cs"/>
+              </a:rPr>
+              <a:t>同理 </a:t>
+            </a:r>
+            <a:r>
+              <a:rPr lang="en-US" altLang="zh-CN" sz="1200" b="0" i="0" kern="1200" dirty="0" err="1" smtClean="0">
+                <a:solidFill>
+                  <a:schemeClr val="tx1"/>
+                </a:solidFill>
+                <a:effectLst/>
+                <a:latin typeface="+mn-lt"/>
+                <a:ea typeface="+mn-ea"/>
+                <a:cs typeface="+mn-cs"/>
+              </a:rPr>
+              <a:t>remote_write</a:t>
+            </a:r>
+            <a:r>
+              <a:rPr lang="en-US" altLang="zh-CN" sz="1200" b="0" i="0" kern="1200" dirty="0" smtClean="0">
+                <a:solidFill>
+                  <a:schemeClr val="tx1"/>
+                </a:solidFill>
+                <a:effectLst/>
+                <a:latin typeface="+mn-lt"/>
+                <a:ea typeface="+mn-ea"/>
+                <a:cs typeface="+mn-cs"/>
+              </a:rPr>
+              <a:t>, </a:t>
+            </a:r>
+            <a:r>
+              <a:rPr lang="zh-CN" altLang="en-US" sz="1200" b="0" i="0" kern="1200" dirty="0" smtClean="0">
+                <a:solidFill>
+                  <a:schemeClr val="tx1"/>
+                </a:solidFill>
+                <a:effectLst/>
+                <a:latin typeface="+mn-lt"/>
+                <a:ea typeface="+mn-ea"/>
+                <a:cs typeface="+mn-cs"/>
+              </a:rPr>
+              <a:t>就是确保备库上也刷盘了。</a:t>
+            </a:r>
+          </a:p>
+          <a:p>
+            <a:pPr lvl="1"/>
+            <a:r>
+              <a:rPr lang="zh-CN" altLang="en-US" sz="1200" b="0" i="0" kern="1200" dirty="0" smtClean="0">
+                <a:solidFill>
+                  <a:schemeClr val="tx1"/>
+                </a:solidFill>
+                <a:effectLst/>
+                <a:latin typeface="+mn-lt"/>
+                <a:ea typeface="+mn-ea"/>
+                <a:cs typeface="+mn-cs"/>
+              </a:rPr>
+              <a:t>而</a:t>
+            </a:r>
+            <a:r>
+              <a:rPr lang="en-US" altLang="zh-CN" sz="1200" b="0" i="0" kern="1200" dirty="0" smtClean="0">
+                <a:solidFill>
+                  <a:schemeClr val="tx1"/>
+                </a:solidFill>
+                <a:effectLst/>
+                <a:latin typeface="+mn-lt"/>
+                <a:ea typeface="+mn-ea"/>
+                <a:cs typeface="+mn-cs"/>
+              </a:rPr>
+              <a:t>local</a:t>
+            </a:r>
+            <a:r>
+              <a:rPr lang="zh-CN" altLang="en-US" sz="1200" b="0" i="0" kern="1200" dirty="0" smtClean="0">
+                <a:solidFill>
+                  <a:schemeClr val="tx1"/>
+                </a:solidFill>
+                <a:effectLst/>
+                <a:latin typeface="+mn-lt"/>
+                <a:ea typeface="+mn-ea"/>
+                <a:cs typeface="+mn-cs"/>
+              </a:rPr>
+              <a:t>就只确保本地刷盘即可，不管</a:t>
+            </a:r>
+            <a:r>
+              <a:rPr lang="en-US" altLang="zh-CN" sz="1200" b="0" i="0" kern="1200" dirty="0" smtClean="0">
+                <a:solidFill>
+                  <a:schemeClr val="tx1"/>
+                </a:solidFill>
+                <a:effectLst/>
+                <a:latin typeface="+mn-lt"/>
+                <a:ea typeface="+mn-ea"/>
+                <a:cs typeface="+mn-cs"/>
+              </a:rPr>
+              <a:t>replication</a:t>
+            </a:r>
+            <a:r>
+              <a:rPr lang="zh-CN" altLang="en-US" sz="1200" b="0" i="0" kern="1200" dirty="0" smtClean="0">
+                <a:solidFill>
+                  <a:schemeClr val="tx1"/>
+                </a:solidFill>
+                <a:effectLst/>
+                <a:latin typeface="+mn-lt"/>
+                <a:ea typeface="+mn-ea"/>
+                <a:cs typeface="+mn-cs"/>
+              </a:rPr>
+              <a:t>。</a:t>
+            </a:r>
+          </a:p>
+          <a:p>
+            <a:r>
+              <a:rPr lang="zh-CN" altLang="en-US" sz="1200" b="0" i="0" kern="1200" dirty="0" smtClean="0">
+                <a:solidFill>
+                  <a:schemeClr val="tx1"/>
+                </a:solidFill>
+                <a:effectLst/>
+                <a:latin typeface="+mn-lt"/>
+                <a:ea typeface="+mn-ea"/>
+                <a:cs typeface="+mn-cs"/>
+              </a:rPr>
+              <a:t>如果</a:t>
+            </a:r>
+            <a:r>
+              <a:rPr lang="en-US" altLang="zh-CN" sz="1200" b="0" i="0" kern="1200" dirty="0" err="1" smtClean="0">
+                <a:solidFill>
+                  <a:schemeClr val="tx1"/>
+                </a:solidFill>
+                <a:effectLst/>
+                <a:latin typeface="+mn-lt"/>
+                <a:ea typeface="+mn-ea"/>
+                <a:cs typeface="+mn-cs"/>
+              </a:rPr>
+              <a:t>synchronous_standby_names</a:t>
+            </a:r>
+            <a:r>
+              <a:rPr lang="zh-CN" altLang="en-US" sz="1200" b="0" i="0" kern="1200" dirty="0" smtClean="0">
+                <a:solidFill>
+                  <a:schemeClr val="tx1"/>
+                </a:solidFill>
+                <a:effectLst/>
+                <a:latin typeface="+mn-lt"/>
+                <a:ea typeface="+mn-ea"/>
+                <a:cs typeface="+mn-cs"/>
+              </a:rPr>
+              <a:t>是空的话</a:t>
+            </a:r>
+          </a:p>
+          <a:p>
+            <a:r>
+              <a:rPr lang="zh-CN" altLang="en-US" sz="1200" b="0" i="0" kern="1200" dirty="0" smtClean="0">
+                <a:solidFill>
+                  <a:schemeClr val="tx1"/>
+                </a:solidFill>
+                <a:effectLst/>
+                <a:latin typeface="+mn-lt"/>
+                <a:ea typeface="+mn-ea"/>
+                <a:cs typeface="+mn-cs"/>
+              </a:rPr>
+              <a:t>就只管</a:t>
+            </a:r>
+            <a:r>
+              <a:rPr lang="en-US" altLang="zh-CN" sz="1200" b="0" i="0" kern="1200" dirty="0" smtClean="0">
+                <a:solidFill>
+                  <a:schemeClr val="tx1"/>
+                </a:solidFill>
+                <a:effectLst/>
+                <a:latin typeface="+mn-lt"/>
+                <a:ea typeface="+mn-ea"/>
+                <a:cs typeface="+mn-cs"/>
+              </a:rPr>
+              <a:t>local</a:t>
+            </a:r>
+            <a:r>
+              <a:rPr lang="zh-CN" altLang="en-US" sz="1200" b="0" i="0" kern="1200" dirty="0" smtClean="0">
+                <a:solidFill>
+                  <a:schemeClr val="tx1"/>
+                </a:solidFill>
+                <a:effectLst/>
+                <a:latin typeface="+mn-lt"/>
+                <a:ea typeface="+mn-ea"/>
+                <a:cs typeface="+mn-cs"/>
+              </a:rPr>
+              <a:t>了。</a:t>
+            </a:r>
+          </a:p>
+          <a:p>
+            <a:r>
+              <a:rPr lang="zh-CN" altLang="en-US" dirty="0" smtClean="0">
+                <a:effectLst/>
+              </a:rPr>
+              <a:t>关闭</a:t>
+            </a:r>
+            <a:r>
+              <a:rPr lang="en-US" altLang="zh-CN" dirty="0" err="1" smtClean="0">
+                <a:effectLst/>
+              </a:rPr>
+              <a:t>synchronous_commit</a:t>
+            </a:r>
+            <a:r>
+              <a:rPr lang="zh-CN" altLang="en-US" dirty="0" smtClean="0">
+                <a:effectLst/>
+              </a:rPr>
+              <a:t>，不会导致数据不一致性，顶多会丢掉几个</a:t>
+            </a:r>
+            <a:r>
+              <a:rPr lang="en-US" altLang="zh-CN" dirty="0" smtClean="0">
+                <a:effectLst/>
+              </a:rPr>
+              <a:t>commit</a:t>
+            </a:r>
+            <a:r>
+              <a:rPr lang="zh-CN" altLang="en-US" dirty="0" smtClean="0">
+                <a:effectLst/>
+              </a:rPr>
+              <a:t>的事务，但是数据库中的数据是一致的。而关闭</a:t>
+            </a:r>
+            <a:r>
+              <a:rPr lang="en-US" altLang="zh-CN" dirty="0" err="1" smtClean="0">
+                <a:effectLst/>
+              </a:rPr>
+              <a:t>fsync</a:t>
+            </a:r>
+            <a:r>
+              <a:rPr lang="zh-CN" altLang="en-US" dirty="0" smtClean="0">
+                <a:effectLst/>
+              </a:rPr>
+              <a:t>，数据的落盘就没有保证了，如果你关了</a:t>
+            </a:r>
+            <a:r>
+              <a:rPr lang="en-US" altLang="zh-CN" dirty="0" err="1" smtClean="0">
+                <a:effectLst/>
+              </a:rPr>
+              <a:t>fsync</a:t>
+            </a:r>
+            <a:r>
+              <a:rPr lang="zh-CN" altLang="en-US" dirty="0" smtClean="0">
+                <a:effectLst/>
+              </a:rPr>
+              <a:t>，那么连</a:t>
+            </a:r>
+            <a:r>
+              <a:rPr lang="en-US" altLang="zh-CN" dirty="0" err="1" smtClean="0">
+                <a:effectLst/>
+              </a:rPr>
+              <a:t>full_page_write</a:t>
+            </a:r>
+            <a:r>
+              <a:rPr lang="zh-CN" altLang="en-US" dirty="0" smtClean="0">
+                <a:effectLst/>
+              </a:rPr>
+              <a:t>也一起关了得了。</a:t>
+            </a:r>
+          </a:p>
+          <a:p>
+            <a:r>
+              <a:rPr lang="zh-CN" altLang="en-US" dirty="0" smtClean="0">
+                <a:effectLst/>
+              </a:rPr>
+              <a:t>所以想提高性能，可以考虑关闭</a:t>
+            </a:r>
+            <a:r>
+              <a:rPr lang="en-US" altLang="zh-CN" dirty="0" err="1" smtClean="0">
+                <a:effectLst/>
+              </a:rPr>
+              <a:t>synchronous_commit</a:t>
+            </a:r>
+            <a:r>
+              <a:rPr lang="zh-CN" altLang="en-US" dirty="0" smtClean="0">
+                <a:effectLst/>
+              </a:rPr>
+              <a:t>（最好还是别关）。</a:t>
+            </a:r>
+          </a:p>
+          <a:p>
+            <a:r>
+              <a:rPr lang="zh-CN" altLang="en-US" dirty="0" smtClean="0">
+                <a:effectLst/>
+              </a:rPr>
+              <a:t>值得注意的是，</a:t>
+            </a:r>
+            <a:r>
+              <a:rPr lang="en-US" altLang="zh-CN" dirty="0" err="1" smtClean="0">
+                <a:effectLst/>
+              </a:rPr>
+              <a:t>synchronous_commit</a:t>
+            </a:r>
+            <a:r>
+              <a:rPr lang="zh-CN" altLang="en-US" dirty="0" smtClean="0">
+                <a:effectLst/>
+              </a:rPr>
+              <a:t>可以在任何地方设置，甚至可以同一个应用控制不同事务的提交级别。</a:t>
+            </a:r>
+            <a:endParaRPr lang="en-US" altLang="zh-CN" dirty="0" smtClean="0">
+              <a:effectLst/>
+            </a:endParaRPr>
+          </a:p>
+          <a:p>
+            <a:endParaRPr lang="en-US" altLang="zh-CN" dirty="0" smtClean="0">
+              <a:effectLst/>
+            </a:endParaRPr>
+          </a:p>
+          <a:p>
+            <a:r>
+              <a:rPr kumimoji="1" lang="zh-CN" altLang="en-US" dirty="0" smtClean="0"/>
+              <a:t>区分</a:t>
+            </a:r>
+            <a:r>
+              <a:rPr kumimoji="1" lang="en-US" altLang="zh-CN" dirty="0" smtClean="0"/>
+              <a:t>:</a:t>
+            </a:r>
+          </a:p>
+          <a:p>
+            <a:pPr lvl="1"/>
+            <a:r>
+              <a:rPr lang="en-US" altLang="zh-CN" dirty="0" err="1" smtClean="0"/>
+              <a:t>full_page_write</a:t>
+            </a:r>
+            <a:r>
               <a:rPr lang="zh-CN" altLang="en-US" dirty="0" smtClean="0"/>
-              <a:t>考虑到</a:t>
-            </a:r>
-            <a:r>
-              <a:rPr lang="en-US" altLang="zh-CN" b="1" dirty="0" smtClean="0"/>
-              <a:t>S2PL</a:t>
-            </a:r>
-            <a:r>
-              <a:rPr lang="zh-CN" altLang="en-US" b="1" dirty="0" smtClean="0"/>
-              <a:t>的性能不佳</a:t>
+              <a:t>：</a:t>
+            </a:r>
+            <a:r>
+              <a:rPr lang="en-US" altLang="zh-CN" dirty="0" smtClean="0"/>
+              <a:t>checkpoint</a:t>
             </a:r>
             <a:r>
               <a:rPr lang="zh-CN" altLang="en-US" dirty="0" smtClean="0"/>
-              <a:t>，</a:t>
+              <a:t>后，第一次修改，整页写入</a:t>
             </a:r>
             <a:r>
               <a:rPr lang="en-US" altLang="zh-CN" dirty="0" smtClean="0"/>
-              <a:t>PostgreSQL</a:t>
-            </a:r>
-            <a:r>
-              <a:rPr lang="zh-CN" altLang="en-US" dirty="0" smtClean="0"/>
-              <a:t>没有采用</a:t>
+              <a:t>WAL</a:t>
+            </a:r>
+          </a:p>
+          <a:p>
+            <a:pPr lvl="1"/>
+            <a:r>
+              <a:rPr kumimoji="1" lang="en-US" altLang="zh-CN" dirty="0" err="1" smtClean="0"/>
+              <a:t>Fsync</a:t>
+            </a:r>
+            <a:r>
+              <a:rPr kumimoji="1" lang="zh-CN" altLang="en-US" dirty="0" smtClean="0"/>
+              <a:t>：</a:t>
+            </a:r>
+            <a:r>
+              <a:rPr kumimoji="1" lang="en-US" altLang="zh-CN" dirty="0" smtClean="0"/>
+              <a:t>try</a:t>
+            </a:r>
+            <a:r>
+              <a:rPr kumimoji="1" lang="zh-CN" altLang="en-US" dirty="0" smtClean="0"/>
+              <a:t> </a:t>
+            </a:r>
+            <a:r>
+              <a:rPr kumimoji="1" lang="en-US" altLang="zh-CN" dirty="0" smtClean="0"/>
+              <a:t>to</a:t>
+            </a:r>
+            <a:r>
+              <a:rPr kumimoji="1" lang="zh-CN" altLang="en-US" dirty="0" smtClean="0"/>
+              <a:t> </a:t>
             </a:r>
             <a:r>
               <a:rPr lang="en-US" altLang="zh-CN" dirty="0" smtClean="0"/>
-              <a:t>S2PL</a:t>
-            </a:r>
-            <a:r>
-              <a:rPr lang="zh-CN" altLang="en-US" dirty="0" smtClean="0"/>
-              <a:t>的方式实现串行化</a:t>
-            </a:r>
-            <a:endParaRPr lang="en-US" altLang="zh-CN" dirty="0" smtClean="0"/>
-          </a:p>
-          <a:p>
-            <a:pPr marL="0" marR="0" indent="0" algn="l" defTabSz="914400" rtl="0" eaLnBrk="1" fontAlgn="auto" latinLnBrk="0" hangingPunct="1">
-              <a:lnSpc>
-                <a:spcPct val="100000"/>
-              </a:lnSpc>
-              <a:spcBef>
-                <a:spcPts val="0"/>
-              </a:spcBef>
-              <a:spcAft>
-                <a:spcPts val="0"/>
-              </a:spcAft>
-              <a:buClrTx/>
-              <a:buSzTx/>
-              <a:buFontTx/>
-              <a:buNone/>
-              <a:tabLst/>
-              <a:defRPr/>
-            </a:pPr>
-            <a:r>
-              <a:rPr lang="zh-CN" altLang="en-US" dirty="0" smtClean="0"/>
-              <a:t>并且考虑检查存在环太过复杂，</a:t>
-            </a:r>
-            <a:r>
-              <a:rPr lang="en-US" altLang="zh-CN" dirty="0" smtClean="0"/>
-              <a:t>PostgreSQL</a:t>
-            </a:r>
-            <a:r>
-              <a:rPr lang="zh-CN" altLang="en-US" dirty="0" smtClean="0"/>
-              <a:t>中只检查其中一个条件</a:t>
-            </a:r>
-            <a:endParaRPr lang="en-US" altLang="zh-CN" dirty="0" smtClean="0"/>
+              <a:t>physically written to disk</a:t>
+            </a:r>
+            <a:endParaRPr kumimoji="1" lang="en-US" altLang="zh-CN" dirty="0" smtClean="0"/>
+          </a:p>
+          <a:p>
+            <a:endParaRPr lang="zh-CN" altLang="en-US" dirty="0" smtClean="0">
+              <a:effectLst/>
+            </a:endParaRPr>
+          </a:p>
+          <a:p>
+            <a:endParaRPr kumimoji="1" lang="zh-CN" altLang="en-US" dirty="0"/>
           </a:p>
         </p:txBody>
       </p:sp>
@@ -2489,7 +3163,7 @@
           <a:p>
             <a:fld id="{6A47B6B7-4533-6B49-91A5-E5E12BC8D3FB}" type="slidenum">
               <a:rPr kumimoji="1" lang="zh-CN" altLang="en-US" smtClean="0"/>
-              <a:t>22</a:t>
+              <a:t>25</a:t>
             </a:fld>
             <a:endParaRPr kumimoji="1" lang="zh-CN" altLang="en-US"/>
           </a:p>
@@ -2498,7 +3172,7 @@
     </p:spTree>
     <p:extLst>
       <p:ext uri="{BB962C8B-B14F-4D97-AF65-F5344CB8AC3E}">
-        <p14:creationId xmlns:p14="http://schemas.microsoft.com/office/powerpoint/2010/main" val="1301929862"/>
+        <p14:creationId xmlns:p14="http://schemas.microsoft.com/office/powerpoint/2010/main" val="1949821701"/>
       </p:ext>
     </p:extLst>
   </p:cSld>
@@ -2552,755 +3226,49 @@
           <a:bodyPr/>
           <a:lstStyle/>
           <a:p>
-            <a:r>
-              <a:rPr lang="zh-CN" altLang="en-US" sz="1200" b="0" i="0" kern="1200" dirty="0" smtClean="0">
-                <a:solidFill>
-                  <a:schemeClr val="tx1"/>
-                </a:solidFill>
-                <a:effectLst/>
-                <a:latin typeface="+mn-lt"/>
-                <a:ea typeface="+mn-ea"/>
-                <a:cs typeface="+mn-cs"/>
-              </a:rPr>
-              <a:t>由</a:t>
-            </a:r>
-            <a:r>
-              <a:rPr lang="en-US" altLang="zh-CN" sz="1200" b="0" i="0" kern="1200" dirty="0" err="1" smtClean="0">
-                <a:solidFill>
-                  <a:schemeClr val="tx1"/>
-                </a:solidFill>
-                <a:effectLst/>
-                <a:latin typeface="+mn-lt"/>
-                <a:ea typeface="+mn-ea"/>
-                <a:cs typeface="+mn-cs"/>
-              </a:rPr>
-              <a:t>synchronous_commit</a:t>
-            </a:r>
-            <a:r>
-              <a:rPr lang="zh-CN" altLang="en-US" sz="1200" b="0" i="0" kern="1200" dirty="0" smtClean="0">
-                <a:solidFill>
-                  <a:schemeClr val="tx1"/>
-                </a:solidFill>
-                <a:effectLst/>
-                <a:latin typeface="+mn-lt"/>
-                <a:ea typeface="+mn-ea"/>
-                <a:cs typeface="+mn-cs"/>
-              </a:rPr>
-              <a:t>参数决定，</a:t>
-            </a:r>
-          </a:p>
-          <a:p>
-            <a:r>
-              <a:rPr lang="zh-CN" altLang="en-US" sz="1200" b="0" i="0" kern="1200" dirty="0" smtClean="0">
-                <a:solidFill>
-                  <a:schemeClr val="tx1"/>
-                </a:solidFill>
-                <a:effectLst/>
-                <a:latin typeface="+mn-lt"/>
-                <a:ea typeface="+mn-ea"/>
-                <a:cs typeface="+mn-cs"/>
-              </a:rPr>
-              <a:t>当</a:t>
-            </a:r>
-            <a:r>
-              <a:rPr lang="en-US" altLang="zh-CN" sz="1200" b="0" i="0" kern="1200" dirty="0" smtClean="0">
-                <a:solidFill>
-                  <a:schemeClr val="tx1"/>
-                </a:solidFill>
-                <a:effectLst/>
-                <a:latin typeface="+mn-lt"/>
-                <a:ea typeface="+mn-ea"/>
-                <a:cs typeface="+mn-cs"/>
-              </a:rPr>
-              <a:t>off</a:t>
-            </a:r>
-            <a:r>
-              <a:rPr lang="zh-CN" altLang="en-US" sz="1200" b="0" i="0" kern="1200" dirty="0" smtClean="0">
-                <a:solidFill>
-                  <a:schemeClr val="tx1"/>
-                </a:solidFill>
-                <a:effectLst/>
-                <a:latin typeface="+mn-lt"/>
-                <a:ea typeface="+mn-ea"/>
-                <a:cs typeface="+mn-cs"/>
-              </a:rPr>
-              <a:t>时，此时就是</a:t>
-            </a:r>
-            <a:r>
-              <a:rPr lang="en-US" altLang="zh-CN" sz="1200" b="0" i="0" kern="1200" dirty="0" err="1" smtClean="0">
-                <a:solidFill>
-                  <a:schemeClr val="tx1"/>
-                </a:solidFill>
-                <a:effectLst/>
-                <a:latin typeface="+mn-lt"/>
-                <a:ea typeface="+mn-ea"/>
-                <a:cs typeface="+mn-cs"/>
-              </a:rPr>
-              <a:t>Async</a:t>
-            </a:r>
-            <a:r>
-              <a:rPr lang="en-US" altLang="zh-CN" sz="1200" b="0" i="0" kern="1200" dirty="0" smtClean="0">
-                <a:solidFill>
-                  <a:schemeClr val="tx1"/>
-                </a:solidFill>
-                <a:effectLst/>
-                <a:latin typeface="+mn-lt"/>
-                <a:ea typeface="+mn-ea"/>
-                <a:cs typeface="+mn-cs"/>
-              </a:rPr>
-              <a:t> Commit</a:t>
-            </a:r>
-            <a:r>
-              <a:rPr lang="zh-CN" altLang="en-US" sz="1200" b="0" i="0" kern="1200" dirty="0" smtClean="0">
-                <a:solidFill>
-                  <a:schemeClr val="tx1"/>
-                </a:solidFill>
-                <a:effectLst/>
-                <a:latin typeface="+mn-lt"/>
-                <a:ea typeface="+mn-ea"/>
-                <a:cs typeface="+mn-cs"/>
-              </a:rPr>
-              <a:t>，返回</a:t>
-            </a:r>
-            <a:r>
-              <a:rPr lang="en-US" altLang="zh-CN" sz="1200" b="0" i="0" kern="1200" dirty="0" smtClean="0">
-                <a:solidFill>
-                  <a:schemeClr val="tx1"/>
-                </a:solidFill>
-                <a:effectLst/>
-                <a:latin typeface="+mn-lt"/>
-                <a:ea typeface="+mn-ea"/>
-                <a:cs typeface="+mn-cs"/>
-              </a:rPr>
-              <a:t>commit</a:t>
-            </a:r>
-            <a:r>
-              <a:rPr lang="zh-CN" altLang="en-US" sz="1200" b="0" i="0" kern="1200" dirty="0" smtClean="0">
-                <a:solidFill>
-                  <a:schemeClr val="tx1"/>
-                </a:solidFill>
-                <a:effectLst/>
-                <a:latin typeface="+mn-lt"/>
-                <a:ea typeface="+mn-ea"/>
-                <a:cs typeface="+mn-cs"/>
-              </a:rPr>
-              <a:t>成功后，最多等待</a:t>
-            </a:r>
-            <a:r>
-              <a:rPr lang="en-US" altLang="zh-CN" sz="1200" b="0" i="0" kern="1200" dirty="0" smtClean="0">
-                <a:solidFill>
-                  <a:schemeClr val="tx1"/>
-                </a:solidFill>
-                <a:effectLst/>
-                <a:latin typeface="+mn-lt"/>
-                <a:ea typeface="+mn-ea"/>
-                <a:cs typeface="+mn-cs"/>
-              </a:rPr>
-              <a:t>3*</a:t>
-            </a:r>
-            <a:r>
-              <a:rPr lang="en-US" altLang="zh-CN" sz="1200" b="0" i="0" u="none" strike="noStrike" kern="1200" dirty="0" smtClean="0">
-                <a:solidFill>
-                  <a:schemeClr val="tx1"/>
-                </a:solidFill>
-                <a:effectLst/>
-                <a:latin typeface="+mn-lt"/>
-                <a:ea typeface="+mn-ea"/>
-                <a:cs typeface="+mn-cs"/>
-                <a:hlinkClick r:id="rId3"/>
-              </a:rPr>
-              <a:t>wal_writer_delay</a:t>
-            </a:r>
-            <a:r>
-              <a:rPr lang="zh-CN" altLang="en-US" sz="1200" b="0" i="0" kern="1200" dirty="0" smtClean="0">
-                <a:solidFill>
-                  <a:schemeClr val="tx1"/>
-                </a:solidFill>
-                <a:effectLst/>
-                <a:latin typeface="+mn-lt"/>
-                <a:ea typeface="+mn-ea"/>
-                <a:cs typeface="+mn-cs"/>
-              </a:rPr>
-              <a:t>的时间，强制刷盘；</a:t>
-            </a:r>
-          </a:p>
-          <a:p>
-            <a:r>
-              <a:rPr lang="zh-CN" altLang="en-US" sz="1200" b="0" i="0" kern="1200" dirty="0" smtClean="0">
-                <a:solidFill>
-                  <a:schemeClr val="tx1"/>
-                </a:solidFill>
-                <a:effectLst/>
-                <a:latin typeface="+mn-lt"/>
-                <a:ea typeface="+mn-ea"/>
-                <a:cs typeface="+mn-cs"/>
-              </a:rPr>
-              <a:t>如果</a:t>
-            </a:r>
-            <a:r>
-              <a:rPr lang="en-US" altLang="zh-CN" sz="1200" b="0" i="0" u="none" strike="noStrike" kern="1200" dirty="0" smtClean="0">
-                <a:solidFill>
-                  <a:schemeClr val="tx1"/>
-                </a:solidFill>
-                <a:effectLst/>
-                <a:latin typeface="+mn-lt"/>
-                <a:ea typeface="+mn-ea"/>
-                <a:cs typeface="+mn-cs"/>
-                <a:hlinkClick r:id="rId4"/>
-              </a:rPr>
-              <a:t>synchronous_standby_names</a:t>
-            </a:r>
-            <a:r>
-              <a:rPr lang="zh-CN" altLang="en-US" sz="1200" b="0" i="0" kern="1200" dirty="0" smtClean="0">
-                <a:solidFill>
-                  <a:schemeClr val="tx1"/>
-                </a:solidFill>
-                <a:effectLst/>
-                <a:latin typeface="+mn-lt"/>
-                <a:ea typeface="+mn-ea"/>
-                <a:cs typeface="+mn-cs"/>
-              </a:rPr>
-              <a:t>不是空的话，</a:t>
-            </a:r>
-          </a:p>
-          <a:p>
-            <a:pPr lvl="1"/>
-            <a:r>
-              <a:rPr lang="zh-CN" altLang="en-US" sz="1200" b="0" i="0" kern="1200" dirty="0" smtClean="0">
-                <a:solidFill>
-                  <a:schemeClr val="tx1"/>
-                </a:solidFill>
-                <a:effectLst/>
-                <a:latin typeface="+mn-lt"/>
-                <a:ea typeface="+mn-ea"/>
-                <a:cs typeface="+mn-cs"/>
-              </a:rPr>
-              <a:t>默认是</a:t>
-            </a:r>
-            <a:r>
-              <a:rPr lang="en-US" altLang="zh-CN" sz="1200" b="0" i="0" kern="1200" dirty="0" smtClean="0">
-                <a:solidFill>
-                  <a:schemeClr val="tx1"/>
-                </a:solidFill>
-                <a:effectLst/>
-                <a:latin typeface="+mn-lt"/>
-                <a:ea typeface="+mn-ea"/>
-                <a:cs typeface="+mn-cs"/>
-              </a:rPr>
-              <a:t>on</a:t>
-            </a:r>
-            <a:r>
-              <a:rPr lang="zh-CN" altLang="en-US" sz="1200" b="0" i="0" kern="1200" dirty="0" smtClean="0">
-                <a:solidFill>
-                  <a:schemeClr val="tx1"/>
-                </a:solidFill>
-                <a:effectLst/>
-                <a:latin typeface="+mn-lt"/>
-                <a:ea typeface="+mn-ea"/>
-                <a:cs typeface="+mn-cs"/>
-              </a:rPr>
-              <a:t>，那么</a:t>
-            </a:r>
-            <a:r>
-              <a:rPr lang="en-US" altLang="zh-CN" sz="1200" b="0" i="0" kern="1200" dirty="0" smtClean="0">
-                <a:solidFill>
-                  <a:schemeClr val="tx1"/>
-                </a:solidFill>
-                <a:effectLst/>
-                <a:latin typeface="+mn-lt"/>
-                <a:ea typeface="+mn-ea"/>
-                <a:cs typeface="+mn-cs"/>
-              </a:rPr>
-              <a:t>master</a:t>
-            </a:r>
-            <a:r>
-              <a:rPr lang="zh-CN" altLang="en-US" sz="1200" b="0" i="0" kern="1200" dirty="0" smtClean="0">
-                <a:solidFill>
-                  <a:schemeClr val="tx1"/>
-                </a:solidFill>
-                <a:effectLst/>
-                <a:latin typeface="+mn-lt"/>
-                <a:ea typeface="+mn-ea"/>
-                <a:cs typeface="+mn-cs"/>
-              </a:rPr>
-              <a:t>会等待</a:t>
-            </a:r>
-            <a:r>
-              <a:rPr lang="en-US" altLang="zh-CN" sz="1200" b="0" i="0" kern="1200" dirty="0" smtClean="0">
-                <a:solidFill>
-                  <a:schemeClr val="tx1"/>
-                </a:solidFill>
-                <a:effectLst/>
-                <a:latin typeface="+mn-lt"/>
-                <a:ea typeface="+mn-ea"/>
-                <a:cs typeface="+mn-cs"/>
-              </a:rPr>
-              <a:t>sync standby</a:t>
-            </a:r>
-            <a:r>
-              <a:rPr lang="zh-CN" altLang="en-US" sz="1200" b="0" i="0" kern="1200" dirty="0" smtClean="0">
-                <a:solidFill>
-                  <a:schemeClr val="tx1"/>
-                </a:solidFill>
-                <a:effectLst/>
-                <a:latin typeface="+mn-lt"/>
-                <a:ea typeface="+mn-ea"/>
-                <a:cs typeface="+mn-cs"/>
-              </a:rPr>
-              <a:t>的确认</a:t>
-            </a:r>
-            <a:r>
-              <a:rPr lang="zh-CN" altLang="en-US" sz="1200" b="1" i="0" kern="1200" dirty="0" smtClean="0">
-                <a:solidFill>
-                  <a:schemeClr val="tx1"/>
-                </a:solidFill>
-                <a:effectLst/>
-                <a:latin typeface="+mn-lt"/>
-                <a:ea typeface="+mn-ea"/>
-                <a:cs typeface="+mn-cs"/>
-              </a:rPr>
-              <a:t>收到</a:t>
-            </a:r>
-            <a:r>
-              <a:rPr lang="en-US" altLang="zh-CN" sz="1200" b="0" i="0" kern="1200" dirty="0" smtClean="0">
-                <a:solidFill>
-                  <a:schemeClr val="tx1"/>
-                </a:solidFill>
-                <a:effectLst/>
-                <a:latin typeface="+mn-lt"/>
-                <a:ea typeface="+mn-ea"/>
-                <a:cs typeface="+mn-cs"/>
-              </a:rPr>
-              <a:t>commit record</a:t>
-            </a:r>
-            <a:r>
-              <a:rPr lang="zh-CN" altLang="en-US" sz="1200" b="0" i="0" kern="1200" dirty="0" smtClean="0">
-                <a:solidFill>
-                  <a:schemeClr val="tx1"/>
-                </a:solidFill>
-                <a:effectLst/>
-                <a:latin typeface="+mn-lt"/>
-                <a:ea typeface="+mn-ea"/>
-                <a:cs typeface="+mn-cs"/>
-              </a:rPr>
-              <a:t>后，返回成功，此时数据不会丢失；</a:t>
-            </a:r>
-          </a:p>
-          <a:p>
-            <a:pPr lvl="1"/>
-            <a:r>
-              <a:rPr lang="zh-CN" altLang="en-US" sz="1200" b="0" i="0" kern="1200" dirty="0" smtClean="0">
-                <a:solidFill>
-                  <a:schemeClr val="tx1"/>
-                </a:solidFill>
-                <a:effectLst/>
-                <a:latin typeface="+mn-lt"/>
-                <a:ea typeface="+mn-ea"/>
-                <a:cs typeface="+mn-cs"/>
-              </a:rPr>
-              <a:t>另外还有 </a:t>
-            </a:r>
-            <a:r>
-              <a:rPr lang="en-US" altLang="zh-CN" sz="1200" b="0" i="0" kern="1200" dirty="0" err="1" smtClean="0">
-                <a:solidFill>
-                  <a:schemeClr val="tx1"/>
-                </a:solidFill>
-                <a:effectLst/>
-                <a:latin typeface="+mn-lt"/>
-                <a:ea typeface="+mn-ea"/>
-                <a:cs typeface="+mn-cs"/>
-              </a:rPr>
-              <a:t>remote_apply</a:t>
-            </a:r>
-            <a:r>
-              <a:rPr lang="zh-CN" altLang="en-US" sz="1200" b="0" i="0" kern="1200" dirty="0" smtClean="0">
-                <a:solidFill>
-                  <a:schemeClr val="tx1"/>
-                </a:solidFill>
-                <a:effectLst/>
-                <a:latin typeface="+mn-lt"/>
-                <a:ea typeface="+mn-ea"/>
-                <a:cs typeface="+mn-cs"/>
-              </a:rPr>
-              <a:t>，确认</a:t>
-            </a:r>
-            <a:r>
-              <a:rPr lang="en-US" altLang="zh-CN" sz="1200" b="0" i="0" kern="1200" dirty="0" smtClean="0">
-                <a:solidFill>
-                  <a:schemeClr val="tx1"/>
-                </a:solidFill>
-                <a:effectLst/>
-                <a:latin typeface="+mn-lt"/>
-                <a:ea typeface="+mn-ea"/>
-                <a:cs typeface="+mn-cs"/>
-              </a:rPr>
-              <a:t>sync standby</a:t>
-            </a:r>
-            <a:r>
-              <a:rPr lang="zh-CN" altLang="en-US" sz="1200" b="0" i="0" kern="1200" dirty="0" smtClean="0">
-                <a:solidFill>
-                  <a:schemeClr val="tx1"/>
-                </a:solidFill>
-                <a:effectLst/>
-                <a:latin typeface="+mn-lt"/>
-                <a:ea typeface="+mn-ea"/>
-                <a:cs typeface="+mn-cs"/>
-              </a:rPr>
-              <a:t>也完成了这个事务，此时修改在备库也是可见的。</a:t>
-            </a:r>
-          </a:p>
-          <a:p>
-            <a:pPr lvl="1"/>
-            <a:r>
-              <a:rPr lang="zh-CN" altLang="en-US" sz="1200" b="0" i="0" kern="1200" dirty="0" smtClean="0">
-                <a:solidFill>
-                  <a:schemeClr val="tx1"/>
-                </a:solidFill>
-                <a:effectLst/>
-                <a:latin typeface="+mn-lt"/>
-                <a:ea typeface="+mn-ea"/>
-                <a:cs typeface="+mn-cs"/>
-              </a:rPr>
-              <a:t>同理 </a:t>
-            </a:r>
-            <a:r>
-              <a:rPr lang="en-US" altLang="zh-CN" sz="1200" b="0" i="0" kern="1200" dirty="0" err="1" smtClean="0">
-                <a:solidFill>
-                  <a:schemeClr val="tx1"/>
-                </a:solidFill>
-                <a:effectLst/>
-                <a:latin typeface="+mn-lt"/>
-                <a:ea typeface="+mn-ea"/>
-                <a:cs typeface="+mn-cs"/>
-              </a:rPr>
-              <a:t>remote_write</a:t>
-            </a:r>
-            <a:r>
-              <a:rPr lang="en-US" altLang="zh-CN" sz="1200" b="0" i="0" kern="1200" dirty="0" smtClean="0">
-                <a:solidFill>
-                  <a:schemeClr val="tx1"/>
-                </a:solidFill>
-                <a:effectLst/>
-                <a:latin typeface="+mn-lt"/>
-                <a:ea typeface="+mn-ea"/>
-                <a:cs typeface="+mn-cs"/>
-              </a:rPr>
-              <a:t>, </a:t>
-            </a:r>
-            <a:r>
-              <a:rPr lang="zh-CN" altLang="en-US" sz="1200" b="0" i="0" kern="1200" dirty="0" smtClean="0">
-                <a:solidFill>
-                  <a:schemeClr val="tx1"/>
-                </a:solidFill>
-                <a:effectLst/>
-                <a:latin typeface="+mn-lt"/>
-                <a:ea typeface="+mn-ea"/>
-                <a:cs typeface="+mn-cs"/>
-              </a:rPr>
-              <a:t>就是确保备库上也刷盘了。</a:t>
-            </a:r>
-          </a:p>
-          <a:p>
-            <a:pPr lvl="1"/>
-            <a:r>
-              <a:rPr lang="zh-CN" altLang="en-US" sz="1200" b="0" i="0" kern="1200" dirty="0" smtClean="0">
-                <a:solidFill>
-                  <a:schemeClr val="tx1"/>
-                </a:solidFill>
-                <a:effectLst/>
-                <a:latin typeface="+mn-lt"/>
-                <a:ea typeface="+mn-ea"/>
-                <a:cs typeface="+mn-cs"/>
-              </a:rPr>
-              <a:t>而</a:t>
-            </a:r>
-            <a:r>
-              <a:rPr lang="en-US" altLang="zh-CN" sz="1200" b="0" i="0" kern="1200" dirty="0" smtClean="0">
-                <a:solidFill>
-                  <a:schemeClr val="tx1"/>
-                </a:solidFill>
-                <a:effectLst/>
-                <a:latin typeface="+mn-lt"/>
-                <a:ea typeface="+mn-ea"/>
-                <a:cs typeface="+mn-cs"/>
-              </a:rPr>
-              <a:t>local</a:t>
-            </a:r>
-            <a:r>
-              <a:rPr lang="zh-CN" altLang="en-US" sz="1200" b="0" i="0" kern="1200" dirty="0" smtClean="0">
-                <a:solidFill>
-                  <a:schemeClr val="tx1"/>
-                </a:solidFill>
-                <a:effectLst/>
-                <a:latin typeface="+mn-lt"/>
-                <a:ea typeface="+mn-ea"/>
-                <a:cs typeface="+mn-cs"/>
-              </a:rPr>
-              <a:t>就只确保本地刷盘即可，不管</a:t>
-            </a:r>
-            <a:r>
-              <a:rPr lang="en-US" altLang="zh-CN" sz="1200" b="0" i="0" kern="1200" dirty="0" smtClean="0">
-                <a:solidFill>
-                  <a:schemeClr val="tx1"/>
-                </a:solidFill>
-                <a:effectLst/>
-                <a:latin typeface="+mn-lt"/>
-                <a:ea typeface="+mn-ea"/>
-                <a:cs typeface="+mn-cs"/>
-              </a:rPr>
-              <a:t>replication</a:t>
-            </a:r>
-            <a:r>
-              <a:rPr lang="zh-CN" altLang="en-US" sz="1200" b="0" i="0" kern="1200" dirty="0" smtClean="0">
-                <a:solidFill>
-                  <a:schemeClr val="tx1"/>
-                </a:solidFill>
-                <a:effectLst/>
-                <a:latin typeface="+mn-lt"/>
-                <a:ea typeface="+mn-ea"/>
-                <a:cs typeface="+mn-cs"/>
-              </a:rPr>
-              <a:t>。</a:t>
-            </a:r>
-          </a:p>
-          <a:p>
-            <a:r>
-              <a:rPr lang="zh-CN" altLang="en-US" sz="1200" b="0" i="0" kern="1200" dirty="0" smtClean="0">
-                <a:solidFill>
-                  <a:schemeClr val="tx1"/>
-                </a:solidFill>
-                <a:effectLst/>
-                <a:latin typeface="+mn-lt"/>
-                <a:ea typeface="+mn-ea"/>
-                <a:cs typeface="+mn-cs"/>
-              </a:rPr>
-              <a:t>如果</a:t>
-            </a:r>
-            <a:r>
-              <a:rPr lang="en-US" altLang="zh-CN" sz="1200" b="0" i="0" kern="1200" dirty="0" err="1" smtClean="0">
-                <a:solidFill>
-                  <a:schemeClr val="tx1"/>
-                </a:solidFill>
-                <a:effectLst/>
-                <a:latin typeface="+mn-lt"/>
-                <a:ea typeface="+mn-ea"/>
-                <a:cs typeface="+mn-cs"/>
-              </a:rPr>
-              <a:t>synchronous_standby_names</a:t>
-            </a:r>
-            <a:r>
-              <a:rPr lang="zh-CN" altLang="en-US" sz="1200" b="0" i="0" kern="1200" dirty="0" smtClean="0">
-                <a:solidFill>
-                  <a:schemeClr val="tx1"/>
-                </a:solidFill>
-                <a:effectLst/>
-                <a:latin typeface="+mn-lt"/>
-                <a:ea typeface="+mn-ea"/>
-                <a:cs typeface="+mn-cs"/>
-              </a:rPr>
-              <a:t>是空的话</a:t>
-            </a:r>
-          </a:p>
-          <a:p>
-            <a:r>
-              <a:rPr lang="zh-CN" altLang="en-US" sz="1200" b="0" i="0" kern="1200" dirty="0" smtClean="0">
-                <a:solidFill>
-                  <a:schemeClr val="tx1"/>
-                </a:solidFill>
-                <a:effectLst/>
-                <a:latin typeface="+mn-lt"/>
-                <a:ea typeface="+mn-ea"/>
-                <a:cs typeface="+mn-cs"/>
-              </a:rPr>
-              <a:t>就只管</a:t>
-            </a:r>
-            <a:r>
-              <a:rPr lang="en-US" altLang="zh-CN" sz="1200" b="0" i="0" kern="1200" dirty="0" smtClean="0">
-                <a:solidFill>
-                  <a:schemeClr val="tx1"/>
-                </a:solidFill>
-                <a:effectLst/>
-                <a:latin typeface="+mn-lt"/>
-                <a:ea typeface="+mn-ea"/>
-                <a:cs typeface="+mn-cs"/>
-              </a:rPr>
-              <a:t>local</a:t>
-            </a:r>
-            <a:r>
-              <a:rPr lang="zh-CN" altLang="en-US" sz="1200" b="0" i="0" kern="1200" dirty="0" smtClean="0">
-                <a:solidFill>
-                  <a:schemeClr val="tx1"/>
-                </a:solidFill>
-                <a:effectLst/>
-                <a:latin typeface="+mn-lt"/>
-                <a:ea typeface="+mn-ea"/>
-                <a:cs typeface="+mn-cs"/>
-              </a:rPr>
-              <a:t>了。</a:t>
-            </a:r>
-          </a:p>
-          <a:p>
-            <a:r>
-              <a:rPr lang="zh-CN" altLang="en-US" dirty="0" smtClean="0">
-                <a:effectLst/>
-              </a:rPr>
-              <a:t>关闭</a:t>
-            </a:r>
-            <a:r>
-              <a:rPr lang="en-US" altLang="zh-CN" dirty="0" err="1" smtClean="0">
-                <a:effectLst/>
-              </a:rPr>
-              <a:t>synchronous_commit</a:t>
-            </a:r>
-            <a:r>
-              <a:rPr lang="zh-CN" altLang="en-US" dirty="0" smtClean="0">
-                <a:effectLst/>
-              </a:rPr>
-              <a:t>，不会导致数据不一致性，顶多会丢掉几个</a:t>
-            </a:r>
-            <a:r>
-              <a:rPr lang="en-US" altLang="zh-CN" dirty="0" smtClean="0">
-                <a:effectLst/>
-              </a:rPr>
-              <a:t>commit</a:t>
-            </a:r>
-            <a:r>
-              <a:rPr lang="zh-CN" altLang="en-US" dirty="0" smtClean="0">
-                <a:effectLst/>
-              </a:rPr>
-              <a:t>的事务，但是数据库中的数据是一致的。而关闭</a:t>
-            </a:r>
-            <a:r>
-              <a:rPr lang="en-US" altLang="zh-CN" dirty="0" err="1" smtClean="0">
-                <a:effectLst/>
-              </a:rPr>
-              <a:t>fsync</a:t>
-            </a:r>
-            <a:r>
-              <a:rPr lang="zh-CN" altLang="en-US" dirty="0" smtClean="0">
-                <a:effectLst/>
-              </a:rPr>
-              <a:t>，数据的落盘就没有保证了，如果你关了</a:t>
-            </a:r>
-            <a:r>
-              <a:rPr lang="en-US" altLang="zh-CN" dirty="0" err="1" smtClean="0">
-                <a:effectLst/>
-              </a:rPr>
-              <a:t>fsync</a:t>
-            </a:r>
-            <a:r>
-              <a:rPr lang="zh-CN" altLang="en-US" dirty="0" smtClean="0">
-                <a:effectLst/>
-              </a:rPr>
-              <a:t>，那么连</a:t>
-            </a:r>
-            <a:r>
-              <a:rPr lang="en-US" altLang="zh-CN" dirty="0" err="1" smtClean="0">
-                <a:effectLst/>
-              </a:rPr>
-              <a:t>full_page_write</a:t>
-            </a:r>
-            <a:r>
-              <a:rPr lang="zh-CN" altLang="en-US" dirty="0" smtClean="0">
-                <a:effectLst/>
-              </a:rPr>
-              <a:t>也一起关了得了。</a:t>
-            </a:r>
-          </a:p>
-          <a:p>
-            <a:r>
-              <a:rPr lang="zh-CN" altLang="en-US" dirty="0" smtClean="0">
-                <a:effectLst/>
-              </a:rPr>
-              <a:t>所以想提高性能，可以考虑关闭</a:t>
-            </a:r>
-            <a:r>
-              <a:rPr lang="en-US" altLang="zh-CN" dirty="0" err="1" smtClean="0">
-                <a:effectLst/>
-              </a:rPr>
-              <a:t>synchronous_commit</a:t>
-            </a:r>
-            <a:r>
-              <a:rPr lang="zh-CN" altLang="en-US" dirty="0" smtClean="0">
-                <a:effectLst/>
-              </a:rPr>
-              <a:t>（最好还是别关）。</a:t>
-            </a:r>
-          </a:p>
-          <a:p>
-            <a:r>
-              <a:rPr lang="zh-CN" altLang="en-US" dirty="0" smtClean="0">
-                <a:effectLst/>
-              </a:rPr>
-              <a:t>值得注意的是，</a:t>
-            </a:r>
-            <a:r>
-              <a:rPr lang="en-US" altLang="zh-CN" dirty="0" err="1" smtClean="0">
-                <a:effectLst/>
-              </a:rPr>
-              <a:t>synchronous_commit</a:t>
-            </a:r>
-            <a:r>
-              <a:rPr lang="zh-CN" altLang="en-US" dirty="0" smtClean="0">
-                <a:effectLst/>
-              </a:rPr>
-              <a:t>可以在任何地方设置，甚至可以同一个应用控制不同事务的提交级别。</a:t>
-            </a:r>
-            <a:endParaRPr lang="en-US" altLang="zh-CN" dirty="0" smtClean="0">
-              <a:effectLst/>
-            </a:endParaRPr>
-          </a:p>
-          <a:p>
-            <a:endParaRPr lang="en-US" altLang="zh-CN" dirty="0" smtClean="0">
-              <a:effectLst/>
-            </a:endParaRPr>
-          </a:p>
-          <a:p>
-            <a:r>
-              <a:rPr kumimoji="1" lang="zh-CN" altLang="en-US" dirty="0" smtClean="0"/>
-              <a:t>区分</a:t>
-            </a:r>
-            <a:r>
-              <a:rPr kumimoji="1" lang="en-US" altLang="zh-CN" dirty="0" smtClean="0"/>
-              <a:t>:</a:t>
-            </a:r>
-          </a:p>
-          <a:p>
-            <a:pPr lvl="1"/>
-            <a:r>
-              <a:rPr lang="en-US" altLang="zh-CN" dirty="0" err="1" smtClean="0"/>
-              <a:t>full_page_write</a:t>
-            </a:r>
-            <a:r>
-              <a:rPr lang="zh-CN" altLang="en-US" dirty="0" smtClean="0"/>
-              <a:t>：</a:t>
-            </a:r>
-            <a:r>
-              <a:rPr lang="en-US" altLang="zh-CN" dirty="0" smtClean="0"/>
-              <a:t>checkpoint</a:t>
-            </a:r>
-            <a:r>
-              <a:rPr lang="zh-CN" altLang="en-US" dirty="0" smtClean="0"/>
-              <a:t>后，第一次修改，整页写入</a:t>
-            </a:r>
-            <a:r>
-              <a:rPr lang="en-US" altLang="zh-CN" dirty="0" smtClean="0"/>
-              <a:t>WAL</a:t>
-            </a:r>
-          </a:p>
-          <a:p>
-            <a:pPr lvl="1"/>
-            <a:r>
-              <a:rPr kumimoji="1" lang="en-US" altLang="zh-CN" dirty="0" err="1" smtClean="0"/>
-              <a:t>Fsync</a:t>
-            </a:r>
-            <a:r>
-              <a:rPr kumimoji="1" lang="zh-CN" altLang="en-US" dirty="0" smtClean="0"/>
-              <a:t>：</a:t>
-            </a:r>
-            <a:r>
-              <a:rPr kumimoji="1" lang="en-US" altLang="zh-CN" dirty="0" smtClean="0"/>
-              <a:t>try</a:t>
+            <a:pPr marL="0" marR="0" lvl="1" indent="0" algn="l" defTabSz="914400" rtl="0" eaLnBrk="1" fontAlgn="auto" latinLnBrk="0" hangingPunct="1">
+              <a:lnSpc>
+                <a:spcPct val="100000"/>
+              </a:lnSpc>
+              <a:spcBef>
+                <a:spcPts val="0"/>
+              </a:spcBef>
+              <a:spcAft>
+                <a:spcPts val="0"/>
+              </a:spcAft>
+              <a:buClrTx/>
+              <a:buSzTx/>
+              <a:buFontTx/>
+              <a:buNone/>
+              <a:tabLst/>
+              <a:defRPr/>
+            </a:pPr>
+            <a:r>
+              <a:rPr kumimoji="1" lang="en-US" altLang="zh-CN" dirty="0" smtClean="0"/>
+              <a:t>RMID</a:t>
+            </a:r>
+          </a:p>
+          <a:p>
+            <a:pPr marL="0" marR="0" lvl="1" indent="0" algn="l" defTabSz="914400" rtl="0" eaLnBrk="1" fontAlgn="auto" latinLnBrk="0" hangingPunct="1">
+              <a:lnSpc>
+                <a:spcPct val="100000"/>
+              </a:lnSpc>
+              <a:spcBef>
+                <a:spcPts val="0"/>
+              </a:spcBef>
+              <a:spcAft>
+                <a:spcPts val="0"/>
+              </a:spcAft>
+              <a:buClrTx/>
+              <a:buSzTx/>
+              <a:buFontTx/>
+              <a:buNone/>
+              <a:tabLst/>
+              <a:defRPr/>
+            </a:pPr>
+            <a:r>
+              <a:rPr kumimoji="1" lang="en-US" altLang="zh-CN" dirty="0" smtClean="0"/>
+              <a:t>full-page</a:t>
             </a:r>
             <a:r>
               <a:rPr kumimoji="1" lang="zh-CN" altLang="en-US" dirty="0" smtClean="0"/>
@@ -3308,25 +3276,8 @@
             </a:r>
             <a:r>
               <a:rPr kumimoji="1" lang="en-US" altLang="zh-CN" dirty="0" smtClean="0"/>
-              <a:t>to</a:t>
-            </a:r>
-            <a:r>
-              <a:rPr kumimoji="1" lang="zh-CN" altLang="en-US" dirty="0" smtClean="0"/>
-              <a:t> </a:t>
-            </a:r>
-            <a:r>
-              <a:rPr lang="en-US" altLang="zh-CN" dirty="0" smtClean="0"/>
-              <a:t>physically written to disk</a:t>
-            </a:r>
-            <a:endParaRPr kumimoji="1" lang="en-US" altLang="zh-CN" dirty="0" smtClean="0"/>
-          </a:p>
-          <a:p>
-            <a:endParaRPr lang="zh-CN" altLang="en-US" dirty="0" smtClean="0">
-              <a:effectLst/>
-            </a:endParaRPr>
-          </a:p>
-          <a:p>
-            <a:endParaRPr kumimoji="1" lang="zh-CN" altLang="en-US" dirty="0"/>
+              <a:t>image</a:t>
+            </a:r>
           </a:p>
         </p:txBody>
       </p:sp>
@@ -3347,7 +3298,7 @@
           <a:p>
             <a:fld id="{6A47B6B7-4533-6B49-91A5-E5E12BC8D3FB}" type="slidenum">
               <a:rPr kumimoji="1" lang="zh-CN" altLang="en-US" smtClean="0"/>
-              <a:t>25</a:t>
+              <a:t>26</a:t>
             </a:fld>
             <a:endParaRPr kumimoji="1" lang="zh-CN" altLang="en-US"/>
           </a:p>
@@ -3356,7 +3307,7 @@
     </p:spTree>
     <p:extLst>
       <p:ext uri="{BB962C8B-B14F-4D97-AF65-F5344CB8AC3E}">
-        <p14:creationId xmlns:p14="http://schemas.microsoft.com/office/powerpoint/2010/main" val="1949821701"/>
+        <p14:creationId xmlns:p14="http://schemas.microsoft.com/office/powerpoint/2010/main" val="1098501192"/>
       </p:ext>
     </p:extLst>
   </p:cSld>
@@ -3410,42 +3361,6 @@
           <a:bodyPr/>
           <a:lstStyle/>
           <a:p>
-            <a:r>
-              <a:rPr kumimoji="1" lang="zh-CN" altLang="en-US" dirty="0" smtClean="0"/>
-              <a:t>左图是</a:t>
-            </a:r>
-            <a:r>
-              <a:rPr lang="en-US" altLang="zh-CN" dirty="0" err="1" smtClean="0"/>
-              <a:t>Stonebraker</a:t>
-            </a:r>
-            <a:r>
-              <a:rPr lang="zh-CN" altLang="en-US" dirty="0" smtClean="0"/>
-              <a:t>写的一篇论文（），其中将</a:t>
-            </a:r>
-            <a:r>
-              <a:rPr lang="en-US" altLang="zh-CN" dirty="0" smtClean="0"/>
-              <a:t>Db</a:t>
-            </a:r>
-            <a:r>
-              <a:rPr lang="zh-CN" altLang="en-US" dirty="0" smtClean="0"/>
-              <a:t>的架构分为若干部分，其中事务性存储分为</a:t>
-            </a:r>
-            <a:r>
-              <a:rPr lang="en-US" altLang="zh-CN" dirty="0" smtClean="0"/>
-              <a:t>4</a:t>
-            </a:r>
-            <a:r>
-              <a:rPr lang="zh-CN" altLang="en-US" dirty="0" smtClean="0"/>
-              <a:t>个方面（）（）（）（）；借此启发，今天从这几个方面初步认识下</a:t>
-            </a:r>
-            <a:r>
-              <a:rPr lang="en-US" altLang="zh-CN" dirty="0" smtClean="0"/>
-              <a:t>PostgreSQL</a:t>
-            </a:r>
-            <a:r>
-              <a:rPr lang="zh-CN" altLang="en-US" dirty="0" smtClean="0"/>
-              <a:t>的存储引擎。</a:t>
-            </a:r>
             <a:endParaRPr kumimoji="1" lang="zh-CN" altLang="en-US" dirty="0"/>
           </a:p>
         </p:txBody>
@@ -3530,141 +3445,6 @@
           <a:bodyPr/>
           <a:lstStyle/>
           <a:p>
-            <a:pPr marL="0" marR="0" lvl="1" indent="0" algn="l" defTabSz="914400" rtl="0" eaLnBrk="1" fontAlgn="auto" latinLnBrk="0" hangingPunct="1">
-              <a:lnSpc>
-                <a:spcPct val="100000"/>
-              </a:lnSpc>
-              <a:spcBef>
-                <a:spcPts val="0"/>
-              </a:spcBef>
-              <a:spcAft>
-                <a:spcPts val="0"/>
-              </a:spcAft>
-              <a:buClrTx/>
-              <a:buSzTx/>
-              <a:buFontTx/>
-              <a:buNone/>
-              <a:tabLst/>
-              <a:defRPr/>
-            </a:pPr>
-            <a:r>
-              <a:rPr kumimoji="1" lang="en-US" altLang="zh-CN" dirty="0" smtClean="0"/>
-              <a:t>RMID</a:t>
-            </a:r>
-          </a:p>
-          <a:p>
-            <a:pPr marL="0" marR="0" lvl="1" indent="0" algn="l" defTabSz="914400" rtl="0" eaLnBrk="1" fontAlgn="auto" latinLnBrk="0" hangingPunct="1">
-              <a:lnSpc>
-                <a:spcPct val="100000"/>
-              </a:lnSpc>
-              <a:spcBef>
-                <a:spcPts val="0"/>
-              </a:spcBef>
-              <a:spcAft>
-                <a:spcPts val="0"/>
-              </a:spcAft>
-              <a:buClrTx/>
-              <a:buSzTx/>
-              <a:buFontTx/>
-              <a:buNone/>
-              <a:tabLst/>
-              <a:defRPr/>
-            </a:pPr>
-            <a:r>
-              <a:rPr kumimoji="1" lang="en-US" altLang="zh-CN" dirty="0" smtClean="0"/>
-              <a:t>full-page</a:t>
-            </a:r>
-            <a:r>
-              <a:rPr kumimoji="1" lang="zh-CN" altLang="en-US" dirty="0" smtClean="0"/>
-              <a:t> </a:t>
-            </a:r>
-            <a:r>
-              <a:rPr kumimoji="1" lang="en-US" altLang="zh-CN" dirty="0" smtClean="0"/>
-              <a:t>image</a:t>
-            </a:r>
-          </a:p>
-        </p:txBody>
-      </p:sp>
-      <p:sp>
-        <p:nvSpPr>
-          <p:cNvPr id="4" name="幻灯片编号占位符 3"/>
-          <p:cNvSpPr>
-            <a:spLocks noGrp="1"/>
-          </p:cNvSpPr>
-          <p:nvPr>
-            <p:ph type="sldNum" sz="quarter" idx="10"/>
-          </p:nvPr>
-        </p:nvSpPr>
-        <p:spPr/>
-        <p:txBody>
-          <a:bodyPr/>
-          <a:lstStyle/>
-          <a:p>
-            <a:fld id="{6A47B6B7-4533-6B49-91A5-E5E12BC8D3FB}" type="slidenum">
-              <a:rPr kumimoji="1" lang="zh-CN" altLang="en-US" smtClean="0"/>
-              <a:t>26</a:t>
-            </a:fld>
-            <a:endParaRPr kumimoji="1" lang="zh-CN" altLang="en-US"/>
-          </a:p>
-        </p:txBody>
-      </p:sp>
-    </p:spTree>
-    <p:extLst>
-      <p:ext uri="{BB962C8B-B14F-4D97-AF65-F5344CB8AC3E}">
-        <p14:creationId xmlns:p14="http://schemas.microsoft.com/office/powerpoint/2010/main" val="1098501192"/>
-      </p:ext>
-    </p:extLst>
-  </p:cSld>
-  <p:clrMapOvr>
-    <a:masterClrMapping/>
-  </p:clrMapOvr>
-</p:notes>
-</file>
-
-<file path=ppt/notesSlides/notesSlide21.xml><?xml version="1.0" encoding="utf-8"?>
-<p:notes xmlns:a="http://schemas.openxmlformats.org/drawingml/2006/main" xmlns:r="http://schemas.openxmlformats.org/officeDocument/2006/relationships" xmlns:p="http://schemas.openxmlformats.org/presentationml/2006/main">
-  <p:cSld>
-    <p:spTree>
-      <p:nvGrpSpPr>
-        <p:cNvPr id="1" name=""/>
-        <p:cNvGrpSpPr/>
-        <p:nvPr/>
-      </p:nvGrpSpPr>
-      <p:grpSpPr>
-        <a:xfrm>
-          <a:off x="0" y="0"/>
-          <a:ext cx="0" cy="0"/>
-          <a:chOff x="0" y="0"/>
-          <a:chExt cx="0" cy="0"/>
-        </a:xfrm>
-      </p:grpSpPr>
-      <p:sp>
-        <p:nvSpPr>
-          <p:cNvPr id="2" name="幻灯片图像占位符 1"/>
-          <p:cNvSpPr>
-            <a:spLocks noGrp="1" noRot="1" noChangeAspect="1"/>
-          </p:cNvSpPr>
-          <p:nvPr>
-            <p:ph type="sldImg"/>
-          </p:nvPr>
-        </p:nvSpPr>
-        <p:spPr/>
-      </p:sp>
-      <p:sp>
-        <p:nvSpPr>
-          <p:cNvPr id="3" name="备注占位符 2"/>
-          <p:cNvSpPr>
-            <a:spLocks noGrp="1"/>
-          </p:cNvSpPr>
-          <p:nvPr>
-            <p:ph type="body" idx="1"/>
-          </p:nvPr>
-        </p:nvSpPr>
-        <p:spPr/>
-        <p:txBody>
-          <a:bodyPr/>
-          <a:lstStyle/>
-          <a:p>
             <a:pPr lvl="1"/>
             <a:r>
               <a:rPr kumimoji="1" lang="zh-CN" altLang="en-US" dirty="0" smtClean="0"/>
@@ -3817,7 +3597,7 @@
           <a:p>
             <a:fld id="{28869C31-E77D-D241-AE7E-8C6BD67A4C1D}" type="slidenum">
               <a:rPr kumimoji="1" lang="zh-CN" altLang="en-US" smtClean="0"/>
-              <a:t>4</a:t>
+              <a:t>5</a:t>
             </a:fld>
             <a:endParaRPr kumimoji="1" lang="zh-CN" altLang="en-US"/>
           </a:p>
@@ -3882,39 +3662,70 @@
           <a:p>
             <a:r>
               <a:rPr kumimoji="1" lang="zh-CN" altLang="en-US" dirty="0" smtClean="0"/>
-              <a:t>首先是</a:t>
-            </a:r>
-            <a:r>
-              <a:rPr kumimoji="1" lang="en-US" altLang="zh-CN" dirty="0" smtClean="0"/>
-              <a:t>Access</a:t>
-            </a:r>
-            <a:r>
-              <a:rPr kumimoji="1" lang="zh-CN" altLang="en-US" dirty="0" smtClean="0"/>
-              <a:t> </a:t>
-            </a:r>
-            <a:r>
-              <a:rPr kumimoji="1" lang="en-US" altLang="zh-CN" dirty="0" smtClean="0"/>
-              <a:t>Method</a:t>
+              <a:t>首先，我们都知道</a:t>
+            </a:r>
+            <a:r>
+              <a:rPr kumimoji="1" lang="en-US" altLang="zh-CN" dirty="0" smtClean="0"/>
+              <a:t>PG</a:t>
+            </a:r>
+            <a:r>
+              <a:rPr kumimoji="1" lang="zh-CN" altLang="en-US" dirty="0" smtClean="0"/>
+              <a:t>中的数据是堆表的方式存储，那么堆表中某一元组可以通过 块号和块内偏移 两个信息来定位，这是</a:t>
+            </a:r>
+            <a:r>
+              <a:rPr kumimoji="1" lang="zh-CN" altLang="en-US" b="1" dirty="0" smtClean="0"/>
+              <a:t>物理</a:t>
+            </a:r>
+            <a:r>
+              <a:rPr kumimoji="1" lang="zh-CN" altLang="en-US" dirty="0" smtClean="0"/>
+              <a:t>唯一标识一个元组的方法，称为</a:t>
+            </a:r>
+            <a:r>
+              <a:rPr kumimoji="1" lang="en-US" altLang="zh-CN" dirty="0" smtClean="0"/>
+              <a:t>TID</a:t>
+            </a:r>
+            <a:r>
+              <a:rPr kumimoji="1" lang="zh-CN" altLang="en-US" dirty="0" smtClean="0"/>
+              <a:t>；另外还有</a:t>
+            </a:r>
+            <a:r>
+              <a:rPr kumimoji="1" lang="en-US" altLang="zh-CN" dirty="0" err="1" smtClean="0"/>
+              <a:t>oid</a:t>
+            </a:r>
+            <a:r>
+              <a:rPr kumimoji="1" lang="zh-CN" altLang="en-US" dirty="0" smtClean="0"/>
+              <a:t>或者表中自己定义个唯一索引列，可作为逻辑唯一标识；通过</a:t>
+            </a:r>
+            <a:r>
+              <a:rPr kumimoji="1" lang="en-US" altLang="zh-CN" dirty="0" err="1" smtClean="0"/>
+              <a:t>pageinspact</a:t>
+            </a:r>
+            <a:r>
+              <a:rPr kumimoji="1" lang="zh-CN" altLang="en-US" dirty="0" smtClean="0"/>
+              <a:t>插件，我们可以看到，索引中的</a:t>
+            </a:r>
+            <a:r>
+              <a:rPr kumimoji="1" lang="en-US" altLang="zh-CN" dirty="0" smtClean="0"/>
+              <a:t>value</a:t>
+            </a:r>
+            <a:r>
+              <a:rPr kumimoji="1" lang="zh-CN" altLang="en-US" dirty="0" smtClean="0"/>
+              <a:t>是</a:t>
+            </a:r>
+            <a:r>
+              <a:rPr kumimoji="1" lang="en-US" altLang="zh-CN" dirty="0" smtClean="0"/>
+              <a:t>TID</a:t>
             </a:r>
             <a:r>
               <a:rPr kumimoji="1" lang="zh-CN" altLang="en-US" dirty="0" smtClean="0"/>
               <a:t>；</a:t>
             </a:r>
-            <a:r>
-              <a:rPr kumimoji="1" lang="en-US" altLang="zh-CN" dirty="0" smtClean="0"/>
-              <a:t>Access</a:t>
-            </a:r>
-            <a:r>
-              <a:rPr kumimoji="1" lang="zh-CN" altLang="en-US" dirty="0" smtClean="0"/>
-              <a:t> </a:t>
-            </a:r>
-            <a:r>
-              <a:rPr kumimoji="1" lang="en-US" altLang="zh-CN" dirty="0" smtClean="0"/>
-              <a:t>Method</a:t>
-            </a:r>
-            <a:r>
-              <a:rPr kumimoji="1" lang="zh-CN" altLang="en-US" dirty="0" smtClean="0"/>
-              <a:t>就是磁盘中的数据是如何组织的，底层的数据结构决定上层的访问方法；这一部分，分别介绍了在</a:t>
+            <a:endParaRPr kumimoji="1" lang="en-US" altLang="zh-CN" dirty="0" smtClean="0"/>
+          </a:p>
+          <a:p>
+            <a:r>
+              <a:rPr kumimoji="1" lang="zh-CN" altLang="en-US" dirty="0" smtClean="0"/>
+              <a:t>下图是</a:t>
             </a:r>
             <a:r>
               <a:rPr kumimoji="1" lang="en-US" altLang="zh-CN" dirty="0" smtClean="0"/>
@@ -3922,8 +3733,27 @@
             </a:r>
             <a:r>
               <a:rPr kumimoji="1" lang="zh-CN" altLang="en-US" dirty="0" smtClean="0"/>
-              <a:t>中，访问的标识，多样的。。。，。。。，。。。</a:t>
-            </a:r>
+              <a:t>某一页中的内容，首先是一个</a:t>
+            </a:r>
+            <a:r>
+              <a:rPr kumimoji="1" lang="en-US" altLang="zh-CN" dirty="0" smtClean="0"/>
+              <a:t>header</a:t>
+            </a:r>
+            <a:r>
+              <a:rPr kumimoji="1" lang="zh-CN" altLang="en-US" dirty="0" smtClean="0"/>
+              <a:t>，后面从前向后是各个元组的元信息，从后向前是各个元组数据；中间就是</a:t>
+            </a:r>
+            <a:r>
+              <a:rPr kumimoji="1" lang="en-US" altLang="zh-CN" dirty="0" err="1" smtClean="0"/>
+              <a:t>freespace</a:t>
+            </a:r>
+            <a:r>
+              <a:rPr kumimoji="1" lang="zh-CN" altLang="en-US" dirty="0" smtClean="0"/>
+              <a:t>；当我们找到某一块后，通过块内偏移就可以找到具体的元组；</a:t>
+            </a:r>
+            <a:endParaRPr kumimoji="1" lang="en-US" altLang="zh-CN" dirty="0" smtClean="0"/>
+          </a:p>
+          <a:p>
             <a:endParaRPr kumimoji="1" lang="zh-CN" altLang="en-US" dirty="0"/>
           </a:p>
         </p:txBody>
@@ -3945,7 +3775,7 @@
           <a:p>
             <a:fld id="{6A47B6B7-4533-6B49-91A5-E5E12BC8D3FB}" type="slidenum">
               <a:rPr kumimoji="1" lang="zh-CN" altLang="en-US" smtClean="0"/>
-              <a:t>5</a:t>
+              <a:t>6</a:t>
             </a:fld>
             <a:endParaRPr kumimoji="1" lang="zh-CN" altLang="en-US"/>
           </a:p>
@@ -3954,7 +3784,7 @@
     </p:spTree>
     <p:extLst>
       <p:ext uri="{BB962C8B-B14F-4D97-AF65-F5344CB8AC3E}">
-        <p14:creationId xmlns:p14="http://schemas.microsoft.com/office/powerpoint/2010/main" val="959101438"/>
+        <p14:creationId xmlns:p14="http://schemas.microsoft.com/office/powerpoint/2010/main" val="143172557"/>
       </p:ext>
     </p:extLst>
   </p:cSld>
@@ -4009,100 +3839,525 @@
           <a:lstStyle/>
           <a:p>
             <a:r>
-              <a:rPr kumimoji="1" lang="zh-CN" altLang="en-US" dirty="0" smtClean="0"/>
-              <a:t>首先，我们都知道</a:t>
-            </a:r>
-            <a:r>
-              <a:rPr kumimoji="1" lang="en-US" altLang="zh-CN" dirty="0" smtClean="0"/>
-              <a:t>PG</a:t>
-            </a:r>
-            <a:r>
-              <a:rPr kumimoji="1" lang="zh-CN" altLang="en-US" dirty="0" smtClean="0"/>
-              <a:t>中的数据是堆表的方式存储，那么堆表中某一元组可以通过 块号和块内偏移 两个信息来定位，这是</a:t>
-            </a:r>
-            <a:r>
-              <a:rPr kumimoji="1" lang="zh-CN" altLang="en-US" b="1" dirty="0" smtClean="0"/>
-              <a:t>物理</a:t>
-            </a:r>
-            <a:r>
-              <a:rPr kumimoji="1" lang="zh-CN" altLang="en-US" dirty="0" smtClean="0"/>
-              <a:t>唯一标识一个元组的方法，称为</a:t>
-            </a:r>
-            <a:r>
-              <a:rPr kumimoji="1" lang="en-US" altLang="zh-CN" dirty="0" smtClean="0"/>
-              <a:t>TID</a:t>
-            </a:r>
-            <a:r>
-              <a:rPr kumimoji="1" lang="zh-CN" altLang="en-US" dirty="0" smtClean="0"/>
-              <a:t>；另外还有</a:t>
+              <a:rPr lang="zh-CN" altLang="en-US" sz="1200" b="0" i="0" kern="1200" dirty="0" smtClean="0">
+                <a:solidFill>
+                  <a:schemeClr val="tx1"/>
+                </a:solidFill>
+                <a:effectLst/>
+                <a:latin typeface="+mn-lt"/>
+                <a:ea typeface="+mn-ea"/>
+                <a:cs typeface="+mn-cs"/>
+              </a:rPr>
+              <a:t>另外，在</a:t>
+            </a:r>
+            <a:r>
+              <a:rPr lang="en-US" altLang="zh-CN" sz="1200" b="0" i="0" kern="1200" dirty="0" smtClean="0">
+                <a:solidFill>
+                  <a:schemeClr val="tx1"/>
+                </a:solidFill>
+                <a:effectLst/>
+                <a:latin typeface="+mn-lt"/>
+                <a:ea typeface="+mn-ea"/>
+                <a:cs typeface="+mn-cs"/>
+              </a:rPr>
+              <a:t>PostgreSQL</a:t>
+            </a:r>
+            <a:r>
+              <a:rPr lang="zh-CN" altLang="en-US" sz="1200" b="0" i="0" kern="1200" dirty="0" smtClean="0">
+                <a:solidFill>
+                  <a:schemeClr val="tx1"/>
+                </a:solidFill>
+                <a:effectLst/>
+                <a:latin typeface="+mn-lt"/>
+                <a:ea typeface="+mn-ea"/>
+                <a:cs typeface="+mn-cs"/>
+              </a:rPr>
+              <a:t>中有多种访问方法，访问方法其实就是索引；通过系统表</a:t>
+            </a:r>
+            <a:r>
+              <a:rPr lang="en-US" altLang="zh-CN" sz="1200" b="0" i="0" kern="1200" dirty="0" err="1" smtClean="0">
+                <a:solidFill>
+                  <a:schemeClr val="tx1"/>
+                </a:solidFill>
+                <a:effectLst/>
+                <a:latin typeface="+mn-lt"/>
+                <a:ea typeface="+mn-ea"/>
+                <a:cs typeface="+mn-cs"/>
+              </a:rPr>
+              <a:t>pg_am</a:t>
+            </a:r>
+            <a:r>
+              <a:rPr lang="zh-CN" altLang="en-US" sz="1200" b="0" i="0" kern="1200" dirty="0" smtClean="0">
+                <a:solidFill>
+                  <a:schemeClr val="tx1"/>
+                </a:solidFill>
+                <a:effectLst/>
+                <a:latin typeface="+mn-lt"/>
+                <a:ea typeface="+mn-ea"/>
+                <a:cs typeface="+mn-cs"/>
+              </a:rPr>
+              <a:t>可以看到，</a:t>
+            </a:r>
+            <a:r>
+              <a:rPr lang="en-US" altLang="zh-CN" sz="1200" b="0" i="0" kern="1200" dirty="0" smtClean="0">
+                <a:solidFill>
+                  <a:schemeClr val="tx1"/>
+                </a:solidFill>
+                <a:effectLst/>
+                <a:latin typeface="+mn-lt"/>
+                <a:ea typeface="+mn-ea"/>
+                <a:cs typeface="+mn-cs"/>
+              </a:rPr>
+              <a:t>PostgreSQL</a:t>
+            </a:r>
+            <a:r>
+              <a:rPr lang="zh-CN" altLang="en-US" sz="1200" b="0" i="0" kern="1200" dirty="0" smtClean="0">
+                <a:solidFill>
+                  <a:schemeClr val="tx1"/>
+                </a:solidFill>
+                <a:effectLst/>
+                <a:latin typeface="+mn-lt"/>
+                <a:ea typeface="+mn-ea"/>
+                <a:cs typeface="+mn-cs"/>
+              </a:rPr>
+              <a:t>自带有</a:t>
+            </a:r>
+            <a:r>
+              <a:rPr lang="en-US" altLang="zh-CN" sz="1200" b="0" i="0" kern="1200" dirty="0" smtClean="0">
+                <a:solidFill>
+                  <a:schemeClr val="tx1"/>
+                </a:solidFill>
+                <a:effectLst/>
+                <a:latin typeface="+mn-lt"/>
+                <a:ea typeface="+mn-ea"/>
+                <a:cs typeface="+mn-cs"/>
+              </a:rPr>
+              <a:t>6</a:t>
+            </a:r>
+            <a:r>
+              <a:rPr lang="zh-CN" altLang="en-US" sz="1200" b="0" i="0" kern="1200" dirty="0" smtClean="0">
+                <a:solidFill>
+                  <a:schemeClr val="tx1"/>
+                </a:solidFill>
+                <a:effectLst/>
+                <a:latin typeface="+mn-lt"/>
+                <a:ea typeface="+mn-ea"/>
+                <a:cs typeface="+mn-cs"/>
+              </a:rPr>
+              <a:t>种访问方法；</a:t>
+            </a:r>
+            <a:endParaRPr lang="en-US" altLang="zh-CN" sz="1200" b="0" i="0" kern="1200" dirty="0" smtClean="0">
+              <a:solidFill>
+                <a:schemeClr val="tx1"/>
+              </a:solidFill>
+              <a:effectLst/>
+              <a:latin typeface="+mn-lt"/>
+              <a:ea typeface="+mn-ea"/>
+              <a:cs typeface="+mn-cs"/>
+            </a:endParaRPr>
+          </a:p>
+          <a:p>
+            <a:r>
+              <a:rPr lang="zh-CN" altLang="en-US" sz="1200" b="0" i="0" kern="1200" dirty="0" smtClean="0">
+                <a:solidFill>
+                  <a:schemeClr val="tx1"/>
+                </a:solidFill>
+                <a:effectLst/>
+                <a:latin typeface="+mn-lt"/>
+                <a:ea typeface="+mn-ea"/>
+                <a:cs typeface="+mn-cs"/>
+              </a:rPr>
+              <a:t>这是我对这</a:t>
+            </a:r>
+            <a:r>
+              <a:rPr lang="en-US" altLang="zh-CN" sz="1200" b="0" i="0" kern="1200" dirty="0" smtClean="0">
+                <a:solidFill>
+                  <a:schemeClr val="tx1"/>
+                </a:solidFill>
+                <a:effectLst/>
+                <a:latin typeface="+mn-lt"/>
+                <a:ea typeface="+mn-ea"/>
+                <a:cs typeface="+mn-cs"/>
+              </a:rPr>
+              <a:t>6</a:t>
+            </a:r>
+            <a:r>
+              <a:rPr lang="zh-CN" altLang="en-US" sz="1200" b="0" i="0" kern="1200" dirty="0" smtClean="0">
+                <a:solidFill>
+                  <a:schemeClr val="tx1"/>
+                </a:solidFill>
+                <a:effectLst/>
+                <a:latin typeface="+mn-lt"/>
+                <a:ea typeface="+mn-ea"/>
+                <a:cs typeface="+mn-cs"/>
+              </a:rPr>
+              <a:t>中自带访问方法的总结：</a:t>
+            </a:r>
+            <a:endParaRPr lang="en-US" altLang="zh-CN" sz="1200" b="0" i="0" kern="1200" dirty="0" smtClean="0">
+              <a:solidFill>
+                <a:schemeClr val="tx1"/>
+              </a:solidFill>
+              <a:effectLst/>
+              <a:latin typeface="+mn-lt"/>
+              <a:ea typeface="+mn-ea"/>
+              <a:cs typeface="+mn-cs"/>
+            </a:endParaRPr>
+          </a:p>
+          <a:p>
+            <a:r>
+              <a:rPr lang="en-US" altLang="zh-CN" sz="1200" b="0" i="0" kern="1200" dirty="0" err="1" smtClean="0">
+                <a:solidFill>
+                  <a:schemeClr val="tx1"/>
+                </a:solidFill>
+                <a:effectLst/>
+                <a:latin typeface="+mn-lt"/>
+                <a:ea typeface="+mn-ea"/>
+                <a:cs typeface="+mn-cs"/>
+              </a:rPr>
+              <a:t>Btree</a:t>
+            </a:r>
+            <a:r>
+              <a:rPr lang="zh-CN" altLang="en-US" sz="1200" b="0" i="0" kern="1200" dirty="0" smtClean="0">
+                <a:solidFill>
+                  <a:schemeClr val="tx1"/>
+                </a:solidFill>
+                <a:effectLst/>
+                <a:latin typeface="+mn-lt"/>
+                <a:ea typeface="+mn-ea"/>
+                <a:cs typeface="+mn-cs"/>
+              </a:rPr>
+              <a:t>是一个</a:t>
+            </a:r>
+            <a:r>
+              <a:rPr lang="en-US" altLang="zh-CN" sz="1200" b="0" i="0" kern="1200" dirty="0" smtClean="0">
+                <a:solidFill>
+                  <a:schemeClr val="tx1"/>
+                </a:solidFill>
+                <a:effectLst/>
+                <a:latin typeface="+mn-lt"/>
+                <a:ea typeface="+mn-ea"/>
+                <a:cs typeface="+mn-cs"/>
+              </a:rPr>
+              <a:t>key</a:t>
+            </a:r>
+            <a:r>
+              <a:rPr lang="zh-CN" altLang="en-US" sz="1200" b="0" i="0" kern="1200" dirty="0" smtClean="0">
+                <a:solidFill>
+                  <a:schemeClr val="tx1"/>
+                </a:solidFill>
+                <a:effectLst/>
+                <a:latin typeface="+mn-lt"/>
+                <a:ea typeface="+mn-ea"/>
+                <a:cs typeface="+mn-cs"/>
+              </a:rPr>
+              <a:t>对应多个</a:t>
+            </a:r>
+            <a:r>
+              <a:rPr lang="en-US" altLang="zh-CN" sz="1200" b="0" i="0" kern="1200" dirty="0" smtClean="0">
+                <a:solidFill>
+                  <a:schemeClr val="tx1"/>
+                </a:solidFill>
+                <a:effectLst/>
+                <a:latin typeface="+mn-lt"/>
+                <a:ea typeface="+mn-ea"/>
+                <a:cs typeface="+mn-cs"/>
+              </a:rPr>
+              <a:t>value</a:t>
+            </a:r>
+            <a:r>
+              <a:rPr lang="zh-CN" altLang="en-US" sz="1200" b="0" i="0" kern="1200" dirty="0" smtClean="0">
+                <a:solidFill>
+                  <a:schemeClr val="tx1"/>
+                </a:solidFill>
+                <a:effectLst/>
+                <a:latin typeface="+mn-lt"/>
+                <a:ea typeface="+mn-ea"/>
+                <a:cs typeface="+mn-cs"/>
+              </a:rPr>
+              <a:t>；</a:t>
+            </a:r>
+            <a:endParaRPr lang="en-US" altLang="zh-CN" sz="1200" b="0" i="0" kern="1200" dirty="0" smtClean="0">
+              <a:solidFill>
+                <a:schemeClr val="tx1"/>
+              </a:solidFill>
+              <a:effectLst/>
+              <a:latin typeface="+mn-lt"/>
+              <a:ea typeface="+mn-ea"/>
+              <a:cs typeface="+mn-cs"/>
+            </a:endParaRPr>
+          </a:p>
+          <a:p>
+            <a:r>
+              <a:rPr kumimoji="1" lang="en-US" altLang="zh-CN" sz="1200" b="0" i="0" kern="1200" dirty="0" smtClean="0">
+                <a:solidFill>
+                  <a:schemeClr val="tx1"/>
+                </a:solidFill>
+                <a:effectLst/>
+                <a:latin typeface="+mn-lt"/>
+                <a:ea typeface="+mn-ea"/>
+                <a:cs typeface="+mn-cs"/>
+              </a:rPr>
+              <a:t>Gin</a:t>
+            </a:r>
+            <a:r>
+              <a:rPr kumimoji="1" lang="zh-CN" altLang="en-US" sz="1200" b="0" i="0" kern="1200" dirty="0" smtClean="0">
+                <a:solidFill>
+                  <a:schemeClr val="tx1"/>
+                </a:solidFill>
+                <a:effectLst/>
+                <a:latin typeface="+mn-lt"/>
+                <a:ea typeface="+mn-ea"/>
+                <a:cs typeface="+mn-cs"/>
+              </a:rPr>
+              <a:t>是对多值类型倒排，多个</a:t>
+            </a:r>
+            <a:r>
+              <a:rPr kumimoji="1" lang="en-US" altLang="zh-CN" sz="1200" b="0" i="0" kern="1200" dirty="0" smtClean="0">
+                <a:solidFill>
+                  <a:schemeClr val="tx1"/>
+                </a:solidFill>
+                <a:effectLst/>
+                <a:latin typeface="+mn-lt"/>
+                <a:ea typeface="+mn-ea"/>
+                <a:cs typeface="+mn-cs"/>
+              </a:rPr>
+              <a:t>key</a:t>
+            </a:r>
+            <a:r>
+              <a:rPr kumimoji="1" lang="zh-CN" altLang="en-US" sz="1200" b="0" i="0" kern="1200" dirty="0" smtClean="0">
+                <a:solidFill>
+                  <a:schemeClr val="tx1"/>
+                </a:solidFill>
+                <a:effectLst/>
+                <a:latin typeface="+mn-lt"/>
+                <a:ea typeface="+mn-ea"/>
+                <a:cs typeface="+mn-cs"/>
+              </a:rPr>
+              <a:t>可能出现在多个</a:t>
+            </a:r>
+            <a:r>
+              <a:rPr kumimoji="1" lang="en-US" altLang="zh-CN" sz="1200" b="0" i="0" kern="1200" dirty="0" smtClean="0">
+                <a:solidFill>
+                  <a:schemeClr val="tx1"/>
+                </a:solidFill>
+                <a:effectLst/>
+                <a:latin typeface="+mn-lt"/>
+                <a:ea typeface="+mn-ea"/>
+                <a:cs typeface="+mn-cs"/>
+              </a:rPr>
+              <a:t>value</a:t>
+            </a:r>
+            <a:r>
+              <a:rPr kumimoji="1" lang="zh-CN" altLang="en-US" sz="1200" b="0" i="0" kern="1200" dirty="0" smtClean="0">
+                <a:solidFill>
+                  <a:schemeClr val="tx1"/>
+                </a:solidFill>
+                <a:effectLst/>
+                <a:latin typeface="+mn-lt"/>
+                <a:ea typeface="+mn-ea"/>
+                <a:cs typeface="+mn-cs"/>
+              </a:rPr>
+              <a:t>中；</a:t>
+            </a:r>
+            <a:endParaRPr kumimoji="1" lang="en-US" altLang="zh-CN" sz="1200" b="0" i="0" kern="1200" dirty="0" smtClean="0">
+              <a:solidFill>
+                <a:schemeClr val="tx1"/>
+              </a:solidFill>
+              <a:effectLst/>
+              <a:latin typeface="+mn-lt"/>
+              <a:ea typeface="+mn-ea"/>
+              <a:cs typeface="+mn-cs"/>
+            </a:endParaRPr>
+          </a:p>
+          <a:p>
+            <a:r>
+              <a:rPr kumimoji="1" lang="zh-CN" altLang="en-US" dirty="0" smtClean="0"/>
+              <a:t>多值离散组合类型的多对多查找（</a:t>
             </a:r>
             <a:r>
               <a:rPr kumimoji="1" lang="en-US" altLang="zh-CN" dirty="0" err="1" smtClean="0"/>
-              <a:t>oid</a:t>
-            </a:r>
-            <a:r>
-              <a:rPr kumimoji="1" lang="zh-CN" altLang="en-US" dirty="0" smtClean="0"/>
-              <a:t>或者表中自己定义个唯一索引列，可作为逻辑唯一标识；通过</a:t>
+              <a:t>jsonb</a:t>
+            </a:r>
+            <a:r>
+              <a:rPr kumimoji="1" lang="zh-CN" altLang="en-US" dirty="0" smtClean="0"/>
+              <a:t>，</a:t>
             </a:r>
             <a:r>
               <a:rPr kumimoji="1" lang="en-US" altLang="zh-CN" dirty="0" err="1" smtClean="0"/>
-              <a:t>pageinspact</a:t>
-            </a:r>
-            <a:r>
-              <a:rPr kumimoji="1" lang="zh-CN" altLang="en-US" dirty="0" smtClean="0"/>
-              <a:t>插件，我们可以看到，索引中的</a:t>
-            </a:r>
-            <a:r>
-              <a:rPr kumimoji="1" lang="en-US" altLang="zh-CN" dirty="0" smtClean="0"/>
-              <a:t>value</a:t>
-            </a:r>
-            <a:r>
-              <a:rPr kumimoji="1" lang="zh-CN" altLang="en-US" dirty="0" smtClean="0"/>
-              <a:t>是</a:t>
-            </a:r>
-            <a:r>
-              <a:rPr kumimoji="1" lang="en-US" altLang="zh-CN" dirty="0" smtClean="0"/>
-              <a:t>TID</a:t>
-            </a:r>
-            <a:r>
-              <a:rPr kumimoji="1" lang="zh-CN" altLang="en-US" dirty="0" smtClean="0"/>
-              <a:t>；</a:t>
+              <a:t>hstore</a:t>
+            </a:r>
+            <a:r>
+              <a:rPr kumimoji="1" lang="zh-CN" altLang="en-US" dirty="0" smtClean="0"/>
+              <a:t>等）</a:t>
             </a:r>
             <a:endParaRPr kumimoji="1" lang="en-US" altLang="zh-CN" dirty="0" smtClean="0"/>
           </a:p>
           <a:p>
-            <a:r>
-              <a:rPr kumimoji="1" lang="zh-CN" altLang="en-US" dirty="0" smtClean="0"/>
-              <a:t>下图是</a:t>
-            </a:r>
-            <a:r>
-              <a:rPr kumimoji="1" lang="en-US" altLang="zh-CN" dirty="0" smtClean="0"/>
-              <a:t>PostgreSQL</a:t>
-            </a:r>
-            <a:r>
-              <a:rPr kumimoji="1" lang="zh-CN" altLang="en-US" dirty="0" smtClean="0"/>
-              <a:t>某一页中的内容，首先是一个</a:t>
-            </a:r>
-            <a:r>
-              <a:rPr kumimoji="1" lang="en-US" altLang="zh-CN" dirty="0" smtClean="0"/>
-              <a:t>header</a:t>
-            </a:r>
-            <a:r>
-              <a:rPr kumimoji="1" lang="zh-CN" altLang="en-US" dirty="0" smtClean="0"/>
-              <a:t>，后面从前向后是各个元组的元信息，从后向前是各个元组数据；中间就是</a:t>
-            </a:r>
-            <a:r>
-              <a:rPr kumimoji="1" lang="en-US" altLang="zh-CN" dirty="0" err="1" smtClean="0"/>
-              <a:t>freespace</a:t>
-            </a:r>
-            <a:r>
-              <a:rPr kumimoji="1" lang="zh-CN" altLang="en-US" dirty="0" smtClean="0"/>
-              <a:t>；当我们找到某一块后，通过块内偏移就可以找到具体的元组；</a:t>
+            <a:pPr marL="0" marR="0" indent="0" algn="l" defTabSz="914400" rtl="0" eaLnBrk="1" fontAlgn="auto" latinLnBrk="0" hangingPunct="1">
+              <a:lnSpc>
+                <a:spcPct val="100000"/>
+              </a:lnSpc>
+              <a:spcBef>
+                <a:spcPts val="0"/>
+              </a:spcBef>
+              <a:spcAft>
+                <a:spcPts val="0"/>
+              </a:spcAft>
+              <a:buClrTx/>
+              <a:buSzTx/>
+              <a:buFontTx/>
+              <a:buNone/>
+              <a:tabLst/>
+              <a:defRPr/>
+            </a:pPr>
+            <a:r>
+              <a:rPr kumimoji="1" lang="zh-CN" altLang="en-US" dirty="0" smtClean="0"/>
+              <a:t>会有交集的连续范围类型：多边形（</a:t>
+            </a:r>
+            <a:r>
+              <a:rPr kumimoji="1" lang="en-US" altLang="zh-CN" dirty="0" smtClean="0"/>
+              <a:t>polygon</a:t>
+            </a:r>
+            <a:r>
+              <a:rPr kumimoji="1" lang="zh-CN" altLang="en-US" dirty="0" smtClean="0"/>
+              <a:t>），</a:t>
+            </a:r>
+            <a:r>
+              <a:rPr kumimoji="1" lang="en-US" altLang="zh-CN" dirty="0" smtClean="0"/>
+              <a:t>text</a:t>
+            </a:r>
+            <a:r>
+              <a:rPr kumimoji="1" lang="zh-CN" altLang="en-US" dirty="0" smtClean="0"/>
+              <a:t>，</a:t>
+            </a:r>
+            <a:r>
+              <a:rPr kumimoji="1" lang="en-US" altLang="zh-CN" dirty="0" smtClean="0"/>
+              <a:t>range</a:t>
+            </a:r>
+          </a:p>
+          <a:p>
+            <a:pPr marL="0" marR="0" indent="0" algn="l" defTabSz="914400" rtl="0" eaLnBrk="1" fontAlgn="auto" latinLnBrk="0" hangingPunct="1">
+              <a:lnSpc>
+                <a:spcPct val="100000"/>
+              </a:lnSpc>
+              <a:spcBef>
+                <a:spcPts val="0"/>
+              </a:spcBef>
+              <a:spcAft>
+                <a:spcPts val="0"/>
+              </a:spcAft>
+              <a:buClrTx/>
+              <a:buSzTx/>
+              <a:buFontTx/>
+              <a:buNone/>
+              <a:tabLst/>
+              <a:defRPr/>
+            </a:pPr>
+            <a:r>
+              <a:rPr kumimoji="1" lang="en-US" altLang="zh-CN" dirty="0" smtClean="0"/>
+              <a:t>Hash</a:t>
+            </a:r>
+            <a:r>
+              <a:rPr kumimoji="1" lang="zh-CN" altLang="en-US" dirty="0" smtClean="0"/>
+              <a:t>：用的较少，</a:t>
+            </a:r>
+            <a:r>
+              <a:rPr kumimoji="1" lang="en-US" altLang="zh-CN" dirty="0" smtClean="0"/>
+              <a:t>10</a:t>
+            </a:r>
+            <a:r>
+              <a:rPr kumimoji="1" lang="zh-CN" altLang="en-US" dirty="0" smtClean="0"/>
+              <a:t>之后才能够持久化（</a:t>
+            </a:r>
+            <a:r>
+              <a:rPr kumimoji="1" lang="en-US" altLang="zh-CN" dirty="0" smtClean="0"/>
+              <a:t>crash</a:t>
+            </a:r>
+            <a:r>
+              <a:rPr kumimoji="1" lang="zh-CN" altLang="en-US" dirty="0" smtClean="0"/>
+              <a:t> </a:t>
+            </a:r>
+            <a:r>
+              <a:rPr kumimoji="1" lang="en-US" altLang="zh-CN" dirty="0" smtClean="0"/>
+              <a:t>safe</a:t>
+            </a:r>
+            <a:r>
+              <a:rPr kumimoji="1" lang="zh-CN" altLang="en-US" dirty="0" smtClean="0"/>
+              <a:t>、</a:t>
+            </a:r>
+            <a:r>
+              <a:rPr kumimoji="1" lang="en-US" altLang="zh-CN" dirty="0" smtClean="0"/>
+              <a:t>replication</a:t>
+            </a:r>
+            <a:r>
+              <a:rPr kumimoji="1" lang="zh-CN" altLang="en-US" dirty="0" smtClean="0"/>
+              <a:t>）</a:t>
             </a:r>
             <a:endParaRPr kumimoji="1" lang="en-US" altLang="zh-CN" dirty="0" smtClean="0"/>
           </a:p>
           <a:p>
-            <a:endParaRPr kumimoji="1" lang="zh-CN" altLang="en-US" dirty="0"/>
+            <a:pPr marL="0" marR="0" indent="0" algn="l" defTabSz="914400" rtl="0" eaLnBrk="1" fontAlgn="auto" latinLnBrk="0" hangingPunct="1">
+              <a:lnSpc>
+                <a:spcPct val="100000"/>
+              </a:lnSpc>
+              <a:spcBef>
+                <a:spcPts val="0"/>
+              </a:spcBef>
+              <a:spcAft>
+                <a:spcPts val="0"/>
+              </a:spcAft>
+              <a:buClrTx/>
+              <a:buSzTx/>
+              <a:buFontTx/>
+              <a:buNone/>
+              <a:tabLst/>
+              <a:defRPr/>
+            </a:pPr>
+            <a:r>
+              <a:rPr kumimoji="1" lang="zh-CN" altLang="en-US" dirty="0" smtClean="0"/>
+              <a:t>自然分区的数据（可能不平衡），比如手机号，网址</a:t>
+            </a:r>
+            <a:endParaRPr kumimoji="1" lang="en-US" altLang="zh-CN" dirty="0" smtClean="0"/>
+          </a:p>
+          <a:p>
+            <a:pPr marL="0" marR="0" indent="0" algn="l" defTabSz="914400" rtl="0" eaLnBrk="1" fontAlgn="auto" latinLnBrk="0" hangingPunct="1">
+              <a:lnSpc>
+                <a:spcPct val="100000"/>
+              </a:lnSpc>
+              <a:spcBef>
+                <a:spcPts val="0"/>
+              </a:spcBef>
+              <a:spcAft>
+                <a:spcPts val="0"/>
+              </a:spcAft>
+              <a:buClrTx/>
+              <a:buSzTx/>
+              <a:buFontTx/>
+              <a:buNone/>
+              <a:tabLst/>
+              <a:defRPr/>
+            </a:pPr>
+            <a:endParaRPr kumimoji="1" lang="en-US" altLang="zh-CN" dirty="0" smtClean="0"/>
+          </a:p>
+          <a:p>
+            <a:pPr marL="0" marR="0" indent="0" algn="l" defTabSz="914400" rtl="0" eaLnBrk="1" fontAlgn="auto" latinLnBrk="0" hangingPunct="1">
+              <a:lnSpc>
+                <a:spcPct val="100000"/>
+              </a:lnSpc>
+              <a:spcBef>
+                <a:spcPts val="0"/>
+              </a:spcBef>
+              <a:spcAft>
+                <a:spcPts val="0"/>
+              </a:spcAft>
+              <a:buClrTx/>
+              <a:buSzTx/>
+              <a:buFontTx/>
+              <a:buNone/>
+              <a:tabLst/>
+              <a:defRPr/>
+            </a:pPr>
+            <a:endParaRPr kumimoji="1" lang="en-US" altLang="zh-CN" dirty="0" smtClean="0"/>
           </a:p>
         </p:txBody>
       </p:sp>
@@ -4123,7 +4378,7 @@
           <a:p>
             <a:fld id="{6A47B6B7-4533-6B49-91A5-E5E12BC8D3FB}" type="slidenum">
               <a:rPr kumimoji="1" lang="zh-CN" altLang="en-US" smtClean="0"/>
-              <a:t>6</a:t>
+              <a:t>7</a:t>
             </a:fld>
             <a:endParaRPr kumimoji="1" lang="zh-CN" altLang="en-US"/>
           </a:p>
@@ -4132,7 +4387,7 @@
     </p:spTree>
     <p:extLst>
       <p:ext uri="{BB962C8B-B14F-4D97-AF65-F5344CB8AC3E}">
-        <p14:creationId xmlns:p14="http://schemas.microsoft.com/office/powerpoint/2010/main" val="143172557"/>
+        <p14:creationId xmlns:p14="http://schemas.microsoft.com/office/powerpoint/2010/main" val="2139992449"/>
       </p:ext>
     </p:extLst>
   </p:cSld>
@@ -4187,524 +4442,103 @@
           <a:lstStyle/>
           <a:p>
             <a:r>
-              <a:rPr lang="zh-CN" altLang="en-US" sz="1200" b="0" i="0" kern="1200" dirty="0" smtClean="0">
-                <a:solidFill>
-                  <a:schemeClr val="tx1"/>
-                </a:solidFill>
-                <a:effectLst/>
-                <a:latin typeface="+mn-lt"/>
-                <a:ea typeface="+mn-ea"/>
-                <a:cs typeface="+mn-cs"/>
-              </a:rPr>
-              <a:t>另外，在</a:t>
-            </a:r>
-            <a:r>
-              <a:rPr lang="en-US" altLang="zh-CN" sz="1200" b="0" i="0" kern="1200" dirty="0" smtClean="0">
-                <a:solidFill>
-                  <a:schemeClr val="tx1"/>
-                </a:solidFill>
-                <a:effectLst/>
-                <a:latin typeface="+mn-lt"/>
-                <a:ea typeface="+mn-ea"/>
-                <a:cs typeface="+mn-cs"/>
-              </a:rPr>
+              <a:rPr kumimoji="1" lang="zh-CN" altLang="en-US" dirty="0" smtClean="0"/>
+              <a:t>最后，在</a:t>
+            </a:r>
+            <a:r>
+              <a:rPr kumimoji="1" lang="en-US" altLang="zh-CN" dirty="0" smtClean="0"/>
               <a:t>PostgreSQL</a:t>
             </a:r>
             <a:r>
-              <a:rPr lang="zh-CN" altLang="en-US" sz="1200" b="0" i="0" kern="1200" dirty="0" smtClean="0">
-                <a:solidFill>
-                  <a:schemeClr val="tx1"/>
-                </a:solidFill>
-                <a:effectLst/>
-                <a:latin typeface="+mn-lt"/>
-                <a:ea typeface="+mn-ea"/>
-                <a:cs typeface="+mn-cs"/>
-              </a:rPr>
-              <a:t>中有多种访问方法，访问方法其实就是索引；通过系统表</a:t>
-            </a:r>
-            <a:r>
-              <a:rPr lang="en-US" altLang="zh-CN" sz="1200" b="0" i="0" kern="1200" dirty="0" err="1" smtClean="0">
-                <a:solidFill>
-                  <a:schemeClr val="tx1"/>
-                </a:solidFill>
-                <a:effectLst/>
-                <a:latin typeface="+mn-lt"/>
-                <a:ea typeface="+mn-ea"/>
-                <a:cs typeface="+mn-cs"/>
-              </a:rPr>
-              <a:t>pg_am</a:t>
-            </a:r>
-            <a:r>
-              <a:rPr lang="zh-CN" altLang="en-US" sz="1200" b="0" i="0" kern="1200" dirty="0" smtClean="0">
-                <a:solidFill>
-                  <a:schemeClr val="tx1"/>
-                </a:solidFill>
-                <a:effectLst/>
-                <a:latin typeface="+mn-lt"/>
-                <a:ea typeface="+mn-ea"/>
-                <a:cs typeface="+mn-cs"/>
-              </a:rPr>
-              <a:t>可以看到，</a:t>
-            </a:r>
-            <a:r>
-              <a:rPr lang="en-US" altLang="zh-CN" sz="1200" b="0" i="0" kern="1200" dirty="0" smtClean="0">
-                <a:solidFill>
-                  <a:schemeClr val="tx1"/>
-                </a:solidFill>
-                <a:effectLst/>
-                <a:latin typeface="+mn-lt"/>
-                <a:ea typeface="+mn-ea"/>
-                <a:cs typeface="+mn-cs"/>
-              </a:rPr>
-              <a:t>PostgreSQL</a:t>
-            </a:r>
-            <a:r>
-              <a:rPr lang="zh-CN" altLang="en-US" sz="1200" b="0" i="0" kern="1200" dirty="0" smtClean="0">
-                <a:solidFill>
-                  <a:schemeClr val="tx1"/>
-                </a:solidFill>
-                <a:effectLst/>
-                <a:latin typeface="+mn-lt"/>
-                <a:ea typeface="+mn-ea"/>
-                <a:cs typeface="+mn-cs"/>
-              </a:rPr>
-              <a:t>自带有</a:t>
-            </a:r>
-            <a:r>
-              <a:rPr lang="en-US" altLang="zh-CN" sz="1200" b="0" i="0" kern="1200" dirty="0" smtClean="0">
-                <a:solidFill>
-                  <a:schemeClr val="tx1"/>
-                </a:solidFill>
-                <a:effectLst/>
-                <a:latin typeface="+mn-lt"/>
-                <a:ea typeface="+mn-ea"/>
-                <a:cs typeface="+mn-cs"/>
-              </a:rPr>
-              <a:t>6</a:t>
-            </a:r>
-            <a:r>
-              <a:rPr lang="zh-CN" altLang="en-US" sz="1200" b="0" i="0" kern="1200" dirty="0" smtClean="0">
-                <a:solidFill>
-                  <a:schemeClr val="tx1"/>
-                </a:solidFill>
-                <a:effectLst/>
-                <a:latin typeface="+mn-lt"/>
-                <a:ea typeface="+mn-ea"/>
-                <a:cs typeface="+mn-cs"/>
-              </a:rPr>
-              <a:t>种访问方法；</a:t>
-            </a:r>
-            <a:endParaRPr lang="en-US" altLang="zh-CN" sz="1200" b="0" i="0" kern="1200" dirty="0" smtClean="0">
-              <a:solidFill>
-                <a:schemeClr val="tx1"/>
-              </a:solidFill>
-              <a:effectLst/>
-              <a:latin typeface="+mn-lt"/>
-              <a:ea typeface="+mn-ea"/>
-              <a:cs typeface="+mn-cs"/>
-            </a:endParaRPr>
-          </a:p>
-          <a:p>
-            <a:r>
-              <a:rPr lang="zh-CN" altLang="en-US" sz="1200" b="0" i="0" kern="1200" dirty="0" smtClean="0">
-                <a:solidFill>
-                  <a:schemeClr val="tx1"/>
-                </a:solidFill>
-                <a:effectLst/>
-                <a:latin typeface="+mn-lt"/>
-                <a:ea typeface="+mn-ea"/>
-                <a:cs typeface="+mn-cs"/>
-              </a:rPr>
-              <a:t>这是我对这</a:t>
-            </a:r>
-            <a:r>
-              <a:rPr lang="en-US" altLang="zh-CN" sz="1200" b="0" i="0" kern="1200" dirty="0" smtClean="0">
-                <a:solidFill>
-                  <a:schemeClr val="tx1"/>
-                </a:solidFill>
-                <a:effectLst/>
-                <a:latin typeface="+mn-lt"/>
-                <a:ea typeface="+mn-ea"/>
-                <a:cs typeface="+mn-cs"/>
-              </a:rPr>
-              <a:t>6</a:t>
-            </a:r>
-            <a:r>
-              <a:rPr lang="zh-CN" altLang="en-US" sz="1200" b="0" i="0" kern="1200" dirty="0" smtClean="0">
-                <a:solidFill>
-                  <a:schemeClr val="tx1"/>
-                </a:solidFill>
-                <a:effectLst/>
-                <a:latin typeface="+mn-lt"/>
-                <a:ea typeface="+mn-ea"/>
-                <a:cs typeface="+mn-cs"/>
-              </a:rPr>
-              <a:t>中自带访问方法的总结：</a:t>
-            </a:r>
-            <a:endParaRPr lang="en-US" altLang="zh-CN" sz="1200" b="0" i="0" kern="1200" dirty="0" smtClean="0">
-              <a:solidFill>
-                <a:schemeClr val="tx1"/>
-              </a:solidFill>
-              <a:effectLst/>
-              <a:latin typeface="+mn-lt"/>
-              <a:ea typeface="+mn-ea"/>
-              <a:cs typeface="+mn-cs"/>
-            </a:endParaRPr>
-          </a:p>
-          <a:p>
-            <a:r>
-              <a:rPr lang="en-US" altLang="zh-CN" sz="1200" b="0" i="0" kern="1200" dirty="0" err="1" smtClean="0">
-                <a:solidFill>
-                  <a:schemeClr val="tx1"/>
-                </a:solidFill>
-                <a:effectLst/>
-                <a:latin typeface="+mn-lt"/>
-                <a:ea typeface="+mn-ea"/>
-                <a:cs typeface="+mn-cs"/>
-              </a:rPr>
-              <a:t>Btree</a:t>
-            </a:r>
-            <a:r>
-              <a:rPr lang="zh-CN" altLang="en-US" sz="1200" b="0" i="0" kern="1200" dirty="0" smtClean="0">
-                <a:solidFill>
-                  <a:schemeClr val="tx1"/>
-                </a:solidFill>
-                <a:effectLst/>
-                <a:latin typeface="+mn-lt"/>
-                <a:ea typeface="+mn-ea"/>
-                <a:cs typeface="+mn-cs"/>
-              </a:rPr>
-              <a:t>是一个</a:t>
-            </a:r>
-            <a:r>
-              <a:rPr lang="en-US" altLang="zh-CN" sz="1200" b="0" i="0" kern="1200" dirty="0" smtClean="0">
-                <a:solidFill>
-                  <a:schemeClr val="tx1"/>
-                </a:solidFill>
-                <a:effectLst/>
-                <a:latin typeface="+mn-lt"/>
-                <a:ea typeface="+mn-ea"/>
-                <a:cs typeface="+mn-cs"/>
-              </a:rPr>
-              <a:t>key</a:t>
-            </a:r>
-            <a:r>
-              <a:rPr lang="zh-CN" altLang="en-US" sz="1200" b="0" i="0" kern="1200" dirty="0" smtClean="0">
-                <a:solidFill>
-                  <a:schemeClr val="tx1"/>
-                </a:solidFill>
-                <a:effectLst/>
-                <a:latin typeface="+mn-lt"/>
-                <a:ea typeface="+mn-ea"/>
-                <a:cs typeface="+mn-cs"/>
-              </a:rPr>
-              <a:t>对应多个</a:t>
-            </a:r>
-            <a:r>
-              <a:rPr lang="en-US" altLang="zh-CN" sz="1200" b="0" i="0" kern="1200" dirty="0" smtClean="0">
-                <a:solidFill>
-                  <a:schemeClr val="tx1"/>
-                </a:solidFill>
-                <a:effectLst/>
-                <a:latin typeface="+mn-lt"/>
-                <a:ea typeface="+mn-ea"/>
-                <a:cs typeface="+mn-cs"/>
-              </a:rPr>
-              <a:t>value</a:t>
-            </a:r>
-            <a:r>
-              <a:rPr lang="zh-CN" altLang="en-US" sz="1200" b="0" i="0" kern="1200" dirty="0" smtClean="0">
-                <a:solidFill>
-                  <a:schemeClr val="tx1"/>
-                </a:solidFill>
-                <a:effectLst/>
-                <a:latin typeface="+mn-lt"/>
-                <a:ea typeface="+mn-ea"/>
-                <a:cs typeface="+mn-cs"/>
-              </a:rPr>
+              <a:rPr kumimoji="1" lang="zh-CN" altLang="en-US" dirty="0" smtClean="0"/>
+              <a:t>中可以将多个索引进行组合访问；这需要打开</a:t>
+            </a:r>
+            <a:r>
+              <a:rPr kumimoji="1" lang="zh-CN" altLang="en-US" baseline="0" dirty="0" smtClean="0"/>
+              <a:t> （）参数；</a:t>
+            </a:r>
+            <a:endParaRPr kumimoji="1" lang="en-US" altLang="zh-CN" baseline="0" dirty="0" smtClean="0"/>
+          </a:p>
+          <a:p>
+            <a:r>
+              <a:rPr kumimoji="1" lang="zh-CN" altLang="en-US" baseline="0" dirty="0" smtClean="0"/>
+              <a:t>当打开这个参数时，如果一个查询。。。。。。。</a:t>
+            </a:r>
+            <a:r>
+              <a:rPr kumimoji="1" lang="en-US" altLang="zh-CN" baseline="0" dirty="0" smtClean="0"/>
+              <a:t>&amp;&amp;</a:t>
+            </a:r>
+            <a:r>
+              <a:rPr kumimoji="1" lang="zh-CN" altLang="en-US" baseline="0" dirty="0" smtClean="0"/>
+              <a:t> 。。。。。，就会采用</a:t>
+            </a:r>
+            <a:r>
+              <a:rPr kumimoji="1" lang="en-US" altLang="zh-CN" baseline="0" dirty="0" smtClean="0"/>
+              <a:t>bitmap</a:t>
+            </a:r>
+            <a:r>
+              <a:rPr kumimoji="1" lang="zh-CN" altLang="en-US" baseline="0" dirty="0" smtClean="0"/>
+              <a:t> </a:t>
+            </a:r>
+            <a:r>
+              <a:rPr kumimoji="1" lang="en-US" altLang="zh-CN" baseline="0" dirty="0" smtClean="0"/>
+              <a:t>index</a:t>
+            </a:r>
+            <a:r>
+              <a:rPr kumimoji="1" lang="zh-CN" altLang="en-US" baseline="0" dirty="0" smtClean="0"/>
+              <a:t> </a:t>
+            </a:r>
+            <a:r>
+              <a:rPr kumimoji="1" lang="en-US" altLang="zh-CN" baseline="0" dirty="0" smtClean="0"/>
+              <a:t>scan</a:t>
+            </a:r>
+            <a:r>
+              <a:rPr kumimoji="1" lang="zh-CN" altLang="en-US" baseline="0" dirty="0" smtClean="0"/>
               <a:t>；</a:t>
             </a:r>
-            <a:endParaRPr lang="en-US" altLang="zh-CN" sz="1200" b="0" i="0" kern="1200" dirty="0" smtClean="0">
-              <a:solidFill>
-                <a:schemeClr val="tx1"/>
-              </a:solidFill>
-              <a:effectLst/>
-              <a:latin typeface="+mn-lt"/>
-              <a:ea typeface="+mn-ea"/>
-              <a:cs typeface="+mn-cs"/>
-            </a:endParaRPr>
-          </a:p>
-          <a:p>
-            <a:r>
-              <a:rPr kumimoji="1" lang="en-US" altLang="zh-CN" sz="1200" b="0" i="0" kern="1200" dirty="0" smtClean="0">
-                <a:solidFill>
-                  <a:schemeClr val="tx1"/>
-                </a:solidFill>
-                <a:effectLst/>
-                <a:latin typeface="+mn-lt"/>
-                <a:ea typeface="+mn-ea"/>
-                <a:cs typeface="+mn-cs"/>
-              </a:rPr>
-              <a:t>Gin</a:t>
-            </a:r>
-            <a:r>
-              <a:rPr kumimoji="1" lang="zh-CN" altLang="en-US" sz="1200" b="0" i="0" kern="1200" dirty="0" smtClean="0">
-                <a:solidFill>
-                  <a:schemeClr val="tx1"/>
-                </a:solidFill>
-                <a:effectLst/>
-                <a:latin typeface="+mn-lt"/>
-                <a:ea typeface="+mn-ea"/>
-                <a:cs typeface="+mn-cs"/>
-              </a:rPr>
-              <a:t>是对多值类型倒排，多个</a:t>
-            </a:r>
-            <a:r>
-              <a:rPr kumimoji="1" lang="en-US" altLang="zh-CN" sz="1200" b="0" i="0" kern="1200" dirty="0" smtClean="0">
-                <a:solidFill>
-                  <a:schemeClr val="tx1"/>
-                </a:solidFill>
-                <a:effectLst/>
-                <a:latin typeface="+mn-lt"/>
-                <a:ea typeface="+mn-ea"/>
-                <a:cs typeface="+mn-cs"/>
-              </a:rPr>
-              <a:t>key</a:t>
-            </a:r>
-            <a:r>
-              <a:rPr kumimoji="1" lang="zh-CN" altLang="en-US" sz="1200" b="0" i="0" kern="1200" dirty="0" smtClean="0">
-                <a:solidFill>
-                  <a:schemeClr val="tx1"/>
-                </a:solidFill>
-                <a:effectLst/>
-                <a:latin typeface="+mn-lt"/>
-                <a:ea typeface="+mn-ea"/>
-                <a:cs typeface="+mn-cs"/>
-              </a:rPr>
-              <a:t>可能出现在多个</a:t>
-            </a:r>
-            <a:r>
-              <a:rPr kumimoji="1" lang="en-US" altLang="zh-CN" sz="1200" b="0" i="0" kern="1200" dirty="0" smtClean="0">
-                <a:solidFill>
-                  <a:schemeClr val="tx1"/>
-                </a:solidFill>
-                <a:effectLst/>
-                <a:latin typeface="+mn-lt"/>
-                <a:ea typeface="+mn-ea"/>
-                <a:cs typeface="+mn-cs"/>
-              </a:rPr>
-              <a:t>value</a:t>
-            </a:r>
-            <a:r>
-              <a:rPr kumimoji="1" lang="zh-CN" altLang="en-US" sz="1200" b="0" i="0" kern="1200" dirty="0" smtClean="0">
-                <a:solidFill>
-                  <a:schemeClr val="tx1"/>
-                </a:solidFill>
-                <a:effectLst/>
-                <a:latin typeface="+mn-lt"/>
-                <a:ea typeface="+mn-ea"/>
-                <a:cs typeface="+mn-cs"/>
-              </a:rPr>
-              <a:t>中；</a:t>
-            </a:r>
-            <a:endParaRPr kumimoji="1" lang="en-US" altLang="zh-CN" sz="1200" b="0" i="0" kern="1200" dirty="0" smtClean="0">
-              <a:solidFill>
-                <a:schemeClr val="tx1"/>
-              </a:solidFill>
-              <a:effectLst/>
-              <a:latin typeface="+mn-lt"/>
-              <a:ea typeface="+mn-ea"/>
-              <a:cs typeface="+mn-cs"/>
-            </a:endParaRPr>
-          </a:p>
-          <a:p>
-            <a:r>
-              <a:rPr kumimoji="1" lang="zh-CN" altLang="en-US" dirty="0" smtClean="0"/>
-              <a:t>多值离散组合类型的多对多查找（</a:t>
-            </a:r>
-            <a:r>
-              <a:rPr kumimoji="1" lang="en-US" altLang="zh-CN" dirty="0" err="1" smtClean="0"/>
-              <a:t>jsonb</a:t>
-            </a:r>
-            <a:r>
-              <a:rPr kumimoji="1" lang="zh-CN" altLang="en-US" dirty="0" smtClean="0"/>
-              <a:t>，</a:t>
-            </a:r>
-            <a:r>
-              <a:rPr kumimoji="1" lang="en-US" altLang="zh-CN" dirty="0" err="1" smtClean="0"/>
-              <a:t>hstore</a:t>
-            </a:r>
-            <a:r>
-              <a:rPr kumimoji="1" lang="zh-CN" altLang="en-US" dirty="0" smtClean="0"/>
-              <a:t>等）</a:t>
-            </a:r>
-            <a:endParaRPr kumimoji="1" lang="en-US" altLang="zh-CN" dirty="0" smtClean="0"/>
-          </a:p>
-          <a:p>
-            <a:pPr marL="0" marR="0" indent="0" algn="l" defTabSz="914400" rtl="0" eaLnBrk="1" fontAlgn="auto" latinLnBrk="0" hangingPunct="1">
-              <a:lnSpc>
-                <a:spcPct val="100000"/>
-              </a:lnSpc>
-              <a:spcBef>
-                <a:spcPts val="0"/>
-              </a:spcBef>
-              <a:spcAft>
-                <a:spcPts val="0"/>
-              </a:spcAft>
-              <a:buClrTx/>
-              <a:buSzTx/>
-              <a:buFontTx/>
-              <a:buNone/>
-              <a:tabLst/>
-              <a:defRPr/>
-            </a:pPr>
-            <a:r>
-              <a:rPr kumimoji="1" lang="zh-CN" altLang="en-US" dirty="0" smtClean="0"/>
-              <a:t>会有交集的连续范围类型：多边形（</a:t>
-            </a:r>
-            <a:r>
-              <a:rPr kumimoji="1" lang="en-US" altLang="zh-CN" dirty="0" smtClean="0"/>
-              <a:t>polygon</a:t>
-            </a:r>
-            <a:r>
-              <a:rPr kumimoji="1" lang="zh-CN" altLang="en-US" dirty="0" smtClean="0"/>
-              <a:t>），</a:t>
-            </a:r>
-            <a:r>
-              <a:rPr kumimoji="1" lang="en-US" altLang="zh-CN" dirty="0" smtClean="0"/>
-              <a:t>text</a:t>
-            </a:r>
-            <a:r>
-              <a:rPr kumimoji="1" lang="zh-CN" altLang="en-US" dirty="0" smtClean="0"/>
-              <a:t>，</a:t>
-            </a:r>
-            <a:r>
-              <a:rPr kumimoji="1" lang="en-US" altLang="zh-CN" dirty="0" smtClean="0"/>
-              <a:t>range</a:t>
-            </a:r>
-          </a:p>
-          <a:p>
-            <a:pPr marL="0" marR="0" indent="0" algn="l" defTabSz="914400" rtl="0" eaLnBrk="1" fontAlgn="auto" latinLnBrk="0" hangingPunct="1">
-              <a:lnSpc>
-                <a:spcPct val="100000"/>
-              </a:lnSpc>
-              <a:spcBef>
-                <a:spcPts val="0"/>
-              </a:spcBef>
-              <a:spcAft>
-                <a:spcPts val="0"/>
-              </a:spcAft>
-              <a:buClrTx/>
-              <a:buSzTx/>
-              <a:buFontTx/>
-              <a:buNone/>
-              <a:tabLst/>
-              <a:defRPr/>
-            </a:pPr>
-            <a:r>
-              <a:rPr kumimoji="1" lang="en-US" altLang="zh-CN" dirty="0" smtClean="0"/>
-              <a:t>Hash</a:t>
-            </a:r>
-            <a:r>
-              <a:rPr kumimoji="1" lang="zh-CN" altLang="en-US" dirty="0" smtClean="0"/>
-              <a:t>：用的较少，</a:t>
-            </a:r>
-            <a:r>
-              <a:rPr kumimoji="1" lang="en-US" altLang="zh-CN" dirty="0" smtClean="0"/>
-              <a:t>10</a:t>
-            </a:r>
-            <a:r>
-              <a:rPr kumimoji="1" lang="zh-CN" altLang="en-US" dirty="0" smtClean="0"/>
-              <a:t>之后才能够持久化（</a:t>
-            </a:r>
-            <a:r>
-              <a:rPr kumimoji="1" lang="en-US" altLang="zh-CN" dirty="0" smtClean="0"/>
-              <a:t>crash</a:t>
-            </a:r>
-            <a:r>
-              <a:rPr kumimoji="1" lang="zh-CN" altLang="en-US" dirty="0" smtClean="0"/>
+            <a:endParaRPr kumimoji="1" lang="en-US" altLang="zh-CN" baseline="0" dirty="0" smtClean="0"/>
+          </a:p>
+          <a:p>
+            <a:r>
+              <a:rPr kumimoji="1" lang="zh-CN" altLang="en-US" baseline="0" dirty="0" smtClean="0"/>
+              <a:t>比如，</a:t>
+            </a:r>
+            <a:r>
+              <a:rPr kumimoji="1" lang="en-US" altLang="zh-CN" baseline="0" dirty="0" smtClean="0"/>
+              <a:t>a</a:t>
+            </a:r>
+            <a:r>
+              <a:rPr kumimoji="1" lang="zh-CN" altLang="en-US" baseline="0" dirty="0" smtClean="0"/>
               <a:t> </a:t>
             </a:r>
             <a:r>
-              <a:rPr kumimoji="1" lang="en-US" altLang="zh-CN" dirty="0" smtClean="0"/>
-              <a:t>safe</a:t>
-            </a:r>
-            <a:r>
-              <a:rPr kumimoji="1" lang="zh-CN" altLang="en-US" dirty="0" smtClean="0"/>
-              <a:t>、</a:t>
-            </a:r>
-            <a:r>
-              <a:rPr kumimoji="1" lang="en-US" altLang="zh-CN" dirty="0" smtClean="0"/>
-              <a:t>replication</a:t>
-            </a:r>
-            <a:r>
-              <a:rPr kumimoji="1" lang="zh-CN" altLang="en-US" dirty="0" smtClean="0"/>
-              <a:t>）</a:t>
-            </a:r>
-            <a:endParaRPr kumimoji="1" lang="en-US" altLang="zh-CN" dirty="0" smtClean="0"/>
-          </a:p>
-          <a:p>
-            <a:pPr marL="0" marR="0" indent="0" algn="l" defTabSz="914400" rtl="0" eaLnBrk="1" fontAlgn="auto" latinLnBrk="0" hangingPunct="1">
-              <a:lnSpc>
-                <a:spcPct val="100000"/>
-              </a:lnSpc>
-              <a:spcBef>
-                <a:spcPts val="0"/>
-              </a:spcBef>
-              <a:spcAft>
-                <a:spcPts val="0"/>
-              </a:spcAft>
-              <a:buClrTx/>
-              <a:buSzTx/>
-              <a:buFontTx/>
-              <a:buNone/>
-              <a:tabLst/>
-              <a:defRPr/>
-            </a:pPr>
-            <a:r>
-              <a:rPr kumimoji="1" lang="zh-CN" altLang="en-US" dirty="0" smtClean="0"/>
-              <a:t>自然分区的数据（可能不平衡），比如手机号，网址</a:t>
-            </a:r>
-            <a:endParaRPr kumimoji="1" lang="en-US" altLang="zh-CN" dirty="0" smtClean="0"/>
-          </a:p>
-          <a:p>
-            <a:pPr marL="0" marR="0" indent="0" algn="l" defTabSz="914400" rtl="0" eaLnBrk="1" fontAlgn="auto" latinLnBrk="0" hangingPunct="1">
-              <a:lnSpc>
-                <a:spcPct val="100000"/>
-              </a:lnSpc>
-              <a:spcBef>
-                <a:spcPts val="0"/>
-              </a:spcBef>
-              <a:spcAft>
-                <a:spcPts val="0"/>
-              </a:spcAft>
-              <a:buClrTx/>
-              <a:buSzTx/>
-              <a:buFontTx/>
-              <a:buNone/>
-              <a:tabLst/>
-              <a:defRPr/>
-            </a:pPr>
-            <a:endParaRPr kumimoji="1" lang="en-US" altLang="zh-CN" dirty="0" smtClean="0"/>
-          </a:p>
-          <a:p>
-            <a:pPr marL="0" marR="0" indent="0" algn="l" defTabSz="914400" rtl="0" eaLnBrk="1" fontAlgn="auto" latinLnBrk="0" hangingPunct="1">
-              <a:lnSpc>
-                <a:spcPct val="100000"/>
-              </a:lnSpc>
-              <a:spcBef>
-                <a:spcPts val="0"/>
-              </a:spcBef>
-              <a:spcAft>
-                <a:spcPts val="0"/>
-              </a:spcAft>
-              <a:buClrTx/>
-              <a:buSzTx/>
-              <a:buFontTx/>
-              <a:buNone/>
-              <a:tabLst/>
-              <a:defRPr/>
-            </a:pPr>
+              <a:rPr kumimoji="1" lang="en-US" altLang="zh-CN" baseline="0" dirty="0" smtClean="0"/>
+              <a:t>b</a:t>
+            </a:r>
+            <a:r>
+              <a:rPr kumimoji="1" lang="zh-CN" altLang="en-US" baseline="0" dirty="0" smtClean="0"/>
+              <a:t> ；索引的谓词是 且；那么合并</a:t>
+            </a:r>
+            <a:r>
+              <a:rPr kumimoji="1" lang="en-US" altLang="zh-CN" baseline="0" dirty="0" smtClean="0"/>
+              <a:t>a</a:t>
+            </a:r>
+            <a:r>
+              <a:rPr kumimoji="1" lang="zh-CN" altLang="en-US" baseline="0" dirty="0" smtClean="0"/>
+              <a:t> 和 </a:t>
+            </a:r>
+            <a:r>
+              <a:rPr kumimoji="1" lang="en-US" altLang="zh-CN" baseline="0" dirty="0" smtClean="0"/>
+              <a:t>b</a:t>
+            </a:r>
+            <a:r>
+              <a:rPr kumimoji="1" lang="zh-CN" altLang="en-US" baseline="0" dirty="0" smtClean="0"/>
+              <a:t>的块，最后大大减少磁盘</a:t>
+            </a:r>
+            <a:r>
+              <a:rPr kumimoji="1" lang="en-US" altLang="zh-CN" baseline="0" dirty="0" smtClean="0"/>
+              <a:t>IO</a:t>
+            </a:r>
             <a:endParaRPr kumimoji="1" lang="en-US" altLang="zh-CN" dirty="0" smtClean="0"/>
           </a:p>
         </p:txBody>
@@ -4726,7 +4560,7 @@
           <a:p>
             <a:fld id="{6A47B6B7-4533-6B49-91A5-E5E12BC8D3FB}" type="slidenum">
               <a:rPr kumimoji="1" lang="zh-CN" altLang="en-US" smtClean="0"/>
-              <a:t>7</a:t>
+              <a:t>8</a:t>
             </a:fld>
             <a:endParaRPr kumimoji="1" lang="zh-CN" altLang="en-US"/>
           </a:p>
@@ -4735,7 +4569,7 @@
     </p:spTree>
     <p:extLst>
       <p:ext uri="{BB962C8B-B14F-4D97-AF65-F5344CB8AC3E}">
-        <p14:creationId xmlns:p14="http://schemas.microsoft.com/office/powerpoint/2010/main" val="2139992449"/>
+        <p14:creationId xmlns:p14="http://schemas.microsoft.com/office/powerpoint/2010/main" val="998801675"/>
       </p:ext>
     </p:extLst>
   </p:cSld>
@@ -4789,105 +4623,316 @@
           <a:bodyPr/>
           <a:lstStyle/>
           <a:p>
-            <a:r>
-              <a:rPr kumimoji="1" lang="zh-CN" altLang="en-US" dirty="0" smtClean="0"/>
-              <a:t>最后，在</a:t>
-            </a:r>
+            <a:pPr marL="0" marR="0" indent="0" algn="l" defTabSz="914400" rtl="0" eaLnBrk="1" fontAlgn="auto" latinLnBrk="0" hangingPunct="1">
+              <a:lnSpc>
+                <a:spcPct val="100000"/>
+              </a:lnSpc>
+              <a:spcBef>
+                <a:spcPts val="0"/>
+              </a:spcBef>
+              <a:spcAft>
+                <a:spcPts val="0"/>
+              </a:spcAft>
+              <a:buClrTx/>
+              <a:buSzTx/>
+              <a:buFontTx/>
+              <a:buNone/>
+              <a:tabLst/>
+              <a:defRPr/>
+            </a:pPr>
             <a:r>
               <a:rPr kumimoji="1" lang="en-US" altLang="zh-CN" dirty="0" smtClean="0"/>
               <a:t>PostgreSQL</a:t>
             </a:r>
             <a:r>
               <a:rPr kumimoji="1" lang="zh-CN" altLang="en-US" dirty="0" smtClean="0"/>
-              <a:t>中可以将多个索引进行组合访问；这需要打开</a:t>
-            </a:r>
-            <a:r>
-              <a:rPr kumimoji="1" lang="zh-CN" altLang="en-US" baseline="0" dirty="0" smtClean="0"/>
-              <a:t> （）参数；</a:t>
-            </a:r>
-            <a:endParaRPr kumimoji="1" lang="en-US" altLang="zh-CN" baseline="0" dirty="0" smtClean="0"/>
-          </a:p>
-          <a:p>
-            <a:r>
-              <a:rPr kumimoji="1" lang="zh-CN" altLang="en-US" baseline="0" dirty="0" smtClean="0"/>
-              <a:t>当打开这个参数时，如果一个查询。。。。。。。</a:t>
-            </a:r>
-            <a:r>
-              <a:rPr kumimoji="1" lang="en-US" altLang="zh-CN" baseline="0" dirty="0" smtClean="0"/>
-              <a:t>&amp;&amp;</a:t>
-            </a:r>
-            <a:r>
-              <a:rPr kumimoji="1" lang="zh-CN" altLang="en-US" baseline="0" dirty="0" smtClean="0"/>
-              <a:t> 。。。。。，就会采用</a:t>
-            </a:r>
-            <a:r>
-              <a:rPr kumimoji="1" lang="en-US" altLang="zh-CN" baseline="0" dirty="0" smtClean="0"/>
-              <a:t>bitmap</a:t>
-            </a:r>
-            <a:r>
-              <a:rPr kumimoji="1" lang="zh-CN" altLang="en-US" baseline="0" dirty="0" smtClean="0"/>
+              <a:t>中不仅有丰富的访问方法，并且访问方式很灵活：</a:t>
+            </a:r>
+            <a:endParaRPr kumimoji="1" lang="en-US" altLang="zh-CN" dirty="0" smtClean="0"/>
+          </a:p>
+          <a:p>
+            <a:pPr marL="0" marR="0" indent="0" algn="l" defTabSz="914400" rtl="0" eaLnBrk="1" fontAlgn="auto" latinLnBrk="0" hangingPunct="1">
+              <a:lnSpc>
+                <a:spcPct val="100000"/>
+              </a:lnSpc>
+              <a:spcBef>
+                <a:spcPts val="0"/>
+              </a:spcBef>
+              <a:spcAft>
+                <a:spcPts val="0"/>
+              </a:spcAft>
+              <a:buClrTx/>
+              <a:buSzTx/>
+              <a:buFontTx/>
+              <a:buNone/>
+              <a:tabLst/>
+              <a:defRPr/>
+            </a:pPr>
+            <a:r>
+              <a:rPr kumimoji="1" lang="zh-CN" altLang="en-US" dirty="0" smtClean="0"/>
+              <a:t>当字段上的访问，常常不是直接访问字段的时候，采用表达式索引；</a:t>
+            </a:r>
+            <a:endParaRPr kumimoji="1" lang="en-US" altLang="zh-CN" dirty="0" smtClean="0"/>
+          </a:p>
+          <a:p>
+            <a:pPr marL="0" marR="0" indent="0" algn="l" defTabSz="914400" rtl="0" eaLnBrk="1" fontAlgn="auto" latinLnBrk="0" hangingPunct="1">
+              <a:lnSpc>
+                <a:spcPct val="100000"/>
+              </a:lnSpc>
+              <a:spcBef>
+                <a:spcPts val="0"/>
+              </a:spcBef>
+              <a:spcAft>
+                <a:spcPts val="0"/>
+              </a:spcAft>
+              <a:buClrTx/>
+              <a:buSzTx/>
+              <a:buFontTx/>
+              <a:buNone/>
+              <a:tabLst/>
+              <a:defRPr/>
+            </a:pPr>
+            <a:r>
+              <a:rPr kumimoji="1" lang="zh-CN" altLang="en-US" dirty="0" smtClean="0"/>
+              <a:t>表达式一定要 </a:t>
+            </a:r>
+            <a:r>
+              <a:rPr lang="en-US" altLang="zh-CN" sz="1200" kern="1200" dirty="0" smtClean="0">
+                <a:solidFill>
+                  <a:schemeClr val="tx1"/>
+                </a:solidFill>
+                <a:effectLst/>
+                <a:latin typeface="+mn-lt"/>
+                <a:ea typeface="+mn-ea"/>
+                <a:cs typeface="+mn-cs"/>
+              </a:rPr>
+              <a:t>IMMUTABLE </a:t>
+            </a:r>
+            <a:endParaRPr kumimoji="1" lang="en-US" altLang="zh-CN" sz="1200" kern="1200" dirty="0" smtClean="0">
+              <a:solidFill>
+                <a:schemeClr val="tx1"/>
+              </a:solidFill>
+              <a:effectLst/>
+              <a:latin typeface="+mn-lt"/>
+              <a:ea typeface="+mn-ea"/>
+              <a:cs typeface="+mn-cs"/>
+            </a:endParaRPr>
+          </a:p>
+          <a:p>
+            <a:pPr marL="0" marR="0" indent="0" algn="l" defTabSz="914400" rtl="0" eaLnBrk="1" fontAlgn="auto" latinLnBrk="0" hangingPunct="1">
+              <a:lnSpc>
+                <a:spcPct val="100000"/>
+              </a:lnSpc>
+              <a:spcBef>
+                <a:spcPts val="0"/>
+              </a:spcBef>
+              <a:spcAft>
+                <a:spcPts val="0"/>
+              </a:spcAft>
+              <a:buClrTx/>
+              <a:buSzTx/>
+              <a:buFontTx/>
+              <a:buNone/>
+              <a:tabLst/>
+              <a:defRPr/>
+            </a:pPr>
+            <a:endParaRPr kumimoji="1" lang="en-US" altLang="zh-CN" sz="1200" kern="1200" dirty="0" smtClean="0">
+              <a:solidFill>
+                <a:schemeClr val="tx1"/>
+              </a:solidFill>
+              <a:effectLst/>
+              <a:latin typeface="+mn-lt"/>
+              <a:ea typeface="+mn-ea"/>
+              <a:cs typeface="+mn-cs"/>
+            </a:endParaRPr>
+          </a:p>
+          <a:p>
+            <a:pPr marL="0" marR="0" indent="0" algn="l" defTabSz="914400" rtl="0" eaLnBrk="1" fontAlgn="auto" latinLnBrk="0" hangingPunct="1">
+              <a:lnSpc>
+                <a:spcPct val="100000"/>
+              </a:lnSpc>
+              <a:spcBef>
+                <a:spcPts val="0"/>
+              </a:spcBef>
+              <a:spcAft>
+                <a:spcPts val="0"/>
+              </a:spcAft>
+              <a:buClrTx/>
+              <a:buSzTx/>
+              <a:buFontTx/>
+              <a:buNone/>
+              <a:tabLst/>
+              <a:defRPr/>
+            </a:pPr>
+            <a:r>
+              <a:rPr kumimoji="1" lang="zh-CN" altLang="en-US" sz="1200" kern="1200" dirty="0" smtClean="0">
+                <a:solidFill>
+                  <a:schemeClr val="tx1"/>
+                </a:solidFill>
+                <a:effectLst/>
+                <a:latin typeface="+mn-lt"/>
+                <a:ea typeface="+mn-ea"/>
+                <a:cs typeface="+mn-cs"/>
+              </a:rPr>
+              <a:t>当我们只关心某一字段等于特定值的元组时，采用条件索引；</a:t>
+            </a:r>
+            <a:endParaRPr kumimoji="1" lang="en-US" altLang="zh-CN" sz="1200" kern="1200" dirty="0" smtClean="0">
+              <a:solidFill>
+                <a:schemeClr val="tx1"/>
+              </a:solidFill>
+              <a:effectLst/>
+              <a:latin typeface="+mn-lt"/>
+              <a:ea typeface="+mn-ea"/>
+              <a:cs typeface="+mn-cs"/>
+            </a:endParaRPr>
+          </a:p>
+          <a:p>
+            <a:r>
+              <a:rPr lang="en-US" altLang="zh-CN" sz="1200" kern="1200" dirty="0" smtClean="0">
+                <a:solidFill>
+                  <a:schemeClr val="tx1"/>
+                </a:solidFill>
+                <a:effectLst/>
+                <a:latin typeface="+mn-lt"/>
+                <a:ea typeface="+mn-ea"/>
+                <a:cs typeface="+mn-cs"/>
+              </a:rPr>
+              <a:t>+</a:t>
+            </a:r>
+            <a:r>
+              <a:rPr lang="zh-CN" altLang="en-US" sz="1200" kern="1200" dirty="0" smtClean="0">
+                <a:solidFill>
+                  <a:schemeClr val="tx1"/>
+                </a:solidFill>
+                <a:effectLst/>
+                <a:latin typeface="+mn-lt"/>
+                <a:ea typeface="+mn-ea"/>
+                <a:cs typeface="+mn-cs"/>
+              </a:rPr>
               <a:t> </a:t>
             </a:r>
             <a:r>
-              <a:rPr kumimoji="1" lang="en-US" altLang="zh-CN" baseline="0" dirty="0" smtClean="0"/>
-              <a:t>index</a:t>
-            </a:r>
-            <a:r>
-              <a:rPr kumimoji="1" lang="zh-CN" altLang="en-US" baseline="0" dirty="0" smtClean="0"/>
+              <a:rPr lang="en-US" altLang="zh-CN" sz="1200" kern="1200" dirty="0" smtClean="0">
+                <a:solidFill>
+                  <a:schemeClr val="tx1"/>
+                </a:solidFill>
+                <a:effectLst/>
+                <a:latin typeface="+mn-lt"/>
+                <a:ea typeface="+mn-ea"/>
+                <a:cs typeface="+mn-cs"/>
+              </a:rPr>
+              <a:t>Smaller index on disk and in memory </a:t>
+            </a:r>
+          </a:p>
+          <a:p>
+            <a:r>
+              <a:rPr lang="en-US" altLang="zh-CN" sz="1200" kern="1200" dirty="0" smtClean="0">
+                <a:solidFill>
+                  <a:schemeClr val="tx1"/>
+                </a:solidFill>
+                <a:effectLst/>
+                <a:latin typeface="+mn-lt"/>
+                <a:ea typeface="+mn-ea"/>
+                <a:cs typeface="+mn-cs"/>
+              </a:rPr>
+              <a:t>+</a:t>
+            </a:r>
+            <a:r>
+              <a:rPr lang="zh-CN" altLang="en-US" sz="1200" kern="1200" dirty="0" smtClean="0">
+                <a:solidFill>
+                  <a:schemeClr val="tx1"/>
+                </a:solidFill>
+                <a:effectLst/>
+                <a:latin typeface="+mn-lt"/>
+                <a:ea typeface="+mn-ea"/>
+                <a:cs typeface="+mn-cs"/>
+              </a:rPr>
               <a:t> </a:t>
             </a:r>
             <a:r>
-              <a:rPr kumimoji="1" lang="en-US" altLang="zh-CN" baseline="0" dirty="0" smtClean="0"/>
-              <a:t>scan</a:t>
-            </a:r>
-            <a:r>
-              <a:rPr kumimoji="1" lang="zh-CN" altLang="en-US" baseline="0" dirty="0" smtClean="0"/>
-              <a:t>；</a:t>
-            </a:r>
-            <a:endParaRPr kumimoji="1" lang="en-US" altLang="zh-CN" baseline="0" dirty="0" smtClean="0"/>
-          </a:p>
-          <a:p>
-            <a:r>
-              <a:rPr kumimoji="1" lang="zh-CN" altLang="en-US" baseline="0" dirty="0" smtClean="0"/>
-              <a:t>比如，</a:t>
-            </a:r>
-            <a:r>
-              <a:rPr kumimoji="1" lang="en-US" altLang="zh-CN" baseline="0" dirty="0" smtClean="0"/>
-              <a:t>a</a:t>
-            </a:r>
-            <a:r>
-              <a:rPr kumimoji="1" lang="zh-CN" altLang="en-US" baseline="0" dirty="0" smtClean="0"/>
+              <a:rPr lang="en-US" altLang="zh-CN" sz="1200" kern="1200" dirty="0" smtClean="0">
+                <a:solidFill>
+                  <a:schemeClr val="tx1"/>
+                </a:solidFill>
+                <a:effectLst/>
+                <a:latin typeface="+mn-lt"/>
+                <a:ea typeface="+mn-ea"/>
+                <a:cs typeface="+mn-cs"/>
+              </a:rPr>
+              <a:t>More shallow index </a:t>
+            </a:r>
+            <a:endParaRPr lang="en-US" altLang="zh-CN" dirty="0" smtClean="0">
+              <a:effectLst/>
+            </a:endParaRPr>
+          </a:p>
+          <a:p>
+            <a:r>
+              <a:rPr lang="en-US" altLang="zh-CN" sz="1200" kern="1200" dirty="0" smtClean="0">
+                <a:solidFill>
+                  <a:schemeClr val="tx1"/>
+                </a:solidFill>
+                <a:effectLst/>
+                <a:latin typeface="+mn-lt"/>
+                <a:ea typeface="+mn-ea"/>
+                <a:cs typeface="+mn-cs"/>
+              </a:rPr>
+              <a:t>+</a:t>
+            </a:r>
+            <a:r>
+              <a:rPr lang="zh-CN" altLang="en-US" sz="1200" kern="1200" baseline="0" dirty="0" smtClean="0">
+                <a:solidFill>
+                  <a:schemeClr val="tx1"/>
+                </a:solidFill>
+                <a:effectLst/>
+                <a:latin typeface="+mn-lt"/>
+                <a:ea typeface="+mn-ea"/>
+                <a:cs typeface="+mn-cs"/>
+              </a:rPr>
               <a:t> </a:t>
             </a:r>
             <a:r>
-              <a:rPr kumimoji="1" lang="en-US" altLang="zh-CN" baseline="0" dirty="0" smtClean="0"/>
-              <a:t>b</a:t>
-            </a:r>
-            <a:r>
-              <a:rPr kumimoji="1" lang="zh-CN" altLang="en-US" baseline="0" dirty="0" smtClean="0"/>
-              <a:t> ；索引的谓词是 且；那么合并</a:t>
-            </a:r>
-            <a:r>
-              <a:rPr kumimoji="1" lang="en-US" altLang="zh-CN" baseline="0" dirty="0" smtClean="0"/>
-              <a:t>a</a:t>
-            </a:r>
-            <a:r>
-              <a:rPr kumimoji="1" lang="zh-CN" altLang="en-US" baseline="0" dirty="0" smtClean="0"/>
-              <a:t> 和 </a:t>
-            </a:r>
-            <a:r>
-              <a:rPr kumimoji="1" lang="en-US" altLang="zh-CN" baseline="0" dirty="0" smtClean="0"/>
-              <a:t>b</a:t>
-            </a:r>
-            <a:r>
-              <a:rPr kumimoji="1" lang="zh-CN" altLang="en-US" baseline="0" dirty="0" smtClean="0"/>
-              <a:t>的块，最后大大减少磁盘</a:t>
-            </a:r>
-            <a:r>
-              <a:rPr kumimoji="1" lang="en-US" altLang="zh-CN" baseline="0" dirty="0" smtClean="0"/>
-              <a:t>IO</a:t>
-            </a:r>
-            <a:endParaRPr kumimoji="1" lang="en-US" altLang="zh-CN" dirty="0" smtClean="0"/>
+              <a:rPr lang="en-US" altLang="zh-CN" sz="1200" kern="1200" dirty="0" smtClean="0">
+                <a:solidFill>
+                  <a:schemeClr val="tx1"/>
+                </a:solidFill>
+                <a:effectLst/>
+                <a:latin typeface="+mn-lt"/>
+                <a:ea typeface="+mn-ea"/>
+                <a:cs typeface="+mn-cs"/>
+              </a:rPr>
+              <a:t>Less INSERT/UPDATE index overhead</a:t>
+            </a:r>
+            <a:endParaRPr kumimoji="1" lang="en-US" altLang="zh-CN" sz="1200" kern="1200" dirty="0" smtClean="0">
+              <a:solidFill>
+                <a:schemeClr val="tx1"/>
+              </a:solidFill>
+              <a:effectLst/>
+              <a:latin typeface="+mn-lt"/>
+              <a:ea typeface="+mn-ea"/>
+              <a:cs typeface="+mn-cs"/>
+            </a:endParaRPr>
+          </a:p>
+          <a:p>
+            <a:pPr marL="0" marR="0" indent="0" algn="l" defTabSz="914400" rtl="0" eaLnBrk="1" fontAlgn="auto" latinLnBrk="0" hangingPunct="1">
+              <a:lnSpc>
+                <a:spcPct val="100000"/>
+              </a:lnSpc>
+              <a:spcBef>
+                <a:spcPts val="0"/>
+              </a:spcBef>
+              <a:spcAft>
+                <a:spcPts val="0"/>
+              </a:spcAft>
+              <a:buClrTx/>
+              <a:buSzTx/>
+              <a:buFontTx/>
+              <a:buNone/>
+              <a:tabLst/>
+              <a:defRPr/>
+            </a:pPr>
+            <a:endParaRPr lang="en-US" altLang="zh-CN" dirty="0" smtClean="0">
+              <a:effectLst/>
+            </a:endParaRPr>
           </a:p>
         </p:txBody>
       </p:sp>
@@ -4908,7 +4953,7 @@
           <a:p>
             <a:fld id="{6A47B6B7-4533-6B49-91A5-E5E12BC8D3FB}" type="slidenum">
               <a:rPr kumimoji="1" lang="zh-CN" altLang="en-US" smtClean="0"/>
-              <a:t>8</a:t>
+              <a:t>9</a:t>
             </a:fld>
             <a:endParaRPr kumimoji="1" lang="zh-CN" altLang="en-US"/>
           </a:p>
@@ -4917,7 +4962,7 @@
     </p:spTree>
     <p:extLst>
       <p:ext uri="{BB962C8B-B14F-4D97-AF65-F5344CB8AC3E}">
-        <p14:creationId xmlns:p14="http://schemas.microsoft.com/office/powerpoint/2010/main" val="998801675"/>
+        <p14:creationId xmlns:p14="http://schemas.microsoft.com/office/powerpoint/2010/main" val="105302549"/>
       </p:ext>
     </p:extLst>
   </p:cSld>
@@ -4971,316 +5016,15 @@
           <a:bodyPr/>
           <a:lstStyle/>
           <a:p>
-            <a:pPr marL="0" marR="0" indent="0" algn="l" defTabSz="914400" rtl="0" eaLnBrk="1" fontAlgn="auto" latinLnBrk="0" hangingPunct="1">
-              <a:lnSpc>
-                <a:spcPct val="100000"/>
-              </a:lnSpc>
-              <a:spcBef>
-                <a:spcPts val="0"/>
-              </a:spcBef>
-              <a:spcAft>
-                <a:spcPts val="0"/>
-              </a:spcAft>
-              <a:buClrTx/>
-              <a:buSzTx/>
-              <a:buFontTx/>
-              <a:buNone/>
-              <a:tabLst/>
-              <a:defRPr/>
-            </a:pPr>
-            <a:r>
-              <a:rPr kumimoji="1" lang="en-US" altLang="zh-CN" dirty="0" smtClean="0"/>
-              <a:t>PostgreSQL</a:t>
-            </a:r>
-            <a:r>
-              <a:rPr kumimoji="1" lang="zh-CN" altLang="en-US" dirty="0" smtClean="0"/>
-              <a:t>中不仅有丰富的访问方法，并且访问方式很灵活：</a:t>
-            </a:r>
-            <a:endParaRPr kumimoji="1" lang="en-US" altLang="zh-CN" dirty="0" smtClean="0"/>
-          </a:p>
-          <a:p>
-            <a:pPr marL="0" marR="0" indent="0" algn="l" defTabSz="914400" rtl="0" eaLnBrk="1" fontAlgn="auto" latinLnBrk="0" hangingPunct="1">
-              <a:lnSpc>
-                <a:spcPct val="100000"/>
-              </a:lnSpc>
-              <a:spcBef>
-                <a:spcPts val="0"/>
-              </a:spcBef>
-              <a:spcAft>
-                <a:spcPts val="0"/>
-              </a:spcAft>
-              <a:buClrTx/>
-              <a:buSzTx/>
-              <a:buFontTx/>
-              <a:buNone/>
-              <a:tabLst/>
-              <a:defRPr/>
-            </a:pPr>
-            <a:r>
-              <a:rPr kumimoji="1" lang="zh-CN" altLang="en-US" dirty="0" smtClean="0"/>
-              <a:t>当字段上的访问，常常不是直接访问字段的时候，采用表达式索引；</a:t>
-            </a:r>
-            <a:endParaRPr kumimoji="1" lang="en-US" altLang="zh-CN" dirty="0" smtClean="0"/>
-          </a:p>
-          <a:p>
-            <a:pPr marL="0" marR="0" indent="0" algn="l" defTabSz="914400" rtl="0" eaLnBrk="1" fontAlgn="auto" latinLnBrk="0" hangingPunct="1">
-              <a:lnSpc>
-                <a:spcPct val="100000"/>
-              </a:lnSpc>
-              <a:spcBef>
-                <a:spcPts val="0"/>
-              </a:spcBef>
-              <a:spcAft>
-                <a:spcPts val="0"/>
-              </a:spcAft>
-              <a:buClrTx/>
-              <a:buSzTx/>
-              <a:buFontTx/>
-              <a:buNone/>
-              <a:tabLst/>
-              <a:defRPr/>
-            </a:pPr>
-            <a:r>
-              <a:rPr kumimoji="1" lang="zh-CN" altLang="en-US" dirty="0" smtClean="0"/>
-              <a:t>表达式一定要 </a:t>
-            </a:r>
-            <a:r>
-              <a:rPr lang="en-US" altLang="zh-CN" sz="1200" kern="1200" dirty="0" smtClean="0">
-                <a:solidFill>
-                  <a:schemeClr val="tx1"/>
-                </a:solidFill>
-                <a:effectLst/>
-                <a:latin typeface="+mn-lt"/>
-                <a:ea typeface="+mn-ea"/>
-                <a:cs typeface="+mn-cs"/>
-              </a:rPr>
-              <a:t>IMMUTABLE </a:t>
-            </a:r>
-            <a:endParaRPr kumimoji="1" lang="en-US" altLang="zh-CN" sz="1200" kern="1200" dirty="0" smtClean="0">
-              <a:solidFill>
-                <a:schemeClr val="tx1"/>
-              </a:solidFill>
-              <a:effectLst/>
-              <a:latin typeface="+mn-lt"/>
-              <a:ea typeface="+mn-ea"/>
-              <a:cs typeface="+mn-cs"/>
-            </a:endParaRPr>
-          </a:p>
-          <a:p>
-            <a:pPr marL="0" marR="0" indent="0" algn="l" defTabSz="914400" rtl="0" eaLnBrk="1" fontAlgn="auto" latinLnBrk="0" hangingPunct="1">
-              <a:lnSpc>
-                <a:spcPct val="100000"/>
-              </a:lnSpc>
-              <a:spcBef>
-                <a:spcPts val="0"/>
-              </a:spcBef>
-              <a:spcAft>
-                <a:spcPts val="0"/>
-              </a:spcAft>
-              <a:buClrTx/>
-              <a:buSzTx/>
-              <a:buFontTx/>
-              <a:buNone/>
-              <a:tabLst/>
-              <a:defRPr/>
-            </a:pPr>
-            <a:endParaRPr kumimoji="1" lang="en-US" altLang="zh-CN" sz="1200" kern="1200" dirty="0" smtClean="0">
-              <a:solidFill>
-                <a:schemeClr val="tx1"/>
-              </a:solidFill>
-              <a:effectLst/>
-              <a:latin typeface="+mn-lt"/>
-              <a:ea typeface="+mn-ea"/>
-              <a:cs typeface="+mn-cs"/>
-            </a:endParaRPr>
-          </a:p>
-          <a:p>
-            <a:pPr marL="0" marR="0" indent="0" algn="l" defTabSz="914400" rtl="0" eaLnBrk="1" fontAlgn="auto" latinLnBrk="0" hangingPunct="1">
-              <a:lnSpc>
-                <a:spcPct val="100000"/>
-              </a:lnSpc>
-              <a:spcBef>
-                <a:spcPts val="0"/>
-              </a:spcBef>
-              <a:spcAft>
-                <a:spcPts val="0"/>
-              </a:spcAft>
-              <a:buClrTx/>
-              <a:buSzTx/>
-              <a:buFontTx/>
-              <a:buNone/>
-              <a:tabLst/>
-              <a:defRPr/>
-            </a:pPr>
-            <a:r>
-              <a:rPr kumimoji="1" lang="zh-CN" altLang="en-US" sz="1200" kern="1200" dirty="0" smtClean="0">
-                <a:solidFill>
-                  <a:schemeClr val="tx1"/>
-                </a:solidFill>
-                <a:effectLst/>
-                <a:latin typeface="+mn-lt"/>
-                <a:ea typeface="+mn-ea"/>
-                <a:cs typeface="+mn-cs"/>
-              </a:rPr>
-              <a:t>当我们只关心某一字段等于特定值的元组时，采用条件索引；</a:t>
-            </a:r>
-            <a:endParaRPr kumimoji="1" lang="en-US" altLang="zh-CN" sz="1200" kern="1200" dirty="0" smtClean="0">
-              <a:solidFill>
-                <a:schemeClr val="tx1"/>
-              </a:solidFill>
-              <a:effectLst/>
-              <a:latin typeface="+mn-lt"/>
-              <a:ea typeface="+mn-ea"/>
-              <a:cs typeface="+mn-cs"/>
-            </a:endParaRPr>
-          </a:p>
-          <a:p>
-            <a:r>
-              <a:rPr lang="en-US" altLang="zh-CN" sz="1200" kern="1200" dirty="0" smtClean="0">
-                <a:solidFill>
-                  <a:schemeClr val="tx1"/>
-                </a:solidFill>
-                <a:effectLst/>
-                <a:latin typeface="+mn-lt"/>
-                <a:ea typeface="+mn-ea"/>
-                <a:cs typeface="+mn-cs"/>
-              </a:rPr>
-              <a:t>+</a:t>
-            </a:r>
-            <a:r>
-              <a:rPr lang="zh-CN" altLang="en-US" sz="1200" kern="1200" dirty="0" smtClean="0">
-                <a:solidFill>
-                  <a:schemeClr val="tx1"/>
-                </a:solidFill>
-                <a:effectLst/>
-                <a:latin typeface="+mn-lt"/>
-                <a:ea typeface="+mn-ea"/>
-                <a:cs typeface="+mn-cs"/>
-              </a:rPr>
-              <a:t> </a:t>
-            </a:r>
-            <a:r>
-              <a:rPr lang="en-US" altLang="zh-CN" sz="1200" kern="1200" dirty="0" smtClean="0">
-                <a:solidFill>
-                  <a:schemeClr val="tx1"/>
-                </a:solidFill>
-                <a:effectLst/>
-                <a:latin typeface="+mn-lt"/>
-                <a:ea typeface="+mn-ea"/>
-                <a:cs typeface="+mn-cs"/>
-              </a:rPr>
-              <a:t>Smaller index on disk and in memory </a:t>
-            </a:r>
-          </a:p>
-          <a:p>
-            <a:r>
-              <a:rPr lang="en-US" altLang="zh-CN" sz="1200" kern="1200" dirty="0" smtClean="0">
-                <a:solidFill>
-                  <a:schemeClr val="tx1"/>
-                </a:solidFill>
-                <a:effectLst/>
-                <a:latin typeface="+mn-lt"/>
-                <a:ea typeface="+mn-ea"/>
-                <a:cs typeface="+mn-cs"/>
-              </a:rPr>
-              <a:t>+</a:t>
-            </a:r>
-            <a:r>
-              <a:rPr lang="zh-CN" altLang="en-US" sz="1200" kern="1200" dirty="0" smtClean="0">
-                <a:solidFill>
-                  <a:schemeClr val="tx1"/>
-                </a:solidFill>
-                <a:effectLst/>
-                <a:latin typeface="+mn-lt"/>
-                <a:ea typeface="+mn-ea"/>
-                <a:cs typeface="+mn-cs"/>
-              </a:rPr>
-              <a:t> </a:t>
-            </a:r>
-            <a:r>
-              <a:rPr lang="en-US" altLang="zh-CN" sz="1200" kern="1200" dirty="0" smtClean="0">
-                <a:solidFill>
-                  <a:schemeClr val="tx1"/>
-                </a:solidFill>
-                <a:effectLst/>
-                <a:latin typeface="+mn-lt"/>
-                <a:ea typeface="+mn-ea"/>
-                <a:cs typeface="+mn-cs"/>
-              </a:rPr>
-              <a:t>More shallow index </a:t>
-            </a:r>
-            <a:endParaRPr lang="en-US" altLang="zh-CN" dirty="0" smtClean="0">
-              <a:effectLst/>
-            </a:endParaRPr>
-          </a:p>
-          <a:p>
-            <a:r>
-              <a:rPr lang="en-US" altLang="zh-CN" sz="1200" kern="1200" dirty="0" smtClean="0">
-                <a:solidFill>
-                  <a:schemeClr val="tx1"/>
-                </a:solidFill>
-                <a:effectLst/>
-                <a:latin typeface="+mn-lt"/>
-                <a:ea typeface="+mn-ea"/>
-                <a:cs typeface="+mn-cs"/>
-              </a:rPr>
-              <a:t>+</a:t>
-            </a:r>
-            <a:r>
-              <a:rPr lang="zh-CN" altLang="en-US" sz="1200" kern="1200" baseline="0" dirty="0" smtClean="0">
-                <a:solidFill>
-                  <a:schemeClr val="tx1"/>
-                </a:solidFill>
-                <a:effectLst/>
-                <a:latin typeface="+mn-lt"/>
-                <a:ea typeface="+mn-ea"/>
-                <a:cs typeface="+mn-cs"/>
-              </a:rPr>
-              <a:t> </a:t>
-            </a:r>
-            <a:r>
-              <a:rPr lang="en-US" altLang="zh-CN" sz="1200" kern="1200" dirty="0" smtClean="0">
-                <a:solidFill>
-                  <a:schemeClr val="tx1"/>
-                </a:solidFill>
-                <a:effectLst/>
-                <a:latin typeface="+mn-lt"/>
-                <a:ea typeface="+mn-ea"/>
-                <a:cs typeface="+mn-cs"/>
-              </a:rPr>
-              <a:t>Less INSERT/UPDATE index overhead</a:t>
-            </a:r>
-            <a:endParaRPr kumimoji="1" lang="en-US" altLang="zh-CN" sz="1200" kern="1200" dirty="0" smtClean="0">
-              <a:solidFill>
-                <a:schemeClr val="tx1"/>
-              </a:solidFill>
-              <a:effectLst/>
-              <a:latin typeface="+mn-lt"/>
-              <a:ea typeface="+mn-ea"/>
-              <a:cs typeface="+mn-cs"/>
-            </a:endParaRPr>
-          </a:p>
-          <a:p>
-            <a:pPr marL="0" marR="0" indent="0" algn="l" defTabSz="914400" rtl="0" eaLnBrk="1" fontAlgn="auto" latinLnBrk="0" hangingPunct="1">
-              <a:lnSpc>
-                <a:spcPct val="100000"/>
-              </a:lnSpc>
-              <a:spcBef>
-                <a:spcPts val="0"/>
-              </a:spcBef>
-              <a:spcAft>
-                <a:spcPts val="0"/>
-              </a:spcAft>
-              <a:buClrTx/>
-              <a:buSzTx/>
-              <a:buFontTx/>
-              <a:buNone/>
-              <a:tabLst/>
-              <a:defRPr/>
-            </a:pPr>
-            <a:endParaRPr lang="en-US" altLang="zh-CN" dirty="0" smtClean="0">
-              <a:effectLst/>
-            </a:endParaRPr>
+            <a:r>
+              <a:rPr kumimoji="1" lang="en-US" altLang="zh-CN" dirty="0" err="1" smtClean="0"/>
+              <a:t>BufferManager</a:t>
+            </a:r>
+            <a:r>
+              <a:rPr kumimoji="1" lang="zh-CN" altLang="en-US" dirty="0" smtClean="0"/>
+              <a:t>在系统中是向上透明的一层；主要就是为了提高性能</a:t>
+            </a:r>
+            <a:endParaRPr kumimoji="1" lang="zh-CN" altLang="en-US" dirty="0"/>
           </a:p>
         </p:txBody>
       </p:sp>
@@ -5299,9 +5043,9 @@
           <a:bodyPr/>
           <a:lstStyle/>
           <a:p>
-            <a:fld id="{6A47B6B7-4533-6B49-91A5-E5E12BC8D3FB}" type="slidenum">
+            <a:fld id="{28869C31-E77D-D241-AE7E-8C6BD67A4C1D}" type="slidenum">
               <a:rPr kumimoji="1" lang="zh-CN" altLang="en-US" smtClean="0"/>
-              <a:t>9</a:t>
+              <a:t>11</a:t>
             </a:fld>
             <a:endParaRPr kumimoji="1" lang="zh-CN" altLang="en-US"/>
           </a:p>
@@ -5310,7 +5054,7 @@
     </p:spTree>
     <p:extLst>
       <p:ext uri="{BB962C8B-B14F-4D97-AF65-F5344CB8AC3E}">
-        <p14:creationId xmlns:p14="http://schemas.microsoft.com/office/powerpoint/2010/main" val="105302549"/>
+        <p14:creationId xmlns:p14="http://schemas.microsoft.com/office/powerpoint/2010/main" val="1751635058"/>
       </p:ext>
     </p:extLst>
   </p:cSld>
@@ -5365,12 +5109,104 @@
           <a:lstStyle/>
           <a:p>
             <a:r>
+              <a:rPr kumimoji="1" lang="zh-CN" altLang="en-US" dirty="0" smtClean="0"/>
+              <a:t>分为三层：</a:t>
+            </a:r>
+            <a:r>
+              <a:rPr kumimoji="1" lang="en-US" altLang="zh-CN" dirty="0" smtClean="0"/>
+              <a:t>buffer</a:t>
+            </a:r>
+            <a:r>
+              <a:rPr kumimoji="1" lang="zh-CN" altLang="en-US" dirty="0" smtClean="0"/>
+              <a:t> </a:t>
+            </a:r>
+            <a:r>
+              <a:rPr kumimoji="1" lang="en-US" altLang="zh-CN" dirty="0" smtClean="0"/>
+              <a:t>Table;</a:t>
+            </a:r>
+            <a:r>
+              <a:rPr kumimoji="1" lang="zh-CN" altLang="en-US" dirty="0" smtClean="0"/>
+              <a:t> </a:t>
+            </a:r>
+            <a:r>
+              <a:rPr kumimoji="1" lang="en-US" altLang="zh-CN" dirty="0" smtClean="0"/>
+              <a:t>buffer</a:t>
+            </a:r>
+            <a:r>
+              <a:rPr kumimoji="1" lang="zh-CN" altLang="en-US" dirty="0" smtClean="0"/>
+              <a:t> 描述符；</a:t>
+            </a:r>
+            <a:r>
+              <a:rPr kumimoji="1" lang="en-US" altLang="zh-CN" dirty="0" smtClean="0"/>
+              <a:t>buffer</a:t>
+            </a:r>
+            <a:r>
+              <a:rPr kumimoji="1" lang="zh-CN" altLang="en-US" dirty="0" smtClean="0"/>
+              <a:t>池；第一层是一个</a:t>
+            </a:r>
+            <a:r>
+              <a:rPr kumimoji="1" lang="en-US" altLang="zh-CN" dirty="0" smtClean="0"/>
+              <a:t>Hash</a:t>
+            </a:r>
+            <a:r>
+              <a:rPr kumimoji="1" lang="zh-CN" altLang="en-US" dirty="0" smtClean="0"/>
+              <a:t>表，基于链数组的方式处理冲突；第二层是一个</a:t>
+            </a:r>
+            <a:r>
+              <a:rPr kumimoji="1" lang="en-US" altLang="zh-CN" dirty="0" smtClean="0"/>
+              <a:t>buffer</a:t>
+            </a:r>
+            <a:r>
+              <a:rPr kumimoji="1" lang="zh-CN" altLang="en-US" dirty="0" smtClean="0"/>
+              <a:t>块描述符的数组，各个描述符中维护了一个</a:t>
+            </a:r>
+            <a:r>
               <a:rPr kumimoji="1" lang="en-US" altLang="zh-CN" dirty="0" err="1" smtClean="0"/>
-              <a:t>BufferManager</a:t>
-            </a:r>
-            <a:r>
-              <a:rPr kumimoji="1" lang="zh-CN" altLang="en-US" dirty="0" smtClean="0"/>
-              <a:t>在系统中是向上透明的一层；主要就是为了提高性能</a:t>
+              <a:t>freelist</a:t>
+            </a:r>
+            <a:r>
+              <a:rPr kumimoji="1" lang="zh-CN" altLang="en-US" dirty="0" smtClean="0"/>
+              <a:t>的链表，方便快速找到第一个可用空间，另外</a:t>
+            </a:r>
+            <a:r>
+              <a:rPr kumimoji="1" lang="en-US" altLang="zh-CN" dirty="0" smtClean="0"/>
+              <a:t>buffer</a:t>
+            </a:r>
+            <a:r>
+              <a:rPr kumimoji="1" lang="zh-CN" altLang="en-US" dirty="0" smtClean="0"/>
+              <a:t>描述符中维护了</a:t>
+            </a:r>
+            <a:r>
+              <a:rPr kumimoji="1" lang="en-US" altLang="zh-CN" dirty="0" smtClean="0"/>
+              <a:t>buffer</a:t>
+            </a:r>
+            <a:r>
+              <a:rPr kumimoji="1" lang="zh-CN" altLang="en-US" dirty="0" smtClean="0"/>
+              <a:t> </a:t>
+            </a:r>
+            <a:r>
+              <a:rPr kumimoji="1" lang="en-US" altLang="zh-CN" dirty="0" smtClean="0"/>
+              <a:t>pool</a:t>
+            </a:r>
+            <a:r>
+              <a:rPr kumimoji="1" lang="zh-CN" altLang="en-US" dirty="0" smtClean="0"/>
+              <a:t>中数据块的标志位，比如是否是脏页，是否正在使用，使用了多少次等；最后就是</a:t>
+            </a:r>
+            <a:r>
+              <a:rPr kumimoji="1" lang="en-US" altLang="zh-CN" dirty="0" smtClean="0"/>
+              <a:t>buffer</a:t>
+            </a:r>
+            <a:r>
+              <a:rPr kumimoji="1" lang="zh-CN" altLang="en-US" dirty="0" smtClean="0"/>
+              <a:t> </a:t>
+            </a:r>
+            <a:r>
+              <a:rPr kumimoji="1" lang="en-US" altLang="zh-CN" dirty="0" smtClean="0"/>
+              <a:t>pool</a:t>
+            </a:r>
+            <a:r>
+              <a:rPr kumimoji="1" lang="zh-CN" altLang="en-US" dirty="0" smtClean="0"/>
+              <a:t>，其中就是缓存的数据。</a:t>
             </a:r>
             <a:endParaRPr kumimoji="1" lang="zh-CN" altLang="en-US" dirty="0"/>
           </a:p>
@@ -5391,9 +5227,9 @@
           <a:bodyPr/>
           <a:lstStyle/>
           <a:p>
-            <a:fld id="{28869C31-E77D-D241-AE7E-8C6BD67A4C1D}" type="slidenum">
+            <a:fld id="{6A47B6B7-4533-6B49-91A5-E5E12BC8D3FB}" type="slidenum">
               <a:rPr kumimoji="1" lang="zh-CN" altLang="en-US" smtClean="0"/>
-              <a:t>11</a:t>
+              <a:t>12</a:t>
             </a:fld>
             <a:endParaRPr kumimoji="1" lang="zh-CN" altLang="en-US"/>
           </a:p>
@@ -5402,7 +5238,7 @@
     </p:spTree>
     <p:extLst>
       <p:ext uri="{BB962C8B-B14F-4D97-AF65-F5344CB8AC3E}">
-        <p14:creationId xmlns:p14="http://schemas.microsoft.com/office/powerpoint/2010/main" val="1751635058"/>
+        <p14:creationId xmlns:p14="http://schemas.microsoft.com/office/powerpoint/2010/main" val="779217501"/>
       </p:ext>
     </p:extLst>
   </p:cSld>
@@ -5543,7 +5379,7 @@
           <a:p>
             <a:fld id="{6D1642EA-EC7D-3F4D-8A4D-F3609E125A2B}" type="datetimeFigureOut">
               <a:rPr kumimoji="1" lang="zh-CN" altLang="en-US" smtClean="0"/>
-              <a:t>2019/5/20</a:t>
+              <a:t>2019/5/22</a:t>
             </a:fld>
             <a:endParaRPr kumimoji="1" lang="zh-CN" altLang="en-US"/>
           </a:p>
@@ -5713,7 +5549,7 @@
           <a:p>
             <a:fld id="{6D1642EA-EC7D-3F4D-8A4D-F3609E125A2B}" type="datetimeFigureOut">
               <a:rPr kumimoji="1" lang="zh-CN" altLang="en-US" smtClean="0"/>
-              <a:t>2019/5/20</a:t>
+              <a:t>2019/5/22</a:t>
             </a:fld>
             <a:endParaRPr kumimoji="1" lang="zh-CN" altLang="en-US"/>
           </a:p>
@@ -5893,7 +5729,7 @@
           <a:p>
             <a:fld id="{6D1642EA-EC7D-3F4D-8A4D-F3609E125A2B}" type="datetimeFigureOut">
               <a:rPr kumimoji="1" lang="zh-CN" altLang="en-US" smtClean="0"/>
-              <a:t>2019/5/20</a:t>
+              <a:t>2019/5/22</a:t>
             </a:fld>
             <a:endParaRPr kumimoji="1" lang="zh-CN" altLang="en-US"/>
           </a:p>
@@ -6063,7 +5899,7 @@
           <a:p>
             <a:fld id="{6D1642EA-EC7D-3F4D-8A4D-F3609E125A2B}" type="datetimeFigureOut">
               <a:rPr kumimoji="1" lang="zh-CN" altLang="en-US" smtClean="0"/>
-              <a:t>2019/5/20</a:t>
+              <a:t>2019/5/22</a:t>
             </a:fld>
             <a:endParaRPr kumimoji="1" lang="zh-CN" altLang="en-US"/>
           </a:p>
@@ -6309,7 +6145,7 @@
           <a:p>
             <a:fld id="{6D1642EA-EC7D-3F4D-8A4D-F3609E125A2B}" type="datetimeFigureOut">
               <a:rPr kumimoji="1" lang="zh-CN" altLang="en-US" smtClean="0"/>
-              <a:t>2019/5/20</a:t>
+              <a:t>2019/5/22</a:t>
             </a:fld>
             <a:endParaRPr kumimoji="1" lang="zh-CN" altLang="en-US"/>
           </a:p>
@@ -6541,7 +6377,7 @@
           <a:p>
             <a:fld id="{6D1642EA-EC7D-3F4D-8A4D-F3609E125A2B}" type="datetimeFigureOut">
               <a:rPr kumimoji="1" lang="zh-CN" altLang="en-US" smtClean="0"/>
-              <a:t>2019/5/20</a:t>
+              <a:t>2019/5/22</a:t>
             </a:fld>
             <a:endParaRPr kumimoji="1" lang="zh-CN" altLang="en-US"/>
           </a:p>
@@ -6908,7 +6744,7 @@
           <a:p>
             <a:fld id="{6D1642EA-EC7D-3F4D-8A4D-F3609E125A2B}" type="datetimeFigureOut">
               <a:rPr kumimoji="1" lang="zh-CN" altLang="en-US" smtClean="0"/>
-              <a:t>2019/5/20</a:t>
+              <a:t>2019/5/22</a:t>
             </a:fld>
             <a:endParaRPr kumimoji="1" lang="zh-CN" altLang="en-US"/>
           </a:p>
@@ -7026,7 +6862,7 @@
           <a:p>
             <a:fld id="{6D1642EA-EC7D-3F4D-8A4D-F3609E125A2B}" type="datetimeFigureOut">
               <a:rPr kumimoji="1" lang="zh-CN" altLang="en-US" smtClean="0"/>
-              <a:t>2019/5/20</a:t>
+              <a:t>2019/5/22</a:t>
             </a:fld>
             <a:endParaRPr kumimoji="1" lang="zh-CN" altLang="en-US"/>
           </a:p>
@@ -7121,7 +6957,7 @@
           <a:p>
             <a:fld id="{6D1642EA-EC7D-3F4D-8A4D-F3609E125A2B}" type="datetimeFigureOut">
               <a:rPr kumimoji="1" lang="zh-CN" altLang="en-US" smtClean="0"/>
-              <a:t>2019/5/20</a:t>
+              <a:t>2019/5/22</a:t>
             </a:fld>
             <a:endParaRPr kumimoji="1" lang="zh-CN" altLang="en-US"/>
           </a:p>
@@ -7398,7 +7234,7 @@
           <a:p>
             <a:fld id="{6D1642EA-EC7D-3F4D-8A4D-F3609E125A2B}" type="datetimeFigureOut">
               <a:rPr kumimoji="1" lang="zh-CN" altLang="en-US" smtClean="0"/>
-              <a:t>2019/5/20</a:t>
+              <a:t>2019/5/22</a:t>
             </a:fld>
             <a:endParaRPr kumimoji="1" lang="zh-CN" altLang="en-US"/>
           </a:p>
@@ -7651,7 +7487,7 @@
           <a:p>
             <a:fld id="{6D1642EA-EC7D-3F4D-8A4D-F3609E125A2B}" type="datetimeFigureOut">
               <a:rPr kumimoji="1" lang="zh-CN" altLang="en-US" smtClean="0"/>
-              <a:t>2019/5/20</a:t>
+              <a:t>2019/5/22</a:t>
             </a:fld>
             <a:endParaRPr kumimoji="1" lang="zh-CN" altLang="en-US"/>
           </a:p>
@@ -7864,7 +7700,7 @@
           <a:p>
             <a:fld id="{6D1642EA-EC7D-3F4D-8A4D-F3609E125A2B}" type="datetimeFigureOut">
               <a:rPr kumimoji="1" lang="zh-CN" altLang="en-US" smtClean="0"/>
-              <a:t>2019/5/20</a:t>
+              <a:t>2019/5/22</a:t>
             </a:fld>
             <a:endParaRPr kumimoji="1" lang="zh-CN" altLang="en-US"/>
           </a:p>
@@ -8528,6 +8364,13 @@
   <p:clrMapOvr>
     <a:masterClrMapping/>
   </p:clrMapOvr>
+  <p:timing>
+    <p:tnLst>
+      <p:par>
+        <p:cTn id="1" dur="indefinite" restart="never" nodeType="tmRoot"/>
+      </p:par>
+    </p:tnLst>
+  </p:timing>
 </p:sld>
 </file>
 
@@ -8761,6 +8604,13 @@
   <p:clrMapOvr>
     <a:masterClrMapping/>
   </p:clrMapOvr>
+  <p:timing>
+    <p:tnLst>
+      <p:par>
+        <p:cTn id="1" dur="indefinite" restart="never" nodeType="tmRoot"/>
+      </p:par>
+    </p:tnLst>
+  </p:timing>
 </p:sld>
 </file>
 
@@ -9403,11 +9253,7 @@
             <a:pPr lvl="2"/>
             <a:r>
               <a:rPr kumimoji="1" lang="zh-CN" altLang="en-US" dirty="0" smtClean="0"/>
-              <a:t>共享排他</a:t>
-            </a:r>
-            <a:r>
-              <a:rPr kumimoji="1" lang="zh-CN" altLang="en-US" dirty="0" smtClean="0"/>
-              <a:t>锁</a:t>
+              <a:t>共享排他锁</a:t>
             </a:r>
             <a:r>
               <a:rPr kumimoji="1" lang="zh-CN" altLang="en-US" dirty="0"/>
@@ -9415,11 +9261,7 @@
             </a:r>
             <a:r>
               <a:rPr kumimoji="1" lang="zh-CN" altLang="en-US" dirty="0" smtClean="0"/>
-              <a:t>意向</a:t>
-            </a:r>
-            <a:r>
-              <a:rPr kumimoji="1" lang="zh-CN" altLang="en-US" dirty="0" smtClean="0"/>
-              <a:t>锁</a:t>
+              <a:t>意向锁</a:t>
             </a:r>
             <a:endParaRPr kumimoji="1" lang="en-US" altLang="zh-CN" dirty="0" smtClean="0"/>
           </a:p>
@@ -9443,11 +9285,7 @@
             <a:pPr lvl="2"/>
             <a:r>
               <a:rPr kumimoji="1" lang="zh-CN" altLang="en-US" dirty="0" smtClean="0"/>
-              <a:t>间隙</a:t>
-            </a:r>
-            <a:r>
-              <a:rPr kumimoji="1" lang="zh-CN" altLang="en-US" dirty="0" smtClean="0"/>
-              <a:t>锁：若干满足条件的行（新行满足条件，也会锁）</a:t>
+              <a:t>间隙锁：若干满足条件的行（新行满足条件，也会锁）</a:t>
             </a:r>
             <a:endParaRPr kumimoji="1" lang="en-US" altLang="zh-CN" dirty="0" smtClean="0"/>
           </a:p>
@@ -9475,15 +9313,7 @@
             <a:pPr lvl="2"/>
             <a:r>
               <a:rPr kumimoji="1" lang="zh-CN" altLang="en-US" dirty="0" smtClean="0"/>
-              <a:t>插入意向</a:t>
-            </a:r>
-            <a:r>
-              <a:rPr kumimoji="1" lang="zh-CN" altLang="en-US" dirty="0" smtClean="0"/>
-              <a:t>锁</a:t>
-            </a:r>
-            <a:r>
-              <a:rPr kumimoji="1" lang="zh-CN" altLang="en-US" dirty="0" smtClean="0"/>
-              <a:t>：间隙锁；避免插入的幻读异常</a:t>
+              <a:t>插入意向锁：间隙锁；避免插入的幻读异常</a:t>
             </a:r>
             <a:endParaRPr kumimoji="1" lang="en-US" altLang="zh-CN" dirty="0" smtClean="0"/>
           </a:p>
@@ -9491,11 +9321,7 @@
             <a:pPr lvl="2"/>
             <a:r>
               <a:rPr kumimoji="1" lang="zh-CN" altLang="en-US" dirty="0" smtClean="0"/>
-              <a:t>自增</a:t>
-            </a:r>
-            <a:r>
-              <a:rPr kumimoji="1" lang="zh-CN" altLang="en-US" dirty="0" smtClean="0"/>
-              <a:t>锁：带有</a:t>
+              <a:t>自增锁：带有</a:t>
             </a:r>
             <a:r>
               <a:rPr kumimoji="1" lang="en-US" altLang="zh-CN" dirty="0" smtClean="0"/>
@@ -9511,15 +9337,7 @@
             <a:pPr lvl="2"/>
             <a:r>
               <a:rPr kumimoji="1" lang="zh-CN" altLang="en-US" dirty="0" smtClean="0"/>
-              <a:t>空间索引的谓词</a:t>
-            </a:r>
-            <a:r>
-              <a:rPr kumimoji="1" lang="zh-CN" altLang="en-US" dirty="0" smtClean="0"/>
-              <a:t>锁：</a:t>
-            </a:r>
-            <a:r>
-              <a:rPr kumimoji="1" lang="zh-CN" altLang="en-US" dirty="0" smtClean="0"/>
-              <a:t>在空间索引上的查询条件命中的最小矩形边界上的锁。</a:t>
+              <a:t>空间索引的谓词锁：在空间索引上的查询条件命中的最小矩形边界上的锁。</a:t>
             </a:r>
             <a:endParaRPr kumimoji="1" lang="en-US" altLang="zh-CN" dirty="0"/>
           </a:p>
@@ -9809,11 +9627,7 @@
             <a:pPr lvl="1"/>
             <a:r>
               <a:rPr kumimoji="1" lang="zh-CN" altLang="en-US" dirty="0" smtClean="0"/>
-              <a:t>用处</a:t>
-            </a:r>
-            <a:r>
-              <a:rPr kumimoji="1" lang="zh-CN" altLang="en-US" dirty="0" smtClean="0"/>
-              <a:t>：</a:t>
+              <a:t>用处：</a:t>
             </a:r>
             <a:endParaRPr kumimoji="1" lang="en-US" altLang="zh-CN" dirty="0" smtClean="0"/>
           </a:p>
@@ -9865,11 +9679,7 @@
             <a:pPr lvl="2"/>
             <a:r>
               <a:rPr kumimoji="1" lang="zh-CN" altLang="en-US" dirty="0" smtClean="0"/>
-              <a:t>获取和释放都很快，没有死锁</a:t>
-            </a:r>
-            <a:r>
-              <a:rPr kumimoji="1" lang="zh-CN" altLang="en-US" dirty="0" smtClean="0"/>
-              <a:t>检测</a:t>
+              <a:t>获取和释放都很快，没有死锁检测</a:t>
             </a:r>
             <a:endParaRPr kumimoji="1" lang="en-US" altLang="zh-CN" dirty="0" smtClean="0"/>
           </a:p>
@@ -9925,11 +9735,7 @@
             </a:r>
             <a:r>
               <a:rPr kumimoji="1" lang="zh-CN" altLang="en-US" dirty="0" smtClean="0"/>
-              <a:t>立马</a:t>
-            </a:r>
-            <a:r>
-              <a:rPr kumimoji="1" lang="zh-CN" altLang="en-US" dirty="0" smtClean="0"/>
-              <a:t>返回</a:t>
+              <a:t>立马返回</a:t>
             </a:r>
             <a:r>
               <a:rPr kumimoji="1" lang="en-US" altLang="zh-CN" dirty="0" smtClean="0"/>
@@ -10201,11 +10007,7 @@
             </a:r>
             <a:r>
               <a:rPr kumimoji="1" lang="zh-CN" altLang="en-US" dirty="0" smtClean="0"/>
-              <a:t>，事务结束自动</a:t>
-            </a:r>
-            <a:r>
-              <a:rPr kumimoji="1" lang="zh-CN" altLang="en-US" dirty="0" smtClean="0"/>
-              <a:t>释放</a:t>
+              <a:t>，事务结束自动释放</a:t>
             </a:r>
             <a:endParaRPr kumimoji="1" lang="en-US" altLang="zh-CN" dirty="0" smtClean="0"/>
           </a:p>
@@ -10472,11 +10274,7 @@
             <a:pPr lvl="1"/>
             <a:r>
               <a:rPr kumimoji="1" lang="zh-CN" altLang="en-US" dirty="0" smtClean="0"/>
-              <a:t>快</a:t>
-            </a:r>
-            <a:r>
-              <a:rPr kumimoji="1" lang="zh-CN" altLang="en-US" dirty="0" smtClean="0"/>
-              <a:t>照隔离</a:t>
+              <a:t>快照隔离</a:t>
             </a:r>
             <a:endParaRPr kumimoji="1" lang="en-US" altLang="zh-CN" dirty="0" smtClean="0"/>
           </a:p>
@@ -12035,15 +11833,7 @@
             </a:r>
             <a:r>
               <a:rPr kumimoji="1" lang="zh-CN" altLang="en-US" dirty="0" smtClean="0"/>
-              <a:t>，会</a:t>
-            </a:r>
-            <a:r>
-              <a:rPr kumimoji="1" lang="zh-CN" altLang="en-US" dirty="0" smtClean="0"/>
-              <a:t>影响整个复制链</a:t>
-            </a:r>
-            <a:r>
-              <a:rPr kumimoji="1" lang="zh-CN" altLang="en-US" dirty="0" smtClean="0"/>
-              <a:t>。</a:t>
+              <a:t>，会影响整个复制链。</a:t>
             </a:r>
             <a:endParaRPr kumimoji="1" lang="en-US" altLang="zh-CN" dirty="0" smtClean="0"/>
           </a:p>
@@ -13430,17 +13220,10 @@
           <a:p>
             <a:pPr lvl="1"/>
             <a:r>
-              <a:rPr lang="en-US" altLang="zh-CN" b="1" i="1" dirty="0" smtClean="0"/>
-              <a:t>Organize</a:t>
-            </a:r>
-            <a:r>
               <a:rPr lang="zh-CN" altLang="en-US" b="1" i="1" dirty="0" smtClean="0"/>
-              <a:t> </a:t>
-            </a:r>
-            <a:r>
-              <a:rPr lang="en-US" altLang="zh-CN" b="1" i="1" dirty="0" smtClean="0"/>
-              <a:t>data</a:t>
-            </a:r>
+              <a:t>组织数据</a:t>
+            </a:r>
+            <a:endParaRPr lang="en-US" altLang="zh-CN" b="1" i="1" dirty="0" smtClean="0"/>
           </a:p>
           <a:p>
             <a:r>
@@ -13464,17 +13247,18 @@
           <a:p>
             <a:pPr lvl="1"/>
             <a:r>
-              <a:rPr lang="en-US" altLang="zh-CN" b="1" i="1" dirty="0" smtClean="0"/>
-              <a:t>Staging</a:t>
-            </a:r>
-            <a:r>
               <a:rPr lang="zh-CN" altLang="en-US" b="1" i="1" dirty="0" smtClean="0"/>
-              <a:t> </a:t>
+              <a:t>透明的</a:t>
             </a:r>
             <a:r>
               <a:rPr lang="en-US" altLang="zh-CN" b="1" i="1" dirty="0" smtClean="0"/>
               <a:t>IO</a:t>
             </a:r>
+            <a:r>
+              <a:rPr lang="zh-CN" altLang="en-US" b="1" i="1" dirty="0" smtClean="0"/>
+              <a:t>中间层</a:t>
+            </a:r>
+            <a:endParaRPr lang="en-US" altLang="zh-CN" b="1" i="1" dirty="0" smtClean="0"/>
           </a:p>
           <a:p>
             <a:r>
@@ -13498,13 +13282,10 @@
           <a:p>
             <a:pPr lvl="1"/>
             <a:r>
-              <a:rPr lang="en-US" altLang="zh-CN" b="1" i="1" dirty="0" smtClean="0"/>
-              <a:t>Concurrency </a:t>
-            </a:r>
-            <a:r>
-              <a:rPr lang="en-US" altLang="zh-CN" b="1" i="1" dirty="0"/>
-              <a:t>control</a:t>
-            </a:r>
+              <a:rPr lang="zh-CN" altLang="en-US" b="1" i="1" dirty="0" smtClean="0"/>
+              <a:t>并发控制</a:t>
+            </a:r>
+            <a:endParaRPr lang="en-US" altLang="zh-CN" b="1" i="1" dirty="0"/>
           </a:p>
           <a:p>
             <a:r>
@@ -13523,8 +13304,8 @@
           <a:p>
             <a:pPr lvl="1"/>
             <a:r>
-              <a:rPr lang="en-US" altLang="zh-CN" b="1" i="1" dirty="0" smtClean="0"/>
-              <a:t>Recovery</a:t>
+              <a:rPr kumimoji="1" lang="zh-CN" altLang="en-US" b="1" i="1" dirty="0" smtClean="0"/>
+              <a:t>恢复数据</a:t>
             </a:r>
             <a:endParaRPr kumimoji="1" lang="en-US" altLang="zh-CN" b="1" i="1" dirty="0" smtClean="0"/>
           </a:p>
@@ -13547,13 +13328,82 @@
         <p:spPr>
           <a:xfrm>
             <a:off x="4491789" y="1"/>
-            <a:ext cx="7700210" cy="6858000"/>
+            <a:ext cx="7700210" cy="5694946"/>
           </a:xfrm>
           <a:prstGeom prst="rect">
             <a:avLst/>
           </a:prstGeom>
         </p:spPr>
       </p:pic>
+      <p:sp>
+        <p:nvSpPr>
+          <p:cNvPr id="5" name="文本框 4"/>
+          <p:cNvSpPr txBox="1"/>
+          <p:nvPr/>
+        </p:nvSpPr>
+        <p:spPr>
+          <a:xfrm>
+            <a:off x="7594438" y="5756273"/>
+            <a:ext cx="3759362" cy="646331"/>
+          </a:xfrm>
+          <a:prstGeom prst="rect">
+            <a:avLst/>
+          </a:prstGeom>
+          <a:noFill/>
+        </p:spPr>
+        <p:txBody>
+          <a:bodyPr wrap="none" rtlCol="0">
+            <a:spAutoFit/>
+          </a:bodyPr>
+          <a:lstStyle/>
+          <a:p>
+            <a:r>
+              <a:rPr kumimoji="1" lang="en-US" altLang="zh-CN" dirty="0" smtClean="0"/>
+              <a:t>Architecture</a:t>
+            </a:r>
+            <a:r>
+              <a:rPr kumimoji="1" lang="zh-CN" altLang="en-US" dirty="0" smtClean="0"/>
+              <a:t> </a:t>
+            </a:r>
+            <a:r>
+              <a:rPr kumimoji="1" lang="en-US" altLang="zh-CN" dirty="0" smtClean="0"/>
+              <a:t>Of</a:t>
+            </a:r>
+            <a:r>
+              <a:rPr kumimoji="1" lang="zh-CN" altLang="en-US" dirty="0" smtClean="0"/>
+              <a:t> </a:t>
+            </a:r>
+            <a:r>
+              <a:rPr kumimoji="1" lang="en-US" altLang="zh-CN" dirty="0" smtClean="0"/>
+              <a:t>Database</a:t>
+            </a:r>
+            <a:r>
+              <a:rPr kumimoji="1" lang="zh-CN" altLang="en-US" dirty="0" smtClean="0"/>
+              <a:t> </a:t>
+            </a:r>
+            <a:r>
+              <a:rPr kumimoji="1" lang="en-US" altLang="zh-CN" dirty="0" smtClean="0"/>
+              <a:t>System</a:t>
+            </a:r>
+            <a:endParaRPr kumimoji="1" lang="en-US" altLang="zh-CN" dirty="0"/>
+          </a:p>
+          <a:p>
+            <a:r>
+              <a:rPr kumimoji="1" lang="en-US" altLang="zh-CN" dirty="0" smtClean="0"/>
+              <a:t>		——</a:t>
+            </a:r>
+            <a:r>
+              <a:rPr kumimoji="1" lang="zh-CN" altLang="en-US" dirty="0" smtClean="0"/>
+              <a:t> </a:t>
+            </a:r>
+            <a:r>
+              <a:rPr kumimoji="1" lang="en-US" altLang="zh-CN" dirty="0" err="1" smtClean="0"/>
+              <a:t>Stonebraker</a:t>
+            </a:r>
+            <a:endParaRPr kumimoji="1" lang="zh-CN" altLang="en-US" dirty="0"/>
+          </a:p>
+        </p:txBody>
+      </p:sp>
     </p:spTree>
     <p:extLst>
       <p:ext uri="{BB962C8B-B14F-4D97-AF65-F5344CB8AC3E}">
@@ -13616,261 +13466,342 @@
           <a:p>
             <a:r>
               <a:rPr kumimoji="1" lang="en-US" altLang="zh-CN" dirty="0" err="1" smtClean="0"/>
-              <a:t>AccessMethod-InnoDB</a:t>
+              <a:t>AccessMethod</a:t>
             </a:r>
             <a:endParaRPr kumimoji="1" lang="zh-CN" altLang="en-US" dirty="0"/>
           </a:p>
         </p:txBody>
       </p:sp>
-      <p:sp>
-        <p:nvSpPr>
-          <p:cNvPr id="3" name="内容占位符 2"/>
-          <p:cNvSpPr>
-            <a:spLocks noGrp="1"/>
-          </p:cNvSpPr>
+      <p:graphicFrame>
+        <p:nvGraphicFramePr>
+          <p:cNvPr id="4" name="内容占位符 3"/>
+          <p:cNvGraphicFramePr>
+            <a:graphicFrameLocks noGrp="1"/>
+          </p:cNvGraphicFramePr>
           <p:nvPr>
             <p:ph idx="1"/>
-          </p:nvPr>
-        </p:nvSpPr>
-        <p:spPr/>
-        <p:txBody>
-          <a:bodyPr>
-            <a:normAutofit/>
-          </a:bodyPr>
-          <a:lstStyle/>
-          <a:p>
-            <a:r>
-              <a:rPr kumimoji="1" lang="en-US" altLang="zh-CN" dirty="0" smtClean="0"/>
-              <a:t>primary</a:t>
-            </a:r>
-            <a:r>
-              <a:rPr kumimoji="1" lang="zh-CN" altLang="en-US" dirty="0" smtClean="0"/>
-              <a:t>（</a:t>
-            </a:r>
-            <a:r>
-              <a:rPr lang="en-US" altLang="zh-CN" dirty="0" err="1"/>
-              <a:t>B+Tree</a:t>
-            </a:r>
-            <a:r>
-              <a:rPr kumimoji="1" lang="zh-CN" altLang="en-US" dirty="0"/>
-              <a:t>）： </a:t>
-            </a:r>
-            <a:endParaRPr kumimoji="1" lang="en-US" altLang="zh-CN" dirty="0" smtClean="0"/>
-          </a:p>
-          <a:p>
-            <a:pPr lvl="1"/>
-            <a:r>
-              <a:rPr kumimoji="1" lang="zh-CN" altLang="en-US" dirty="0" smtClean="0"/>
-              <a:t>索引</a:t>
-            </a:r>
-            <a:r>
-              <a:rPr kumimoji="1" lang="zh-CN" altLang="en-US" dirty="0"/>
-              <a:t>组织</a:t>
-            </a:r>
-            <a:r>
-              <a:rPr kumimoji="1" lang="zh-CN" altLang="en-US" dirty="0" smtClean="0"/>
-              <a:t>表，按照以下三种类型进行组织的聚簇索引：</a:t>
-            </a:r>
-            <a:endParaRPr kumimoji="1" lang="en-US" altLang="zh-CN" dirty="0" smtClean="0"/>
-          </a:p>
-          <a:p>
-            <a:pPr lvl="2"/>
-            <a:r>
-              <a:rPr kumimoji="1" lang="zh-CN" altLang="en-US" dirty="0"/>
-              <a:t>主键</a:t>
-            </a:r>
-            <a:r>
-              <a:rPr kumimoji="1" lang="zh-CN" altLang="en-US" dirty="0" smtClean="0"/>
-              <a:t>列</a:t>
-            </a:r>
-            <a:endParaRPr kumimoji="1" lang="en-US" altLang="zh-CN" dirty="0" smtClean="0"/>
-          </a:p>
-          <a:p>
-            <a:pPr lvl="2"/>
-            <a:r>
-              <a:rPr kumimoji="1" lang="zh-CN" altLang="en-US" dirty="0" smtClean="0"/>
-              <a:t>第一</a:t>
-            </a:r>
-            <a:r>
-              <a:rPr kumimoji="1" lang="zh-CN" altLang="en-US" dirty="0"/>
-              <a:t>个非空</a:t>
-            </a:r>
-            <a:r>
-              <a:rPr kumimoji="1" lang="en-US" altLang="zh-CN" dirty="0"/>
-              <a:t>Unique</a:t>
-            </a:r>
-            <a:r>
-              <a:rPr kumimoji="1" lang="zh-CN" altLang="en-US" dirty="0" smtClean="0"/>
-              <a:t>列</a:t>
-            </a:r>
-            <a:endParaRPr kumimoji="1" lang="en-US" altLang="zh-CN" dirty="0" smtClean="0"/>
-          </a:p>
-          <a:p>
-            <a:pPr lvl="2"/>
-            <a:r>
-              <a:rPr kumimoji="1" lang="zh-CN" altLang="en-US" dirty="0" smtClean="0"/>
-              <a:t>包含</a:t>
-            </a:r>
-            <a:r>
-              <a:rPr kumimoji="1" lang="en-US" altLang="zh-CN" dirty="0" err="1" smtClean="0"/>
-              <a:t>rowid</a:t>
-            </a:r>
-            <a:r>
-              <a:rPr kumimoji="1" lang="zh-CN" altLang="en-US" dirty="0" smtClean="0"/>
-              <a:t>的隐藏聚簇索引：</a:t>
-            </a:r>
-            <a:r>
-              <a:rPr lang="en-US" altLang="zh-CN" b="1" dirty="0"/>
-              <a:t> GEN_CLUST_INDEX</a:t>
-            </a:r>
-            <a:endParaRPr kumimoji="1" lang="en-US" altLang="zh-CN" dirty="0"/>
-          </a:p>
-          <a:p>
-            <a:r>
-              <a:rPr kumimoji="1" lang="en-US" altLang="zh-CN" dirty="0" smtClean="0"/>
-              <a:t>Secondary</a:t>
-            </a:r>
-            <a:r>
-              <a:rPr kumimoji="1" lang="zh-CN" altLang="en-US" dirty="0" smtClean="0"/>
-              <a:t>（</a:t>
-            </a:r>
-            <a:r>
-              <a:rPr lang="en-US" altLang="zh-CN" dirty="0" err="1"/>
-              <a:t>B+Tree</a:t>
-            </a:r>
-            <a:r>
-              <a:rPr kumimoji="1" lang="zh-CN" altLang="en-US" dirty="0" smtClean="0"/>
-              <a:t>）：</a:t>
-            </a:r>
-            <a:endParaRPr kumimoji="1" lang="en-US" altLang="zh-CN" dirty="0" smtClean="0"/>
-          </a:p>
-          <a:p>
-            <a:pPr lvl="1"/>
-            <a:r>
-              <a:rPr kumimoji="1" lang="en-US" altLang="zh-CN" dirty="0" smtClean="0"/>
-              <a:t>key</a:t>
-            </a:r>
-            <a:r>
-              <a:rPr kumimoji="1" lang="zh-CN" altLang="en-US" dirty="0" smtClean="0"/>
-              <a:t>为聚簇索引的聚簇列，</a:t>
-            </a:r>
-            <a:r>
-              <a:rPr kumimoji="1" lang="en-US" altLang="zh-CN" dirty="0" err="1" smtClean="0"/>
-              <a:t>val</a:t>
-            </a:r>
-            <a:r>
-              <a:rPr kumimoji="1" lang="zh-CN" altLang="en-US" dirty="0" smtClean="0"/>
-              <a:t>为二级索引的</a:t>
-            </a:r>
-            <a:r>
-              <a:rPr kumimoji="1" lang="en-US" altLang="zh-CN" dirty="0" smtClean="0"/>
-              <a:t>value</a:t>
-            </a:r>
-            <a:r>
-              <a:rPr kumimoji="1" lang="zh-CN" altLang="en-US" dirty="0" smtClean="0"/>
-              <a:t>。</a:t>
-            </a:r>
-            <a:endParaRPr kumimoji="1" lang="en-US" altLang="zh-CN" dirty="0" smtClean="0"/>
-          </a:p>
-          <a:p>
-            <a:r>
-              <a:rPr kumimoji="1" lang="en-US" altLang="zh-CN" dirty="0" err="1" smtClean="0"/>
-              <a:t>FullText</a:t>
-            </a:r>
-            <a:r>
-              <a:rPr kumimoji="1" lang="zh-CN" altLang="en-US" dirty="0" smtClean="0"/>
-              <a:t>（倒排索引）</a:t>
-            </a:r>
-            <a:endParaRPr kumimoji="1" lang="en-US" altLang="zh-CN" dirty="0" smtClean="0"/>
-          </a:p>
-          <a:p>
-            <a:r>
-              <a:rPr kumimoji="1" lang="en-US" altLang="zh-CN" dirty="0" smtClean="0"/>
-              <a:t>Spatial</a:t>
-            </a:r>
-            <a:r>
-              <a:rPr kumimoji="1" lang="zh-CN" altLang="en-US" dirty="0"/>
-              <a:t> </a:t>
-            </a:r>
-            <a:r>
-              <a:rPr kumimoji="1" lang="en-US" altLang="zh-CN" dirty="0" smtClean="0"/>
-              <a:t>Index</a:t>
-            </a:r>
-            <a:r>
-              <a:rPr kumimoji="1" lang="zh-CN" altLang="en-US" dirty="0" smtClean="0"/>
-              <a:t>（</a:t>
-            </a:r>
-            <a:r>
-              <a:rPr kumimoji="1" lang="en-US" altLang="zh-CN" dirty="0" smtClean="0"/>
-              <a:t>R-tree</a:t>
-            </a:r>
-            <a:r>
-              <a:rPr kumimoji="1" lang="zh-CN" altLang="en-US" dirty="0" smtClean="0"/>
-              <a:t>）</a:t>
-            </a:r>
-            <a:endParaRPr kumimoji="1" lang="en-US" altLang="zh-CN" dirty="0" smtClean="0"/>
-          </a:p>
-          <a:p>
-            <a:r>
-              <a:rPr kumimoji="1" lang="zh-CN" altLang="en-US" dirty="0" smtClean="0">
-                <a:solidFill>
-                  <a:schemeClr val="tx2"/>
-                </a:solidFill>
-              </a:rPr>
-              <a:t>（之前有过</a:t>
-            </a:r>
-            <a:r>
-              <a:rPr kumimoji="1" lang="en-US" altLang="zh-CN" dirty="0" err="1" smtClean="0">
-                <a:solidFill>
-                  <a:schemeClr val="tx2"/>
-                </a:solidFill>
-              </a:rPr>
-              <a:t>HashIndex</a:t>
-            </a:r>
-            <a:r>
-              <a:rPr kumimoji="1" lang="zh-CN" altLang="en-US" dirty="0" smtClean="0">
-                <a:solidFill>
-                  <a:schemeClr val="tx2"/>
-                </a:solidFill>
-              </a:rPr>
-              <a:t>，后来被</a:t>
-            </a:r>
-            <a:r>
-              <a:rPr kumimoji="1" lang="en-US" altLang="zh-CN" dirty="0" smtClean="0">
-                <a:solidFill>
-                  <a:schemeClr val="tx2"/>
-                </a:solidFill>
-              </a:rPr>
-              <a:t>B</a:t>
-            </a:r>
-            <a:r>
-              <a:rPr kumimoji="1" lang="zh-CN" altLang="en-US" dirty="0" smtClean="0">
-                <a:solidFill>
-                  <a:schemeClr val="tx2"/>
-                </a:solidFill>
-              </a:rPr>
-              <a:t>树取代了</a:t>
-            </a:r>
-            <a:r>
-              <a:rPr kumimoji="1" lang="zh-CN" altLang="en-US" dirty="0">
-                <a:solidFill>
-                  <a:schemeClr val="tx2"/>
-                </a:solidFill>
-              </a:rPr>
-              <a:t>）</a:t>
-            </a:r>
-            <a:endParaRPr kumimoji="1" lang="en-US" altLang="zh-CN" dirty="0">
-              <a:solidFill>
-                <a:schemeClr val="tx2"/>
-              </a:solidFill>
-            </a:endParaRPr>
-          </a:p>
-        </p:txBody>
-      </p:sp>
+            <p:extLst>
+              <p:ext uri="{D42A27DB-BD31-4B8C-83A1-F6EECF244321}">
+                <p14:modId xmlns:p14="http://schemas.microsoft.com/office/powerpoint/2010/main" val="1977594823"/>
+              </p:ext>
+            </p:extLst>
+          </p:nvPr>
+        </p:nvGraphicFramePr>
+        <p:xfrm>
+          <a:off x="838200" y="1825625"/>
+          <a:ext cx="10515600" cy="2494280"/>
+        </p:xfrm>
+        <a:graphic>
+          <a:graphicData uri="http://schemas.openxmlformats.org/drawingml/2006/table">
+            <a:tbl>
+              <a:tblPr firstRow="1" bandRow="1">
+                <a:tableStyleId>{5C22544A-7EE6-4342-B048-85BDC9FD1C3A}</a:tableStyleId>
+              </a:tblPr>
+              <a:tblGrid>
+                <a:gridCol w="3505200"/>
+                <a:gridCol w="3505200"/>
+                <a:gridCol w="3505200"/>
+              </a:tblGrid>
+              <a:tr h="370840">
+                <a:tc>
+                  <a:txBody>
+                    <a:bodyPr/>
+                    <a:lstStyle/>
+                    <a:p>
+                      <a:r>
+                        <a:rPr lang="zh-CN" altLang="en-US" dirty="0" smtClean="0"/>
+                        <a:t>角度</a:t>
+                      </a:r>
+                      <a:endParaRPr lang="zh-CN" altLang="en-US" dirty="0"/>
+                    </a:p>
+                  </a:txBody>
+                  <a:tcPr/>
+                </a:tc>
+                <a:tc>
+                  <a:txBody>
+                    <a:bodyPr/>
+                    <a:lstStyle/>
+                    <a:p>
+                      <a:r>
+                        <a:rPr lang="en-US" altLang="zh-CN" dirty="0" err="1" smtClean="0"/>
+                        <a:t>InnoDB</a:t>
+                      </a:r>
+                      <a:endParaRPr lang="zh-CN" altLang="en-US" dirty="0"/>
+                    </a:p>
+                  </a:txBody>
+                  <a:tcPr/>
+                </a:tc>
+                <a:tc>
+                  <a:txBody>
+                    <a:bodyPr/>
+                    <a:lstStyle/>
+                    <a:p>
+                      <a:r>
+                        <a:rPr lang="en-US" altLang="zh-CN" dirty="0" smtClean="0"/>
+                        <a:t>PostgreSQL</a:t>
+                      </a:r>
+                      <a:endParaRPr lang="zh-CN" altLang="en-US" dirty="0"/>
+                    </a:p>
+                  </a:txBody>
+                  <a:tcPr/>
+                </a:tc>
+              </a:tr>
+              <a:tr h="370840">
+                <a:tc>
+                  <a:txBody>
+                    <a:bodyPr/>
+                    <a:lstStyle/>
+                    <a:p>
+                      <a:r>
+                        <a:rPr lang="zh-CN" altLang="en-US" dirty="0" smtClean="0"/>
+                        <a:t>数据表类型</a:t>
+                      </a:r>
+                      <a:endParaRPr lang="zh-CN" altLang="en-US" dirty="0"/>
+                    </a:p>
+                  </a:txBody>
+                  <a:tcPr/>
+                </a:tc>
+                <a:tc>
+                  <a:txBody>
+                    <a:bodyPr/>
+                    <a:lstStyle/>
+                    <a:p>
+                      <a:r>
+                        <a:rPr lang="zh-CN" altLang="en-US" dirty="0" smtClean="0"/>
+                        <a:t>索引组织表</a:t>
+                      </a:r>
+                      <a:endParaRPr lang="zh-CN" altLang="en-US" dirty="0"/>
+                    </a:p>
+                  </a:txBody>
+                  <a:tcPr/>
+                </a:tc>
+                <a:tc>
+                  <a:txBody>
+                    <a:bodyPr/>
+                    <a:lstStyle/>
+                    <a:p>
+                      <a:r>
+                        <a:rPr lang="zh-CN" altLang="en-US" dirty="0" smtClean="0"/>
+                        <a:t>堆表</a:t>
+                      </a:r>
+                      <a:endParaRPr lang="zh-CN" altLang="en-US" dirty="0"/>
+                    </a:p>
+                  </a:txBody>
+                  <a:tcPr/>
+                </a:tc>
+              </a:tr>
+              <a:tr h="370840">
+                <a:tc>
+                  <a:txBody>
+                    <a:bodyPr/>
+                    <a:lstStyle/>
+                    <a:p>
+                      <a:r>
+                        <a:rPr lang="zh-CN" altLang="en-US" dirty="0" smtClean="0"/>
+                        <a:t>索引类型</a:t>
+                      </a:r>
+                      <a:endParaRPr lang="zh-CN" altLang="en-US" dirty="0"/>
+                    </a:p>
+                  </a:txBody>
+                  <a:tcPr/>
+                </a:tc>
+                <a:tc>
+                  <a:txBody>
+                    <a:bodyPr/>
+                    <a:lstStyle/>
+                    <a:p>
+                      <a:r>
+                        <a:rPr lang="en-US" altLang="zh-CN" dirty="0" smtClean="0"/>
+                        <a:t>B+</a:t>
+                      </a:r>
+                      <a:r>
+                        <a:rPr lang="zh-CN" altLang="en-US" dirty="0" smtClean="0"/>
+                        <a:t>树、</a:t>
+                      </a:r>
+                      <a:r>
+                        <a:rPr lang="en-US" altLang="zh-CN" dirty="0" smtClean="0"/>
+                        <a:t>R</a:t>
+                      </a:r>
+                      <a:r>
+                        <a:rPr lang="zh-CN" altLang="en-US" dirty="0" smtClean="0"/>
+                        <a:t>树、倒排等</a:t>
+                      </a:r>
+                      <a:endParaRPr lang="zh-CN" altLang="en-US" dirty="0"/>
+                    </a:p>
+                  </a:txBody>
+                  <a:tcPr/>
+                </a:tc>
+                <a:tc>
+                  <a:txBody>
+                    <a:bodyPr/>
+                    <a:lstStyle/>
+                    <a:p>
+                      <a:r>
+                        <a:rPr lang="en-US" altLang="zh-CN" dirty="0" smtClean="0"/>
+                        <a:t>B+</a:t>
+                      </a:r>
+                      <a:r>
+                        <a:rPr lang="zh-CN" altLang="en-US" dirty="0" smtClean="0"/>
+                        <a:t>树、</a:t>
+                      </a:r>
+                      <a:r>
+                        <a:rPr lang="en-US" altLang="zh-CN" dirty="0" smtClean="0"/>
+                        <a:t>R</a:t>
+                      </a:r>
+                      <a:r>
+                        <a:rPr lang="zh-CN" altLang="en-US" dirty="0" smtClean="0"/>
+                        <a:t>树、倒排、</a:t>
+                      </a:r>
+                      <a:r>
+                        <a:rPr lang="en-US" altLang="zh-CN" dirty="0" smtClean="0"/>
+                        <a:t>Hash</a:t>
+                      </a:r>
+                      <a:r>
+                        <a:rPr lang="zh-CN" altLang="en-US" dirty="0" smtClean="0"/>
+                        <a:t>、块范围等</a:t>
+                      </a:r>
+                      <a:endParaRPr lang="zh-CN" altLang="en-US" dirty="0"/>
+                    </a:p>
+                  </a:txBody>
+                  <a:tcPr/>
+                </a:tc>
+              </a:tr>
+              <a:tr h="370840">
+                <a:tc>
+                  <a:txBody>
+                    <a:bodyPr/>
+                    <a:lstStyle/>
+                    <a:p>
+                      <a:r>
+                        <a:rPr lang="zh-CN" altLang="en-US" dirty="0" smtClean="0"/>
+                        <a:t>部分索引</a:t>
+                      </a:r>
+                      <a:endParaRPr lang="zh-CN" altLang="en-US" dirty="0"/>
+                    </a:p>
+                  </a:txBody>
+                  <a:tcPr/>
+                </a:tc>
+                <a:tc>
+                  <a:txBody>
+                    <a:bodyPr/>
+                    <a:lstStyle/>
+                    <a:p>
+                      <a:r>
+                        <a:rPr lang="zh-CN" altLang="en-US" dirty="0" smtClean="0"/>
+                        <a:t>？</a:t>
+                      </a:r>
+                      <a:endParaRPr lang="zh-CN" altLang="en-US" dirty="0"/>
+                    </a:p>
+                  </a:txBody>
+                  <a:tcPr/>
+                </a:tc>
+                <a:tc>
+                  <a:txBody>
+                    <a:bodyPr/>
+                    <a:lstStyle/>
+                    <a:p>
+                      <a:endParaRPr lang="zh-CN" altLang="en-US" dirty="0"/>
+                    </a:p>
+                  </a:txBody>
+                  <a:tcPr/>
+                </a:tc>
+              </a:tr>
+              <a:tr h="370840">
+                <a:tc>
+                  <a:txBody>
+                    <a:bodyPr/>
+                    <a:lstStyle/>
+                    <a:p>
+                      <a:r>
+                        <a:rPr lang="zh-CN" altLang="en-US" dirty="0" smtClean="0"/>
+                        <a:t>表达式索引</a:t>
+                      </a:r>
+                      <a:endParaRPr lang="zh-CN" altLang="en-US" dirty="0"/>
+                    </a:p>
+                  </a:txBody>
+                  <a:tcPr/>
+                </a:tc>
+                <a:tc>
+                  <a:txBody>
+                    <a:bodyPr/>
+                    <a:lstStyle/>
+                    <a:p>
+                      <a:r>
+                        <a:rPr lang="zh-CN" altLang="en-US" dirty="0" smtClean="0"/>
+                        <a:t>虚拟列</a:t>
+                      </a:r>
+                      <a:endParaRPr lang="zh-CN" altLang="en-US" dirty="0"/>
+                    </a:p>
+                  </a:txBody>
+                  <a:tcPr/>
+                </a:tc>
+                <a:tc>
+                  <a:txBody>
+                    <a:bodyPr/>
+                    <a:lstStyle/>
+                    <a:p>
+                      <a:endParaRPr lang="zh-CN" altLang="en-US" dirty="0"/>
+                    </a:p>
+                  </a:txBody>
+                  <a:tcPr/>
+                </a:tc>
+              </a:tr>
+              <a:tr h="370840">
+                <a:tc>
+                  <a:txBody>
+                    <a:bodyPr/>
+                    <a:lstStyle/>
+                    <a:p>
+                      <a:r>
+                        <a:rPr lang="en-US" altLang="zh-CN" dirty="0" smtClean="0"/>
+                        <a:t>Bitmap</a:t>
+                      </a:r>
+                      <a:r>
+                        <a:rPr lang="zh-CN" altLang="en-US" dirty="0" smtClean="0"/>
+                        <a:t> </a:t>
+                      </a:r>
+                      <a:r>
+                        <a:rPr lang="en-US" altLang="zh-CN" dirty="0" smtClean="0"/>
+                        <a:t>scan</a:t>
+                      </a:r>
+                      <a:endParaRPr lang="zh-CN" altLang="en-US" dirty="0"/>
+                    </a:p>
+                  </a:txBody>
+                  <a:tcPr/>
+                </a:tc>
+                <a:tc>
+                  <a:txBody>
+                    <a:bodyPr/>
+                    <a:lstStyle/>
+                    <a:p>
+                      <a:r>
+                        <a:rPr lang="zh-CN" altLang="en-US" dirty="0" smtClean="0"/>
+                        <a:t>？</a:t>
+                      </a:r>
+                      <a:endParaRPr lang="zh-CN" altLang="en-US" dirty="0"/>
+                    </a:p>
+                  </a:txBody>
+                  <a:tcPr/>
+                </a:tc>
+                <a:tc>
+                  <a:txBody>
+                    <a:bodyPr/>
+                    <a:lstStyle/>
+                    <a:p>
+                      <a:endParaRPr lang="zh-CN" altLang="en-US" dirty="0"/>
+                    </a:p>
+                  </a:txBody>
+                  <a:tcPr/>
+                </a:tc>
+              </a:tr>
+            </a:tbl>
+          </a:graphicData>
+        </a:graphic>
+      </p:graphicFrame>
     </p:spTree>
     <p:extLst>
       <p:ext uri="{BB962C8B-B14F-4D97-AF65-F5344CB8AC3E}">
-        <p14:creationId xmlns:p14="http://schemas.microsoft.com/office/powerpoint/2010/main" val="130243836"/>
+        <p14:creationId xmlns:p14="http://schemas.microsoft.com/office/powerpoint/2010/main" val="1279308682"/>
       </p:ext>
     </p:extLst>
   </p:cSld>
@@ -13913,18 +13844,10 @@
           <a:lstStyle/>
           <a:p>
             <a:r>
-              <a:rPr lang="en-US" altLang="zh-CN" dirty="0" err="1"/>
-              <a:t>AccessMethod</a:t>
-            </a:r>
-            <a:r>
-              <a:rPr lang="en-US" altLang="zh-CN" dirty="0"/>
-              <a:t>——</a:t>
-            </a:r>
-            <a:r>
-              <a:rPr lang="en-US" altLang="zh-CN" dirty="0" smtClean="0"/>
-              <a:t>PostgreSQL</a:t>
-            </a:r>
-            <a:endParaRPr lang="en-US" altLang="zh-CN" dirty="0"/>
+              <a:rPr kumimoji="1" lang="en-US" altLang="zh-CN" dirty="0" err="1" smtClean="0"/>
+              <a:t>AccessMethod-InnoDB</a:t>
+            </a:r>
+            <a:endParaRPr kumimoji="1" lang="zh-CN" altLang="en-US" dirty="0"/>
           </a:p>
         </p:txBody>
       </p:sp>
@@ -13945,72 +13868,229 @@
           </a:bodyPr>
           <a:lstStyle/>
           <a:p>
-            <a:pPr marL="228600" lvl="1">
-              <a:spcBef>
-                <a:spcPts val="1000"/>
-              </a:spcBef>
-            </a:pPr>
-            <a:r>
-              <a:rPr kumimoji="1" lang="zh-CN" altLang="en-US" dirty="0" smtClean="0"/>
-              <a:t>标识</a:t>
+            <a:r>
+              <a:rPr kumimoji="1" lang="en-US" altLang="zh-CN" dirty="0" smtClean="0"/>
+              <a:t>primary</a:t>
+            </a:r>
+            <a:r>
+              <a:rPr kumimoji="1" lang="zh-CN" altLang="en-US" dirty="0" smtClean="0"/>
+              <a:t>（</a:t>
+            </a:r>
+            <a:r>
+              <a:rPr lang="en-US" altLang="zh-CN" dirty="0" err="1"/>
+              <a:t>B+Tree</a:t>
+            </a:r>
+            <a:r>
+              <a:rPr kumimoji="1" lang="zh-CN" altLang="en-US" dirty="0"/>
+              <a:t>）： </a:t>
             </a:r>
             <a:endParaRPr kumimoji="1" lang="en-US" altLang="zh-CN" dirty="0" smtClean="0"/>
           </a:p>
           <a:p>
-            <a:r>
-              <a:rPr kumimoji="1" lang="zh-CN" altLang="en-US" dirty="0" smtClean="0"/>
-              <a:t>类型</a:t>
+            <a:pPr lvl="1"/>
+            <a:r>
+              <a:rPr kumimoji="1" lang="zh-CN" altLang="en-US" dirty="0" smtClean="0"/>
+              <a:t>索引</a:t>
+            </a:r>
+            <a:r>
+              <a:rPr kumimoji="1" lang="zh-CN" altLang="en-US" dirty="0"/>
+              <a:t>组织</a:t>
+            </a:r>
+            <a:r>
+              <a:rPr kumimoji="1" lang="zh-CN" altLang="en-US" dirty="0" smtClean="0"/>
+              <a:t>表，按照以下三种类型进行组织的聚簇索引：</a:t>
             </a:r>
             <a:endParaRPr kumimoji="1" lang="en-US" altLang="zh-CN" dirty="0" smtClean="0"/>
           </a:p>
           <a:p>
-            <a:r>
-              <a:rPr kumimoji="1" lang="zh-CN" altLang="en-US" dirty="0" smtClean="0"/>
-              <a:t>组合访问</a:t>
+            <a:pPr lvl="2"/>
+            <a:r>
+              <a:rPr kumimoji="1" lang="zh-CN" altLang="en-US" dirty="0"/>
+              <a:t>主键</a:t>
+            </a:r>
+            <a:r>
+              <a:rPr kumimoji="1" lang="zh-CN" altLang="en-US" dirty="0" smtClean="0"/>
+              <a:t>列</a:t>
             </a:r>
             <a:endParaRPr kumimoji="1" lang="en-US" altLang="zh-CN" dirty="0" smtClean="0"/>
           </a:p>
           <a:p>
-            <a:r>
-              <a:rPr kumimoji="1" lang="zh-CN" altLang="en-US" dirty="0" smtClean="0"/>
-              <a:t>组合访问</a:t>
+            <a:pPr lvl="2"/>
+            <a:r>
+              <a:rPr kumimoji="1" lang="zh-CN" altLang="en-US" dirty="0" smtClean="0"/>
+              <a:t>第一</a:t>
+            </a:r>
+            <a:r>
+              <a:rPr kumimoji="1" lang="zh-CN" altLang="en-US" dirty="0"/>
+              <a:t>个非空</a:t>
+            </a:r>
+            <a:r>
+              <a:rPr kumimoji="1" lang="en-US" altLang="zh-CN" dirty="0"/>
+              <a:t>Unique</a:t>
+            </a:r>
+            <a:r>
+              <a:rPr kumimoji="1" lang="zh-CN" altLang="en-US" dirty="0" smtClean="0"/>
+              <a:t>列</a:t>
             </a:r>
             <a:endParaRPr kumimoji="1" lang="en-US" altLang="zh-CN" dirty="0" smtClean="0"/>
           </a:p>
           <a:p>
+            <a:pPr lvl="2"/>
+            <a:r>
+              <a:rPr kumimoji="1" lang="zh-CN" altLang="en-US" dirty="0" smtClean="0"/>
+              <a:t>包含</a:t>
+            </a:r>
+            <a:r>
+              <a:rPr kumimoji="1" lang="en-US" altLang="zh-CN" dirty="0" err="1" smtClean="0"/>
+              <a:t>rowid</a:t>
+            </a:r>
+            <a:r>
+              <a:rPr kumimoji="1" lang="zh-CN" altLang="en-US" dirty="0" smtClean="0"/>
+              <a:t>的隐藏聚簇索引：</a:t>
+            </a:r>
+            <a:r>
+              <a:rPr lang="en-US" altLang="zh-CN" b="1" dirty="0"/>
+              <a:t> GEN_CLUST_INDEX</a:t>
+            </a:r>
             <a:endParaRPr kumimoji="1" lang="en-US" altLang="zh-CN" dirty="0"/>
           </a:p>
           <a:p>
+            <a:r>
+              <a:rPr kumimoji="1" lang="en-US" altLang="zh-CN" dirty="0" smtClean="0"/>
+              <a:t>Secondary</a:t>
+            </a:r>
+            <a:r>
+              <a:rPr kumimoji="1" lang="zh-CN" altLang="en-US" dirty="0" smtClean="0"/>
+              <a:t>（</a:t>
+            </a:r>
+            <a:r>
+              <a:rPr lang="en-US" altLang="zh-CN" dirty="0" err="1"/>
+              <a:t>B+Tree</a:t>
+            </a:r>
+            <a:r>
+              <a:rPr kumimoji="1" lang="zh-CN" altLang="en-US" dirty="0" smtClean="0"/>
+              <a:t>）：</a:t>
+            </a:r>
             <a:endParaRPr kumimoji="1" lang="en-US" altLang="zh-CN" dirty="0" smtClean="0"/>
           </a:p>
           <a:p>
-            <a:endParaRPr kumimoji="1" lang="en-US" altLang="zh-CN" dirty="0"/>
-          </a:p>
-          <a:p>
-            <a:pPr marL="228600" lvl="1">
-              <a:spcBef>
-                <a:spcPts val="1000"/>
-              </a:spcBef>
-            </a:pPr>
+            <a:pPr lvl="1"/>
+            <a:r>
+              <a:rPr kumimoji="1" lang="en-US" altLang="zh-CN" dirty="0" smtClean="0"/>
+              <a:t>key</a:t>
+            </a:r>
+            <a:r>
+              <a:rPr kumimoji="1" lang="zh-CN" altLang="en-US" dirty="0" smtClean="0"/>
+              <a:t>为聚簇索引的聚簇列，</a:t>
+            </a:r>
+            <a:r>
+              <a:rPr kumimoji="1" lang="en-US" altLang="zh-CN" dirty="0" err="1" smtClean="0"/>
+              <a:t>val</a:t>
+            </a:r>
+            <a:r>
+              <a:rPr kumimoji="1" lang="zh-CN" altLang="en-US" dirty="0" smtClean="0"/>
+              <a:t>为二级索引的</a:t>
+            </a:r>
+            <a:r>
+              <a:rPr kumimoji="1" lang="en-US" altLang="zh-CN" dirty="0" smtClean="0"/>
+              <a:t>value</a:t>
+            </a:r>
+            <a:r>
+              <a:rPr kumimoji="1" lang="zh-CN" altLang="en-US" dirty="0" smtClean="0"/>
+              <a:t>。</a:t>
+            </a:r>
+            <a:endParaRPr kumimoji="1" lang="en-US" altLang="zh-CN" dirty="0" smtClean="0"/>
+          </a:p>
+          <a:p>
+            <a:r>
+              <a:rPr kumimoji="1" lang="en-US" altLang="zh-CN" dirty="0" err="1" smtClean="0"/>
+              <a:t>FullText</a:t>
+            </a:r>
+            <a:r>
+              <a:rPr kumimoji="1" lang="zh-CN" altLang="en-US" dirty="0" smtClean="0"/>
+              <a:t>（倒排索引）</a:t>
+            </a:r>
+            <a:endParaRPr kumimoji="1" lang="en-US" altLang="zh-CN" dirty="0" smtClean="0"/>
+          </a:p>
+          <a:p>
+            <a:r>
+              <a:rPr kumimoji="1" lang="en-US" altLang="zh-CN" dirty="0" smtClean="0"/>
+              <a:t>Spatial</a:t>
+            </a:r>
+            <a:r>
+              <a:rPr kumimoji="1" lang="zh-CN" altLang="en-US" dirty="0"/>
+              <a:t> </a:t>
+            </a:r>
+            <a:r>
+              <a:rPr kumimoji="1" lang="en-US" altLang="zh-CN" dirty="0" smtClean="0"/>
+              <a:t>Index</a:t>
+            </a:r>
+            <a:r>
+              <a:rPr kumimoji="1" lang="zh-CN" altLang="en-US" dirty="0" smtClean="0"/>
+              <a:t>（</a:t>
+            </a:r>
+            <a:r>
+              <a:rPr kumimoji="1" lang="en-US" altLang="zh-CN" dirty="0" smtClean="0"/>
+              <a:t>R-tree</a:t>
+            </a:r>
+            <a:r>
+              <a:rPr kumimoji="1" lang="zh-CN" altLang="en-US" dirty="0" smtClean="0"/>
+              <a:t>）</a:t>
+            </a:r>
+            <a:endParaRPr kumimoji="1" lang="en-US" altLang="zh-CN" dirty="0" smtClean="0"/>
+          </a:p>
+          <a:p>
+            <a:r>
+              <a:rPr kumimoji="1" lang="zh-CN" altLang="en-US" dirty="0" smtClean="0">
+                <a:solidFill>
+                  <a:schemeClr val="tx2"/>
+                </a:solidFill>
+              </a:rPr>
+              <a:t>（之前有过</a:t>
+            </a:r>
             <a:r>
               <a:rPr kumimoji="1" lang="en-US" altLang="zh-CN" dirty="0" err="1" smtClean="0">
                 <a:solidFill>
-                  <a:schemeClr val="accent3"/>
+                  <a:schemeClr val="tx2"/>
                 </a:solidFill>
               </a:rPr>
-              <a:t>src</a:t>
+              <a:t>HashIndex</a:t>
+            </a:r>
+            <a:r>
+              <a:rPr kumimoji="1" lang="zh-CN" altLang="en-US" dirty="0" smtClean="0">
+                <a:solidFill>
+                  <a:schemeClr val="tx2"/>
+                </a:solidFill>
+              </a:rPr>
+              <a:t>，后来被</a:t>
             </a:r>
             <a:r>
               <a:rPr kumimoji="1" lang="en-US" altLang="zh-CN" dirty="0" smtClean="0">
                 <a:solidFill>
-                  <a:schemeClr val="accent3"/>
+                  <a:schemeClr val="tx2"/>
                 </a:solidFill>
               </a:rPr>
-              <a:t>/backend/access</a:t>
+              <a:t>B</a:t>
+            </a:r>
+            <a:r>
+              <a:rPr kumimoji="1" lang="zh-CN" altLang="en-US" dirty="0" smtClean="0">
+                <a:solidFill>
+                  <a:schemeClr val="tx2"/>
+                </a:solidFill>
+              </a:rPr>
+              <a:t>树取代了</a:t>
+            </a:r>
+            <a:r>
+              <a:rPr kumimoji="1" lang="zh-CN" altLang="en-US" dirty="0">
+                <a:solidFill>
+                  <a:schemeClr val="tx2"/>
+                </a:solidFill>
+              </a:rPr>
+              <a:t>）</a:t>
             </a:r>
             <a:endParaRPr kumimoji="1" lang="en-US" altLang="zh-CN" dirty="0">
               <a:solidFill>
-                <a:schemeClr val="accent3"/>
+                <a:schemeClr val="tx2"/>
               </a:solidFill>
             </a:endParaRPr>
           </a:p>
@@ -14019,21 +14099,13 @@
     </p:spTree>
     <p:extLst>
       <p:ext uri="{BB962C8B-B14F-4D97-AF65-F5344CB8AC3E}">
-        <p14:creationId xmlns:p14="http://schemas.microsoft.com/office/powerpoint/2010/main" val="1854045744"/>
+        <p14:creationId xmlns:p14="http://schemas.microsoft.com/office/powerpoint/2010/main" val="130243836"/>
       </p:ext>
     </p:extLst>
   </p:cSld>
   <p:clrMapOvr>
     <a:masterClrMapping/>
   </p:clrMapOvr>
-  <mc:AlternateContent xmlns:mc="http://schemas.openxmlformats.org/markup-compatibility/2006" xmlns:p14="http://schemas.microsoft.com/office/powerpoint/2010/main">
-    <mc:Choice Requires="p14">
-      <p:transition spd="slow" p14:dur="2000" advTm="12611"/>
-    </mc:Choice>
-    <mc:Fallback xmlns="">
-      <p:transition spd="slow" advTm="12611"/>
-    </mc:Fallback>
-  </mc:AlternateContent>
   <p:timing>
     <p:tnLst>
       <p:par>
@@ -14423,7 +14495,7 @@
         </p:blipFill>
         <p:spPr>
           <a:xfrm>
-            <a:off x="1146549" y="1740694"/>
+            <a:off x="1146549" y="1841667"/>
             <a:ext cx="9898901" cy="3360738"/>
           </a:xfrm>
           <a:prstGeom prst="rect">
